--- a/co.AE_APRSOLUTIONSS/Presentation/APR Solutionss presentacion.pptx
+++ b/co.AE_APRSOLUTIONSS/Presentation/APR Solutionss presentacion.pptx
@@ -2,7 +2,7 @@
 <file path=ppt/presentation.xml><?xml version="1.0" encoding="utf-8"?>
 <p:presentation xmlns:a="http://schemas.openxmlformats.org/drawingml/2006/main" xmlns:r="http://schemas.openxmlformats.org/officeDocument/2006/relationships" xmlns:p="http://schemas.openxmlformats.org/presentationml/2006/main" saveSubsetFonts="1">
   <p:sldMasterIdLst>
-    <p:sldMasterId id="2147483660" r:id="rId1"/>
+    <p:sldMasterId id="2147483691" r:id="rId1"/>
   </p:sldMasterIdLst>
   <p:sldIdLst>
     <p:sldId id="256" r:id="rId2"/>
@@ -11,19 +11,18 @@
     <p:sldId id="259" r:id="rId5"/>
     <p:sldId id="260" r:id="rId6"/>
     <p:sldId id="261" r:id="rId7"/>
-    <p:sldId id="274" r:id="rId8"/>
-    <p:sldId id="262" r:id="rId9"/>
-    <p:sldId id="264" r:id="rId10"/>
-    <p:sldId id="265" r:id="rId11"/>
-    <p:sldId id="263" r:id="rId12"/>
-    <p:sldId id="267" r:id="rId13"/>
-    <p:sldId id="266" r:id="rId14"/>
-    <p:sldId id="272" r:id="rId15"/>
-    <p:sldId id="273" r:id="rId16"/>
-    <p:sldId id="268" r:id="rId17"/>
-    <p:sldId id="269" r:id="rId18"/>
-    <p:sldId id="270" r:id="rId19"/>
-    <p:sldId id="271" r:id="rId20"/>
+    <p:sldId id="262" r:id="rId8"/>
+    <p:sldId id="264" r:id="rId9"/>
+    <p:sldId id="265" r:id="rId10"/>
+    <p:sldId id="263" r:id="rId11"/>
+    <p:sldId id="267" r:id="rId12"/>
+    <p:sldId id="266" r:id="rId13"/>
+    <p:sldId id="272" r:id="rId14"/>
+    <p:sldId id="273" r:id="rId15"/>
+    <p:sldId id="268" r:id="rId16"/>
+    <p:sldId id="269" r:id="rId17"/>
+    <p:sldId id="270" r:id="rId18"/>
+    <p:sldId id="271" r:id="rId19"/>
   </p:sldIdLst>
   <p:sldSz cx="12192000" cy="6858000"/>
   <p:notesSz cx="6858000" cy="9144000"/>
@@ -124,7 +123,7 @@
   </p:defaultTextStyle>
   <p:extLst>
     <p:ext uri="{EFAFB233-063F-42B5-8137-9DF3F51BA10A}">
-      <p15:sldGuideLst xmlns:p15="http://schemas.microsoft.com/office/powerpoint/2012/main"/>
+      <p15:sldGuideLst xmlns:p15="http://schemas.microsoft.com/office/powerpoint/2012/main" xmlns=""/>
     </p:ext>
   </p:extLst>
 </p:presentation>
@@ -132,7 +131,7 @@
 
 <file path=ppt/slideLayouts/slideLayout1.xml><?xml version="1.0" encoding="utf-8"?>
 <p:sldLayout xmlns:a="http://schemas.openxmlformats.org/drawingml/2006/main" xmlns:r="http://schemas.openxmlformats.org/officeDocument/2006/relationships" xmlns:p="http://schemas.openxmlformats.org/presentationml/2006/main" showMasterSp="0" type="title" preserve="1">
-  <p:cSld name="Title Slide">
+  <p:cSld name="Diapositiva de título">
     <p:spTree>
       <p:nvGrpSpPr>
         <p:cNvPr id="1" name=""/>
@@ -147,174 +146,78 @@
           <a:chExt cx="0" cy="0"/>
         </a:xfrm>
       </p:grpSpPr>
-      <p:grpSp>
-        <p:nvGrpSpPr>
-          <p:cNvPr id="7" name="Group 6"/>
-          <p:cNvGrpSpPr/>
+      <p:sp>
+        <p:nvSpPr>
+          <p:cNvPr id="8" name="Rectangle 7"/>
+          <p:cNvSpPr/>
           <p:nvPr/>
-        </p:nvGrpSpPr>
-        <p:grpSpPr>
-          <a:xfrm>
-            <a:off x="-16934" y="0"/>
-            <a:ext cx="12231160" cy="6856214"/>
-            <a:chOff x="-16934" y="0"/>
-            <a:chExt cx="12231160" cy="6856214"/>
-          </a:xfrm>
-        </p:grpSpPr>
-        <p:pic>
-          <p:nvPicPr>
-            <p:cNvPr id="16" name="Picture 15" descr="HD-PanelTitleR1.png"/>
-            <p:cNvPicPr>
-              <a:picLocks noChangeAspect="1"/>
-            </p:cNvPicPr>
-            <p:nvPr/>
-          </p:nvPicPr>
-          <p:blipFill>
-            <a:blip r:embed="rId2">
-              <a:extLst>
-                <a:ext uri="{28A0092B-C50C-407E-A947-70E740481C1C}">
-                  <a14:useLocalDpi xmlns:a14="http://schemas.microsoft.com/office/drawing/2010/main" val="0"/>
-                </a:ext>
-              </a:extLst>
-            </a:blip>
-            <a:stretch>
-              <a:fillRect/>
-            </a:stretch>
-          </p:blipFill>
-          <p:spPr>
-            <a:xfrm>
-              <a:off x="0" y="0"/>
-              <a:ext cx="12188825" cy="6856214"/>
-            </a:xfrm>
-            <a:prstGeom prst="rect">
-              <a:avLst/>
-            </a:prstGeom>
-          </p:spPr>
-        </p:pic>
-        <p:sp>
-          <p:nvSpPr>
-            <p:cNvPr id="26" name="Rectangle 25"/>
-            <p:cNvSpPr/>
-            <p:nvPr/>
-          </p:nvSpPr>
-          <p:spPr>
-            <a:xfrm>
-              <a:off x="2328332" y="1540931"/>
-              <a:ext cx="7543802" cy="3835401"/>
-            </a:xfrm>
-            <a:prstGeom prst="rect">
-              <a:avLst/>
-            </a:prstGeom>
-            <a:noFill/>
-            <a:ln w="15875">
-              <a:miter lim="800000"/>
-            </a:ln>
-          </p:spPr>
-          <p:style>
-            <a:lnRef idx="1">
-              <a:schemeClr val="accent1"/>
-            </a:lnRef>
-            <a:fillRef idx="3">
-              <a:schemeClr val="accent1"/>
-            </a:fillRef>
-            <a:effectRef idx="2">
-              <a:schemeClr val="accent1"/>
-            </a:effectRef>
-            <a:fontRef idx="minor">
-              <a:schemeClr val="lt1"/>
-            </a:fontRef>
-          </p:style>
-        </p:sp>
-        <p:pic>
-          <p:nvPicPr>
-            <p:cNvPr id="17" name="Picture 16" descr="HDRibbonTitle-UniformTrim.png"/>
-            <p:cNvPicPr>
-              <a:picLocks noChangeAspect="1"/>
-            </p:cNvPicPr>
-            <p:nvPr/>
-          </p:nvPicPr>
-          <p:blipFill rotWithShape="1">
-            <a:blip r:embed="rId3">
-              <a:extLst>
-                <a:ext uri="{28A0092B-C50C-407E-A947-70E740481C1C}">
-                  <a14:useLocalDpi xmlns:a14="http://schemas.microsoft.com/office/drawing/2010/main" val="0"/>
-                </a:ext>
-              </a:extLst>
-            </a:blip>
-            <a:srcRect/>
-            <a:stretch/>
-          </p:blipFill>
-          <p:spPr>
-            <a:xfrm>
-              <a:off x="-16934" y="3147609"/>
-              <a:ext cx="2478024" cy="612648"/>
-            </a:xfrm>
-            <a:prstGeom prst="rect">
-              <a:avLst/>
-            </a:prstGeom>
-          </p:spPr>
-        </p:pic>
-        <p:pic>
-          <p:nvPicPr>
-            <p:cNvPr id="20" name="Picture 19" descr="HDRibbonTitle-UniformTrim.png"/>
-            <p:cNvPicPr>
-              <a:picLocks noChangeAspect="1"/>
-            </p:cNvPicPr>
-            <p:nvPr/>
-          </p:nvPicPr>
-          <p:blipFill rotWithShape="1">
-            <a:blip r:embed="rId3">
-              <a:extLst>
-                <a:ext uri="{28A0092B-C50C-407E-A947-70E740481C1C}">
-                  <a14:useLocalDpi xmlns:a14="http://schemas.microsoft.com/office/drawing/2010/main" val="0"/>
-                </a:ext>
-              </a:extLst>
-            </a:blip>
-            <a:srcRect/>
-            <a:stretch/>
-          </p:blipFill>
-          <p:spPr>
-            <a:xfrm>
-              <a:off x="9736202" y="3147609"/>
-              <a:ext cx="2478024" cy="612648"/>
-            </a:xfrm>
-            <a:prstGeom prst="rect">
-              <a:avLst/>
-            </a:prstGeom>
-          </p:spPr>
-        </p:pic>
-      </p:grpSp>
-      <p:sp>
-        <p:nvSpPr>
-          <p:cNvPr id="2" name="Title 1"/>
-          <p:cNvSpPr>
-            <a:spLocks noGrp="1"/>
-          </p:cNvSpPr>
-          <p:nvPr>
-            <p:ph type="ctrTitle"/>
-          </p:nvPr>
         </p:nvSpPr>
         <p:spPr>
           <a:xfrm>
-            <a:off x="2692398" y="1871131"/>
-            <a:ext cx="6815669" cy="1515533"/>
+            <a:off x="1036320" y="0"/>
+            <a:ext cx="10058400" cy="3048000"/>
+          </a:xfrm>
+          <a:prstGeom prst="rect">
+            <a:avLst/>
+          </a:prstGeom>
+          <a:ln>
+            <a:noFill/>
+          </a:ln>
+        </p:spPr>
+        <p:style>
+          <a:lnRef idx="2">
+            <a:schemeClr val="accent1">
+              <a:shade val="50000"/>
+            </a:schemeClr>
+          </a:lnRef>
+          <a:fillRef idx="1">
+            <a:schemeClr val="accent1"/>
+          </a:fillRef>
+          <a:effectRef idx="0">
+            <a:schemeClr val="accent1"/>
+          </a:effectRef>
+          <a:fontRef idx="minor">
+            <a:schemeClr val="lt1"/>
+          </a:fontRef>
+        </p:style>
+        <p:txBody>
+          <a:bodyPr rtlCol="0" anchor="ctr"/>
+          <a:lstStyle/>
+          <a:p>
+            <a:pPr algn="ctr"/>
+            <a:endParaRPr lang="en-US"/>
+          </a:p>
+        </p:txBody>
+      </p:sp>
+      <p:sp>
+        <p:nvSpPr>
+          <p:cNvPr id="2" name="Title 1"/>
+          <p:cNvSpPr>
+            <a:spLocks noGrp="1"/>
+          </p:cNvSpPr>
+          <p:nvPr>
+            <p:ph type="ctrTitle"/>
+          </p:nvPr>
+        </p:nvSpPr>
+        <p:spPr>
+          <a:xfrm>
+            <a:off x="1016000" y="3200400"/>
+            <a:ext cx="10058400" cy="1524000"/>
           </a:xfrm>
         </p:spPr>
         <p:txBody>
-          <a:bodyPr anchor="b">
+          <a:bodyPr>
             <a:noAutofit/>
           </a:bodyPr>
           <a:lstStyle>
-            <a:lvl1pPr algn="ctr">
-              <a:defRPr sz="5400">
-                <a:effectLst/>
-              </a:defRPr>
+            <a:lvl1pPr>
+              <a:defRPr sz="8000"/>
             </a:lvl1pPr>
           </a:lstStyle>
           <a:p>
             <a:r>
-              <a:rPr lang="en-US" smtClean="0"/>
-              <a:t>Click to edit Master title style</a:t>
+              <a:rPr lang="es-ES_tradnl" smtClean="0"/>
+              <a:t>Clic para editar título</a:t>
             </a:r>
             <a:endParaRPr lang="en-US" dirty="0"/>
           </a:p>
@@ -332,20 +235,20 @@
         </p:nvSpPr>
         <p:spPr>
           <a:xfrm>
-            <a:off x="2692398" y="3657597"/>
-            <a:ext cx="6815669" cy="1320802"/>
+            <a:off x="1016000" y="4724400"/>
+            <a:ext cx="9144000" cy="990600"/>
           </a:xfrm>
         </p:spPr>
         <p:txBody>
-          <a:bodyPr anchor="t">
+          <a:bodyPr anchor="t" anchorCtr="0">
             <a:normAutofit/>
           </a:bodyPr>
           <a:lstStyle>
-            <a:lvl1pPr marL="0" indent="0" algn="ctr">
+            <a:lvl1pPr marL="0" indent="0" algn="l">
               <a:buNone/>
-              <a:defRPr sz="2100">
+              <a:defRPr sz="2800">
                 <a:solidFill>
-                  <a:schemeClr val="tx1"/>
+                  <a:schemeClr val="tx2"/>
                 </a:solidFill>
               </a:defRPr>
             </a:lvl1pPr>
@@ -432,129 +335,122 @@
           </a:lstStyle>
           <a:p>
             <a:r>
+              <a:rPr lang="es-ES_tradnl" smtClean="0"/>
+              <a:t>Haga clic para modificar el estilo de subtítulo del patrón</a:t>
+            </a:r>
+            <a:endParaRPr lang="en-US" dirty="0"/>
+          </a:p>
+        </p:txBody>
+      </p:sp>
+      <p:sp>
+        <p:nvSpPr>
+          <p:cNvPr id="4" name="Date Placeholder 3"/>
+          <p:cNvSpPr>
+            <a:spLocks noGrp="1"/>
+          </p:cNvSpPr>
+          <p:nvPr>
+            <p:ph type="dt" sz="half" idx="10"/>
+          </p:nvPr>
+        </p:nvSpPr>
+        <p:spPr/>
+        <p:txBody>
+          <a:bodyPr/>
+          <a:lstStyle/>
+          <a:p>
+            <a:fld id="{81C75E76-9F89-4757-915C-0C704E49CD7E}" type="datetimeFigureOut">
               <a:rPr lang="en-US" smtClean="0"/>
-              <a:t>Click to edit Master subtitle style</a:t>
-            </a:r>
-            <a:endParaRPr lang="en-US" dirty="0"/>
-          </a:p>
-        </p:txBody>
-      </p:sp>
-      <p:sp>
-        <p:nvSpPr>
-          <p:cNvPr id="4" name="Date Placeholder 3"/>
+              <a:t>11/05/17</a:t>
+            </a:fld>
+            <a:endParaRPr lang="en-US"/>
+          </a:p>
+        </p:txBody>
+      </p:sp>
+      <p:sp>
+        <p:nvSpPr>
+          <p:cNvPr id="5" name="Footer Placeholder 4"/>
           <p:cNvSpPr>
             <a:spLocks noGrp="1"/>
           </p:cNvSpPr>
           <p:nvPr>
-            <p:ph type="dt" sz="half" idx="10"/>
-          </p:nvPr>
+            <p:ph type="ftr" sz="quarter" idx="11"/>
+          </p:nvPr>
+        </p:nvSpPr>
+        <p:spPr/>
+        <p:txBody>
+          <a:bodyPr/>
+          <a:lstStyle/>
+          <a:p>
+            <a:endParaRPr lang="en-US"/>
+          </a:p>
+        </p:txBody>
+      </p:sp>
+      <p:sp>
+        <p:nvSpPr>
+          <p:cNvPr id="6" name="Slide Number Placeholder 5"/>
+          <p:cNvSpPr>
+            <a:spLocks noGrp="1"/>
+          </p:cNvSpPr>
+          <p:nvPr>
+            <p:ph type="sldNum" sz="quarter" idx="12"/>
+          </p:nvPr>
+        </p:nvSpPr>
+        <p:spPr/>
+        <p:txBody>
+          <a:bodyPr/>
+          <a:lstStyle/>
+          <a:p>
+            <a:fld id="{DA1842C8-1095-4A6A-B921-31DFA631D9F9}" type="slidenum">
+              <a:rPr lang="en-US" smtClean="0"/>
+              <a:t>‹Nr.›</a:t>
+            </a:fld>
+            <a:endParaRPr lang="en-US"/>
+          </a:p>
+        </p:txBody>
+      </p:sp>
+      <p:sp>
+        <p:nvSpPr>
+          <p:cNvPr id="7" name="Rectangle 6"/>
+          <p:cNvSpPr/>
+          <p:nvPr/>
         </p:nvSpPr>
         <p:spPr>
           <a:xfrm>
-            <a:off x="7983232" y="5037663"/>
-            <a:ext cx="897467" cy="279400"/>
+            <a:off x="1036320" y="6172200"/>
+            <a:ext cx="10058400" cy="27432"/>
           </a:xfrm>
-        </p:spPr>
-        <p:txBody>
-          <a:bodyPr/>
-          <a:lstStyle/>
-          <a:p>
-            <a:fld id="{81C75E76-9F89-4757-915C-0C704E49CD7E}" type="datetimeFigureOut">
-              <a:rPr lang="en-US" smtClean="0"/>
-              <a:t>2/15/2017</a:t>
-            </a:fld>
-            <a:endParaRPr lang="en-US"/>
-          </a:p>
-        </p:txBody>
-      </p:sp>
-      <p:sp>
-        <p:nvSpPr>
-          <p:cNvPr id="5" name="Footer Placeholder 4"/>
-          <p:cNvSpPr>
-            <a:spLocks noGrp="1"/>
-          </p:cNvSpPr>
-          <p:nvPr>
-            <p:ph type="ftr" sz="quarter" idx="11"/>
-          </p:nvPr>
-        </p:nvSpPr>
-        <p:spPr>
-          <a:xfrm>
-            <a:off x="2692397" y="5037663"/>
-            <a:ext cx="5214635" cy="279400"/>
-          </a:xfrm>
-        </p:spPr>
-        <p:txBody>
-          <a:bodyPr/>
-          <a:lstStyle/>
-          <a:p>
-            <a:endParaRPr lang="en-US"/>
-          </a:p>
-        </p:txBody>
-      </p:sp>
-      <p:sp>
-        <p:nvSpPr>
-          <p:cNvPr id="6" name="Slide Number Placeholder 5"/>
-          <p:cNvSpPr>
-            <a:spLocks noGrp="1"/>
-          </p:cNvSpPr>
-          <p:nvPr>
-            <p:ph type="sldNum" sz="quarter" idx="12"/>
-          </p:nvPr>
-        </p:nvSpPr>
-        <p:spPr>
-          <a:xfrm>
-            <a:off x="8956900" y="5037663"/>
-            <a:ext cx="551167" cy="279400"/>
-          </a:xfrm>
-        </p:spPr>
-        <p:txBody>
-          <a:bodyPr/>
-          <a:lstStyle/>
-          <a:p>
-            <a:fld id="{DA1842C8-1095-4A6A-B921-31DFA631D9F9}" type="slidenum">
-              <a:rPr lang="en-US" smtClean="0"/>
-              <a:t>‹Nº›</a:t>
-            </a:fld>
-            <a:endParaRPr lang="en-US"/>
-          </a:p>
-        </p:txBody>
-      </p:sp>
-      <p:cxnSp>
-        <p:nvCxnSpPr>
-          <p:cNvPr id="15" name="Straight Connector 14"/>
-          <p:cNvCxnSpPr/>
-          <p:nvPr/>
-        </p:nvCxnSpPr>
-        <p:spPr>
-          <a:xfrm>
-            <a:off x="2692399" y="3522131"/>
-            <a:ext cx="6815668" cy="0"/>
-          </a:xfrm>
-          <a:prstGeom prst="line">
+          <a:prstGeom prst="rect">
             <a:avLst/>
           </a:prstGeom>
+          <a:ln>
+            <a:noFill/>
+          </a:ln>
         </p:spPr>
         <p:style>
           <a:lnRef idx="2">
-            <a:schemeClr val="accent1"/>
+            <a:schemeClr val="accent1">
+              <a:shade val="50000"/>
+            </a:schemeClr>
           </a:lnRef>
-          <a:fillRef idx="0">
+          <a:fillRef idx="1">
             <a:schemeClr val="accent1"/>
           </a:fillRef>
-          <a:effectRef idx="1">
+          <a:effectRef idx="0">
             <a:schemeClr val="accent1"/>
           </a:effectRef>
           <a:fontRef idx="minor">
-            <a:schemeClr val="tx1"/>
+            <a:schemeClr val="lt1"/>
           </a:fontRef>
         </p:style>
-      </p:cxnSp>
+        <p:txBody>
+          <a:bodyPr rtlCol="0" anchor="ctr"/>
+          <a:lstStyle/>
+          <a:p>
+            <a:pPr algn="ctr"/>
+            <a:endParaRPr lang="en-US"/>
+          </a:p>
+        </p:txBody>
+      </p:sp>
     </p:spTree>
-    <p:extLst>
-      <p:ext uri="{BB962C8B-B14F-4D97-AF65-F5344CB8AC3E}">
-        <p14:creationId xmlns:p14="http://schemas.microsoft.com/office/powerpoint/2010/main" val="3059223896"/>
-      </p:ext>
-    </p:extLst>
   </p:cSld>
   <p:clrMapOvr>
     <a:masterClrMapping/>
@@ -563,8 +459,8 @@
 </file>
 
 <file path=ppt/slideLayouts/slideLayout10.xml><?xml version="1.0" encoding="utf-8"?>
-<p:sldLayout xmlns:a="http://schemas.openxmlformats.org/drawingml/2006/main" xmlns:r="http://schemas.openxmlformats.org/officeDocument/2006/relationships" xmlns:p="http://schemas.openxmlformats.org/presentationml/2006/main" preserve="1">
-  <p:cSld name="Panoramic Picture with Caption">
+<p:sldLayout xmlns:a="http://schemas.openxmlformats.org/drawingml/2006/main" xmlns:r="http://schemas.openxmlformats.org/officeDocument/2006/relationships" xmlns:p="http://schemas.openxmlformats.org/presentationml/2006/main" type="vertTx" preserve="1">
+  <p:cSld name="Título y texto vertical">
     <p:spTree>
       <p:nvGrpSpPr>
         <p:cNvPr id="1" name=""/>
@@ -589,188 +485,79 @@
             <p:ph type="title"/>
           </p:nvPr>
         </p:nvSpPr>
+        <p:spPr/>
+        <p:txBody>
+          <a:bodyPr/>
+          <a:lstStyle/>
+          <a:p>
+            <a:r>
+              <a:rPr lang="es-ES_tradnl" smtClean="0"/>
+              <a:t>Clic para editar título</a:t>
+            </a:r>
+            <a:endParaRPr lang="en-US" dirty="0"/>
+          </a:p>
+        </p:txBody>
+      </p:sp>
+      <p:sp>
+        <p:nvSpPr>
+          <p:cNvPr id="3" name="Vertical Text Placeholder 2"/>
+          <p:cNvSpPr>
+            <a:spLocks noGrp="1"/>
+          </p:cNvSpPr>
+          <p:nvPr>
+            <p:ph type="body" orient="vert" idx="1"/>
+          </p:nvPr>
+        </p:nvSpPr>
         <p:spPr>
           <a:xfrm>
-            <a:off x="1295401" y="4815415"/>
-            <a:ext cx="9609666" cy="566738"/>
+            <a:off x="1219200" y="685800"/>
+            <a:ext cx="9652000" cy="3886200"/>
           </a:xfrm>
         </p:spPr>
         <p:txBody>
-          <a:bodyPr anchor="b">
-            <a:normAutofit/>
-          </a:bodyPr>
-          <a:lstStyle>
-            <a:lvl1pPr algn="ctr">
-              <a:defRPr sz="2400" b="0"/>
-            </a:lvl1pPr>
-          </a:lstStyle>
-          <a:p>
-            <a:r>
-              <a:rPr lang="en-US" smtClean="0"/>
-              <a:t>Click to edit Master title style</a:t>
-            </a:r>
-            <a:endParaRPr lang="en-US" dirty="0"/>
-          </a:p>
-        </p:txBody>
-      </p:sp>
-      <p:sp>
-        <p:nvSpPr>
-          <p:cNvPr id="3" name="Picture Placeholder 2"/>
-          <p:cNvSpPr>
-            <a:spLocks noGrp="1" noChangeAspect="1"/>
-          </p:cNvSpPr>
-          <p:nvPr>
-            <p:ph type="pic" idx="1"/>
-          </p:nvPr>
-        </p:nvSpPr>
-        <p:spPr>
-          <a:xfrm>
-            <a:off x="1041427" y="1041399"/>
-            <a:ext cx="10105972" cy="3335869"/>
-          </a:xfrm>
-          <a:prstGeom prst="roundRect">
-            <a:avLst>
-              <a:gd name="adj" fmla="val 0"/>
-            </a:avLst>
-          </a:prstGeom>
-          <a:ln w="57150" cmpd="thickThin">
-            <a:solidFill>
-              <a:schemeClr val="tx1">
-                <a:lumMod val="50000"/>
-                <a:lumOff val="50000"/>
-              </a:schemeClr>
-            </a:solidFill>
-            <a:miter lim="800000"/>
-          </a:ln>
-          <a:effectLst>
-            <a:innerShdw blurRad="57150" dist="38100" dir="14460000">
-              <a:srgbClr val="000000">
-                <a:alpha val="70000"/>
-              </a:srgbClr>
-            </a:innerShdw>
-          </a:effectLst>
-        </p:spPr>
-        <p:txBody>
-          <a:bodyPr anchor="t">
-            <a:normAutofit/>
-          </a:bodyPr>
-          <a:lstStyle>
-            <a:lvl1pPr marL="0" indent="0" algn="ctr">
-              <a:buNone/>
-              <a:defRPr sz="1600"/>
-            </a:lvl1pPr>
-            <a:lvl2pPr marL="457200" indent="0">
-              <a:buNone/>
-              <a:defRPr sz="1600"/>
-            </a:lvl2pPr>
-            <a:lvl3pPr marL="914400" indent="0">
-              <a:buNone/>
-              <a:defRPr sz="1600"/>
-            </a:lvl3pPr>
-            <a:lvl4pPr marL="1371600" indent="0">
-              <a:buNone/>
-              <a:defRPr sz="1600"/>
-            </a:lvl4pPr>
-            <a:lvl5pPr marL="1828800" indent="0">
-              <a:buNone/>
-              <a:defRPr sz="1600"/>
-            </a:lvl5pPr>
-            <a:lvl6pPr marL="2286000" indent="0">
-              <a:buNone/>
-              <a:defRPr sz="1600"/>
-            </a:lvl6pPr>
-            <a:lvl7pPr marL="2743200" indent="0">
-              <a:buNone/>
-              <a:defRPr sz="1600"/>
-            </a:lvl7pPr>
-            <a:lvl8pPr marL="3200400" indent="0">
-              <a:buNone/>
-              <a:defRPr sz="1600"/>
-            </a:lvl8pPr>
-            <a:lvl9pPr marL="3657600" indent="0">
-              <a:buNone/>
-              <a:defRPr sz="1600"/>
-            </a:lvl9pPr>
-          </a:lstStyle>
-          <a:p>
-            <a:r>
-              <a:rPr lang="en-US" smtClean="0"/>
-              <a:t>Click icon to add picture</a:t>
-            </a:r>
-            <a:endParaRPr lang="en-US" dirty="0"/>
-          </a:p>
-        </p:txBody>
-      </p:sp>
-      <p:sp>
-        <p:nvSpPr>
-          <p:cNvPr id="4" name="Text Placeholder 3"/>
-          <p:cNvSpPr>
-            <a:spLocks noGrp="1"/>
-          </p:cNvSpPr>
-          <p:nvPr>
-            <p:ph type="body" sz="half" idx="2"/>
-          </p:nvPr>
-        </p:nvSpPr>
-        <p:spPr>
-          <a:xfrm>
-            <a:off x="1295401" y="5382153"/>
-            <a:ext cx="9609666" cy="493712"/>
-          </a:xfrm>
-        </p:spPr>
-        <p:txBody>
-          <a:bodyPr>
-            <a:normAutofit/>
-          </a:bodyPr>
-          <a:lstStyle>
-            <a:lvl1pPr marL="0" indent="0" algn="ctr">
-              <a:buNone/>
-              <a:defRPr sz="1400"/>
-            </a:lvl1pPr>
-            <a:lvl2pPr marL="457200" indent="0">
-              <a:buNone/>
-              <a:defRPr sz="1200"/>
-            </a:lvl2pPr>
-            <a:lvl3pPr marL="914400" indent="0">
-              <a:buNone/>
-              <a:defRPr sz="1000"/>
-            </a:lvl3pPr>
-            <a:lvl4pPr marL="1371600" indent="0">
-              <a:buNone/>
-              <a:defRPr sz="900"/>
-            </a:lvl4pPr>
-            <a:lvl5pPr marL="1828800" indent="0">
-              <a:buNone/>
-              <a:defRPr sz="900"/>
-            </a:lvl5pPr>
-            <a:lvl6pPr marL="2286000" indent="0">
-              <a:buNone/>
-              <a:defRPr sz="900"/>
-            </a:lvl6pPr>
-            <a:lvl7pPr marL="2743200" indent="0">
-              <a:buNone/>
-              <a:defRPr sz="900"/>
-            </a:lvl7pPr>
-            <a:lvl8pPr marL="3200400" indent="0">
-              <a:buNone/>
-              <a:defRPr sz="900"/>
-            </a:lvl8pPr>
-            <a:lvl9pPr marL="3657600" indent="0">
-              <a:buNone/>
-              <a:defRPr sz="900"/>
-            </a:lvl9pPr>
-          </a:lstStyle>
+          <a:bodyPr vert="eaVert" anchor="t" anchorCtr="0"/>
+          <a:lstStyle/>
           <a:p>
             <a:pPr lvl="0"/>
             <a:r>
-              <a:rPr lang="en-US" smtClean="0"/>
-              <a:t>Edit Master text styles</a:t>
-            </a:r>
-          </a:p>
-        </p:txBody>
-      </p:sp>
-      <p:sp>
-        <p:nvSpPr>
-          <p:cNvPr id="5" name="Date Placeholder 4"/>
+              <a:rPr lang="es-ES_tradnl" smtClean="0"/>
+              <a:t>Haga clic para modificar el estilo de texto del patrón</a:t>
+            </a:r>
+          </a:p>
+          <a:p>
+            <a:pPr lvl="1"/>
+            <a:r>
+              <a:rPr lang="es-ES_tradnl" smtClean="0"/>
+              <a:t>Segundo nivel</a:t>
+            </a:r>
+          </a:p>
+          <a:p>
+            <a:pPr lvl="2"/>
+            <a:r>
+              <a:rPr lang="es-ES_tradnl" smtClean="0"/>
+              <a:t>Tercer nivel</a:t>
+            </a:r>
+          </a:p>
+          <a:p>
+            <a:pPr lvl="3"/>
+            <a:r>
+              <a:rPr lang="es-ES_tradnl" smtClean="0"/>
+              <a:t>Cuarto nivel</a:t>
+            </a:r>
+          </a:p>
+          <a:p>
+            <a:pPr lvl="4"/>
+            <a:r>
+              <a:rPr lang="es-ES_tradnl" smtClean="0"/>
+              <a:t>Quinto nivel</a:t>
+            </a:r>
+            <a:endParaRPr lang="en-US"/>
+          </a:p>
+        </p:txBody>
+      </p:sp>
+      <p:sp>
+        <p:nvSpPr>
+          <p:cNvPr id="4" name="Date Placeholder 3"/>
           <p:cNvSpPr>
             <a:spLocks noGrp="1"/>
           </p:cNvSpPr>
@@ -785,7 +572,7 @@
           <a:p>
             <a:fld id="{81C75E76-9F89-4757-915C-0C704E49CD7E}" type="datetimeFigureOut">
               <a:rPr lang="en-US" smtClean="0"/>
-              <a:t>2/15/2017</a:t>
+              <a:t>11/05/17</a:t>
             </a:fld>
             <a:endParaRPr lang="en-US"/>
           </a:p>
@@ -793,7 +580,7 @@
       </p:sp>
       <p:sp>
         <p:nvSpPr>
-          <p:cNvPr id="6" name="Footer Placeholder 5"/>
+          <p:cNvPr id="5" name="Footer Placeholder 4"/>
           <p:cNvSpPr>
             <a:spLocks noGrp="1"/>
           </p:cNvSpPr>
@@ -812,7 +599,7 @@
       </p:sp>
       <p:sp>
         <p:nvSpPr>
-          <p:cNvPr id="7" name="Slide Number Placeholder 6"/>
+          <p:cNvPr id="6" name="Slide Number Placeholder 5"/>
           <p:cNvSpPr>
             <a:spLocks noGrp="1"/>
           </p:cNvSpPr>
@@ -827,18 +614,13 @@
           <a:p>
             <a:fld id="{DA1842C8-1095-4A6A-B921-31DFA631D9F9}" type="slidenum">
               <a:rPr lang="en-US" smtClean="0"/>
-              <a:t>‹Nº›</a:t>
+              <a:t>‹Nr.›</a:t>
             </a:fld>
             <a:endParaRPr lang="en-US"/>
           </a:p>
         </p:txBody>
       </p:sp>
     </p:spTree>
-    <p:extLst>
-      <p:ext uri="{BB962C8B-B14F-4D97-AF65-F5344CB8AC3E}">
-        <p14:creationId xmlns:p14="http://schemas.microsoft.com/office/powerpoint/2010/main" val="3347114267"/>
-      </p:ext>
-    </p:extLst>
   </p:cSld>
   <p:clrMapOvr>
     <a:masterClrMapping/>
@@ -847,8 +629,8 @@
 </file>
 
 <file path=ppt/slideLayouts/slideLayout11.xml><?xml version="1.0" encoding="utf-8"?>
-<p:sldLayout xmlns:a="http://schemas.openxmlformats.org/drawingml/2006/main" xmlns:r="http://schemas.openxmlformats.org/officeDocument/2006/relationships" xmlns:p="http://schemas.openxmlformats.org/presentationml/2006/main" preserve="1">
-  <p:cSld name="Title and Caption">
+<p:sldLayout xmlns:a="http://schemas.openxmlformats.org/drawingml/2006/main" xmlns:r="http://schemas.openxmlformats.org/officeDocument/2006/relationships" xmlns:p="http://schemas.openxmlformats.org/presentationml/2006/main" type="vertTitleAndTx" preserve="1">
+  <p:cSld name="Título vertical y texto">
     <p:spTree>
       <p:nvGrpSpPr>
         <p:cNvPr id="1" name=""/>
@@ -865,64 +647,445 @@
       </p:grpSpPr>
       <p:sp>
         <p:nvSpPr>
-          <p:cNvPr id="2" name="Title 1"/>
+          <p:cNvPr id="2" name="Vertical Title 1"/>
           <p:cNvSpPr>
             <a:spLocks noGrp="1"/>
           </p:cNvSpPr>
           <p:nvPr>
-            <p:ph type="title"/>
+            <p:ph type="title" orient="vert"/>
           </p:nvPr>
         </p:nvSpPr>
         <p:spPr>
           <a:xfrm>
-            <a:off x="1303868" y="982132"/>
-            <a:ext cx="9592732" cy="2954868"/>
+            <a:off x="1016000" y="685802"/>
+            <a:ext cx="2438400" cy="5410199"/>
           </a:xfrm>
         </p:spPr>
         <p:txBody>
-          <a:bodyPr anchor="ctr">
+          <a:bodyPr vert="eaVert"/>
+          <a:lstStyle/>
+          <a:p>
+            <a:r>
+              <a:rPr lang="es-ES_tradnl" smtClean="0"/>
+              <a:t>Clic para editar título</a:t>
+            </a:r>
+            <a:endParaRPr lang="en-US" dirty="0"/>
+          </a:p>
+        </p:txBody>
+      </p:sp>
+      <p:sp>
+        <p:nvSpPr>
+          <p:cNvPr id="3" name="Vertical Text Placeholder 2"/>
+          <p:cNvSpPr>
+            <a:spLocks noGrp="1"/>
+          </p:cNvSpPr>
+          <p:nvPr>
+            <p:ph type="body" orient="vert" idx="1"/>
+          </p:nvPr>
+        </p:nvSpPr>
+        <p:spPr>
+          <a:xfrm>
+            <a:off x="3454400" y="685801"/>
+            <a:ext cx="7620000" cy="4876800"/>
+          </a:xfrm>
+        </p:spPr>
+        <p:txBody>
+          <a:bodyPr vert="eaVert" anchor="t" anchorCtr="0"/>
+          <a:lstStyle/>
+          <a:p>
+            <a:pPr lvl="0"/>
+            <a:r>
+              <a:rPr lang="es-ES_tradnl" smtClean="0"/>
+              <a:t>Haga clic para modificar el estilo de texto del patrón</a:t>
+            </a:r>
+          </a:p>
+          <a:p>
+            <a:pPr lvl="1"/>
+            <a:r>
+              <a:rPr lang="es-ES_tradnl" smtClean="0"/>
+              <a:t>Segundo nivel</a:t>
+            </a:r>
+          </a:p>
+          <a:p>
+            <a:pPr lvl="2"/>
+            <a:r>
+              <a:rPr lang="es-ES_tradnl" smtClean="0"/>
+              <a:t>Tercer nivel</a:t>
+            </a:r>
+          </a:p>
+          <a:p>
+            <a:pPr lvl="3"/>
+            <a:r>
+              <a:rPr lang="es-ES_tradnl" smtClean="0"/>
+              <a:t>Cuarto nivel</a:t>
+            </a:r>
+          </a:p>
+          <a:p>
+            <a:pPr lvl="4"/>
+            <a:r>
+              <a:rPr lang="es-ES_tradnl" smtClean="0"/>
+              <a:t>Quinto nivel</a:t>
+            </a:r>
+            <a:endParaRPr lang="en-US"/>
+          </a:p>
+        </p:txBody>
+      </p:sp>
+      <p:sp>
+        <p:nvSpPr>
+          <p:cNvPr id="4" name="Date Placeholder 3"/>
+          <p:cNvSpPr>
+            <a:spLocks noGrp="1"/>
+          </p:cNvSpPr>
+          <p:nvPr>
+            <p:ph type="dt" sz="half" idx="10"/>
+          </p:nvPr>
+        </p:nvSpPr>
+        <p:spPr/>
+        <p:txBody>
+          <a:bodyPr/>
+          <a:lstStyle/>
+          <a:p>
+            <a:fld id="{81C75E76-9F89-4757-915C-0C704E49CD7E}" type="datetimeFigureOut">
+              <a:rPr lang="en-US" smtClean="0"/>
+              <a:t>11/05/17</a:t>
+            </a:fld>
+            <a:endParaRPr lang="en-US"/>
+          </a:p>
+        </p:txBody>
+      </p:sp>
+      <p:sp>
+        <p:nvSpPr>
+          <p:cNvPr id="5" name="Footer Placeholder 4"/>
+          <p:cNvSpPr>
+            <a:spLocks noGrp="1"/>
+          </p:cNvSpPr>
+          <p:nvPr>
+            <p:ph type="ftr" sz="quarter" idx="11"/>
+          </p:nvPr>
+        </p:nvSpPr>
+        <p:spPr/>
+        <p:txBody>
+          <a:bodyPr/>
+          <a:lstStyle/>
+          <a:p>
+            <a:endParaRPr lang="en-US"/>
+          </a:p>
+        </p:txBody>
+      </p:sp>
+      <p:sp>
+        <p:nvSpPr>
+          <p:cNvPr id="6" name="Slide Number Placeholder 5"/>
+          <p:cNvSpPr>
+            <a:spLocks noGrp="1"/>
+          </p:cNvSpPr>
+          <p:nvPr>
+            <p:ph type="sldNum" sz="quarter" idx="12"/>
+          </p:nvPr>
+        </p:nvSpPr>
+        <p:spPr/>
+        <p:txBody>
+          <a:bodyPr/>
+          <a:lstStyle/>
+          <a:p>
+            <a:fld id="{DA1842C8-1095-4A6A-B921-31DFA631D9F9}" type="slidenum">
+              <a:rPr lang="en-US" smtClean="0"/>
+              <a:t>‹Nr.›</a:t>
+            </a:fld>
+            <a:endParaRPr lang="en-US"/>
+          </a:p>
+        </p:txBody>
+      </p:sp>
+    </p:spTree>
+  </p:cSld>
+  <p:clrMapOvr>
+    <a:masterClrMapping/>
+  </p:clrMapOvr>
+</p:sldLayout>
+</file>
+
+<file path=ppt/slideLayouts/slideLayout2.xml><?xml version="1.0" encoding="utf-8"?>
+<p:sldLayout xmlns:a="http://schemas.openxmlformats.org/drawingml/2006/main" xmlns:r="http://schemas.openxmlformats.org/officeDocument/2006/relationships" xmlns:p="http://schemas.openxmlformats.org/presentationml/2006/main" type="obj" preserve="1">
+  <p:cSld name="Título y objetos">
+    <p:spTree>
+      <p:nvGrpSpPr>
+        <p:cNvPr id="1" name=""/>
+        <p:cNvGrpSpPr/>
+        <p:nvPr/>
+      </p:nvGrpSpPr>
+      <p:grpSpPr>
+        <a:xfrm>
+          <a:off x="0" y="0"/>
+          <a:ext cx="0" cy="0"/>
+          <a:chOff x="0" y="0"/>
+          <a:chExt cx="0" cy="0"/>
+        </a:xfrm>
+      </p:grpSpPr>
+      <p:sp>
+        <p:nvSpPr>
+          <p:cNvPr id="2" name="Title 1"/>
+          <p:cNvSpPr>
+            <a:spLocks noGrp="1"/>
+          </p:cNvSpPr>
+          <p:nvPr>
+            <p:ph type="title"/>
+          </p:nvPr>
+        </p:nvSpPr>
+        <p:spPr/>
+        <p:txBody>
+          <a:bodyPr/>
+          <a:lstStyle/>
+          <a:p>
+            <a:r>
+              <a:rPr lang="es-ES_tradnl" smtClean="0"/>
+              <a:t>Clic para editar título</a:t>
+            </a:r>
+            <a:endParaRPr lang="en-US"/>
+          </a:p>
+        </p:txBody>
+      </p:sp>
+      <p:sp>
+        <p:nvSpPr>
+          <p:cNvPr id="3" name="Content Placeholder 2"/>
+          <p:cNvSpPr>
+            <a:spLocks noGrp="1"/>
+          </p:cNvSpPr>
+          <p:nvPr>
+            <p:ph idx="1"/>
+          </p:nvPr>
+        </p:nvSpPr>
+        <p:spPr/>
+        <p:txBody>
+          <a:bodyPr/>
+          <a:lstStyle/>
+          <a:p>
+            <a:pPr lvl="0"/>
+            <a:r>
+              <a:rPr lang="es-ES_tradnl" smtClean="0"/>
+              <a:t>Haga clic para modificar el estilo de texto del patrón</a:t>
+            </a:r>
+          </a:p>
+          <a:p>
+            <a:pPr lvl="1"/>
+            <a:r>
+              <a:rPr lang="es-ES_tradnl" smtClean="0"/>
+              <a:t>Segundo nivel</a:t>
+            </a:r>
+          </a:p>
+          <a:p>
+            <a:pPr lvl="2"/>
+            <a:r>
+              <a:rPr lang="es-ES_tradnl" smtClean="0"/>
+              <a:t>Tercer nivel</a:t>
+            </a:r>
+          </a:p>
+          <a:p>
+            <a:pPr lvl="3"/>
+            <a:r>
+              <a:rPr lang="es-ES_tradnl" smtClean="0"/>
+              <a:t>Cuarto nivel</a:t>
+            </a:r>
+          </a:p>
+          <a:p>
+            <a:pPr lvl="4"/>
+            <a:r>
+              <a:rPr lang="es-ES_tradnl" smtClean="0"/>
+              <a:t>Quinto nivel</a:t>
+            </a:r>
+            <a:endParaRPr lang="en-US"/>
+          </a:p>
+        </p:txBody>
+      </p:sp>
+      <p:sp>
+        <p:nvSpPr>
+          <p:cNvPr id="4" name="Date Placeholder 3"/>
+          <p:cNvSpPr>
+            <a:spLocks noGrp="1"/>
+          </p:cNvSpPr>
+          <p:nvPr>
+            <p:ph type="dt" sz="half" idx="10"/>
+          </p:nvPr>
+        </p:nvSpPr>
+        <p:spPr/>
+        <p:txBody>
+          <a:bodyPr/>
+          <a:lstStyle/>
+          <a:p>
+            <a:fld id="{81C75E76-9F89-4757-915C-0C704E49CD7E}" type="datetimeFigureOut">
+              <a:rPr lang="en-US" smtClean="0"/>
+              <a:t>11/05/17</a:t>
+            </a:fld>
+            <a:endParaRPr lang="en-US"/>
+          </a:p>
+        </p:txBody>
+      </p:sp>
+      <p:sp>
+        <p:nvSpPr>
+          <p:cNvPr id="5" name="Footer Placeholder 4"/>
+          <p:cNvSpPr>
+            <a:spLocks noGrp="1"/>
+          </p:cNvSpPr>
+          <p:nvPr>
+            <p:ph type="ftr" sz="quarter" idx="11"/>
+          </p:nvPr>
+        </p:nvSpPr>
+        <p:spPr/>
+        <p:txBody>
+          <a:bodyPr/>
+          <a:lstStyle/>
+          <a:p>
+            <a:endParaRPr lang="en-US"/>
+          </a:p>
+        </p:txBody>
+      </p:sp>
+      <p:sp>
+        <p:nvSpPr>
+          <p:cNvPr id="6" name="Slide Number Placeholder 5"/>
+          <p:cNvSpPr>
+            <a:spLocks noGrp="1"/>
+          </p:cNvSpPr>
+          <p:nvPr>
+            <p:ph type="sldNum" sz="quarter" idx="12"/>
+          </p:nvPr>
+        </p:nvSpPr>
+        <p:spPr/>
+        <p:txBody>
+          <a:bodyPr/>
+          <a:lstStyle/>
+          <a:p>
+            <a:fld id="{DA1842C8-1095-4A6A-B921-31DFA631D9F9}" type="slidenum">
+              <a:rPr lang="en-US" smtClean="0"/>
+              <a:t>‹Nr.›</a:t>
+            </a:fld>
+            <a:endParaRPr lang="en-US"/>
+          </a:p>
+        </p:txBody>
+      </p:sp>
+    </p:spTree>
+  </p:cSld>
+  <p:clrMapOvr>
+    <a:masterClrMapping/>
+  </p:clrMapOvr>
+</p:sldLayout>
+</file>
+
+<file path=ppt/slideLayouts/slideLayout3.xml><?xml version="1.0" encoding="utf-8"?>
+<p:sldLayout xmlns:a="http://schemas.openxmlformats.org/drawingml/2006/main" xmlns:r="http://schemas.openxmlformats.org/officeDocument/2006/relationships" xmlns:p="http://schemas.openxmlformats.org/presentationml/2006/main" showMasterSp="0" type="secHead" preserve="1">
+  <p:cSld name="Encabezado de sección">
+    <p:spTree>
+      <p:nvGrpSpPr>
+        <p:cNvPr id="1" name=""/>
+        <p:cNvGrpSpPr/>
+        <p:nvPr/>
+      </p:nvGrpSpPr>
+      <p:grpSpPr>
+        <a:xfrm>
+          <a:off x="0" y="0"/>
+          <a:ext cx="0" cy="0"/>
+          <a:chOff x="0" y="0"/>
+          <a:chExt cx="0" cy="0"/>
+        </a:xfrm>
+      </p:grpSpPr>
+      <p:sp>
+        <p:nvSpPr>
+          <p:cNvPr id="7" name="Rectangle 6"/>
+          <p:cNvSpPr/>
+          <p:nvPr/>
+        </p:nvSpPr>
+        <p:spPr>
+          <a:xfrm>
+            <a:off x="1036320" y="0"/>
+            <a:ext cx="10058400" cy="3048000"/>
+          </a:xfrm>
+          <a:prstGeom prst="rect">
+            <a:avLst/>
+          </a:prstGeom>
+          <a:ln>
+            <a:noFill/>
+          </a:ln>
+        </p:spPr>
+        <p:style>
+          <a:lnRef idx="2">
+            <a:schemeClr val="accent1">
+              <a:shade val="50000"/>
+            </a:schemeClr>
+          </a:lnRef>
+          <a:fillRef idx="1">
+            <a:schemeClr val="accent1"/>
+          </a:fillRef>
+          <a:effectRef idx="0">
+            <a:schemeClr val="accent1"/>
+          </a:effectRef>
+          <a:fontRef idx="minor">
+            <a:schemeClr val="lt1"/>
+          </a:fontRef>
+        </p:style>
+        <p:txBody>
+          <a:bodyPr rtlCol="0" anchor="ctr"/>
+          <a:lstStyle/>
+          <a:p>
+            <a:pPr algn="ctr"/>
+            <a:endParaRPr lang="en-US"/>
+          </a:p>
+        </p:txBody>
+      </p:sp>
+      <p:sp>
+        <p:nvSpPr>
+          <p:cNvPr id="2" name="Title 1"/>
+          <p:cNvSpPr>
+            <a:spLocks noGrp="1"/>
+          </p:cNvSpPr>
+          <p:nvPr>
+            <p:ph type="title"/>
+          </p:nvPr>
+        </p:nvSpPr>
+        <p:spPr>
+          <a:xfrm>
+            <a:off x="1016000" y="3276600"/>
+            <a:ext cx="10058400" cy="1676400"/>
+          </a:xfrm>
+        </p:spPr>
+        <p:txBody>
+          <a:bodyPr anchor="b" anchorCtr="0"/>
+          <a:lstStyle>
+            <a:lvl1pPr algn="l">
+              <a:defRPr sz="5400" b="0" cap="all"/>
+            </a:lvl1pPr>
+          </a:lstStyle>
+          <a:p>
+            <a:r>
+              <a:rPr lang="es-ES_tradnl" smtClean="0"/>
+              <a:t>Clic para editar título</a:t>
+            </a:r>
+            <a:endParaRPr lang="en-US" dirty="0"/>
+          </a:p>
+        </p:txBody>
+      </p:sp>
+      <p:sp>
+        <p:nvSpPr>
+          <p:cNvPr id="3" name="Text Placeholder 2"/>
+          <p:cNvSpPr>
+            <a:spLocks noGrp="1"/>
+          </p:cNvSpPr>
+          <p:nvPr>
+            <p:ph type="body" idx="1"/>
+          </p:nvPr>
+        </p:nvSpPr>
+        <p:spPr>
+          <a:xfrm>
+            <a:off x="1016000" y="4953000"/>
+            <a:ext cx="9144000" cy="914400"/>
+          </a:xfrm>
+        </p:spPr>
+        <p:txBody>
+          <a:bodyPr anchor="t" anchorCtr="0">
             <a:normAutofit/>
           </a:bodyPr>
           <a:lstStyle>
-            <a:lvl1pPr algn="ctr">
-              <a:defRPr sz="3200" b="0" cap="none"/>
-            </a:lvl1pPr>
-          </a:lstStyle>
-          <a:p>
-            <a:r>
-              <a:rPr lang="en-US" smtClean="0"/>
-              <a:t>Click to edit Master title style</a:t>
-            </a:r>
-            <a:endParaRPr lang="en-US" dirty="0"/>
-          </a:p>
-        </p:txBody>
-      </p:sp>
-      <p:sp>
-        <p:nvSpPr>
-          <p:cNvPr id="3" name="Text Placeholder 2"/>
-          <p:cNvSpPr>
-            <a:spLocks noGrp="1"/>
-          </p:cNvSpPr>
-          <p:nvPr>
-            <p:ph type="body" idx="1"/>
-          </p:nvPr>
-        </p:nvSpPr>
-        <p:spPr>
-          <a:xfrm>
-            <a:off x="1303868" y="4343399"/>
-            <a:ext cx="9592732" cy="1532467"/>
-          </a:xfrm>
-        </p:spPr>
-        <p:txBody>
-          <a:bodyPr anchor="ctr">
-            <a:normAutofit/>
-          </a:bodyPr>
-          <a:lstStyle>
-            <a:lvl1pPr marL="0" indent="0" algn="ctr">
+            <a:lvl1pPr marL="0" indent="0">
               <a:buNone/>
-              <a:defRPr sz="2000">
+              <a:defRPr sz="2800">
                 <a:solidFill>
-                  <a:schemeClr val="tx1"/>
+                  <a:schemeClr val="tx2"/>
                 </a:solidFill>
               </a:defRPr>
             </a:lvl1pPr>
@@ -1010,8 +1173,8 @@
           <a:p>
             <a:pPr lvl="0"/>
             <a:r>
-              <a:rPr lang="en-US" smtClean="0"/>
-              <a:t>Edit Master text styles</a:t>
+              <a:rPr lang="es-ES_tradnl" smtClean="0"/>
+              <a:t>Haga clic para modificar el estilo de texto del patrón</a:t>
             </a:r>
           </a:p>
         </p:txBody>
@@ -1033,7 +1196,7 @@
           <a:p>
             <a:fld id="{81C75E76-9F89-4757-915C-0C704E49CD7E}" type="datetimeFigureOut">
               <a:rPr lang="en-US" smtClean="0"/>
-              <a:t>2/15/2017</a:t>
+              <a:t>11/05/17</a:t>
             </a:fld>
             <a:endParaRPr lang="en-US"/>
           </a:p>
@@ -1075,49 +1238,56 @@
           <a:p>
             <a:fld id="{DA1842C8-1095-4A6A-B921-31DFA631D9F9}" type="slidenum">
               <a:rPr lang="en-US" smtClean="0"/>
-              <a:t>‹Nº›</a:t>
+              <a:t>‹Nr.›</a:t>
             </a:fld>
             <a:endParaRPr lang="en-US"/>
           </a:p>
         </p:txBody>
       </p:sp>
-      <p:cxnSp>
-        <p:nvCxnSpPr>
-          <p:cNvPr id="15" name="Straight Connector 14"/>
-          <p:cNvCxnSpPr/>
+      <p:sp>
+        <p:nvSpPr>
+          <p:cNvPr id="8" name="Rectangle 7"/>
+          <p:cNvSpPr/>
           <p:nvPr/>
-        </p:nvCxnSpPr>
+        </p:nvSpPr>
         <p:spPr>
           <a:xfrm>
-            <a:off x="1396169" y="4140199"/>
-            <a:ext cx="9407298" cy="0"/>
+            <a:off x="1036320" y="6172200"/>
+            <a:ext cx="10058400" cy="27432"/>
           </a:xfrm>
-          <a:prstGeom prst="line">
+          <a:prstGeom prst="rect">
             <a:avLst/>
           </a:prstGeom>
-          <a:ln w="15875"/>
+          <a:ln>
+            <a:noFill/>
+          </a:ln>
         </p:spPr>
         <p:style>
           <a:lnRef idx="2">
-            <a:schemeClr val="accent1"/>
+            <a:schemeClr val="accent1">
+              <a:shade val="50000"/>
+            </a:schemeClr>
           </a:lnRef>
-          <a:fillRef idx="0">
+          <a:fillRef idx="1">
             <a:schemeClr val="accent1"/>
           </a:fillRef>
-          <a:effectRef idx="1">
+          <a:effectRef idx="0">
             <a:schemeClr val="accent1"/>
           </a:effectRef>
           <a:fontRef idx="minor">
-            <a:schemeClr val="tx1"/>
+            <a:schemeClr val="lt1"/>
           </a:fontRef>
         </p:style>
-      </p:cxnSp>
+        <p:txBody>
+          <a:bodyPr rtlCol="0" anchor="ctr"/>
+          <a:lstStyle/>
+          <a:p>
+            <a:pPr algn="ctr"/>
+            <a:endParaRPr lang="en-US"/>
+          </a:p>
+        </p:txBody>
+      </p:sp>
     </p:spTree>
-    <p:extLst>
-      <p:ext uri="{BB962C8B-B14F-4D97-AF65-F5344CB8AC3E}">
-        <p14:creationId xmlns:p14="http://schemas.microsoft.com/office/powerpoint/2010/main" val="2371445103"/>
-      </p:ext>
-    </p:extLst>
   </p:cSld>
   <p:clrMapOvr>
     <a:masterClrMapping/>
@@ -1125,9 +1295,9 @@
 </p:sldLayout>
 </file>
 
-<file path=ppt/slideLayouts/slideLayout12.xml><?xml version="1.0" encoding="utf-8"?>
-<p:sldLayout xmlns:a="http://schemas.openxmlformats.org/drawingml/2006/main" xmlns:r="http://schemas.openxmlformats.org/officeDocument/2006/relationships" xmlns:p="http://schemas.openxmlformats.org/presentationml/2006/main" preserve="1">
-  <p:cSld name="Quote with Caption">
+<file path=ppt/slideLayouts/slideLayout4.xml><?xml version="1.0" encoding="utf-8"?>
+<p:sldLayout xmlns:a="http://schemas.openxmlformats.org/drawingml/2006/main" xmlns:r="http://schemas.openxmlformats.org/officeDocument/2006/relationships" xmlns:p="http://schemas.openxmlformats.org/presentationml/2006/main" type="twoObj" preserve="1">
+  <p:cSld name="Dos objetos">
     <p:spTree>
       <p:nvGrpSpPr>
         <p:cNvPr id="1" name=""/>
@@ -1152,29 +1322,99 @@
             <p:ph type="title"/>
           </p:nvPr>
         </p:nvSpPr>
+        <p:spPr/>
+        <p:txBody>
+          <a:bodyPr/>
+          <a:lstStyle/>
+          <a:p>
+            <a:r>
+              <a:rPr lang="es-ES_tradnl" smtClean="0"/>
+              <a:t>Clic para editar título</a:t>
+            </a:r>
+            <a:endParaRPr lang="en-US"/>
+          </a:p>
+        </p:txBody>
+      </p:sp>
+      <p:sp>
+        <p:nvSpPr>
+          <p:cNvPr id="3" name="Content Placeholder 2"/>
+          <p:cNvSpPr>
+            <a:spLocks noGrp="1"/>
+          </p:cNvSpPr>
+          <p:nvPr>
+            <p:ph sz="half" idx="1"/>
+          </p:nvPr>
+        </p:nvSpPr>
         <p:spPr>
           <a:xfrm>
-            <a:off x="1446213" y="982132"/>
-            <a:ext cx="9296398" cy="2370668"/>
+            <a:off x="1016000" y="609601"/>
+            <a:ext cx="4876800" cy="3767328"/>
           </a:xfrm>
         </p:spPr>
         <p:txBody>
-          <a:bodyPr anchor="ctr">
-            <a:normAutofit/>
-          </a:bodyPr>
+          <a:bodyPr/>
           <a:lstStyle>
-            <a:lvl1pPr algn="ctr">
-              <a:defRPr sz="3200" b="0" cap="none">
-                <a:solidFill>
-                  <a:schemeClr val="tx1"/>
-                </a:solidFill>
-              </a:defRPr>
+            <a:lvl1pPr>
+              <a:defRPr sz="2800"/>
             </a:lvl1pPr>
+            <a:lvl2pPr>
+              <a:defRPr sz="2400"/>
+            </a:lvl2pPr>
+            <a:lvl3pPr>
+              <a:defRPr sz="2000"/>
+            </a:lvl3pPr>
+            <a:lvl4pPr>
+              <a:defRPr sz="1800"/>
+            </a:lvl4pPr>
+            <a:lvl5pPr>
+              <a:defRPr sz="1800"/>
+            </a:lvl5pPr>
+            <a:lvl6pPr>
+              <a:defRPr sz="1800"/>
+            </a:lvl6pPr>
+            <a:lvl7pPr>
+              <a:defRPr sz="1800"/>
+            </a:lvl7pPr>
+            <a:lvl8pPr>
+              <a:defRPr sz="1800"/>
+            </a:lvl8pPr>
+            <a:lvl9pPr>
+              <a:defRPr sz="1800"/>
+            </a:lvl9pPr>
           </a:lstStyle>
           <a:p>
-            <a:r>
-              <a:rPr lang="en-US" smtClean="0"/>
-              <a:t>Click to edit Master title style</a:t>
+            <a:pPr lvl="0"/>
+            <a:r>
+              <a:rPr lang="es-ES_tradnl" smtClean="0"/>
+              <a:t>Haga clic para modificar el estilo de texto del patrón</a:t>
+            </a:r>
+          </a:p>
+          <a:p>
+            <a:pPr lvl="1"/>
+            <a:r>
+              <a:rPr lang="es-ES_tradnl" smtClean="0"/>
+              <a:t>Segundo nivel</a:t>
+            </a:r>
+          </a:p>
+          <a:p>
+            <a:pPr lvl="2"/>
+            <a:r>
+              <a:rPr lang="es-ES_tradnl" smtClean="0"/>
+              <a:t>Tercer nivel</a:t>
+            </a:r>
+          </a:p>
+          <a:p>
+            <a:pPr lvl="3"/>
+            <a:r>
+              <a:rPr lang="es-ES_tradnl" smtClean="0"/>
+              <a:t>Cuarto nivel</a:t>
+            </a:r>
+          </a:p>
+          <a:p>
+            <a:pPr lvl="4"/>
+            <a:r>
+              <a:rPr lang="es-ES_tradnl" smtClean="0"/>
+              <a:t>Quinto nivel</a:t>
             </a:r>
             <a:endParaRPr lang="en-US" dirty="0"/>
           </a:p>
@@ -1182,182 +1422,92 @@
       </p:sp>
       <p:sp>
         <p:nvSpPr>
-          <p:cNvPr id="10" name="Text Placeholder 9"/>
+          <p:cNvPr id="4" name="Content Placeholder 3"/>
           <p:cNvSpPr>
             <a:spLocks noGrp="1"/>
           </p:cNvSpPr>
           <p:nvPr>
-            <p:ph type="body" sz="quarter" idx="13"/>
+            <p:ph sz="half" idx="2"/>
           </p:nvPr>
         </p:nvSpPr>
         <p:spPr>
           <a:xfrm>
-            <a:off x="1674812" y="3352800"/>
-            <a:ext cx="8839202" cy="584200"/>
+            <a:off x="6197600" y="609601"/>
+            <a:ext cx="4876800" cy="3767328"/>
           </a:xfrm>
         </p:spPr>
         <p:txBody>
-          <a:bodyPr anchor="ctr">
-            <a:normAutofit/>
-          </a:bodyPr>
+          <a:bodyPr/>
           <a:lstStyle>
-            <a:lvl1pPr marL="0" indent="0" algn="r">
-              <a:buFontTx/>
-              <a:buNone/>
+            <a:lvl1pPr>
+              <a:defRPr sz="2800"/>
+            </a:lvl1pPr>
+            <a:lvl2pPr>
+              <a:defRPr sz="2400"/>
+            </a:lvl2pPr>
+            <a:lvl3pPr>
               <a:defRPr sz="2000"/>
-            </a:lvl1pPr>
-            <a:lvl2pPr marL="457200" indent="0">
-              <a:buFontTx/>
-              <a:buNone/>
-              <a:defRPr/>
-            </a:lvl2pPr>
-            <a:lvl3pPr marL="914400" indent="0">
-              <a:buFontTx/>
-              <a:buNone/>
-              <a:defRPr/>
             </a:lvl3pPr>
-            <a:lvl4pPr marL="1371600" indent="0">
-              <a:buFontTx/>
-              <a:buNone/>
-              <a:defRPr/>
+            <a:lvl4pPr>
+              <a:defRPr sz="1800"/>
             </a:lvl4pPr>
-            <a:lvl5pPr marL="1828800" indent="0">
-              <a:buFontTx/>
-              <a:buNone/>
-              <a:defRPr/>
+            <a:lvl5pPr>
+              <a:defRPr sz="1800"/>
             </a:lvl5pPr>
-          </a:lstStyle>
-          <a:p>
-            <a:pPr lvl="0"/>
-            <a:r>
-              <a:rPr lang="en-US" smtClean="0"/>
-              <a:t>Edit Master text styles</a:t>
-            </a:r>
-          </a:p>
-        </p:txBody>
-      </p:sp>
-      <p:sp>
-        <p:nvSpPr>
-          <p:cNvPr id="3" name="Text Placeholder 2"/>
-          <p:cNvSpPr>
-            <a:spLocks noGrp="1"/>
-          </p:cNvSpPr>
-          <p:nvPr>
-            <p:ph type="body" idx="1"/>
-          </p:nvPr>
-        </p:nvSpPr>
-        <p:spPr>
-          <a:xfrm>
-            <a:off x="1295401" y="4343399"/>
-            <a:ext cx="9609666" cy="1532467"/>
-          </a:xfrm>
-        </p:spPr>
-        <p:txBody>
-          <a:bodyPr anchor="ctr">
-            <a:normAutofit/>
-          </a:bodyPr>
-          <a:lstStyle>
-            <a:lvl1pPr marL="0" indent="0" algn="ctr">
-              <a:buNone/>
-              <a:defRPr sz="2000">
-                <a:solidFill>
-                  <a:schemeClr val="tx1"/>
-                </a:solidFill>
-              </a:defRPr>
-            </a:lvl1pPr>
-            <a:lvl2pPr marL="457200" indent="0">
-              <a:buNone/>
-              <a:defRPr sz="1800">
-                <a:solidFill>
-                  <a:schemeClr val="tx1">
-                    <a:tint val="75000"/>
-                  </a:schemeClr>
-                </a:solidFill>
-              </a:defRPr>
-            </a:lvl2pPr>
-            <a:lvl3pPr marL="914400" indent="0">
-              <a:buNone/>
-              <a:defRPr sz="1600">
-                <a:solidFill>
-                  <a:schemeClr val="tx1">
-                    <a:tint val="75000"/>
-                  </a:schemeClr>
-                </a:solidFill>
-              </a:defRPr>
-            </a:lvl3pPr>
-            <a:lvl4pPr marL="1371600" indent="0">
-              <a:buNone/>
-              <a:defRPr sz="1400">
-                <a:solidFill>
-                  <a:schemeClr val="tx1">
-                    <a:tint val="75000"/>
-                  </a:schemeClr>
-                </a:solidFill>
-              </a:defRPr>
-            </a:lvl4pPr>
-            <a:lvl5pPr marL="1828800" indent="0">
-              <a:buNone/>
-              <a:defRPr sz="1400">
-                <a:solidFill>
-                  <a:schemeClr val="tx1">
-                    <a:tint val="75000"/>
-                  </a:schemeClr>
-                </a:solidFill>
-              </a:defRPr>
-            </a:lvl5pPr>
-            <a:lvl6pPr marL="2286000" indent="0">
-              <a:buNone/>
-              <a:defRPr sz="1400">
-                <a:solidFill>
-                  <a:schemeClr val="tx1">
-                    <a:tint val="75000"/>
-                  </a:schemeClr>
-                </a:solidFill>
-              </a:defRPr>
+            <a:lvl6pPr>
+              <a:defRPr sz="1800"/>
             </a:lvl6pPr>
-            <a:lvl7pPr marL="2743200" indent="0">
-              <a:buNone/>
-              <a:defRPr sz="1400">
-                <a:solidFill>
-                  <a:schemeClr val="tx1">
-                    <a:tint val="75000"/>
-                  </a:schemeClr>
-                </a:solidFill>
-              </a:defRPr>
+            <a:lvl7pPr>
+              <a:defRPr sz="1800"/>
             </a:lvl7pPr>
-            <a:lvl8pPr marL="3200400" indent="0">
-              <a:buNone/>
-              <a:defRPr sz="1400">
-                <a:solidFill>
-                  <a:schemeClr val="tx1">
-                    <a:tint val="75000"/>
-                  </a:schemeClr>
-                </a:solidFill>
-              </a:defRPr>
+            <a:lvl8pPr>
+              <a:defRPr sz="1800"/>
             </a:lvl8pPr>
-            <a:lvl9pPr marL="3657600" indent="0">
-              <a:buNone/>
-              <a:defRPr sz="1400">
-                <a:solidFill>
-                  <a:schemeClr val="tx1">
-                    <a:tint val="75000"/>
-                  </a:schemeClr>
-                </a:solidFill>
-              </a:defRPr>
+            <a:lvl9pPr>
+              <a:defRPr sz="1800"/>
             </a:lvl9pPr>
           </a:lstStyle>
           <a:p>
             <a:pPr lvl="0"/>
             <a:r>
-              <a:rPr lang="en-US" smtClean="0"/>
-              <a:t>Edit Master text styles</a:t>
-            </a:r>
-          </a:p>
-        </p:txBody>
-      </p:sp>
-      <p:sp>
-        <p:nvSpPr>
-          <p:cNvPr id="4" name="Date Placeholder 3"/>
+              <a:rPr lang="es-ES_tradnl" smtClean="0"/>
+              <a:t>Haga clic para modificar el estilo de texto del patrón</a:t>
+            </a:r>
+          </a:p>
+          <a:p>
+            <a:pPr lvl="1"/>
+            <a:r>
+              <a:rPr lang="es-ES_tradnl" smtClean="0"/>
+              <a:t>Segundo nivel</a:t>
+            </a:r>
+          </a:p>
+          <a:p>
+            <a:pPr lvl="2"/>
+            <a:r>
+              <a:rPr lang="es-ES_tradnl" smtClean="0"/>
+              <a:t>Tercer nivel</a:t>
+            </a:r>
+          </a:p>
+          <a:p>
+            <a:pPr lvl="3"/>
+            <a:r>
+              <a:rPr lang="es-ES_tradnl" smtClean="0"/>
+              <a:t>Cuarto nivel</a:t>
+            </a:r>
+          </a:p>
+          <a:p>
+            <a:pPr lvl="4"/>
+            <a:r>
+              <a:rPr lang="es-ES_tradnl" smtClean="0"/>
+              <a:t>Quinto nivel</a:t>
+            </a:r>
+            <a:endParaRPr lang="en-US"/>
+          </a:p>
+        </p:txBody>
+      </p:sp>
+      <p:sp>
+        <p:nvSpPr>
+          <p:cNvPr id="5" name="Date Placeholder 4"/>
           <p:cNvSpPr>
             <a:spLocks noGrp="1"/>
           </p:cNvSpPr>
@@ -1372,7 +1522,7 @@
           <a:p>
             <a:fld id="{81C75E76-9F89-4757-915C-0C704E49CD7E}" type="datetimeFigureOut">
               <a:rPr lang="en-US" smtClean="0"/>
-              <a:t>2/15/2017</a:t>
+              <a:t>11/05/17</a:t>
             </a:fld>
             <a:endParaRPr lang="en-US"/>
           </a:p>
@@ -1380,7 +1530,7 @@
       </p:sp>
       <p:sp>
         <p:nvSpPr>
-          <p:cNvPr id="5" name="Footer Placeholder 4"/>
+          <p:cNvPr id="6" name="Footer Placeholder 5"/>
           <p:cNvSpPr>
             <a:spLocks noGrp="1"/>
           </p:cNvSpPr>
@@ -1399,7 +1549,7 @@
       </p:sp>
       <p:sp>
         <p:nvSpPr>
-          <p:cNvPr id="6" name="Slide Number Placeholder 5"/>
+          <p:cNvPr id="7" name="Slide Number Placeholder 6"/>
           <p:cNvSpPr>
             <a:spLocks noGrp="1"/>
           </p:cNvSpPr>
@@ -1414,117 +1564,13 @@
           <a:p>
             <a:fld id="{DA1842C8-1095-4A6A-B921-31DFA631D9F9}" type="slidenum">
               <a:rPr lang="en-US" smtClean="0"/>
-              <a:t>‹Nº›</a:t>
+              <a:t>‹Nr.›</a:t>
             </a:fld>
             <a:endParaRPr lang="en-US"/>
           </a:p>
         </p:txBody>
       </p:sp>
-      <p:sp>
-        <p:nvSpPr>
-          <p:cNvPr id="14" name="TextBox 13"/>
-          <p:cNvSpPr txBox="1"/>
-          <p:nvPr/>
-        </p:nvSpPr>
-        <p:spPr>
-          <a:xfrm>
-            <a:off x="862013" y="879961"/>
-            <a:ext cx="609600" cy="584776"/>
-          </a:xfrm>
-          <a:prstGeom prst="rect">
-            <a:avLst/>
-          </a:prstGeom>
-        </p:spPr>
-        <p:txBody>
-          <a:bodyPr vert="horz" lIns="91440" tIns="45720" rIns="91440" bIns="45720" rtlCol="0" anchor="ctr">
-            <a:noAutofit/>
-          </a:bodyPr>
-          <a:lstStyle/>
-          <a:p>
-            <a:pPr lvl="0"/>
-            <a:r>
-              <a:rPr lang="en-US" sz="8000" dirty="0">
-                <a:solidFill>
-                  <a:schemeClr val="tx1"/>
-                </a:solidFill>
-                <a:effectLst/>
-              </a:rPr>
-              <a:t>“</a:t>
-            </a:r>
-          </a:p>
-        </p:txBody>
-      </p:sp>
-      <p:sp>
-        <p:nvSpPr>
-          <p:cNvPr id="15" name="TextBox 14"/>
-          <p:cNvSpPr txBox="1"/>
-          <p:nvPr/>
-        </p:nvSpPr>
-        <p:spPr>
-          <a:xfrm>
-            <a:off x="10600267" y="2827870"/>
-            <a:ext cx="609600" cy="584776"/>
-          </a:xfrm>
-          <a:prstGeom prst="rect">
-            <a:avLst/>
-          </a:prstGeom>
-        </p:spPr>
-        <p:txBody>
-          <a:bodyPr vert="horz" lIns="91440" tIns="45720" rIns="91440" bIns="45720" rtlCol="0" anchor="ctr">
-            <a:noAutofit/>
-          </a:bodyPr>
-          <a:lstStyle/>
-          <a:p>
-            <a:pPr lvl="0" algn="r"/>
-            <a:r>
-              <a:rPr lang="en-US" sz="8000" dirty="0">
-                <a:solidFill>
-                  <a:schemeClr val="tx1"/>
-                </a:solidFill>
-                <a:effectLst/>
-              </a:rPr>
-              <a:t>”</a:t>
-            </a:r>
-          </a:p>
-        </p:txBody>
-      </p:sp>
-      <p:cxnSp>
-        <p:nvCxnSpPr>
-          <p:cNvPr id="19" name="Straight Connector 18"/>
-          <p:cNvCxnSpPr/>
-          <p:nvPr/>
-        </p:nvCxnSpPr>
-        <p:spPr>
-          <a:xfrm>
-            <a:off x="1396169" y="4140199"/>
-            <a:ext cx="9407298" cy="0"/>
-          </a:xfrm>
-          <a:prstGeom prst="line">
-            <a:avLst/>
-          </a:prstGeom>
-          <a:ln w="15875"/>
-        </p:spPr>
-        <p:style>
-          <a:lnRef idx="2">
-            <a:schemeClr val="accent1"/>
-          </a:lnRef>
-          <a:fillRef idx="0">
-            <a:schemeClr val="accent1"/>
-          </a:fillRef>
-          <a:effectRef idx="1">
-            <a:schemeClr val="accent1"/>
-          </a:effectRef>
-          <a:fontRef idx="minor">
-            <a:schemeClr val="tx1"/>
-          </a:fontRef>
-        </p:style>
-      </p:cxnSp>
     </p:spTree>
-    <p:extLst>
-      <p:ext uri="{BB962C8B-B14F-4D97-AF65-F5344CB8AC3E}">
-        <p14:creationId xmlns:p14="http://schemas.microsoft.com/office/powerpoint/2010/main" val="3940006223"/>
-      </p:ext>
-    </p:extLst>
   </p:cSld>
   <p:clrMapOvr>
     <a:masterClrMapping/>
@@ -1532,9 +1578,9 @@
 </p:sldLayout>
 </file>
 
-<file path=ppt/slideLayouts/slideLayout13.xml><?xml version="1.0" encoding="utf-8"?>
-<p:sldLayout xmlns:a="http://schemas.openxmlformats.org/drawingml/2006/main" xmlns:r="http://schemas.openxmlformats.org/officeDocument/2006/relationships" xmlns:p="http://schemas.openxmlformats.org/presentationml/2006/main" preserve="1">
-  <p:cSld name="Name Card">
+<file path=ppt/slideLayouts/slideLayout5.xml><?xml version="1.0" encoding="utf-8"?>
+<p:sldLayout xmlns:a="http://schemas.openxmlformats.org/drawingml/2006/main" xmlns:r="http://schemas.openxmlformats.org/officeDocument/2006/relationships" xmlns:p="http://schemas.openxmlformats.org/presentationml/2006/main" type="twoTxTwoObj" preserve="1">
+  <p:cSld name="Comparación">
     <p:spTree>
       <p:nvGrpSpPr>
         <p:cNvPr id="1" name=""/>
@@ -1559,2292 +1605,6 @@
             <p:ph type="title"/>
           </p:nvPr>
         </p:nvSpPr>
-        <p:spPr>
-          <a:xfrm>
-            <a:off x="1295402" y="3308581"/>
-            <a:ext cx="9609668" cy="1468800"/>
-          </a:xfrm>
-        </p:spPr>
-        <p:txBody>
-          <a:bodyPr anchor="b">
-            <a:normAutofit/>
-          </a:bodyPr>
-          <a:lstStyle>
-            <a:lvl1pPr algn="l">
-              <a:defRPr sz="3200" b="0" cap="none"/>
-            </a:lvl1pPr>
-          </a:lstStyle>
-          <a:p>
-            <a:r>
-              <a:rPr lang="en-US" smtClean="0"/>
-              <a:t>Click to edit Master title style</a:t>
-            </a:r>
-            <a:endParaRPr lang="en-US" dirty="0"/>
-          </a:p>
-        </p:txBody>
-      </p:sp>
-      <p:sp>
-        <p:nvSpPr>
-          <p:cNvPr id="3" name="Text Placeholder 2"/>
-          <p:cNvSpPr>
-            <a:spLocks noGrp="1"/>
-          </p:cNvSpPr>
-          <p:nvPr>
-            <p:ph type="body" idx="1"/>
-          </p:nvPr>
-        </p:nvSpPr>
-        <p:spPr>
-          <a:xfrm>
-            <a:off x="1295401" y="4777381"/>
-            <a:ext cx="9609668" cy="860400"/>
-          </a:xfrm>
-        </p:spPr>
-        <p:txBody>
-          <a:bodyPr anchor="t">
-            <a:normAutofit/>
-          </a:bodyPr>
-          <a:lstStyle>
-            <a:lvl1pPr marL="0" indent="0" algn="l">
-              <a:buNone/>
-              <a:defRPr sz="2000">
-                <a:solidFill>
-                  <a:schemeClr val="tx1"/>
-                </a:solidFill>
-              </a:defRPr>
-            </a:lvl1pPr>
-            <a:lvl2pPr marL="457200" indent="0">
-              <a:buNone/>
-              <a:defRPr sz="1800">
-                <a:solidFill>
-                  <a:schemeClr val="tx1">
-                    <a:tint val="75000"/>
-                  </a:schemeClr>
-                </a:solidFill>
-              </a:defRPr>
-            </a:lvl2pPr>
-            <a:lvl3pPr marL="914400" indent="0">
-              <a:buNone/>
-              <a:defRPr sz="1600">
-                <a:solidFill>
-                  <a:schemeClr val="tx1">
-                    <a:tint val="75000"/>
-                  </a:schemeClr>
-                </a:solidFill>
-              </a:defRPr>
-            </a:lvl3pPr>
-            <a:lvl4pPr marL="1371600" indent="0">
-              <a:buNone/>
-              <a:defRPr sz="1400">
-                <a:solidFill>
-                  <a:schemeClr val="tx1">
-                    <a:tint val="75000"/>
-                  </a:schemeClr>
-                </a:solidFill>
-              </a:defRPr>
-            </a:lvl4pPr>
-            <a:lvl5pPr marL="1828800" indent="0">
-              <a:buNone/>
-              <a:defRPr sz="1400">
-                <a:solidFill>
-                  <a:schemeClr val="tx1">
-                    <a:tint val="75000"/>
-                  </a:schemeClr>
-                </a:solidFill>
-              </a:defRPr>
-            </a:lvl5pPr>
-            <a:lvl6pPr marL="2286000" indent="0">
-              <a:buNone/>
-              <a:defRPr sz="1400">
-                <a:solidFill>
-                  <a:schemeClr val="tx1">
-                    <a:tint val="75000"/>
-                  </a:schemeClr>
-                </a:solidFill>
-              </a:defRPr>
-            </a:lvl6pPr>
-            <a:lvl7pPr marL="2743200" indent="0">
-              <a:buNone/>
-              <a:defRPr sz="1400">
-                <a:solidFill>
-                  <a:schemeClr val="tx1">
-                    <a:tint val="75000"/>
-                  </a:schemeClr>
-                </a:solidFill>
-              </a:defRPr>
-            </a:lvl7pPr>
-            <a:lvl8pPr marL="3200400" indent="0">
-              <a:buNone/>
-              <a:defRPr sz="1400">
-                <a:solidFill>
-                  <a:schemeClr val="tx1">
-                    <a:tint val="75000"/>
-                  </a:schemeClr>
-                </a:solidFill>
-              </a:defRPr>
-            </a:lvl8pPr>
-            <a:lvl9pPr marL="3657600" indent="0">
-              <a:buNone/>
-              <a:defRPr sz="1400">
-                <a:solidFill>
-                  <a:schemeClr val="tx1">
-                    <a:tint val="75000"/>
-                  </a:schemeClr>
-                </a:solidFill>
-              </a:defRPr>
-            </a:lvl9pPr>
-          </a:lstStyle>
-          <a:p>
-            <a:pPr lvl="0"/>
-            <a:r>
-              <a:rPr lang="en-US" smtClean="0"/>
-              <a:t>Edit Master text styles</a:t>
-            </a:r>
-          </a:p>
-        </p:txBody>
-      </p:sp>
-      <p:sp>
-        <p:nvSpPr>
-          <p:cNvPr id="4" name="Date Placeholder 3"/>
-          <p:cNvSpPr>
-            <a:spLocks noGrp="1"/>
-          </p:cNvSpPr>
-          <p:nvPr>
-            <p:ph type="dt" sz="half" idx="10"/>
-          </p:nvPr>
-        </p:nvSpPr>
-        <p:spPr/>
-        <p:txBody>
-          <a:bodyPr/>
-          <a:lstStyle/>
-          <a:p>
-            <a:fld id="{81C75E76-9F89-4757-915C-0C704E49CD7E}" type="datetimeFigureOut">
-              <a:rPr lang="en-US" smtClean="0"/>
-              <a:t>2/15/2017</a:t>
-            </a:fld>
-            <a:endParaRPr lang="en-US"/>
-          </a:p>
-        </p:txBody>
-      </p:sp>
-      <p:sp>
-        <p:nvSpPr>
-          <p:cNvPr id="5" name="Footer Placeholder 4"/>
-          <p:cNvSpPr>
-            <a:spLocks noGrp="1"/>
-          </p:cNvSpPr>
-          <p:nvPr>
-            <p:ph type="ftr" sz="quarter" idx="11"/>
-          </p:nvPr>
-        </p:nvSpPr>
-        <p:spPr/>
-        <p:txBody>
-          <a:bodyPr/>
-          <a:lstStyle/>
-          <a:p>
-            <a:endParaRPr lang="en-US"/>
-          </a:p>
-        </p:txBody>
-      </p:sp>
-      <p:sp>
-        <p:nvSpPr>
-          <p:cNvPr id="6" name="Slide Number Placeholder 5"/>
-          <p:cNvSpPr>
-            <a:spLocks noGrp="1"/>
-          </p:cNvSpPr>
-          <p:nvPr>
-            <p:ph type="sldNum" sz="quarter" idx="12"/>
-          </p:nvPr>
-        </p:nvSpPr>
-        <p:spPr/>
-        <p:txBody>
-          <a:bodyPr/>
-          <a:lstStyle/>
-          <a:p>
-            <a:fld id="{DA1842C8-1095-4A6A-B921-31DFA631D9F9}" type="slidenum">
-              <a:rPr lang="en-US" smtClean="0"/>
-              <a:t>‹Nº›</a:t>
-            </a:fld>
-            <a:endParaRPr lang="en-US"/>
-          </a:p>
-        </p:txBody>
-      </p:sp>
-    </p:spTree>
-    <p:extLst>
-      <p:ext uri="{BB962C8B-B14F-4D97-AF65-F5344CB8AC3E}">
-        <p14:creationId xmlns:p14="http://schemas.microsoft.com/office/powerpoint/2010/main" val="2192151387"/>
-      </p:ext>
-    </p:extLst>
-  </p:cSld>
-  <p:clrMapOvr>
-    <a:masterClrMapping/>
-  </p:clrMapOvr>
-</p:sldLayout>
-</file>
-
-<file path=ppt/slideLayouts/slideLayout14.xml><?xml version="1.0" encoding="utf-8"?>
-<p:sldLayout xmlns:a="http://schemas.openxmlformats.org/drawingml/2006/main" xmlns:r="http://schemas.openxmlformats.org/officeDocument/2006/relationships" xmlns:p="http://schemas.openxmlformats.org/presentationml/2006/main" preserve="1">
-  <p:cSld name="Quote Name Card">
-    <p:spTree>
-      <p:nvGrpSpPr>
-        <p:cNvPr id="1" name=""/>
-        <p:cNvGrpSpPr/>
-        <p:nvPr/>
-      </p:nvGrpSpPr>
-      <p:grpSpPr>
-        <a:xfrm>
-          <a:off x="0" y="0"/>
-          <a:ext cx="0" cy="0"/>
-          <a:chOff x="0" y="0"/>
-          <a:chExt cx="0" cy="0"/>
-        </a:xfrm>
-      </p:grpSpPr>
-      <p:sp>
-        <p:nvSpPr>
-          <p:cNvPr id="2" name="Title 1"/>
-          <p:cNvSpPr>
-            <a:spLocks noGrp="1"/>
-          </p:cNvSpPr>
-          <p:nvPr>
-            <p:ph type="title"/>
-          </p:nvPr>
-        </p:nvSpPr>
-        <p:spPr>
-          <a:xfrm>
-            <a:off x="1446213" y="982132"/>
-            <a:ext cx="9296398" cy="2243668"/>
-          </a:xfrm>
-        </p:spPr>
-        <p:txBody>
-          <a:bodyPr anchor="ctr">
-            <a:normAutofit/>
-          </a:bodyPr>
-          <a:lstStyle>
-            <a:lvl1pPr algn="ctr">
-              <a:defRPr sz="3200" b="0" cap="none">
-                <a:solidFill>
-                  <a:schemeClr val="tx1"/>
-                </a:solidFill>
-              </a:defRPr>
-            </a:lvl1pPr>
-          </a:lstStyle>
-          <a:p>
-            <a:r>
-              <a:rPr lang="en-US" smtClean="0"/>
-              <a:t>Click to edit Master title style</a:t>
-            </a:r>
-            <a:endParaRPr lang="en-US" dirty="0"/>
-          </a:p>
-        </p:txBody>
-      </p:sp>
-      <p:sp>
-        <p:nvSpPr>
-          <p:cNvPr id="23" name="Text Placeholder 2"/>
-          <p:cNvSpPr>
-            <a:spLocks noGrp="1"/>
-          </p:cNvSpPr>
-          <p:nvPr>
-            <p:ph type="body" idx="13"/>
-          </p:nvPr>
-        </p:nvSpPr>
-        <p:spPr>
-          <a:xfrm>
-            <a:off x="1295401" y="3639312"/>
-            <a:ext cx="9609668" cy="886968"/>
-          </a:xfrm>
-        </p:spPr>
-        <p:txBody>
-          <a:bodyPr anchor="b">
-            <a:normAutofit/>
-          </a:bodyPr>
-          <a:lstStyle>
-            <a:lvl1pPr marL="0" indent="0" algn="l">
-              <a:spcBef>
-                <a:spcPts val="0"/>
-              </a:spcBef>
-              <a:buNone/>
-              <a:defRPr sz="2400">
-                <a:solidFill>
-                  <a:schemeClr val="tx1"/>
-                </a:solidFill>
-              </a:defRPr>
-            </a:lvl1pPr>
-            <a:lvl2pPr marL="457200" indent="0">
-              <a:buNone/>
-              <a:defRPr sz="1800">
-                <a:solidFill>
-                  <a:schemeClr val="tx1">
-                    <a:tint val="75000"/>
-                  </a:schemeClr>
-                </a:solidFill>
-              </a:defRPr>
-            </a:lvl2pPr>
-            <a:lvl3pPr marL="914400" indent="0">
-              <a:buNone/>
-              <a:defRPr sz="1600">
-                <a:solidFill>
-                  <a:schemeClr val="tx1">
-                    <a:tint val="75000"/>
-                  </a:schemeClr>
-                </a:solidFill>
-              </a:defRPr>
-            </a:lvl3pPr>
-            <a:lvl4pPr marL="1371600" indent="0">
-              <a:buNone/>
-              <a:defRPr sz="1400">
-                <a:solidFill>
-                  <a:schemeClr val="tx1">
-                    <a:tint val="75000"/>
-                  </a:schemeClr>
-                </a:solidFill>
-              </a:defRPr>
-            </a:lvl4pPr>
-            <a:lvl5pPr marL="1828800" indent="0">
-              <a:buNone/>
-              <a:defRPr sz="1400">
-                <a:solidFill>
-                  <a:schemeClr val="tx1">
-                    <a:tint val="75000"/>
-                  </a:schemeClr>
-                </a:solidFill>
-              </a:defRPr>
-            </a:lvl5pPr>
-            <a:lvl6pPr marL="2286000" indent="0">
-              <a:buNone/>
-              <a:defRPr sz="1400">
-                <a:solidFill>
-                  <a:schemeClr val="tx1">
-                    <a:tint val="75000"/>
-                  </a:schemeClr>
-                </a:solidFill>
-              </a:defRPr>
-            </a:lvl6pPr>
-            <a:lvl7pPr marL="2743200" indent="0">
-              <a:buNone/>
-              <a:defRPr sz="1400">
-                <a:solidFill>
-                  <a:schemeClr val="tx1">
-                    <a:tint val="75000"/>
-                  </a:schemeClr>
-                </a:solidFill>
-              </a:defRPr>
-            </a:lvl7pPr>
-            <a:lvl8pPr marL="3200400" indent="0">
-              <a:buNone/>
-              <a:defRPr sz="1400">
-                <a:solidFill>
-                  <a:schemeClr val="tx1">
-                    <a:tint val="75000"/>
-                  </a:schemeClr>
-                </a:solidFill>
-              </a:defRPr>
-            </a:lvl8pPr>
-            <a:lvl9pPr marL="3657600" indent="0">
-              <a:buNone/>
-              <a:defRPr sz="1400">
-                <a:solidFill>
-                  <a:schemeClr val="tx1">
-                    <a:tint val="75000"/>
-                  </a:schemeClr>
-                </a:solidFill>
-              </a:defRPr>
-            </a:lvl9pPr>
-          </a:lstStyle>
-          <a:p>
-            <a:pPr lvl="0"/>
-            <a:r>
-              <a:rPr lang="en-US" smtClean="0"/>
-              <a:t>Edit Master text styles</a:t>
-            </a:r>
-          </a:p>
-        </p:txBody>
-      </p:sp>
-      <p:sp>
-        <p:nvSpPr>
-          <p:cNvPr id="3" name="Text Placeholder 2"/>
-          <p:cNvSpPr>
-            <a:spLocks noGrp="1"/>
-          </p:cNvSpPr>
-          <p:nvPr>
-            <p:ph type="body" idx="1"/>
-          </p:nvPr>
-        </p:nvSpPr>
-        <p:spPr>
-          <a:xfrm>
-            <a:off x="1295401" y="4529667"/>
-            <a:ext cx="9609668" cy="1346200"/>
-          </a:xfrm>
-        </p:spPr>
-        <p:txBody>
-          <a:bodyPr anchor="t">
-            <a:normAutofit/>
-          </a:bodyPr>
-          <a:lstStyle>
-            <a:lvl1pPr marL="0" indent="0" algn="l">
-              <a:buNone/>
-              <a:defRPr sz="1800">
-                <a:solidFill>
-                  <a:schemeClr val="tx1"/>
-                </a:solidFill>
-              </a:defRPr>
-            </a:lvl1pPr>
-            <a:lvl2pPr marL="457200" indent="0">
-              <a:buNone/>
-              <a:defRPr sz="1800">
-                <a:solidFill>
-                  <a:schemeClr val="tx1">
-                    <a:tint val="75000"/>
-                  </a:schemeClr>
-                </a:solidFill>
-              </a:defRPr>
-            </a:lvl2pPr>
-            <a:lvl3pPr marL="914400" indent="0">
-              <a:buNone/>
-              <a:defRPr sz="1600">
-                <a:solidFill>
-                  <a:schemeClr val="tx1">
-                    <a:tint val="75000"/>
-                  </a:schemeClr>
-                </a:solidFill>
-              </a:defRPr>
-            </a:lvl3pPr>
-            <a:lvl4pPr marL="1371600" indent="0">
-              <a:buNone/>
-              <a:defRPr sz="1400">
-                <a:solidFill>
-                  <a:schemeClr val="tx1">
-                    <a:tint val="75000"/>
-                  </a:schemeClr>
-                </a:solidFill>
-              </a:defRPr>
-            </a:lvl4pPr>
-            <a:lvl5pPr marL="1828800" indent="0">
-              <a:buNone/>
-              <a:defRPr sz="1400">
-                <a:solidFill>
-                  <a:schemeClr val="tx1">
-                    <a:tint val="75000"/>
-                  </a:schemeClr>
-                </a:solidFill>
-              </a:defRPr>
-            </a:lvl5pPr>
-            <a:lvl6pPr marL="2286000" indent="0">
-              <a:buNone/>
-              <a:defRPr sz="1400">
-                <a:solidFill>
-                  <a:schemeClr val="tx1">
-                    <a:tint val="75000"/>
-                  </a:schemeClr>
-                </a:solidFill>
-              </a:defRPr>
-            </a:lvl6pPr>
-            <a:lvl7pPr marL="2743200" indent="0">
-              <a:buNone/>
-              <a:defRPr sz="1400">
-                <a:solidFill>
-                  <a:schemeClr val="tx1">
-                    <a:tint val="75000"/>
-                  </a:schemeClr>
-                </a:solidFill>
-              </a:defRPr>
-            </a:lvl7pPr>
-            <a:lvl8pPr marL="3200400" indent="0">
-              <a:buNone/>
-              <a:defRPr sz="1400">
-                <a:solidFill>
-                  <a:schemeClr val="tx1">
-                    <a:tint val="75000"/>
-                  </a:schemeClr>
-                </a:solidFill>
-              </a:defRPr>
-            </a:lvl8pPr>
-            <a:lvl9pPr marL="3657600" indent="0">
-              <a:buNone/>
-              <a:defRPr sz="1400">
-                <a:solidFill>
-                  <a:schemeClr val="tx1">
-                    <a:tint val="75000"/>
-                  </a:schemeClr>
-                </a:solidFill>
-              </a:defRPr>
-            </a:lvl9pPr>
-          </a:lstStyle>
-          <a:p>
-            <a:pPr lvl="0"/>
-            <a:r>
-              <a:rPr lang="en-US" smtClean="0"/>
-              <a:t>Edit Master text styles</a:t>
-            </a:r>
-          </a:p>
-        </p:txBody>
-      </p:sp>
-      <p:sp>
-        <p:nvSpPr>
-          <p:cNvPr id="4" name="Date Placeholder 3"/>
-          <p:cNvSpPr>
-            <a:spLocks noGrp="1"/>
-          </p:cNvSpPr>
-          <p:nvPr>
-            <p:ph type="dt" sz="half" idx="10"/>
-          </p:nvPr>
-        </p:nvSpPr>
-        <p:spPr/>
-        <p:txBody>
-          <a:bodyPr/>
-          <a:lstStyle/>
-          <a:p>
-            <a:fld id="{81C75E76-9F89-4757-915C-0C704E49CD7E}" type="datetimeFigureOut">
-              <a:rPr lang="en-US" smtClean="0"/>
-              <a:t>2/15/2017</a:t>
-            </a:fld>
-            <a:endParaRPr lang="en-US"/>
-          </a:p>
-        </p:txBody>
-      </p:sp>
-      <p:sp>
-        <p:nvSpPr>
-          <p:cNvPr id="5" name="Footer Placeholder 4"/>
-          <p:cNvSpPr>
-            <a:spLocks noGrp="1"/>
-          </p:cNvSpPr>
-          <p:nvPr>
-            <p:ph type="ftr" sz="quarter" idx="11"/>
-          </p:nvPr>
-        </p:nvSpPr>
-        <p:spPr/>
-        <p:txBody>
-          <a:bodyPr/>
-          <a:lstStyle/>
-          <a:p>
-            <a:endParaRPr lang="en-US"/>
-          </a:p>
-        </p:txBody>
-      </p:sp>
-      <p:sp>
-        <p:nvSpPr>
-          <p:cNvPr id="6" name="Slide Number Placeholder 5"/>
-          <p:cNvSpPr>
-            <a:spLocks noGrp="1"/>
-          </p:cNvSpPr>
-          <p:nvPr>
-            <p:ph type="sldNum" sz="quarter" idx="12"/>
-          </p:nvPr>
-        </p:nvSpPr>
-        <p:spPr/>
-        <p:txBody>
-          <a:bodyPr/>
-          <a:lstStyle/>
-          <a:p>
-            <a:fld id="{DA1842C8-1095-4A6A-B921-31DFA631D9F9}" type="slidenum">
-              <a:rPr lang="en-US" smtClean="0"/>
-              <a:t>‹Nº›</a:t>
-            </a:fld>
-            <a:endParaRPr lang="en-US"/>
-          </a:p>
-        </p:txBody>
-      </p:sp>
-      <p:sp>
-        <p:nvSpPr>
-          <p:cNvPr id="12" name="TextBox 11"/>
-          <p:cNvSpPr txBox="1"/>
-          <p:nvPr/>
-        </p:nvSpPr>
-        <p:spPr>
-          <a:xfrm>
-            <a:off x="862013" y="879961"/>
-            <a:ext cx="609600" cy="584776"/>
-          </a:xfrm>
-          <a:prstGeom prst="rect">
-            <a:avLst/>
-          </a:prstGeom>
-        </p:spPr>
-        <p:txBody>
-          <a:bodyPr vert="horz" lIns="91440" tIns="45720" rIns="91440" bIns="45720" rtlCol="0" anchor="ctr">
-            <a:noAutofit/>
-          </a:bodyPr>
-          <a:lstStyle/>
-          <a:p>
-            <a:pPr lvl="0"/>
-            <a:r>
-              <a:rPr lang="en-US" sz="8000" dirty="0">
-                <a:solidFill>
-                  <a:schemeClr val="tx1"/>
-                </a:solidFill>
-                <a:effectLst/>
-              </a:rPr>
-              <a:t>“</a:t>
-            </a:r>
-          </a:p>
-        </p:txBody>
-      </p:sp>
-      <p:sp>
-        <p:nvSpPr>
-          <p:cNvPr id="13" name="TextBox 12"/>
-          <p:cNvSpPr txBox="1"/>
-          <p:nvPr/>
-        </p:nvSpPr>
-        <p:spPr>
-          <a:xfrm>
-            <a:off x="10600267" y="2599261"/>
-            <a:ext cx="609600" cy="584776"/>
-          </a:xfrm>
-          <a:prstGeom prst="rect">
-            <a:avLst/>
-          </a:prstGeom>
-        </p:spPr>
-        <p:txBody>
-          <a:bodyPr vert="horz" lIns="91440" tIns="45720" rIns="91440" bIns="45720" rtlCol="0" anchor="ctr">
-            <a:noAutofit/>
-          </a:bodyPr>
-          <a:lstStyle/>
-          <a:p>
-            <a:pPr lvl="0" algn="r"/>
-            <a:r>
-              <a:rPr lang="en-US" sz="8000" dirty="0">
-                <a:solidFill>
-                  <a:schemeClr val="tx1"/>
-                </a:solidFill>
-                <a:effectLst/>
-              </a:rPr>
-              <a:t>”</a:t>
-            </a:r>
-          </a:p>
-        </p:txBody>
-      </p:sp>
-      <p:cxnSp>
-        <p:nvCxnSpPr>
-          <p:cNvPr id="26" name="Straight Connector 25"/>
-          <p:cNvCxnSpPr/>
-          <p:nvPr/>
-        </p:nvCxnSpPr>
-        <p:spPr>
-          <a:xfrm>
-            <a:off x="1396169" y="3429000"/>
-            <a:ext cx="9407298" cy="0"/>
-          </a:xfrm>
-          <a:prstGeom prst="line">
-            <a:avLst/>
-          </a:prstGeom>
-          <a:ln w="15875"/>
-        </p:spPr>
-        <p:style>
-          <a:lnRef idx="2">
-            <a:schemeClr val="accent1"/>
-          </a:lnRef>
-          <a:fillRef idx="0">
-            <a:schemeClr val="accent1"/>
-          </a:fillRef>
-          <a:effectRef idx="1">
-            <a:schemeClr val="accent1"/>
-          </a:effectRef>
-          <a:fontRef idx="minor">
-            <a:schemeClr val="tx1"/>
-          </a:fontRef>
-        </p:style>
-      </p:cxnSp>
-    </p:spTree>
-    <p:extLst>
-      <p:ext uri="{BB962C8B-B14F-4D97-AF65-F5344CB8AC3E}">
-        <p14:creationId xmlns:p14="http://schemas.microsoft.com/office/powerpoint/2010/main" val="574732445"/>
-      </p:ext>
-    </p:extLst>
-  </p:cSld>
-  <p:clrMapOvr>
-    <a:masterClrMapping/>
-  </p:clrMapOvr>
-</p:sldLayout>
-</file>
-
-<file path=ppt/slideLayouts/slideLayout15.xml><?xml version="1.0" encoding="utf-8"?>
-<p:sldLayout xmlns:a="http://schemas.openxmlformats.org/drawingml/2006/main" xmlns:r="http://schemas.openxmlformats.org/officeDocument/2006/relationships" xmlns:p="http://schemas.openxmlformats.org/presentationml/2006/main" preserve="1">
-  <p:cSld name="True or False">
-    <p:spTree>
-      <p:nvGrpSpPr>
-        <p:cNvPr id="1" name=""/>
-        <p:cNvGrpSpPr/>
-        <p:nvPr/>
-      </p:nvGrpSpPr>
-      <p:grpSpPr>
-        <a:xfrm>
-          <a:off x="0" y="0"/>
-          <a:ext cx="0" cy="0"/>
-          <a:chOff x="0" y="0"/>
-          <a:chExt cx="0" cy="0"/>
-        </a:xfrm>
-      </p:grpSpPr>
-      <p:sp>
-        <p:nvSpPr>
-          <p:cNvPr id="2" name="Title 1"/>
-          <p:cNvSpPr>
-            <a:spLocks noGrp="1"/>
-          </p:cNvSpPr>
-          <p:nvPr>
-            <p:ph type="title"/>
-          </p:nvPr>
-        </p:nvSpPr>
-        <p:spPr>
-          <a:xfrm>
-            <a:off x="1295401" y="982132"/>
-            <a:ext cx="9609666" cy="2243668"/>
-          </a:xfrm>
-        </p:spPr>
-        <p:txBody>
-          <a:bodyPr vert="horz" lIns="91440" tIns="45720" rIns="91440" bIns="45720" rtlCol="0" anchor="ctr">
-            <a:normAutofit/>
-          </a:bodyPr>
-          <a:lstStyle>
-            <a:lvl1pPr>
-              <a:defRPr lang="en-US" b="0" dirty="0"/>
-            </a:lvl1pPr>
-          </a:lstStyle>
-          <a:p>
-            <a:pPr marL="0" lvl="0"/>
-            <a:r>
-              <a:rPr lang="en-US" smtClean="0"/>
-              <a:t>Click to edit Master title style</a:t>
-            </a:r>
-            <a:endParaRPr lang="en-US" dirty="0"/>
-          </a:p>
-        </p:txBody>
-      </p:sp>
-      <p:sp>
-        <p:nvSpPr>
-          <p:cNvPr id="20" name="Text Placeholder 2"/>
-          <p:cNvSpPr>
-            <a:spLocks noGrp="1"/>
-          </p:cNvSpPr>
-          <p:nvPr>
-            <p:ph type="body" idx="13"/>
-          </p:nvPr>
-        </p:nvSpPr>
-        <p:spPr>
-          <a:xfrm>
-            <a:off x="1295401" y="3630168"/>
-            <a:ext cx="9609668" cy="841248"/>
-          </a:xfrm>
-        </p:spPr>
-        <p:txBody>
-          <a:bodyPr anchor="b">
-            <a:normAutofit/>
-          </a:bodyPr>
-          <a:lstStyle>
-            <a:lvl1pPr marL="0" indent="0" algn="l">
-              <a:spcBef>
-                <a:spcPts val="0"/>
-              </a:spcBef>
-              <a:buNone/>
-              <a:defRPr sz="2800">
-                <a:solidFill>
-                  <a:schemeClr val="tx1"/>
-                </a:solidFill>
-              </a:defRPr>
-            </a:lvl1pPr>
-            <a:lvl2pPr marL="457200" indent="0">
-              <a:buNone/>
-              <a:defRPr sz="1800">
-                <a:solidFill>
-                  <a:schemeClr val="tx1">
-                    <a:tint val="75000"/>
-                  </a:schemeClr>
-                </a:solidFill>
-              </a:defRPr>
-            </a:lvl2pPr>
-            <a:lvl3pPr marL="914400" indent="0">
-              <a:buNone/>
-              <a:defRPr sz="1600">
-                <a:solidFill>
-                  <a:schemeClr val="tx1">
-                    <a:tint val="75000"/>
-                  </a:schemeClr>
-                </a:solidFill>
-              </a:defRPr>
-            </a:lvl3pPr>
-            <a:lvl4pPr marL="1371600" indent="0">
-              <a:buNone/>
-              <a:defRPr sz="1400">
-                <a:solidFill>
-                  <a:schemeClr val="tx1">
-                    <a:tint val="75000"/>
-                  </a:schemeClr>
-                </a:solidFill>
-              </a:defRPr>
-            </a:lvl4pPr>
-            <a:lvl5pPr marL="1828800" indent="0">
-              <a:buNone/>
-              <a:defRPr sz="1400">
-                <a:solidFill>
-                  <a:schemeClr val="tx1">
-                    <a:tint val="75000"/>
-                  </a:schemeClr>
-                </a:solidFill>
-              </a:defRPr>
-            </a:lvl5pPr>
-            <a:lvl6pPr marL="2286000" indent="0">
-              <a:buNone/>
-              <a:defRPr sz="1400">
-                <a:solidFill>
-                  <a:schemeClr val="tx1">
-                    <a:tint val="75000"/>
-                  </a:schemeClr>
-                </a:solidFill>
-              </a:defRPr>
-            </a:lvl6pPr>
-            <a:lvl7pPr marL="2743200" indent="0">
-              <a:buNone/>
-              <a:defRPr sz="1400">
-                <a:solidFill>
-                  <a:schemeClr val="tx1">
-                    <a:tint val="75000"/>
-                  </a:schemeClr>
-                </a:solidFill>
-              </a:defRPr>
-            </a:lvl7pPr>
-            <a:lvl8pPr marL="3200400" indent="0">
-              <a:buNone/>
-              <a:defRPr sz="1400">
-                <a:solidFill>
-                  <a:schemeClr val="tx1">
-                    <a:tint val="75000"/>
-                  </a:schemeClr>
-                </a:solidFill>
-              </a:defRPr>
-            </a:lvl8pPr>
-            <a:lvl9pPr marL="3657600" indent="0">
-              <a:buNone/>
-              <a:defRPr sz="1400">
-                <a:solidFill>
-                  <a:schemeClr val="tx1">
-                    <a:tint val="75000"/>
-                  </a:schemeClr>
-                </a:solidFill>
-              </a:defRPr>
-            </a:lvl9pPr>
-          </a:lstStyle>
-          <a:p>
-            <a:pPr lvl="0"/>
-            <a:r>
-              <a:rPr lang="en-US" smtClean="0"/>
-              <a:t>Edit Master text styles</a:t>
-            </a:r>
-          </a:p>
-        </p:txBody>
-      </p:sp>
-      <p:sp>
-        <p:nvSpPr>
-          <p:cNvPr id="3" name="Text Placeholder 2"/>
-          <p:cNvSpPr>
-            <a:spLocks noGrp="1"/>
-          </p:cNvSpPr>
-          <p:nvPr>
-            <p:ph type="body" idx="1"/>
-          </p:nvPr>
-        </p:nvSpPr>
-        <p:spPr>
-          <a:xfrm>
-            <a:off x="1295400" y="4470399"/>
-            <a:ext cx="9609670" cy="1405467"/>
-          </a:xfrm>
-        </p:spPr>
-        <p:txBody>
-          <a:bodyPr anchor="t">
-            <a:normAutofit/>
-          </a:bodyPr>
-          <a:lstStyle>
-            <a:lvl1pPr marL="0" indent="0" algn="l">
-              <a:buNone/>
-              <a:defRPr sz="1800">
-                <a:solidFill>
-                  <a:schemeClr val="tx1"/>
-                </a:solidFill>
-              </a:defRPr>
-            </a:lvl1pPr>
-            <a:lvl2pPr marL="457200" indent="0">
-              <a:buNone/>
-              <a:defRPr sz="1800">
-                <a:solidFill>
-                  <a:schemeClr val="tx1">
-                    <a:tint val="75000"/>
-                  </a:schemeClr>
-                </a:solidFill>
-              </a:defRPr>
-            </a:lvl2pPr>
-            <a:lvl3pPr marL="914400" indent="0">
-              <a:buNone/>
-              <a:defRPr sz="1600">
-                <a:solidFill>
-                  <a:schemeClr val="tx1">
-                    <a:tint val="75000"/>
-                  </a:schemeClr>
-                </a:solidFill>
-              </a:defRPr>
-            </a:lvl3pPr>
-            <a:lvl4pPr marL="1371600" indent="0">
-              <a:buNone/>
-              <a:defRPr sz="1400">
-                <a:solidFill>
-                  <a:schemeClr val="tx1">
-                    <a:tint val="75000"/>
-                  </a:schemeClr>
-                </a:solidFill>
-              </a:defRPr>
-            </a:lvl4pPr>
-            <a:lvl5pPr marL="1828800" indent="0">
-              <a:buNone/>
-              <a:defRPr sz="1400">
-                <a:solidFill>
-                  <a:schemeClr val="tx1">
-                    <a:tint val="75000"/>
-                  </a:schemeClr>
-                </a:solidFill>
-              </a:defRPr>
-            </a:lvl5pPr>
-            <a:lvl6pPr marL="2286000" indent="0">
-              <a:buNone/>
-              <a:defRPr sz="1400">
-                <a:solidFill>
-                  <a:schemeClr val="tx1">
-                    <a:tint val="75000"/>
-                  </a:schemeClr>
-                </a:solidFill>
-              </a:defRPr>
-            </a:lvl6pPr>
-            <a:lvl7pPr marL="2743200" indent="0">
-              <a:buNone/>
-              <a:defRPr sz="1400">
-                <a:solidFill>
-                  <a:schemeClr val="tx1">
-                    <a:tint val="75000"/>
-                  </a:schemeClr>
-                </a:solidFill>
-              </a:defRPr>
-            </a:lvl7pPr>
-            <a:lvl8pPr marL="3200400" indent="0">
-              <a:buNone/>
-              <a:defRPr sz="1400">
-                <a:solidFill>
-                  <a:schemeClr val="tx1">
-                    <a:tint val="75000"/>
-                  </a:schemeClr>
-                </a:solidFill>
-              </a:defRPr>
-            </a:lvl8pPr>
-            <a:lvl9pPr marL="3657600" indent="0">
-              <a:buNone/>
-              <a:defRPr sz="1400">
-                <a:solidFill>
-                  <a:schemeClr val="tx1">
-                    <a:tint val="75000"/>
-                  </a:schemeClr>
-                </a:solidFill>
-              </a:defRPr>
-            </a:lvl9pPr>
-          </a:lstStyle>
-          <a:p>
-            <a:pPr lvl="0"/>
-            <a:r>
-              <a:rPr lang="en-US" smtClean="0"/>
-              <a:t>Edit Master text styles</a:t>
-            </a:r>
-          </a:p>
-        </p:txBody>
-      </p:sp>
-      <p:sp>
-        <p:nvSpPr>
-          <p:cNvPr id="4" name="Date Placeholder 3"/>
-          <p:cNvSpPr>
-            <a:spLocks noGrp="1"/>
-          </p:cNvSpPr>
-          <p:nvPr>
-            <p:ph type="dt" sz="half" idx="10"/>
-          </p:nvPr>
-        </p:nvSpPr>
-        <p:spPr/>
-        <p:txBody>
-          <a:bodyPr/>
-          <a:lstStyle/>
-          <a:p>
-            <a:fld id="{81C75E76-9F89-4757-915C-0C704E49CD7E}" type="datetimeFigureOut">
-              <a:rPr lang="en-US" smtClean="0"/>
-              <a:t>2/15/2017</a:t>
-            </a:fld>
-            <a:endParaRPr lang="en-US"/>
-          </a:p>
-        </p:txBody>
-      </p:sp>
-      <p:sp>
-        <p:nvSpPr>
-          <p:cNvPr id="5" name="Footer Placeholder 4"/>
-          <p:cNvSpPr>
-            <a:spLocks noGrp="1"/>
-          </p:cNvSpPr>
-          <p:nvPr>
-            <p:ph type="ftr" sz="quarter" idx="11"/>
-          </p:nvPr>
-        </p:nvSpPr>
-        <p:spPr/>
-        <p:txBody>
-          <a:bodyPr/>
-          <a:lstStyle/>
-          <a:p>
-            <a:endParaRPr lang="en-US"/>
-          </a:p>
-        </p:txBody>
-      </p:sp>
-      <p:sp>
-        <p:nvSpPr>
-          <p:cNvPr id="6" name="Slide Number Placeholder 5"/>
-          <p:cNvSpPr>
-            <a:spLocks noGrp="1"/>
-          </p:cNvSpPr>
-          <p:nvPr>
-            <p:ph type="sldNum" sz="quarter" idx="12"/>
-          </p:nvPr>
-        </p:nvSpPr>
-        <p:spPr/>
-        <p:txBody>
-          <a:bodyPr/>
-          <a:lstStyle/>
-          <a:p>
-            <a:fld id="{DA1842C8-1095-4A6A-B921-31DFA631D9F9}" type="slidenum">
-              <a:rPr lang="en-US" smtClean="0"/>
-              <a:t>‹Nº›</a:t>
-            </a:fld>
-            <a:endParaRPr lang="en-US"/>
-          </a:p>
-        </p:txBody>
-      </p:sp>
-      <p:cxnSp>
-        <p:nvCxnSpPr>
-          <p:cNvPr id="15" name="Straight Connector 14"/>
-          <p:cNvCxnSpPr/>
-          <p:nvPr/>
-        </p:nvCxnSpPr>
-        <p:spPr>
-          <a:xfrm>
-            <a:off x="1396169" y="3429000"/>
-            <a:ext cx="9407298" cy="0"/>
-          </a:xfrm>
-          <a:prstGeom prst="line">
-            <a:avLst/>
-          </a:prstGeom>
-          <a:ln w="15875"/>
-        </p:spPr>
-        <p:style>
-          <a:lnRef idx="2">
-            <a:schemeClr val="accent1"/>
-          </a:lnRef>
-          <a:fillRef idx="0">
-            <a:schemeClr val="accent1"/>
-          </a:fillRef>
-          <a:effectRef idx="1">
-            <a:schemeClr val="accent1"/>
-          </a:effectRef>
-          <a:fontRef idx="minor">
-            <a:schemeClr val="tx1"/>
-          </a:fontRef>
-        </p:style>
-      </p:cxnSp>
-    </p:spTree>
-    <p:extLst>
-      <p:ext uri="{BB962C8B-B14F-4D97-AF65-F5344CB8AC3E}">
-        <p14:creationId xmlns:p14="http://schemas.microsoft.com/office/powerpoint/2010/main" val="557263863"/>
-      </p:ext>
-    </p:extLst>
-  </p:cSld>
-  <p:clrMapOvr>
-    <a:masterClrMapping/>
-  </p:clrMapOvr>
-</p:sldLayout>
-</file>
-
-<file path=ppt/slideLayouts/slideLayout16.xml><?xml version="1.0" encoding="utf-8"?>
-<p:sldLayout xmlns:a="http://schemas.openxmlformats.org/drawingml/2006/main" xmlns:r="http://schemas.openxmlformats.org/officeDocument/2006/relationships" xmlns:p="http://schemas.openxmlformats.org/presentationml/2006/main" type="vertTx" preserve="1">
-  <p:cSld name="Title and Vertical Text">
-    <p:spTree>
-      <p:nvGrpSpPr>
-        <p:cNvPr id="1" name=""/>
-        <p:cNvGrpSpPr/>
-        <p:nvPr/>
-      </p:nvGrpSpPr>
-      <p:grpSpPr>
-        <a:xfrm>
-          <a:off x="0" y="0"/>
-          <a:ext cx="0" cy="0"/>
-          <a:chOff x="0" y="0"/>
-          <a:chExt cx="0" cy="0"/>
-        </a:xfrm>
-      </p:grpSpPr>
-      <p:sp>
-        <p:nvSpPr>
-          <p:cNvPr id="2" name="Title 1"/>
-          <p:cNvSpPr>
-            <a:spLocks noGrp="1"/>
-          </p:cNvSpPr>
-          <p:nvPr>
-            <p:ph type="title"/>
-          </p:nvPr>
-        </p:nvSpPr>
-        <p:spPr/>
-        <p:txBody>
-          <a:bodyPr/>
-          <a:lstStyle>
-            <a:lvl1pPr algn="ctr">
-              <a:defRPr/>
-            </a:lvl1pPr>
-          </a:lstStyle>
-          <a:p>
-            <a:r>
-              <a:rPr lang="en-US" smtClean="0"/>
-              <a:t>Click to edit Master title style</a:t>
-            </a:r>
-            <a:endParaRPr lang="en-US" dirty="0"/>
-          </a:p>
-        </p:txBody>
-      </p:sp>
-      <p:sp>
-        <p:nvSpPr>
-          <p:cNvPr id="3" name="Vertical Text Placeholder 2"/>
-          <p:cNvSpPr>
-            <a:spLocks noGrp="1"/>
-          </p:cNvSpPr>
-          <p:nvPr>
-            <p:ph type="body" orient="vert" idx="1"/>
-          </p:nvPr>
-        </p:nvSpPr>
-        <p:spPr/>
-        <p:txBody>
-          <a:bodyPr vert="eaVert" anchor="t"/>
-          <a:lstStyle/>
-          <a:p>
-            <a:pPr lvl="0"/>
-            <a:r>
-              <a:rPr lang="en-US" smtClean="0"/>
-              <a:t>Edit Master text styles</a:t>
-            </a:r>
-          </a:p>
-          <a:p>
-            <a:pPr lvl="1"/>
-            <a:r>
-              <a:rPr lang="en-US" smtClean="0"/>
-              <a:t>Second level</a:t>
-            </a:r>
-          </a:p>
-          <a:p>
-            <a:pPr lvl="2"/>
-            <a:r>
-              <a:rPr lang="en-US" smtClean="0"/>
-              <a:t>Third level</a:t>
-            </a:r>
-          </a:p>
-          <a:p>
-            <a:pPr lvl="3"/>
-            <a:r>
-              <a:rPr lang="en-US" smtClean="0"/>
-              <a:t>Fourth level</a:t>
-            </a:r>
-          </a:p>
-          <a:p>
-            <a:pPr lvl="4"/>
-            <a:r>
-              <a:rPr lang="en-US" smtClean="0"/>
-              <a:t>Fifth level</a:t>
-            </a:r>
-            <a:endParaRPr lang="en-US" dirty="0"/>
-          </a:p>
-        </p:txBody>
-      </p:sp>
-      <p:sp>
-        <p:nvSpPr>
-          <p:cNvPr id="4" name="Date Placeholder 3"/>
-          <p:cNvSpPr>
-            <a:spLocks noGrp="1"/>
-          </p:cNvSpPr>
-          <p:nvPr>
-            <p:ph type="dt" sz="half" idx="10"/>
-          </p:nvPr>
-        </p:nvSpPr>
-        <p:spPr/>
-        <p:txBody>
-          <a:bodyPr/>
-          <a:lstStyle/>
-          <a:p>
-            <a:fld id="{81C75E76-9F89-4757-915C-0C704E49CD7E}" type="datetimeFigureOut">
-              <a:rPr lang="en-US" smtClean="0"/>
-              <a:t>2/15/2017</a:t>
-            </a:fld>
-            <a:endParaRPr lang="en-US"/>
-          </a:p>
-        </p:txBody>
-      </p:sp>
-      <p:sp>
-        <p:nvSpPr>
-          <p:cNvPr id="5" name="Footer Placeholder 4"/>
-          <p:cNvSpPr>
-            <a:spLocks noGrp="1"/>
-          </p:cNvSpPr>
-          <p:nvPr>
-            <p:ph type="ftr" sz="quarter" idx="11"/>
-          </p:nvPr>
-        </p:nvSpPr>
-        <p:spPr/>
-        <p:txBody>
-          <a:bodyPr/>
-          <a:lstStyle/>
-          <a:p>
-            <a:endParaRPr lang="en-US"/>
-          </a:p>
-        </p:txBody>
-      </p:sp>
-      <p:sp>
-        <p:nvSpPr>
-          <p:cNvPr id="6" name="Slide Number Placeholder 5"/>
-          <p:cNvSpPr>
-            <a:spLocks noGrp="1"/>
-          </p:cNvSpPr>
-          <p:nvPr>
-            <p:ph type="sldNum" sz="quarter" idx="12"/>
-          </p:nvPr>
-        </p:nvSpPr>
-        <p:spPr/>
-        <p:txBody>
-          <a:bodyPr/>
-          <a:lstStyle/>
-          <a:p>
-            <a:fld id="{DA1842C8-1095-4A6A-B921-31DFA631D9F9}" type="slidenum">
-              <a:rPr lang="en-US" smtClean="0"/>
-              <a:t>‹Nº›</a:t>
-            </a:fld>
-            <a:endParaRPr lang="en-US"/>
-          </a:p>
-        </p:txBody>
-      </p:sp>
-      <p:cxnSp>
-        <p:nvCxnSpPr>
-          <p:cNvPr id="14" name="Straight Connector 13"/>
-          <p:cNvCxnSpPr/>
-          <p:nvPr/>
-        </p:nvCxnSpPr>
-        <p:spPr>
-          <a:xfrm>
-            <a:off x="1396169" y="2421466"/>
-            <a:ext cx="9407298" cy="0"/>
-          </a:xfrm>
-          <a:prstGeom prst="line">
-            <a:avLst/>
-          </a:prstGeom>
-          <a:ln w="15875"/>
-        </p:spPr>
-        <p:style>
-          <a:lnRef idx="2">
-            <a:schemeClr val="accent1"/>
-          </a:lnRef>
-          <a:fillRef idx="0">
-            <a:schemeClr val="accent1"/>
-          </a:fillRef>
-          <a:effectRef idx="1">
-            <a:schemeClr val="accent1"/>
-          </a:effectRef>
-          <a:fontRef idx="minor">
-            <a:schemeClr val="tx1"/>
-          </a:fontRef>
-        </p:style>
-      </p:cxnSp>
-    </p:spTree>
-    <p:extLst>
-      <p:ext uri="{BB962C8B-B14F-4D97-AF65-F5344CB8AC3E}">
-        <p14:creationId xmlns:p14="http://schemas.microsoft.com/office/powerpoint/2010/main" val="3113808046"/>
-      </p:ext>
-    </p:extLst>
-  </p:cSld>
-  <p:clrMapOvr>
-    <a:masterClrMapping/>
-  </p:clrMapOvr>
-</p:sldLayout>
-</file>
-
-<file path=ppt/slideLayouts/slideLayout17.xml><?xml version="1.0" encoding="utf-8"?>
-<p:sldLayout xmlns:a="http://schemas.openxmlformats.org/drawingml/2006/main" xmlns:r="http://schemas.openxmlformats.org/officeDocument/2006/relationships" xmlns:p="http://schemas.openxmlformats.org/presentationml/2006/main" type="vertTitleAndTx" preserve="1">
-  <p:cSld name="Vertical Title and Text">
-    <p:spTree>
-      <p:nvGrpSpPr>
-        <p:cNvPr id="1" name=""/>
-        <p:cNvGrpSpPr/>
-        <p:nvPr/>
-      </p:nvGrpSpPr>
-      <p:grpSpPr>
-        <a:xfrm>
-          <a:off x="0" y="0"/>
-          <a:ext cx="0" cy="0"/>
-          <a:chOff x="0" y="0"/>
-          <a:chExt cx="0" cy="0"/>
-        </a:xfrm>
-      </p:grpSpPr>
-      <p:sp>
-        <p:nvSpPr>
-          <p:cNvPr id="2" name="Vertical Title 1"/>
-          <p:cNvSpPr>
-            <a:spLocks noGrp="1"/>
-          </p:cNvSpPr>
-          <p:nvPr>
-            <p:ph type="title" orient="vert"/>
-          </p:nvPr>
-        </p:nvSpPr>
-        <p:spPr>
-          <a:xfrm>
-            <a:off x="8999356" y="982131"/>
-            <a:ext cx="1890895" cy="4893735"/>
-          </a:xfrm>
-        </p:spPr>
-        <p:txBody>
-          <a:bodyPr vert="eaVert"/>
-          <a:lstStyle/>
-          <a:p>
-            <a:r>
-              <a:rPr lang="en-US" smtClean="0"/>
-              <a:t>Click to edit Master title style</a:t>
-            </a:r>
-            <a:endParaRPr lang="en-US" dirty="0"/>
-          </a:p>
-        </p:txBody>
-      </p:sp>
-      <p:sp>
-        <p:nvSpPr>
-          <p:cNvPr id="3" name="Vertical Text Placeholder 2"/>
-          <p:cNvSpPr>
-            <a:spLocks noGrp="1"/>
-          </p:cNvSpPr>
-          <p:nvPr>
-            <p:ph type="body" orient="vert" idx="1"/>
-          </p:nvPr>
-        </p:nvSpPr>
-        <p:spPr>
-          <a:xfrm>
-            <a:off x="1295398" y="982132"/>
-            <a:ext cx="7433025" cy="4893734"/>
-          </a:xfrm>
-        </p:spPr>
-        <p:txBody>
-          <a:bodyPr vert="eaVert" anchor="t"/>
-          <a:lstStyle/>
-          <a:p>
-            <a:pPr lvl="0"/>
-            <a:r>
-              <a:rPr lang="en-US" smtClean="0"/>
-              <a:t>Edit Master text styles</a:t>
-            </a:r>
-          </a:p>
-          <a:p>
-            <a:pPr lvl="1"/>
-            <a:r>
-              <a:rPr lang="en-US" smtClean="0"/>
-              <a:t>Second level</a:t>
-            </a:r>
-          </a:p>
-          <a:p>
-            <a:pPr lvl="2"/>
-            <a:r>
-              <a:rPr lang="en-US" smtClean="0"/>
-              <a:t>Third level</a:t>
-            </a:r>
-          </a:p>
-          <a:p>
-            <a:pPr lvl="3"/>
-            <a:r>
-              <a:rPr lang="en-US" smtClean="0"/>
-              <a:t>Fourth level</a:t>
-            </a:r>
-          </a:p>
-          <a:p>
-            <a:pPr lvl="4"/>
-            <a:r>
-              <a:rPr lang="en-US" smtClean="0"/>
-              <a:t>Fifth level</a:t>
-            </a:r>
-            <a:endParaRPr lang="en-US" dirty="0"/>
-          </a:p>
-        </p:txBody>
-      </p:sp>
-      <p:sp>
-        <p:nvSpPr>
-          <p:cNvPr id="4" name="Date Placeholder 3"/>
-          <p:cNvSpPr>
-            <a:spLocks noGrp="1"/>
-          </p:cNvSpPr>
-          <p:nvPr>
-            <p:ph type="dt" sz="half" idx="10"/>
-          </p:nvPr>
-        </p:nvSpPr>
-        <p:spPr/>
-        <p:txBody>
-          <a:bodyPr/>
-          <a:lstStyle/>
-          <a:p>
-            <a:fld id="{81C75E76-9F89-4757-915C-0C704E49CD7E}" type="datetimeFigureOut">
-              <a:rPr lang="en-US" smtClean="0"/>
-              <a:t>2/15/2017</a:t>
-            </a:fld>
-            <a:endParaRPr lang="en-US"/>
-          </a:p>
-        </p:txBody>
-      </p:sp>
-      <p:sp>
-        <p:nvSpPr>
-          <p:cNvPr id="5" name="Footer Placeholder 4"/>
-          <p:cNvSpPr>
-            <a:spLocks noGrp="1"/>
-          </p:cNvSpPr>
-          <p:nvPr>
-            <p:ph type="ftr" sz="quarter" idx="11"/>
-          </p:nvPr>
-        </p:nvSpPr>
-        <p:spPr/>
-        <p:txBody>
-          <a:bodyPr/>
-          <a:lstStyle/>
-          <a:p>
-            <a:endParaRPr lang="en-US"/>
-          </a:p>
-        </p:txBody>
-      </p:sp>
-      <p:sp>
-        <p:nvSpPr>
-          <p:cNvPr id="6" name="Slide Number Placeholder 5"/>
-          <p:cNvSpPr>
-            <a:spLocks noGrp="1"/>
-          </p:cNvSpPr>
-          <p:nvPr>
-            <p:ph type="sldNum" sz="quarter" idx="12"/>
-          </p:nvPr>
-        </p:nvSpPr>
-        <p:spPr/>
-        <p:txBody>
-          <a:bodyPr/>
-          <a:lstStyle/>
-          <a:p>
-            <a:fld id="{DA1842C8-1095-4A6A-B921-31DFA631D9F9}" type="slidenum">
-              <a:rPr lang="en-US" smtClean="0"/>
-              <a:t>‹Nº›</a:t>
-            </a:fld>
-            <a:endParaRPr lang="en-US"/>
-          </a:p>
-        </p:txBody>
-      </p:sp>
-      <p:cxnSp>
-        <p:nvCxnSpPr>
-          <p:cNvPr id="14" name="Straight Connector 13"/>
-          <p:cNvCxnSpPr/>
-          <p:nvPr/>
-        </p:nvCxnSpPr>
-        <p:spPr>
-          <a:xfrm>
-            <a:off x="8863890" y="990600"/>
-            <a:ext cx="0" cy="4876800"/>
-          </a:xfrm>
-          <a:prstGeom prst="line">
-            <a:avLst/>
-          </a:prstGeom>
-          <a:ln w="15875"/>
-        </p:spPr>
-        <p:style>
-          <a:lnRef idx="2">
-            <a:schemeClr val="accent1"/>
-          </a:lnRef>
-          <a:fillRef idx="0">
-            <a:schemeClr val="accent1"/>
-          </a:fillRef>
-          <a:effectRef idx="1">
-            <a:schemeClr val="accent1"/>
-          </a:effectRef>
-          <a:fontRef idx="minor">
-            <a:schemeClr val="tx1"/>
-          </a:fontRef>
-        </p:style>
-      </p:cxnSp>
-    </p:spTree>
-    <p:extLst>
-      <p:ext uri="{BB962C8B-B14F-4D97-AF65-F5344CB8AC3E}">
-        <p14:creationId xmlns:p14="http://schemas.microsoft.com/office/powerpoint/2010/main" val="4043710020"/>
-      </p:ext>
-    </p:extLst>
-  </p:cSld>
-  <p:clrMapOvr>
-    <a:masterClrMapping/>
-  </p:clrMapOvr>
-</p:sldLayout>
-</file>
-
-<file path=ppt/slideLayouts/slideLayout2.xml><?xml version="1.0" encoding="utf-8"?>
-<p:sldLayout xmlns:a="http://schemas.openxmlformats.org/drawingml/2006/main" xmlns:r="http://schemas.openxmlformats.org/officeDocument/2006/relationships" xmlns:p="http://schemas.openxmlformats.org/presentationml/2006/main" type="obj" preserve="1">
-  <p:cSld name="Title and Content">
-    <p:spTree>
-      <p:nvGrpSpPr>
-        <p:cNvPr id="1" name=""/>
-        <p:cNvGrpSpPr/>
-        <p:nvPr/>
-      </p:nvGrpSpPr>
-      <p:grpSpPr>
-        <a:xfrm>
-          <a:off x="0" y="0"/>
-          <a:ext cx="0" cy="0"/>
-          <a:chOff x="0" y="0"/>
-          <a:chExt cx="0" cy="0"/>
-        </a:xfrm>
-      </p:grpSpPr>
-      <p:cxnSp>
-        <p:nvCxnSpPr>
-          <p:cNvPr id="7" name="Straight Connector 6"/>
-          <p:cNvCxnSpPr/>
-          <p:nvPr/>
-        </p:nvCxnSpPr>
-        <p:spPr>
-          <a:xfrm>
-            <a:off x="1396169" y="2421466"/>
-            <a:ext cx="9407298" cy="0"/>
-          </a:xfrm>
-          <a:prstGeom prst="line">
-            <a:avLst/>
-          </a:prstGeom>
-          <a:ln w="15875"/>
-        </p:spPr>
-        <p:style>
-          <a:lnRef idx="2">
-            <a:schemeClr val="accent1"/>
-          </a:lnRef>
-          <a:fillRef idx="0">
-            <a:schemeClr val="accent1"/>
-          </a:fillRef>
-          <a:effectRef idx="1">
-            <a:schemeClr val="accent1"/>
-          </a:effectRef>
-          <a:fontRef idx="minor">
-            <a:schemeClr val="tx1"/>
-          </a:fontRef>
-        </p:style>
-      </p:cxnSp>
-      <p:sp>
-        <p:nvSpPr>
-          <p:cNvPr id="2" name="Title 1"/>
-          <p:cNvSpPr>
-            <a:spLocks noGrp="1"/>
-          </p:cNvSpPr>
-          <p:nvPr>
-            <p:ph type="title"/>
-          </p:nvPr>
-        </p:nvSpPr>
-        <p:spPr/>
-        <p:txBody>
-          <a:bodyPr/>
-          <a:lstStyle/>
-          <a:p>
-            <a:r>
-              <a:rPr lang="en-US" smtClean="0"/>
-              <a:t>Click to edit Master title style</a:t>
-            </a:r>
-            <a:endParaRPr lang="en-US" dirty="0"/>
-          </a:p>
-        </p:txBody>
-      </p:sp>
-      <p:sp>
-        <p:nvSpPr>
-          <p:cNvPr id="3" name="Content Placeholder 2"/>
-          <p:cNvSpPr>
-            <a:spLocks noGrp="1"/>
-          </p:cNvSpPr>
-          <p:nvPr>
-            <p:ph idx="1"/>
-          </p:nvPr>
-        </p:nvSpPr>
-        <p:spPr/>
-        <p:txBody>
-          <a:bodyPr/>
-          <a:lstStyle/>
-          <a:p>
-            <a:pPr lvl="0"/>
-            <a:r>
-              <a:rPr lang="en-US" smtClean="0"/>
-              <a:t>Edit Master text styles</a:t>
-            </a:r>
-          </a:p>
-          <a:p>
-            <a:pPr lvl="1"/>
-            <a:r>
-              <a:rPr lang="en-US" smtClean="0"/>
-              <a:t>Second level</a:t>
-            </a:r>
-          </a:p>
-          <a:p>
-            <a:pPr lvl="2"/>
-            <a:r>
-              <a:rPr lang="en-US" smtClean="0"/>
-              <a:t>Third level</a:t>
-            </a:r>
-          </a:p>
-          <a:p>
-            <a:pPr lvl="3"/>
-            <a:r>
-              <a:rPr lang="en-US" smtClean="0"/>
-              <a:t>Fourth level</a:t>
-            </a:r>
-          </a:p>
-          <a:p>
-            <a:pPr lvl="4"/>
-            <a:r>
-              <a:rPr lang="en-US" smtClean="0"/>
-              <a:t>Fifth level</a:t>
-            </a:r>
-            <a:endParaRPr lang="en-US" dirty="0"/>
-          </a:p>
-        </p:txBody>
-      </p:sp>
-      <p:sp>
-        <p:nvSpPr>
-          <p:cNvPr id="4" name="Date Placeholder 3"/>
-          <p:cNvSpPr>
-            <a:spLocks noGrp="1"/>
-          </p:cNvSpPr>
-          <p:nvPr>
-            <p:ph type="dt" sz="half" idx="10"/>
-          </p:nvPr>
-        </p:nvSpPr>
-        <p:spPr/>
-        <p:txBody>
-          <a:bodyPr/>
-          <a:lstStyle/>
-          <a:p>
-            <a:fld id="{81C75E76-9F89-4757-915C-0C704E49CD7E}" type="datetimeFigureOut">
-              <a:rPr lang="en-US" smtClean="0"/>
-              <a:t>2/15/2017</a:t>
-            </a:fld>
-            <a:endParaRPr lang="en-US"/>
-          </a:p>
-        </p:txBody>
-      </p:sp>
-      <p:sp>
-        <p:nvSpPr>
-          <p:cNvPr id="5" name="Footer Placeholder 4"/>
-          <p:cNvSpPr>
-            <a:spLocks noGrp="1"/>
-          </p:cNvSpPr>
-          <p:nvPr>
-            <p:ph type="ftr" sz="quarter" idx="11"/>
-          </p:nvPr>
-        </p:nvSpPr>
-        <p:spPr/>
-        <p:txBody>
-          <a:bodyPr/>
-          <a:lstStyle/>
-          <a:p>
-            <a:endParaRPr lang="en-US"/>
-          </a:p>
-        </p:txBody>
-      </p:sp>
-      <p:sp>
-        <p:nvSpPr>
-          <p:cNvPr id="6" name="Slide Number Placeholder 5"/>
-          <p:cNvSpPr>
-            <a:spLocks noGrp="1"/>
-          </p:cNvSpPr>
-          <p:nvPr>
-            <p:ph type="sldNum" sz="quarter" idx="12"/>
-          </p:nvPr>
-        </p:nvSpPr>
-        <p:spPr/>
-        <p:txBody>
-          <a:bodyPr/>
-          <a:lstStyle/>
-          <a:p>
-            <a:fld id="{DA1842C8-1095-4A6A-B921-31DFA631D9F9}" type="slidenum">
-              <a:rPr lang="en-US" smtClean="0"/>
-              <a:t>‹Nº›</a:t>
-            </a:fld>
-            <a:endParaRPr lang="en-US"/>
-          </a:p>
-        </p:txBody>
-      </p:sp>
-    </p:spTree>
-    <p:extLst>
-      <p:ext uri="{BB962C8B-B14F-4D97-AF65-F5344CB8AC3E}">
-        <p14:creationId xmlns:p14="http://schemas.microsoft.com/office/powerpoint/2010/main" val="4261032067"/>
-      </p:ext>
-    </p:extLst>
-  </p:cSld>
-  <p:clrMapOvr>
-    <a:masterClrMapping/>
-  </p:clrMapOvr>
-</p:sldLayout>
-</file>
-
-<file path=ppt/slideLayouts/slideLayout3.xml><?xml version="1.0" encoding="utf-8"?>
-<p:sldLayout xmlns:a="http://schemas.openxmlformats.org/drawingml/2006/main" xmlns:r="http://schemas.openxmlformats.org/officeDocument/2006/relationships" xmlns:p="http://schemas.openxmlformats.org/presentationml/2006/main" type="secHead" preserve="1">
-  <p:cSld name="Section Header">
-    <p:spTree>
-      <p:nvGrpSpPr>
-        <p:cNvPr id="1" name=""/>
-        <p:cNvGrpSpPr/>
-        <p:nvPr/>
-      </p:nvGrpSpPr>
-      <p:grpSpPr>
-        <a:xfrm>
-          <a:off x="0" y="0"/>
-          <a:ext cx="0" cy="0"/>
-          <a:chOff x="0" y="0"/>
-          <a:chExt cx="0" cy="0"/>
-        </a:xfrm>
-      </p:grpSpPr>
-      <p:sp>
-        <p:nvSpPr>
-          <p:cNvPr id="2" name="Title 1"/>
-          <p:cNvSpPr>
-            <a:spLocks noGrp="1"/>
-          </p:cNvSpPr>
-          <p:nvPr>
-            <p:ph type="title"/>
-          </p:nvPr>
-        </p:nvSpPr>
-        <p:spPr>
-          <a:xfrm>
-            <a:off x="2015069" y="1752606"/>
-            <a:ext cx="8158688" cy="1822514"/>
-          </a:xfrm>
-        </p:spPr>
-        <p:txBody>
-          <a:bodyPr anchor="b">
-            <a:normAutofit/>
-          </a:bodyPr>
-          <a:lstStyle>
-            <a:lvl1pPr algn="ctr">
-              <a:defRPr sz="4400" b="0" cap="none"/>
-            </a:lvl1pPr>
-          </a:lstStyle>
-          <a:p>
-            <a:r>
-              <a:rPr lang="en-US" smtClean="0"/>
-              <a:t>Click to edit Master title style</a:t>
-            </a:r>
-            <a:endParaRPr lang="en-US" dirty="0"/>
-          </a:p>
-        </p:txBody>
-      </p:sp>
-      <p:sp>
-        <p:nvSpPr>
-          <p:cNvPr id="3" name="Text Placeholder 2"/>
-          <p:cNvSpPr>
-            <a:spLocks noGrp="1"/>
-          </p:cNvSpPr>
-          <p:nvPr>
-            <p:ph type="body" idx="1"/>
-          </p:nvPr>
-        </p:nvSpPr>
-        <p:spPr>
-          <a:xfrm>
-            <a:off x="2015067" y="3846051"/>
-            <a:ext cx="8158690" cy="954547"/>
-          </a:xfrm>
-        </p:spPr>
-        <p:txBody>
-          <a:bodyPr anchor="t">
-            <a:normAutofit/>
-          </a:bodyPr>
-          <a:lstStyle>
-            <a:lvl1pPr marL="0" indent="0" algn="ctr">
-              <a:buNone/>
-              <a:defRPr sz="2400">
-                <a:solidFill>
-                  <a:schemeClr val="tx1"/>
-                </a:solidFill>
-              </a:defRPr>
-            </a:lvl1pPr>
-            <a:lvl2pPr marL="457200" indent="0">
-              <a:buNone/>
-              <a:defRPr sz="1800">
-                <a:solidFill>
-                  <a:schemeClr val="tx1">
-                    <a:tint val="75000"/>
-                  </a:schemeClr>
-                </a:solidFill>
-              </a:defRPr>
-            </a:lvl2pPr>
-            <a:lvl3pPr marL="914400" indent="0">
-              <a:buNone/>
-              <a:defRPr sz="1600">
-                <a:solidFill>
-                  <a:schemeClr val="tx1">
-                    <a:tint val="75000"/>
-                  </a:schemeClr>
-                </a:solidFill>
-              </a:defRPr>
-            </a:lvl3pPr>
-            <a:lvl4pPr marL="1371600" indent="0">
-              <a:buNone/>
-              <a:defRPr sz="1400">
-                <a:solidFill>
-                  <a:schemeClr val="tx1">
-                    <a:tint val="75000"/>
-                  </a:schemeClr>
-                </a:solidFill>
-              </a:defRPr>
-            </a:lvl4pPr>
-            <a:lvl5pPr marL="1828800" indent="0">
-              <a:buNone/>
-              <a:defRPr sz="1400">
-                <a:solidFill>
-                  <a:schemeClr val="tx1">
-                    <a:tint val="75000"/>
-                  </a:schemeClr>
-                </a:solidFill>
-              </a:defRPr>
-            </a:lvl5pPr>
-            <a:lvl6pPr marL="2286000" indent="0">
-              <a:buNone/>
-              <a:defRPr sz="1400">
-                <a:solidFill>
-                  <a:schemeClr val="tx1">
-                    <a:tint val="75000"/>
-                  </a:schemeClr>
-                </a:solidFill>
-              </a:defRPr>
-            </a:lvl6pPr>
-            <a:lvl7pPr marL="2743200" indent="0">
-              <a:buNone/>
-              <a:defRPr sz="1400">
-                <a:solidFill>
-                  <a:schemeClr val="tx1">
-                    <a:tint val="75000"/>
-                  </a:schemeClr>
-                </a:solidFill>
-              </a:defRPr>
-            </a:lvl7pPr>
-            <a:lvl8pPr marL="3200400" indent="0">
-              <a:buNone/>
-              <a:defRPr sz="1400">
-                <a:solidFill>
-                  <a:schemeClr val="tx1">
-                    <a:tint val="75000"/>
-                  </a:schemeClr>
-                </a:solidFill>
-              </a:defRPr>
-            </a:lvl8pPr>
-            <a:lvl9pPr marL="3657600" indent="0">
-              <a:buNone/>
-              <a:defRPr sz="1400">
-                <a:solidFill>
-                  <a:schemeClr val="tx1">
-                    <a:tint val="75000"/>
-                  </a:schemeClr>
-                </a:solidFill>
-              </a:defRPr>
-            </a:lvl9pPr>
-          </a:lstStyle>
-          <a:p>
-            <a:pPr lvl="0"/>
-            <a:r>
-              <a:rPr lang="en-US" smtClean="0"/>
-              <a:t>Edit Master text styles</a:t>
-            </a:r>
-          </a:p>
-        </p:txBody>
-      </p:sp>
-      <p:sp>
-        <p:nvSpPr>
-          <p:cNvPr id="4" name="Date Placeholder 3"/>
-          <p:cNvSpPr>
-            <a:spLocks noGrp="1"/>
-          </p:cNvSpPr>
-          <p:nvPr>
-            <p:ph type="dt" sz="half" idx="10"/>
-          </p:nvPr>
-        </p:nvSpPr>
-        <p:spPr/>
-        <p:txBody>
-          <a:bodyPr/>
-          <a:lstStyle/>
-          <a:p>
-            <a:fld id="{81C75E76-9F89-4757-915C-0C704E49CD7E}" type="datetimeFigureOut">
-              <a:rPr lang="en-US" smtClean="0"/>
-              <a:t>2/15/2017</a:t>
-            </a:fld>
-            <a:endParaRPr lang="en-US"/>
-          </a:p>
-        </p:txBody>
-      </p:sp>
-      <p:sp>
-        <p:nvSpPr>
-          <p:cNvPr id="5" name="Footer Placeholder 4"/>
-          <p:cNvSpPr>
-            <a:spLocks noGrp="1"/>
-          </p:cNvSpPr>
-          <p:nvPr>
-            <p:ph type="ftr" sz="quarter" idx="11"/>
-          </p:nvPr>
-        </p:nvSpPr>
-        <p:spPr/>
-        <p:txBody>
-          <a:bodyPr/>
-          <a:lstStyle/>
-          <a:p>
-            <a:endParaRPr lang="en-US"/>
-          </a:p>
-        </p:txBody>
-      </p:sp>
-      <p:sp>
-        <p:nvSpPr>
-          <p:cNvPr id="6" name="Slide Number Placeholder 5"/>
-          <p:cNvSpPr>
-            <a:spLocks noGrp="1"/>
-          </p:cNvSpPr>
-          <p:nvPr>
-            <p:ph type="sldNum" sz="quarter" idx="12"/>
-          </p:nvPr>
-        </p:nvSpPr>
-        <p:spPr/>
-        <p:txBody>
-          <a:bodyPr/>
-          <a:lstStyle/>
-          <a:p>
-            <a:fld id="{DA1842C8-1095-4A6A-B921-31DFA631D9F9}" type="slidenum">
-              <a:rPr lang="en-US" smtClean="0"/>
-              <a:t>‹Nº›</a:t>
-            </a:fld>
-            <a:endParaRPr lang="en-US"/>
-          </a:p>
-        </p:txBody>
-      </p:sp>
-      <p:cxnSp>
-        <p:nvCxnSpPr>
-          <p:cNvPr id="16" name="Straight Connector 15"/>
-          <p:cNvCxnSpPr/>
-          <p:nvPr/>
-        </p:nvCxnSpPr>
-        <p:spPr>
-          <a:xfrm>
-            <a:off x="2012723" y="3710585"/>
-            <a:ext cx="8163380" cy="0"/>
-          </a:xfrm>
-          <a:prstGeom prst="line">
-            <a:avLst/>
-          </a:prstGeom>
-          <a:ln w="15875"/>
-        </p:spPr>
-        <p:style>
-          <a:lnRef idx="2">
-            <a:schemeClr val="accent1"/>
-          </a:lnRef>
-          <a:fillRef idx="0">
-            <a:schemeClr val="accent1"/>
-          </a:fillRef>
-          <a:effectRef idx="1">
-            <a:schemeClr val="accent1"/>
-          </a:effectRef>
-          <a:fontRef idx="minor">
-            <a:schemeClr val="tx1"/>
-          </a:fontRef>
-        </p:style>
-      </p:cxnSp>
-    </p:spTree>
-    <p:extLst>
-      <p:ext uri="{BB962C8B-B14F-4D97-AF65-F5344CB8AC3E}">
-        <p14:creationId xmlns:p14="http://schemas.microsoft.com/office/powerpoint/2010/main" val="793671814"/>
-      </p:ext>
-    </p:extLst>
-  </p:cSld>
-  <p:clrMapOvr>
-    <a:masterClrMapping/>
-  </p:clrMapOvr>
-</p:sldLayout>
-</file>
-
-<file path=ppt/slideLayouts/slideLayout4.xml><?xml version="1.0" encoding="utf-8"?>
-<p:sldLayout xmlns:a="http://schemas.openxmlformats.org/drawingml/2006/main" xmlns:r="http://schemas.openxmlformats.org/officeDocument/2006/relationships" xmlns:p="http://schemas.openxmlformats.org/presentationml/2006/main" type="twoObj" preserve="1">
-  <p:cSld name="Two Content">
-    <p:spTree>
-      <p:nvGrpSpPr>
-        <p:cNvPr id="1" name=""/>
-        <p:cNvGrpSpPr/>
-        <p:nvPr/>
-      </p:nvGrpSpPr>
-      <p:grpSpPr>
-        <a:xfrm>
-          <a:off x="0" y="0"/>
-          <a:ext cx="0" cy="0"/>
-          <a:chOff x="0" y="0"/>
-          <a:chExt cx="0" cy="0"/>
-        </a:xfrm>
-      </p:grpSpPr>
-      <p:cxnSp>
-        <p:nvCxnSpPr>
-          <p:cNvPr id="8" name="Straight Connector 7"/>
-          <p:cNvCxnSpPr/>
-          <p:nvPr/>
-        </p:nvCxnSpPr>
-        <p:spPr>
-          <a:xfrm>
-            <a:off x="1396169" y="2421466"/>
-            <a:ext cx="9407298" cy="0"/>
-          </a:xfrm>
-          <a:prstGeom prst="line">
-            <a:avLst/>
-          </a:prstGeom>
-          <a:ln w="15875"/>
-        </p:spPr>
-        <p:style>
-          <a:lnRef idx="2">
-            <a:schemeClr val="accent1"/>
-          </a:lnRef>
-          <a:fillRef idx="0">
-            <a:schemeClr val="accent1"/>
-          </a:fillRef>
-          <a:effectRef idx="1">
-            <a:schemeClr val="accent1"/>
-          </a:effectRef>
-          <a:fontRef idx="minor">
-            <a:schemeClr val="tx1"/>
-          </a:fontRef>
-        </p:style>
-      </p:cxnSp>
-      <p:sp>
-        <p:nvSpPr>
-          <p:cNvPr id="2" name="Title 1"/>
-          <p:cNvSpPr>
-            <a:spLocks noGrp="1"/>
-          </p:cNvSpPr>
-          <p:nvPr>
-            <p:ph type="title"/>
-          </p:nvPr>
-        </p:nvSpPr>
-        <p:spPr/>
-        <p:txBody>
-          <a:bodyPr/>
-          <a:lstStyle/>
-          <a:p>
-            <a:r>
-              <a:rPr lang="en-US" smtClean="0"/>
-              <a:t>Click to edit Master title style</a:t>
-            </a:r>
-            <a:endParaRPr lang="en-US" dirty="0"/>
-          </a:p>
-        </p:txBody>
-      </p:sp>
-      <p:sp>
-        <p:nvSpPr>
-          <p:cNvPr id="3" name="Content Placeholder 2"/>
-          <p:cNvSpPr>
-            <a:spLocks noGrp="1"/>
-          </p:cNvSpPr>
-          <p:nvPr>
-            <p:ph sz="half" idx="1"/>
-          </p:nvPr>
-        </p:nvSpPr>
-        <p:spPr>
-          <a:xfrm>
-            <a:off x="1298448" y="2560320"/>
-            <a:ext cx="4718304" cy="3310128"/>
-          </a:xfrm>
-        </p:spPr>
-        <p:txBody>
-          <a:bodyPr>
-            <a:normAutofit/>
-          </a:bodyPr>
-          <a:lstStyle/>
-          <a:p>
-            <a:pPr lvl="0"/>
-            <a:r>
-              <a:rPr lang="en-US" smtClean="0"/>
-              <a:t>Edit Master text styles</a:t>
-            </a:r>
-          </a:p>
-          <a:p>
-            <a:pPr lvl="1"/>
-            <a:r>
-              <a:rPr lang="en-US" smtClean="0"/>
-              <a:t>Second level</a:t>
-            </a:r>
-          </a:p>
-          <a:p>
-            <a:pPr lvl="2"/>
-            <a:r>
-              <a:rPr lang="en-US" smtClean="0"/>
-              <a:t>Third level</a:t>
-            </a:r>
-          </a:p>
-          <a:p>
-            <a:pPr lvl="3"/>
-            <a:r>
-              <a:rPr lang="en-US" smtClean="0"/>
-              <a:t>Fourth level</a:t>
-            </a:r>
-          </a:p>
-          <a:p>
-            <a:pPr lvl="4"/>
-            <a:r>
-              <a:rPr lang="en-US" smtClean="0"/>
-              <a:t>Fifth level</a:t>
-            </a:r>
-            <a:endParaRPr lang="en-US" dirty="0"/>
-          </a:p>
-        </p:txBody>
-      </p:sp>
-      <p:sp>
-        <p:nvSpPr>
-          <p:cNvPr id="4" name="Content Placeholder 3"/>
-          <p:cNvSpPr>
-            <a:spLocks noGrp="1"/>
-          </p:cNvSpPr>
-          <p:nvPr>
-            <p:ph sz="half" idx="2"/>
-          </p:nvPr>
-        </p:nvSpPr>
-        <p:spPr>
-          <a:xfrm>
-            <a:off x="6181344" y="2560320"/>
-            <a:ext cx="4718304" cy="3310128"/>
-          </a:xfrm>
-        </p:spPr>
-        <p:txBody>
-          <a:bodyPr>
-            <a:normAutofit/>
-          </a:bodyPr>
-          <a:lstStyle/>
-          <a:p>
-            <a:pPr lvl="0"/>
-            <a:r>
-              <a:rPr lang="en-US" smtClean="0"/>
-              <a:t>Edit Master text styles</a:t>
-            </a:r>
-          </a:p>
-          <a:p>
-            <a:pPr lvl="1"/>
-            <a:r>
-              <a:rPr lang="en-US" smtClean="0"/>
-              <a:t>Second level</a:t>
-            </a:r>
-          </a:p>
-          <a:p>
-            <a:pPr lvl="2"/>
-            <a:r>
-              <a:rPr lang="en-US" smtClean="0"/>
-              <a:t>Third level</a:t>
-            </a:r>
-          </a:p>
-          <a:p>
-            <a:pPr lvl="3"/>
-            <a:r>
-              <a:rPr lang="en-US" smtClean="0"/>
-              <a:t>Fourth level</a:t>
-            </a:r>
-          </a:p>
-          <a:p>
-            <a:pPr lvl="4"/>
-            <a:r>
-              <a:rPr lang="en-US" smtClean="0"/>
-              <a:t>Fifth level</a:t>
-            </a:r>
-            <a:endParaRPr lang="en-US" dirty="0"/>
-          </a:p>
-        </p:txBody>
-      </p:sp>
-      <p:sp>
-        <p:nvSpPr>
-          <p:cNvPr id="5" name="Date Placeholder 4"/>
-          <p:cNvSpPr>
-            <a:spLocks noGrp="1"/>
-          </p:cNvSpPr>
-          <p:nvPr>
-            <p:ph type="dt" sz="half" idx="10"/>
-          </p:nvPr>
-        </p:nvSpPr>
-        <p:spPr/>
-        <p:txBody>
-          <a:bodyPr/>
-          <a:lstStyle/>
-          <a:p>
-            <a:fld id="{81C75E76-9F89-4757-915C-0C704E49CD7E}" type="datetimeFigureOut">
-              <a:rPr lang="en-US" smtClean="0"/>
-              <a:t>2/15/2017</a:t>
-            </a:fld>
-            <a:endParaRPr lang="en-US"/>
-          </a:p>
-        </p:txBody>
-      </p:sp>
-      <p:sp>
-        <p:nvSpPr>
-          <p:cNvPr id="6" name="Footer Placeholder 5"/>
-          <p:cNvSpPr>
-            <a:spLocks noGrp="1"/>
-          </p:cNvSpPr>
-          <p:nvPr>
-            <p:ph type="ftr" sz="quarter" idx="11"/>
-          </p:nvPr>
-        </p:nvSpPr>
-        <p:spPr/>
-        <p:txBody>
-          <a:bodyPr/>
-          <a:lstStyle/>
-          <a:p>
-            <a:endParaRPr lang="en-US"/>
-          </a:p>
-        </p:txBody>
-      </p:sp>
-      <p:sp>
-        <p:nvSpPr>
-          <p:cNvPr id="7" name="Slide Number Placeholder 6"/>
-          <p:cNvSpPr>
-            <a:spLocks noGrp="1"/>
-          </p:cNvSpPr>
-          <p:nvPr>
-            <p:ph type="sldNum" sz="quarter" idx="12"/>
-          </p:nvPr>
-        </p:nvSpPr>
-        <p:spPr/>
-        <p:txBody>
-          <a:bodyPr/>
-          <a:lstStyle/>
-          <a:p>
-            <a:fld id="{DA1842C8-1095-4A6A-B921-31DFA631D9F9}" type="slidenum">
-              <a:rPr lang="en-US" smtClean="0"/>
-              <a:t>‹Nº›</a:t>
-            </a:fld>
-            <a:endParaRPr lang="en-US"/>
-          </a:p>
-        </p:txBody>
-      </p:sp>
-    </p:spTree>
-    <p:extLst>
-      <p:ext uri="{BB962C8B-B14F-4D97-AF65-F5344CB8AC3E}">
-        <p14:creationId xmlns:p14="http://schemas.microsoft.com/office/powerpoint/2010/main" val="3582539799"/>
-      </p:ext>
-    </p:extLst>
-  </p:cSld>
-  <p:clrMapOvr>
-    <a:masterClrMapping/>
-  </p:clrMapOvr>
-</p:sldLayout>
-</file>
-
-<file path=ppt/slideLayouts/slideLayout5.xml><?xml version="1.0" encoding="utf-8"?>
-<p:sldLayout xmlns:a="http://schemas.openxmlformats.org/drawingml/2006/main" xmlns:r="http://schemas.openxmlformats.org/officeDocument/2006/relationships" xmlns:p="http://schemas.openxmlformats.org/presentationml/2006/main" type="twoTxTwoObj" preserve="1">
-  <p:cSld name="Comparison">
-    <p:spTree>
-      <p:nvGrpSpPr>
-        <p:cNvPr id="1" name=""/>
-        <p:cNvGrpSpPr/>
-        <p:nvPr/>
-      </p:nvGrpSpPr>
-      <p:grpSpPr>
-        <a:xfrm>
-          <a:off x="0" y="0"/>
-          <a:ext cx="0" cy="0"/>
-          <a:chOff x="0" y="0"/>
-          <a:chExt cx="0" cy="0"/>
-        </a:xfrm>
-      </p:grpSpPr>
-      <p:sp>
-        <p:nvSpPr>
-          <p:cNvPr id="2" name="Title 1"/>
-          <p:cNvSpPr>
-            <a:spLocks noGrp="1"/>
-          </p:cNvSpPr>
-          <p:nvPr>
-            <p:ph type="title"/>
-          </p:nvPr>
-        </p:nvSpPr>
         <p:spPr/>
         <p:txBody>
           <a:bodyPr/>
@@ -3855,8 +1615,8 @@
           </a:lstStyle>
           <a:p>
             <a:r>
-              <a:rPr lang="en-US" smtClean="0"/>
-              <a:t>Click to edit Master title style</a:t>
+              <a:rPr lang="es-ES_tradnl" smtClean="0"/>
+              <a:t>Clic para editar título</a:t>
             </a:r>
             <a:endParaRPr lang="en-US" dirty="0"/>
           </a:p>
@@ -3874,8 +1634,8 @@
         </p:nvSpPr>
         <p:spPr>
           <a:xfrm>
-            <a:off x="1295400" y="2658533"/>
-            <a:ext cx="4718304" cy="576262"/>
+            <a:off x="1011936" y="609600"/>
+            <a:ext cx="4876800" cy="639762"/>
           </a:xfrm>
         </p:spPr>
         <p:txBody>
@@ -3884,17 +1644,9 @@
           </a:bodyPr>
           <a:lstStyle>
             <a:lvl1pPr marL="0" indent="0">
-              <a:spcBef>
-                <a:spcPts val="672"/>
-              </a:spcBef>
-              <a:spcAft>
-                <a:spcPts val="600"/>
-              </a:spcAft>
               <a:buNone/>
               <a:defRPr sz="2800" b="0">
-                <a:solidFill>
-                  <a:schemeClr val="accent1"/>
-                </a:solidFill>
+                <a:latin typeface="+mj-lt"/>
               </a:defRPr>
             </a:lvl1pPr>
             <a:lvl2pPr marL="457200" indent="0">
@@ -3933,8 +1685,8 @@
           <a:p>
             <a:pPr lvl="0"/>
             <a:r>
-              <a:rPr lang="en-US" smtClean="0"/>
-              <a:t>Edit Master text styles</a:t>
+              <a:rPr lang="es-ES_tradnl" smtClean="0"/>
+              <a:t>Haga clic para modificar el estilo de texto del patrón</a:t>
             </a:r>
           </a:p>
         </p:txBody>
@@ -3951,48 +1703,74 @@
         </p:nvSpPr>
         <p:spPr>
           <a:xfrm>
-            <a:off x="1295400" y="3243262"/>
-            <a:ext cx="4718304" cy="2632605"/>
+            <a:off x="1011936" y="1329264"/>
+            <a:ext cx="4876800" cy="3048000"/>
           </a:xfrm>
         </p:spPr>
         <p:txBody>
-          <a:bodyPr anchor="t">
-            <a:normAutofit/>
-          </a:bodyPr>
-          <a:lstStyle/>
+          <a:bodyPr anchor="t" anchorCtr="0"/>
+          <a:lstStyle>
+            <a:lvl1pPr>
+              <a:defRPr sz="2400"/>
+            </a:lvl1pPr>
+            <a:lvl2pPr>
+              <a:defRPr sz="2000"/>
+            </a:lvl2pPr>
+            <a:lvl3pPr>
+              <a:defRPr sz="1800"/>
+            </a:lvl3pPr>
+            <a:lvl4pPr>
+              <a:defRPr sz="1600"/>
+            </a:lvl4pPr>
+            <a:lvl5pPr>
+              <a:defRPr sz="1600"/>
+            </a:lvl5pPr>
+            <a:lvl6pPr>
+              <a:defRPr sz="1600"/>
+            </a:lvl6pPr>
+            <a:lvl7pPr>
+              <a:defRPr sz="1600"/>
+            </a:lvl7pPr>
+            <a:lvl8pPr>
+              <a:defRPr sz="1600"/>
+            </a:lvl8pPr>
+            <a:lvl9pPr>
+              <a:defRPr sz="1600"/>
+            </a:lvl9pPr>
+          </a:lstStyle>
           <a:p>
             <a:pPr lvl="0"/>
             <a:r>
-              <a:rPr lang="en-US" smtClean="0"/>
-              <a:t>Edit Master text styles</a:t>
+              <a:rPr lang="es-ES_tradnl" smtClean="0"/>
+              <a:t>Haga clic para modificar el estilo de texto del patrón</a:t>
             </a:r>
           </a:p>
           <a:p>
             <a:pPr lvl="1"/>
             <a:r>
-              <a:rPr lang="en-US" smtClean="0"/>
-              <a:t>Second level</a:t>
+              <a:rPr lang="es-ES_tradnl" smtClean="0"/>
+              <a:t>Segundo nivel</a:t>
             </a:r>
           </a:p>
           <a:p>
             <a:pPr lvl="2"/>
             <a:r>
-              <a:rPr lang="en-US" smtClean="0"/>
-              <a:t>Third level</a:t>
+              <a:rPr lang="es-ES_tradnl" smtClean="0"/>
+              <a:t>Tercer nivel</a:t>
             </a:r>
           </a:p>
           <a:p>
             <a:pPr lvl="3"/>
             <a:r>
-              <a:rPr lang="en-US" smtClean="0"/>
-              <a:t>Fourth level</a:t>
+              <a:rPr lang="es-ES_tradnl" smtClean="0"/>
+              <a:t>Cuarto nivel</a:t>
             </a:r>
           </a:p>
           <a:p>
             <a:pPr lvl="4"/>
             <a:r>
-              <a:rPr lang="en-US" smtClean="0"/>
-              <a:t>Fifth level</a:t>
+              <a:rPr lang="es-ES_tradnl" smtClean="0"/>
+              <a:t>Quinto nivel</a:t>
             </a:r>
             <a:endParaRPr lang="en-US" dirty="0"/>
           </a:p>
@@ -4010,8 +1788,8 @@
         </p:nvSpPr>
         <p:spPr>
           <a:xfrm>
-            <a:off x="6180670" y="2658533"/>
-            <a:ext cx="4718304" cy="576262"/>
+            <a:off x="6193536" y="609600"/>
+            <a:ext cx="4876800" cy="639762"/>
           </a:xfrm>
         </p:spPr>
         <p:txBody>
@@ -4020,17 +1798,9 @@
           </a:bodyPr>
           <a:lstStyle>
             <a:lvl1pPr marL="0" indent="0">
-              <a:spcBef>
-                <a:spcPts val="672"/>
-              </a:spcBef>
-              <a:spcAft>
-                <a:spcPts val="600"/>
-              </a:spcAft>
               <a:buNone/>
               <a:defRPr sz="2800" b="0">
-                <a:solidFill>
-                  <a:schemeClr val="accent1"/>
-                </a:solidFill>
+                <a:latin typeface="+mj-lt"/>
               </a:defRPr>
             </a:lvl1pPr>
             <a:lvl2pPr marL="457200" indent="0">
@@ -4069,8 +1839,8 @@
           <a:p>
             <a:pPr lvl="0"/>
             <a:r>
-              <a:rPr lang="en-US" smtClean="0"/>
-              <a:t>Edit Master text styles</a:t>
+              <a:rPr lang="es-ES_tradnl" smtClean="0"/>
+              <a:t>Haga clic para modificar el estilo de texto del patrón</a:t>
             </a:r>
           </a:p>
         </p:txBody>
@@ -4087,50 +1857,76 @@
         </p:nvSpPr>
         <p:spPr>
           <a:xfrm>
-            <a:off x="6180670" y="3243262"/>
-            <a:ext cx="4718304" cy="2632605"/>
+            <a:off x="6193536" y="1329264"/>
+            <a:ext cx="4876800" cy="3048000"/>
           </a:xfrm>
         </p:spPr>
         <p:txBody>
-          <a:bodyPr anchor="t">
-            <a:normAutofit/>
-          </a:bodyPr>
-          <a:lstStyle/>
+          <a:bodyPr anchor="t" anchorCtr="0"/>
+          <a:lstStyle>
+            <a:lvl1pPr>
+              <a:defRPr sz="2400"/>
+            </a:lvl1pPr>
+            <a:lvl2pPr>
+              <a:defRPr sz="2000"/>
+            </a:lvl2pPr>
+            <a:lvl3pPr>
+              <a:defRPr sz="1800"/>
+            </a:lvl3pPr>
+            <a:lvl4pPr>
+              <a:defRPr sz="1600"/>
+            </a:lvl4pPr>
+            <a:lvl5pPr>
+              <a:defRPr sz="1600"/>
+            </a:lvl5pPr>
+            <a:lvl6pPr>
+              <a:defRPr sz="1600"/>
+            </a:lvl6pPr>
+            <a:lvl7pPr>
+              <a:defRPr sz="1600"/>
+            </a:lvl7pPr>
+            <a:lvl8pPr>
+              <a:defRPr sz="1600"/>
+            </a:lvl8pPr>
+            <a:lvl9pPr>
+              <a:defRPr sz="1600"/>
+            </a:lvl9pPr>
+          </a:lstStyle>
           <a:p>
             <a:pPr lvl="0"/>
             <a:r>
-              <a:rPr lang="en-US" smtClean="0"/>
-              <a:t>Edit Master text styles</a:t>
+              <a:rPr lang="es-ES_tradnl" smtClean="0"/>
+              <a:t>Haga clic para modificar el estilo de texto del patrón</a:t>
             </a:r>
           </a:p>
           <a:p>
             <a:pPr lvl="1"/>
             <a:r>
-              <a:rPr lang="en-US" smtClean="0"/>
-              <a:t>Second level</a:t>
+              <a:rPr lang="es-ES_tradnl" smtClean="0"/>
+              <a:t>Segundo nivel</a:t>
             </a:r>
           </a:p>
           <a:p>
             <a:pPr lvl="2"/>
             <a:r>
-              <a:rPr lang="en-US" smtClean="0"/>
-              <a:t>Third level</a:t>
+              <a:rPr lang="es-ES_tradnl" smtClean="0"/>
+              <a:t>Tercer nivel</a:t>
             </a:r>
           </a:p>
           <a:p>
             <a:pPr lvl="3"/>
             <a:r>
-              <a:rPr lang="en-US" smtClean="0"/>
-              <a:t>Fourth level</a:t>
+              <a:rPr lang="es-ES_tradnl" smtClean="0"/>
+              <a:t>Cuarto nivel</a:t>
             </a:r>
           </a:p>
           <a:p>
             <a:pPr lvl="4"/>
             <a:r>
-              <a:rPr lang="en-US" smtClean="0"/>
-              <a:t>Fifth level</a:t>
-            </a:r>
-            <a:endParaRPr lang="en-US" dirty="0"/>
+              <a:rPr lang="es-ES_tradnl" smtClean="0"/>
+              <a:t>Quinto nivel</a:t>
+            </a:r>
+            <a:endParaRPr lang="en-US"/>
           </a:p>
         </p:txBody>
       </p:sp>
@@ -4151,7 +1947,7 @@
           <a:p>
             <a:fld id="{81C75E76-9F89-4757-915C-0C704E49CD7E}" type="datetimeFigureOut">
               <a:rPr lang="en-US" smtClean="0"/>
-              <a:t>2/15/2017</a:t>
+              <a:t>11/05/17</a:t>
             </a:fld>
             <a:endParaRPr lang="en-US"/>
           </a:p>
@@ -4193,7 +1989,7 @@
           <a:p>
             <a:fld id="{DA1842C8-1095-4A6A-B921-31DFA631D9F9}" type="slidenum">
               <a:rPr lang="en-US" smtClean="0"/>
-              <a:t>‹Nº›</a:t>
+              <a:t>‹Nr.›</a:t>
             </a:fld>
             <a:endParaRPr lang="en-US"/>
           </a:p>
@@ -4201,28 +1997,57 @@
       </p:sp>
       <p:cxnSp>
         <p:nvCxnSpPr>
-          <p:cNvPr id="18" name="Straight Connector 17"/>
+          <p:cNvPr id="11" name="Straight Connector 10"/>
           <p:cNvCxnSpPr/>
           <p:nvPr/>
         </p:nvCxnSpPr>
         <p:spPr>
           <a:xfrm>
-            <a:off x="1396169" y="2421466"/>
-            <a:ext cx="9407298" cy="0"/>
+            <a:off x="1011936" y="1249362"/>
+            <a:ext cx="4876800" cy="1588"/>
           </a:xfrm>
           <a:prstGeom prst="line">
             <a:avLst/>
           </a:prstGeom>
-          <a:ln w="15875"/>
         </p:spPr>
         <p:style>
-          <a:lnRef idx="2">
+          <a:lnRef idx="1">
             <a:schemeClr val="accent1"/>
           </a:lnRef>
           <a:fillRef idx="0">
             <a:schemeClr val="accent1"/>
           </a:fillRef>
-          <a:effectRef idx="1">
+          <a:effectRef idx="0">
+            <a:schemeClr val="accent1"/>
+          </a:effectRef>
+          <a:fontRef idx="minor">
+            <a:schemeClr val="tx1"/>
+          </a:fontRef>
+        </p:style>
+      </p:cxnSp>
+      <p:cxnSp>
+        <p:nvCxnSpPr>
+          <p:cNvPr id="13" name="Straight Connector 12"/>
+          <p:cNvCxnSpPr/>
+          <p:nvPr/>
+        </p:nvCxnSpPr>
+        <p:spPr>
+          <a:xfrm>
+            <a:off x="6193536" y="1249362"/>
+            <a:ext cx="4876800" cy="1588"/>
+          </a:xfrm>
+          <a:prstGeom prst="line">
+            <a:avLst/>
+          </a:prstGeom>
+        </p:spPr>
+        <p:style>
+          <a:lnRef idx="1">
+            <a:schemeClr val="accent1"/>
+          </a:lnRef>
+          <a:fillRef idx="0">
+            <a:schemeClr val="accent1"/>
+          </a:fillRef>
+          <a:effectRef idx="0">
             <a:schemeClr val="accent1"/>
           </a:effectRef>
           <a:fontRef idx="minor">
@@ -4231,11 +2056,6 @@
         </p:style>
       </p:cxnSp>
     </p:spTree>
-    <p:extLst>
-      <p:ext uri="{BB962C8B-B14F-4D97-AF65-F5344CB8AC3E}">
-        <p14:creationId xmlns:p14="http://schemas.microsoft.com/office/powerpoint/2010/main" val="3079294493"/>
-      </p:ext>
-    </p:extLst>
   </p:cSld>
   <p:clrMapOvr>
     <a:masterClrMapping/>
@@ -4245,7 +2065,7 @@
 
 <file path=ppt/slideLayouts/slideLayout6.xml><?xml version="1.0" encoding="utf-8"?>
 <p:sldLayout xmlns:a="http://schemas.openxmlformats.org/drawingml/2006/main" xmlns:r="http://schemas.openxmlformats.org/officeDocument/2006/relationships" xmlns:p="http://schemas.openxmlformats.org/presentationml/2006/main" type="titleOnly" preserve="1">
-  <p:cSld name="Title Only">
+  <p:cSld name="Sólo el título">
     <p:spTree>
       <p:nvGrpSpPr>
         <p:cNvPr id="1" name=""/>
@@ -4276,8 +2096,8 @@
           <a:lstStyle/>
           <a:p>
             <a:r>
-              <a:rPr lang="en-US" smtClean="0"/>
-              <a:t>Click to edit Master title style</a:t>
+              <a:rPr lang="es-ES_tradnl" smtClean="0"/>
+              <a:t>Clic para editar título</a:t>
             </a:r>
             <a:endParaRPr lang="en-US" dirty="0"/>
           </a:p>
@@ -4300,7 +2120,7 @@
           <a:p>
             <a:fld id="{81C75E76-9F89-4757-915C-0C704E49CD7E}" type="datetimeFigureOut">
               <a:rPr lang="en-US" smtClean="0"/>
-              <a:t>2/15/2017</a:t>
+              <a:t>11/05/17</a:t>
             </a:fld>
             <a:endParaRPr lang="en-US"/>
           </a:p>
@@ -4342,49 +2162,13 @@
           <a:p>
             <a:fld id="{DA1842C8-1095-4A6A-B921-31DFA631D9F9}" type="slidenum">
               <a:rPr lang="en-US" smtClean="0"/>
-              <a:t>‹Nº›</a:t>
+              <a:t>‹Nr.›</a:t>
             </a:fld>
             <a:endParaRPr lang="en-US"/>
           </a:p>
         </p:txBody>
       </p:sp>
-      <p:cxnSp>
-        <p:nvCxnSpPr>
-          <p:cNvPr id="14" name="Straight Connector 13"/>
-          <p:cNvCxnSpPr/>
-          <p:nvPr/>
-        </p:nvCxnSpPr>
-        <p:spPr>
-          <a:xfrm>
-            <a:off x="1396169" y="2421466"/>
-            <a:ext cx="9407298" cy="0"/>
-          </a:xfrm>
-          <a:prstGeom prst="line">
-            <a:avLst/>
-          </a:prstGeom>
-          <a:ln w="15875"/>
-        </p:spPr>
-        <p:style>
-          <a:lnRef idx="2">
-            <a:schemeClr val="accent1"/>
-          </a:lnRef>
-          <a:fillRef idx="0">
-            <a:schemeClr val="accent1"/>
-          </a:fillRef>
-          <a:effectRef idx="1">
-            <a:schemeClr val="accent1"/>
-          </a:effectRef>
-          <a:fontRef idx="minor">
-            <a:schemeClr val="tx1"/>
-          </a:fontRef>
-        </p:style>
-      </p:cxnSp>
     </p:spTree>
-    <p:extLst>
-      <p:ext uri="{BB962C8B-B14F-4D97-AF65-F5344CB8AC3E}">
-        <p14:creationId xmlns:p14="http://schemas.microsoft.com/office/powerpoint/2010/main" val="3877911984"/>
-      </p:ext>
-    </p:extLst>
   </p:cSld>
   <p:clrMapOvr>
     <a:masterClrMapping/>
@@ -4394,7 +2178,7 @@
 
 <file path=ppt/slideLayouts/slideLayout7.xml><?xml version="1.0" encoding="utf-8"?>
 <p:sldLayout xmlns:a="http://schemas.openxmlformats.org/drawingml/2006/main" xmlns:r="http://schemas.openxmlformats.org/officeDocument/2006/relationships" xmlns:p="http://schemas.openxmlformats.org/presentationml/2006/main" type="blank" preserve="1">
-  <p:cSld name="Blank">
+  <p:cSld name="En blanco">
     <p:spTree>
       <p:nvGrpSpPr>
         <p:cNvPr id="1" name=""/>
@@ -4426,7 +2210,7 @@
           <a:p>
             <a:fld id="{81C75E76-9F89-4757-915C-0C704E49CD7E}" type="datetimeFigureOut">
               <a:rPr lang="en-US" smtClean="0"/>
-              <a:t>2/15/2017</a:t>
+              <a:t>11/05/17</a:t>
             </a:fld>
             <a:endParaRPr lang="en-US"/>
           </a:p>
@@ -4468,18 +2252,13 @@
           <a:p>
             <a:fld id="{DA1842C8-1095-4A6A-B921-31DFA631D9F9}" type="slidenum">
               <a:rPr lang="en-US" smtClean="0"/>
-              <a:t>‹Nº›</a:t>
+              <a:t>‹Nr.›</a:t>
             </a:fld>
             <a:endParaRPr lang="en-US"/>
           </a:p>
         </p:txBody>
       </p:sp>
     </p:spTree>
-    <p:extLst>
-      <p:ext uri="{BB962C8B-B14F-4D97-AF65-F5344CB8AC3E}">
-        <p14:creationId xmlns:p14="http://schemas.microsoft.com/office/powerpoint/2010/main" val="1285101858"/>
-      </p:ext>
-    </p:extLst>
   </p:cSld>
   <p:clrMapOvr>
     <a:masterClrMapping/>
@@ -4489,7 +2268,7 @@
 
 <file path=ppt/slideLayouts/slideLayout8.xml><?xml version="1.0" encoding="utf-8"?>
 <p:sldLayout xmlns:a="http://schemas.openxmlformats.org/drawingml/2006/main" xmlns:r="http://schemas.openxmlformats.org/officeDocument/2006/relationships" xmlns:p="http://schemas.openxmlformats.org/presentationml/2006/main" type="objTx" preserve="1">
-  <p:cSld name="Content with Caption">
+  <p:cSld name="Contenido con título">
     <p:spTree>
       <p:nvGrpSpPr>
         <p:cNvPr id="1" name=""/>
@@ -4516,8 +2295,8 @@
         </p:nvSpPr>
         <p:spPr>
           <a:xfrm>
-            <a:off x="1293811" y="1388534"/>
-            <a:ext cx="3718455" cy="1371600"/>
+            <a:off x="1016000" y="4572000"/>
+            <a:ext cx="9046464" cy="1600200"/>
           </a:xfrm>
         </p:spPr>
         <p:txBody>
@@ -4525,16 +2304,16 @@
             <a:normAutofit/>
           </a:bodyPr>
           <a:lstStyle>
-            <a:lvl1pPr algn="ctr">
-              <a:defRPr sz="2400" b="0"/>
+            <a:lvl1pPr algn="l">
+              <a:defRPr sz="5400" b="0"/>
             </a:lvl1pPr>
           </a:lstStyle>
           <a:p>
             <a:r>
-              <a:rPr lang="en-US" smtClean="0"/>
-              <a:t>Click to edit Master title style</a:t>
-            </a:r>
-            <a:endParaRPr lang="en-US" dirty="0"/>
+              <a:rPr lang="es-ES_tradnl" smtClean="0"/>
+              <a:t>Clic para editar título</a:t>
+            </a:r>
+            <a:endParaRPr lang="en-US"/>
           </a:p>
         </p:txBody>
       </p:sp>
@@ -4550,48 +2329,74 @@
         </p:nvSpPr>
         <p:spPr>
           <a:xfrm>
-            <a:off x="5418668" y="982131"/>
-            <a:ext cx="5469466" cy="4893735"/>
+            <a:off x="4947821" y="457201"/>
+            <a:ext cx="6126579" cy="4114799"/>
           </a:xfrm>
         </p:spPr>
         <p:txBody>
-          <a:bodyPr anchor="ctr">
-            <a:normAutofit/>
-          </a:bodyPr>
-          <a:lstStyle/>
+          <a:bodyPr/>
+          <a:lstStyle>
+            <a:lvl1pPr>
+              <a:defRPr sz="2400"/>
+            </a:lvl1pPr>
+            <a:lvl2pPr>
+              <a:defRPr sz="2200"/>
+            </a:lvl2pPr>
+            <a:lvl3pPr>
+              <a:defRPr sz="2000"/>
+            </a:lvl3pPr>
+            <a:lvl4pPr>
+              <a:defRPr sz="1800"/>
+            </a:lvl4pPr>
+            <a:lvl5pPr>
+              <a:defRPr sz="1800"/>
+            </a:lvl5pPr>
+            <a:lvl6pPr>
+              <a:defRPr sz="2000"/>
+            </a:lvl6pPr>
+            <a:lvl7pPr>
+              <a:defRPr sz="2000"/>
+            </a:lvl7pPr>
+            <a:lvl8pPr>
+              <a:defRPr sz="2000"/>
+            </a:lvl8pPr>
+            <a:lvl9pPr>
+              <a:defRPr sz="2000"/>
+            </a:lvl9pPr>
+          </a:lstStyle>
           <a:p>
             <a:pPr lvl="0"/>
             <a:r>
-              <a:rPr lang="en-US" smtClean="0"/>
-              <a:t>Edit Master text styles</a:t>
+              <a:rPr lang="es-ES_tradnl" smtClean="0"/>
+              <a:t>Haga clic para modificar el estilo de texto del patrón</a:t>
             </a:r>
           </a:p>
           <a:p>
             <a:pPr lvl="1"/>
             <a:r>
-              <a:rPr lang="en-US" smtClean="0"/>
-              <a:t>Second level</a:t>
+              <a:rPr lang="es-ES_tradnl" smtClean="0"/>
+              <a:t>Segundo nivel</a:t>
             </a:r>
           </a:p>
           <a:p>
             <a:pPr lvl="2"/>
             <a:r>
-              <a:rPr lang="en-US" smtClean="0"/>
-              <a:t>Third level</a:t>
+              <a:rPr lang="es-ES_tradnl" smtClean="0"/>
+              <a:t>Tercer nivel</a:t>
             </a:r>
           </a:p>
           <a:p>
             <a:pPr lvl="3"/>
             <a:r>
-              <a:rPr lang="en-US" smtClean="0"/>
-              <a:t>Fourth level</a:t>
+              <a:rPr lang="es-ES_tradnl" smtClean="0"/>
+              <a:t>Cuarto nivel</a:t>
             </a:r>
           </a:p>
           <a:p>
             <a:pPr lvl="4"/>
             <a:r>
-              <a:rPr lang="en-US" smtClean="0"/>
-              <a:t>Fifth level</a:t>
+              <a:rPr lang="es-ES_tradnl" smtClean="0"/>
+              <a:t>Quinto nivel</a:t>
             </a:r>
             <a:endParaRPr lang="en-US" dirty="0"/>
           </a:p>
@@ -4609,18 +2414,22 @@
         </p:nvSpPr>
         <p:spPr>
           <a:xfrm>
-            <a:off x="1293811" y="3031065"/>
-            <a:ext cx="3718455" cy="2438404"/>
+            <a:off x="1016002" y="457200"/>
+            <a:ext cx="3564876" cy="4114800"/>
           </a:xfrm>
         </p:spPr>
         <p:txBody>
-          <a:bodyPr anchor="t">
+          <a:bodyPr>
             <a:normAutofit/>
           </a:bodyPr>
           <a:lstStyle>
-            <a:lvl1pPr marL="0" indent="0" algn="ctr">
+            <a:lvl1pPr marL="0" indent="0">
               <a:buNone/>
-              <a:defRPr sz="1600"/>
+              <a:defRPr sz="2100">
+                <a:solidFill>
+                  <a:schemeClr val="tx2"/>
+                </a:solidFill>
+              </a:defRPr>
             </a:lvl1pPr>
             <a:lvl2pPr marL="457200" indent="0">
               <a:buNone/>
@@ -4658,8 +2467,8 @@
           <a:p>
             <a:pPr lvl="0"/>
             <a:r>
-              <a:rPr lang="en-US" smtClean="0"/>
-              <a:t>Edit Master text styles</a:t>
+              <a:rPr lang="es-ES_tradnl" smtClean="0"/>
+              <a:t>Haga clic para modificar el estilo de texto del patrón</a:t>
             </a:r>
           </a:p>
         </p:txBody>
@@ -4681,7 +2490,7 @@
           <a:p>
             <a:fld id="{81C75E76-9F89-4757-915C-0C704E49CD7E}" type="datetimeFigureOut">
               <a:rPr lang="en-US" smtClean="0"/>
-              <a:t>2/15/2017</a:t>
+              <a:t>11/05/17</a:t>
             </a:fld>
             <a:endParaRPr lang="en-US"/>
           </a:p>
@@ -4723,7 +2532,7 @@
           <a:p>
             <a:fld id="{DA1842C8-1095-4A6A-B921-31DFA631D9F9}" type="slidenum">
               <a:rPr lang="en-US" smtClean="0"/>
-              <a:t>‹Nº›</a:t>
+              <a:t>‹Nr.›</a:t>
             </a:fld>
             <a:endParaRPr lang="en-US"/>
           </a:p>
@@ -4731,28 +2540,35 @@
       </p:sp>
       <p:cxnSp>
         <p:nvCxnSpPr>
-          <p:cNvPr id="16" name="Straight Connector 15"/>
+          <p:cNvPr id="10" name="Straight Connector 9"/>
           <p:cNvCxnSpPr/>
           <p:nvPr/>
         </p:nvCxnSpPr>
         <p:spPr>
-          <a:xfrm>
-            <a:off x="1396169" y="2912533"/>
-            <a:ext cx="3514498" cy="0"/>
+          <a:xfrm rot="5400000">
+            <a:off x="2871259" y="2514336"/>
+            <a:ext cx="3810000" cy="2117"/>
           </a:xfrm>
           <a:prstGeom prst="line">
             <a:avLst/>
           </a:prstGeom>
-          <a:ln w="15875"/>
+          <a:ln>
+            <a:solidFill>
+              <a:schemeClr val="tx2">
+                <a:lumMod val="50000"/>
+                <a:lumOff val="50000"/>
+              </a:schemeClr>
+            </a:solidFill>
+          </a:ln>
         </p:spPr>
         <p:style>
-          <a:lnRef idx="2">
+          <a:lnRef idx="1">
             <a:schemeClr val="accent1"/>
           </a:lnRef>
           <a:fillRef idx="0">
             <a:schemeClr val="accent1"/>
           </a:fillRef>
-          <a:effectRef idx="1">
+          <a:effectRef idx="0">
             <a:schemeClr val="accent1"/>
           </a:effectRef>
           <a:fontRef idx="minor">
@@ -4761,11 +2577,6 @@
         </p:style>
       </p:cxnSp>
     </p:spTree>
-    <p:extLst>
-      <p:ext uri="{BB962C8B-B14F-4D97-AF65-F5344CB8AC3E}">
-        <p14:creationId xmlns:p14="http://schemas.microsoft.com/office/powerpoint/2010/main" val="32355815"/>
-      </p:ext>
-    </p:extLst>
   </p:cSld>
   <p:clrMapOvr>
     <a:masterClrMapping/>
@@ -4775,7 +2586,7 @@
 
 <file path=ppt/slideLayouts/slideLayout9.xml><?xml version="1.0" encoding="utf-8"?>
 <p:sldLayout xmlns:a="http://schemas.openxmlformats.org/drawingml/2006/main" xmlns:r="http://schemas.openxmlformats.org/officeDocument/2006/relationships" xmlns:p="http://schemas.openxmlformats.org/presentationml/2006/main" type="picTx" preserve="1">
-  <p:cSld name="Picture with Caption">
+  <p:cSld name="Imagen con título">
     <p:spTree>
       <p:nvGrpSpPr>
         <p:cNvPr id="1" name=""/>
@@ -4802,8 +2613,8 @@
         </p:nvSpPr>
         <p:spPr>
           <a:xfrm>
-            <a:off x="1295399" y="1883832"/>
-            <a:ext cx="6241816" cy="1371600"/>
+            <a:off x="1011936" y="4572000"/>
+            <a:ext cx="9046464" cy="1600200"/>
           </a:xfrm>
         </p:spPr>
         <p:txBody>
@@ -4811,14 +2622,14 @@
             <a:normAutofit/>
           </a:bodyPr>
           <a:lstStyle>
-            <a:lvl1pPr algn="ctr">
-              <a:defRPr sz="2800" b="0"/>
+            <a:lvl1pPr algn="l">
+              <a:defRPr sz="5400" b="0"/>
             </a:lvl1pPr>
           </a:lstStyle>
           <a:p>
             <a:r>
-              <a:rPr lang="en-US" smtClean="0"/>
-              <a:t>Click to edit Master title style</a:t>
+              <a:rPr lang="es-ES_tradnl" smtClean="0"/>
+              <a:t>Clic para editar título</a:t>
             </a:r>
             <a:endParaRPr lang="en-US" dirty="0"/>
           </a:p>
@@ -4826,9 +2637,9 @@
       </p:sp>
       <p:sp>
         <p:nvSpPr>
-          <p:cNvPr id="17" name="Picture Placeholder 2"/>
-          <p:cNvSpPr>
-            <a:spLocks noGrp="1" noChangeAspect="1"/>
+          <p:cNvPr id="3" name="Picture Placeholder 2"/>
+          <p:cNvSpPr>
+            <a:spLocks noGrp="1"/>
           </p:cNvSpPr>
           <p:nvPr>
             <p:ph type="pic" idx="1"/>
@@ -4836,104 +2647,86 @@
         </p:nvSpPr>
         <p:spPr>
           <a:xfrm>
-            <a:off x="8094831" y="1041400"/>
-            <a:ext cx="3063347" cy="4775200"/>
+            <a:off x="1036320" y="457200"/>
+            <a:ext cx="10058400" cy="2895600"/>
           </a:xfrm>
-          <a:prstGeom prst="roundRect">
-            <a:avLst>
-              <a:gd name="adj" fmla="val 0"/>
-            </a:avLst>
-          </a:prstGeom>
-          <a:ln w="57150" cmpd="thickThin">
+          <a:ln w="6350">
             <a:solidFill>
-              <a:schemeClr val="tx1">
-                <a:lumMod val="50000"/>
-                <a:lumOff val="50000"/>
-              </a:schemeClr>
+              <a:schemeClr val="tx2"/>
             </a:solidFill>
-            <a:miter lim="800000"/>
           </a:ln>
-          <a:effectLst>
-            <a:innerShdw blurRad="57150" dist="38100" dir="14460000">
-              <a:srgbClr val="000000">
-                <a:alpha val="70000"/>
-              </a:srgbClr>
-            </a:innerShdw>
-          </a:effectLst>
         </p:spPr>
         <p:txBody>
-          <a:bodyPr anchor="t">
+          <a:bodyPr/>
+          <a:lstStyle>
+            <a:lvl1pPr marL="0" indent="0">
+              <a:buNone/>
+              <a:defRPr sz="3200"/>
+            </a:lvl1pPr>
+            <a:lvl2pPr marL="457200" indent="0">
+              <a:buNone/>
+              <a:defRPr sz="2800"/>
+            </a:lvl2pPr>
+            <a:lvl3pPr marL="914400" indent="0">
+              <a:buNone/>
+              <a:defRPr sz="2400"/>
+            </a:lvl3pPr>
+            <a:lvl4pPr marL="1371600" indent="0">
+              <a:buNone/>
+              <a:defRPr sz="2000"/>
+            </a:lvl4pPr>
+            <a:lvl5pPr marL="1828800" indent="0">
+              <a:buNone/>
+              <a:defRPr sz="2000"/>
+            </a:lvl5pPr>
+            <a:lvl6pPr marL="2286000" indent="0">
+              <a:buNone/>
+              <a:defRPr sz="2000"/>
+            </a:lvl6pPr>
+            <a:lvl7pPr marL="2743200" indent="0">
+              <a:buNone/>
+              <a:defRPr sz="2000"/>
+            </a:lvl7pPr>
+            <a:lvl8pPr marL="3200400" indent="0">
+              <a:buNone/>
+              <a:defRPr sz="2000"/>
+            </a:lvl8pPr>
+            <a:lvl9pPr marL="3657600" indent="0">
+              <a:buNone/>
+              <a:defRPr sz="2000"/>
+            </a:lvl9pPr>
+          </a:lstStyle>
+          <a:p>
+            <a:r>
+              <a:rPr lang="es-ES_tradnl" smtClean="0"/>
+              <a:t>Arrastre la imagen al marcador de posición o haga clic en el icono para agregar</a:t>
+            </a:r>
+            <a:endParaRPr lang="en-US"/>
+          </a:p>
+        </p:txBody>
+      </p:sp>
+      <p:sp>
+        <p:nvSpPr>
+          <p:cNvPr id="4" name="Text Placeholder 3"/>
+          <p:cNvSpPr>
+            <a:spLocks noGrp="1"/>
+          </p:cNvSpPr>
+          <p:nvPr>
+            <p:ph type="body" sz="half" idx="2"/>
+          </p:nvPr>
+        </p:nvSpPr>
+        <p:spPr>
+          <a:xfrm>
+            <a:off x="1133856" y="3505200"/>
+            <a:ext cx="9855200" cy="804862"/>
+          </a:xfrm>
+        </p:spPr>
+        <p:txBody>
+          <a:bodyPr anchor="t" anchorCtr="0">
             <a:normAutofit/>
           </a:bodyPr>
           <a:lstStyle>
-            <a:lvl1pPr marL="0" indent="0" algn="ctr">
-              <a:buNone/>
-              <a:defRPr sz="1600"/>
-            </a:lvl1pPr>
-            <a:lvl2pPr marL="457200" indent="0">
-              <a:buNone/>
-              <a:defRPr sz="1600"/>
-            </a:lvl2pPr>
-            <a:lvl3pPr marL="914400" indent="0">
-              <a:buNone/>
-              <a:defRPr sz="1600"/>
-            </a:lvl3pPr>
-            <a:lvl4pPr marL="1371600" indent="0">
-              <a:buNone/>
-              <a:defRPr sz="1600"/>
-            </a:lvl4pPr>
-            <a:lvl5pPr marL="1828800" indent="0">
-              <a:buNone/>
-              <a:defRPr sz="1600"/>
-            </a:lvl5pPr>
-            <a:lvl6pPr marL="2286000" indent="0">
-              <a:buNone/>
-              <a:defRPr sz="1600"/>
-            </a:lvl6pPr>
-            <a:lvl7pPr marL="2743200" indent="0">
-              <a:buNone/>
-              <a:defRPr sz="1600"/>
-            </a:lvl7pPr>
-            <a:lvl8pPr marL="3200400" indent="0">
-              <a:buNone/>
-              <a:defRPr sz="1600"/>
-            </a:lvl8pPr>
-            <a:lvl9pPr marL="3657600" indent="0">
-              <a:buNone/>
-              <a:defRPr sz="1600"/>
-            </a:lvl9pPr>
-          </a:lstStyle>
-          <a:p>
-            <a:r>
-              <a:rPr lang="en-US" smtClean="0"/>
-              <a:t>Click icon to add picture</a:t>
-            </a:r>
-            <a:endParaRPr lang="en-US" dirty="0"/>
-          </a:p>
-        </p:txBody>
-      </p:sp>
-      <p:sp>
-        <p:nvSpPr>
-          <p:cNvPr id="4" name="Text Placeholder 3"/>
-          <p:cNvSpPr>
-            <a:spLocks noGrp="1"/>
-          </p:cNvSpPr>
-          <p:nvPr>
-            <p:ph type="body" sz="half" idx="2"/>
-          </p:nvPr>
-        </p:nvSpPr>
-        <p:spPr>
-          <a:xfrm>
-            <a:off x="1295399" y="3255432"/>
-            <a:ext cx="6241816" cy="1828800"/>
-          </a:xfrm>
-        </p:spPr>
-        <p:txBody>
-          <a:bodyPr anchor="t">
-            <a:normAutofit/>
-          </a:bodyPr>
-          <a:lstStyle>
-            <a:lvl1pPr marL="0" indent="0" algn="ctr">
+            <a:lvl1pPr marL="0" indent="0">
               <a:buNone/>
               <a:defRPr sz="1800"/>
             </a:lvl1pPr>
@@ -4973,8 +2766,8 @@
           <a:p>
             <a:pPr lvl="0"/>
             <a:r>
-              <a:rPr lang="en-US" smtClean="0"/>
-              <a:t>Edit Master text styles</a:t>
+              <a:rPr lang="es-ES_tradnl" smtClean="0"/>
+              <a:t>Haga clic para modificar el estilo de texto del patrón</a:t>
             </a:r>
           </a:p>
         </p:txBody>
@@ -4996,7 +2789,7 @@
           <a:p>
             <a:fld id="{81C75E76-9F89-4757-915C-0C704E49CD7E}" type="datetimeFigureOut">
               <a:rPr lang="en-US" smtClean="0"/>
-              <a:t>2/15/2017</a:t>
+              <a:t>11/05/17</a:t>
             </a:fld>
             <a:endParaRPr lang="en-US"/>
           </a:p>
@@ -5038,18 +2831,13 @@
           <a:p>
             <a:fld id="{DA1842C8-1095-4A6A-B921-31DFA631D9F9}" type="slidenum">
               <a:rPr lang="en-US" smtClean="0"/>
-              <a:t>‹Nº›</a:t>
+              <a:t>‹Nr.›</a:t>
             </a:fld>
             <a:endParaRPr lang="en-US"/>
           </a:p>
         </p:txBody>
       </p:sp>
     </p:spTree>
-    <p:extLst>
-      <p:ext uri="{BB962C8B-B14F-4D97-AF65-F5344CB8AC3E}">
-        <p14:creationId xmlns:p14="http://schemas.microsoft.com/office/powerpoint/2010/main" val="2042614170"/>
-      </p:ext>
-    </p:extLst>
   </p:cSld>
   <p:clrMapOvr>
     <a:masterClrMapping/>
@@ -5079,143 +2867,6 @@
           <a:chExt cx="0" cy="0"/>
         </a:xfrm>
       </p:grpSpPr>
-      <p:grpSp>
-        <p:nvGrpSpPr>
-          <p:cNvPr id="7" name="Group 6"/>
-          <p:cNvGrpSpPr/>
-          <p:nvPr/>
-        </p:nvGrpSpPr>
-        <p:grpSpPr>
-          <a:xfrm>
-            <a:off x="-15736" y="0"/>
-            <a:ext cx="12229962" cy="6856214"/>
-            <a:chOff x="-15736" y="0"/>
-            <a:chExt cx="12229962" cy="6856214"/>
-          </a:xfrm>
-        </p:grpSpPr>
-        <p:pic>
-          <p:nvPicPr>
-            <p:cNvPr id="8" name="Picture 7" descr="HD-PanelContent.png"/>
-            <p:cNvPicPr>
-              <a:picLocks noChangeAspect="1"/>
-            </p:cNvPicPr>
-            <p:nvPr/>
-          </p:nvPicPr>
-          <p:blipFill>
-            <a:blip r:embed="rId19">
-              <a:extLst>
-                <a:ext uri="{28A0092B-C50C-407E-A947-70E740481C1C}">
-                  <a14:useLocalDpi xmlns:a14="http://schemas.microsoft.com/office/drawing/2010/main" val="0"/>
-                </a:ext>
-              </a:extLst>
-            </a:blip>
-            <a:stretch>
-              <a:fillRect/>
-            </a:stretch>
-          </p:blipFill>
-          <p:spPr>
-            <a:xfrm>
-              <a:off x="0" y="0"/>
-              <a:ext cx="12188825" cy="6856214"/>
-            </a:xfrm>
-            <a:prstGeom prst="rect">
-              <a:avLst/>
-            </a:prstGeom>
-          </p:spPr>
-        </p:pic>
-        <p:sp>
-          <p:nvSpPr>
-            <p:cNvPr id="9" name="Rectangle 8"/>
-            <p:cNvSpPr/>
-            <p:nvPr/>
-          </p:nvSpPr>
-          <p:spPr>
-            <a:xfrm>
-              <a:off x="608012" y="609600"/>
-              <a:ext cx="10972800" cy="5638800"/>
-            </a:xfrm>
-            <a:prstGeom prst="rect">
-              <a:avLst/>
-            </a:prstGeom>
-            <a:noFill/>
-            <a:ln w="15875" cap="flat">
-              <a:miter lim="800000"/>
-            </a:ln>
-          </p:spPr>
-          <p:style>
-            <a:lnRef idx="1">
-              <a:schemeClr val="accent1"/>
-            </a:lnRef>
-            <a:fillRef idx="3">
-              <a:schemeClr val="accent1"/>
-            </a:fillRef>
-            <a:effectRef idx="2">
-              <a:schemeClr val="accent1"/>
-            </a:effectRef>
-            <a:fontRef idx="minor">
-              <a:schemeClr val="lt1"/>
-            </a:fontRef>
-          </p:style>
-        </p:sp>
-        <p:pic>
-          <p:nvPicPr>
-            <p:cNvPr id="10" name="Picture 9" descr="HDRibbonContent-UniformTrim.png"/>
-            <p:cNvPicPr>
-              <a:picLocks noChangeAspect="1"/>
-            </p:cNvPicPr>
-            <p:nvPr/>
-          </p:nvPicPr>
-          <p:blipFill rotWithShape="1">
-            <a:blip r:embed="rId20">
-              <a:extLst>
-                <a:ext uri="{28A0092B-C50C-407E-A947-70E740481C1C}">
-                  <a14:useLocalDpi xmlns:a14="http://schemas.microsoft.com/office/drawing/2010/main" val="0"/>
-                </a:ext>
-              </a:extLst>
-            </a:blip>
-            <a:srcRect/>
-            <a:stretch/>
-          </p:blipFill>
-          <p:spPr>
-            <a:xfrm>
-              <a:off x="-15736" y="3153832"/>
-              <a:ext cx="777240" cy="606425"/>
-            </a:xfrm>
-            <a:prstGeom prst="rect">
-              <a:avLst/>
-            </a:prstGeom>
-          </p:spPr>
-        </p:pic>
-        <p:pic>
-          <p:nvPicPr>
-            <p:cNvPr id="11" name="Picture 10" descr="HDRibbonContent-UniformTrim.png"/>
-            <p:cNvPicPr>
-              <a:picLocks noChangeAspect="1"/>
-            </p:cNvPicPr>
-            <p:nvPr/>
-          </p:nvPicPr>
-          <p:blipFill rotWithShape="1">
-            <a:blip r:embed="rId20">
-              <a:extLst>
-                <a:ext uri="{28A0092B-C50C-407E-A947-70E740481C1C}">
-                  <a14:useLocalDpi xmlns:a14="http://schemas.microsoft.com/office/drawing/2010/main" val="0"/>
-                </a:ext>
-              </a:extLst>
-            </a:blip>
-            <a:srcRect/>
-            <a:stretch/>
-          </p:blipFill>
-          <p:spPr>
-            <a:xfrm>
-              <a:off x="11436986" y="3153832"/>
-              <a:ext cx="777240" cy="606425"/>
-            </a:xfrm>
-            <a:prstGeom prst="rect">
-              <a:avLst/>
-            </a:prstGeom>
-          </p:spPr>
-        </p:pic>
-      </p:grpSp>
       <p:sp>
         <p:nvSpPr>
           <p:cNvPr id="2" name="Title Placeholder 1"/>
@@ -5228,85 +2879,22 @@
         </p:nvSpPr>
         <p:spPr>
           <a:xfrm>
-            <a:off x="1295402" y="982132"/>
-            <a:ext cx="9601196" cy="1303867"/>
-          </a:xfrm>
-          <a:prstGeom prst="rect">
-            <a:avLst/>
-          </a:prstGeom>
-          <a:effectLst/>
-        </p:spPr>
-        <p:txBody>
-          <a:bodyPr vert="horz" lIns="91440" tIns="45720" rIns="91440" bIns="45720" rtlCol="0" anchor="ctr">
-            <a:normAutofit/>
-          </a:bodyPr>
-          <a:lstStyle/>
-          <a:p>
-            <a:r>
-              <a:rPr lang="en-US" smtClean="0"/>
-              <a:t>Click to edit Master title style</a:t>
-            </a:r>
-            <a:endParaRPr lang="en-US" dirty="0"/>
-          </a:p>
-        </p:txBody>
-      </p:sp>
-      <p:sp>
-        <p:nvSpPr>
-          <p:cNvPr id="3" name="Text Placeholder 2"/>
-          <p:cNvSpPr>
-            <a:spLocks noGrp="1"/>
-          </p:cNvSpPr>
-          <p:nvPr>
-            <p:ph type="body" idx="1"/>
-          </p:nvPr>
-        </p:nvSpPr>
-        <p:spPr>
-          <a:xfrm>
-            <a:off x="1295401" y="2556932"/>
-            <a:ext cx="9601196" cy="3318936"/>
+            <a:off x="1016000" y="4572000"/>
+            <a:ext cx="9042400" cy="1600200"/>
           </a:xfrm>
           <a:prstGeom prst="rect">
             <a:avLst/>
           </a:prstGeom>
         </p:spPr>
         <p:txBody>
-          <a:bodyPr vert="horz" lIns="91440" tIns="45720" rIns="91440" bIns="45720" rtlCol="0" anchor="t">
+          <a:bodyPr vert="horz" lIns="91440" tIns="45720" rIns="91440" bIns="45720" rtlCol="0" anchor="b" anchorCtr="0">
             <a:normAutofit/>
           </a:bodyPr>
           <a:lstStyle/>
           <a:p>
-            <a:pPr lvl="0"/>
-            <a:r>
-              <a:rPr lang="en-US" smtClean="0"/>
-              <a:t>Edit Master text styles</a:t>
-            </a:r>
-          </a:p>
-          <a:p>
-            <a:pPr lvl="1"/>
-            <a:r>
-              <a:rPr lang="en-US" smtClean="0"/>
-              <a:t>Second level</a:t>
-            </a:r>
-          </a:p>
-          <a:p>
-            <a:pPr lvl="2"/>
-            <a:r>
-              <a:rPr lang="en-US" smtClean="0"/>
-              <a:t>Third level</a:t>
-            </a:r>
-          </a:p>
-          <a:p>
-            <a:pPr lvl="3"/>
-            <a:r>
-              <a:rPr lang="en-US" smtClean="0"/>
-              <a:t>Fourth level</a:t>
-            </a:r>
-          </a:p>
-          <a:p>
-            <a:pPr lvl="4"/>
-            <a:r>
-              <a:rPr lang="en-US" smtClean="0"/>
-              <a:t>Fifth level</a:t>
+            <a:r>
+              <a:rPr lang="es-ES_tradnl" smtClean="0"/>
+              <a:t>Clic para editar título</a:t>
             </a:r>
             <a:endParaRPr lang="en-US" dirty="0"/>
           </a:p>
@@ -5314,59 +2902,80 @@
       </p:sp>
       <p:sp>
         <p:nvSpPr>
-          <p:cNvPr id="4" name="Date Placeholder 3"/>
+          <p:cNvPr id="3" name="Text Placeholder 2"/>
           <p:cNvSpPr>
             <a:spLocks noGrp="1"/>
           </p:cNvSpPr>
           <p:nvPr>
-            <p:ph type="dt" sz="half" idx="2"/>
+            <p:ph type="body" idx="1"/>
           </p:nvPr>
         </p:nvSpPr>
         <p:spPr>
           <a:xfrm>
-            <a:off x="8677501" y="5969000"/>
-            <a:ext cx="1600200" cy="279400"/>
+            <a:off x="1016000" y="685800"/>
+            <a:ext cx="10058400" cy="3886200"/>
           </a:xfrm>
           <a:prstGeom prst="rect">
             <a:avLst/>
           </a:prstGeom>
         </p:spPr>
         <p:txBody>
-          <a:bodyPr vert="horz" lIns="91440" tIns="45720" rIns="91440" bIns="45720" rtlCol="0" anchor="ctr"/>
-          <a:lstStyle>
-            <a:lvl1pPr algn="r">
-              <a:defRPr sz="1000" b="0" i="0">
-                <a:solidFill>
-                  <a:schemeClr val="tx1"/>
-                </a:solidFill>
-                <a:effectLst/>
-                <a:latin typeface="+mn-lt"/>
-              </a:defRPr>
-            </a:lvl1pPr>
-          </a:lstStyle>
-          <a:p>
-            <a:fld id="{81C75E76-9F89-4757-915C-0C704E49CD7E}" type="datetimeFigureOut">
-              <a:rPr lang="en-US" smtClean="0"/>
-              <a:t>2/15/2017</a:t>
-            </a:fld>
-            <a:endParaRPr lang="en-US"/>
-          </a:p>
-        </p:txBody>
-      </p:sp>
-      <p:sp>
-        <p:nvSpPr>
-          <p:cNvPr id="5" name="Footer Placeholder 4"/>
+          <a:bodyPr vert="horz" lIns="91440" tIns="45720" rIns="91440" bIns="45720" rtlCol="0" anchor="ctr" anchorCtr="0">
+            <a:normAutofit/>
+          </a:bodyPr>
+          <a:lstStyle/>
+          <a:p>
+            <a:pPr lvl="0"/>
+            <a:r>
+              <a:rPr lang="es-ES_tradnl" smtClean="0"/>
+              <a:t>Haga clic para modificar el estilo de texto del patrón</a:t>
+            </a:r>
+          </a:p>
+          <a:p>
+            <a:pPr lvl="1"/>
+            <a:r>
+              <a:rPr lang="es-ES_tradnl" smtClean="0"/>
+              <a:t>Segundo nivel</a:t>
+            </a:r>
+          </a:p>
+          <a:p>
+            <a:pPr lvl="2"/>
+            <a:r>
+              <a:rPr lang="es-ES_tradnl" smtClean="0"/>
+              <a:t>Tercer nivel</a:t>
+            </a:r>
+          </a:p>
+          <a:p>
+            <a:pPr lvl="3"/>
+            <a:r>
+              <a:rPr lang="es-ES_tradnl" smtClean="0"/>
+              <a:t>Cuarto nivel</a:t>
+            </a:r>
+          </a:p>
+          <a:p>
+            <a:pPr lvl="4"/>
+            <a:r>
+              <a:rPr lang="es-ES_tradnl" smtClean="0"/>
+              <a:t>Quinto nivel</a:t>
+            </a:r>
+            <a:endParaRPr lang="en-US" dirty="0"/>
+          </a:p>
+        </p:txBody>
+      </p:sp>
+      <p:sp>
+        <p:nvSpPr>
+          <p:cNvPr id="4" name="Date Placeholder 3"/>
           <p:cNvSpPr>
             <a:spLocks noGrp="1"/>
           </p:cNvSpPr>
           <p:nvPr>
-            <p:ph type="ftr" sz="quarter" idx="3"/>
+            <p:ph type="dt" sz="half" idx="2"/>
           </p:nvPr>
         </p:nvSpPr>
         <p:spPr>
           <a:xfrm>
-            <a:off x="1295401" y="5969000"/>
-            <a:ext cx="7305900" cy="279400"/>
+            <a:off x="8331200" y="6208777"/>
+            <a:ext cx="2844800" cy="365125"/>
           </a:xfrm>
           <a:prstGeom prst="rect">
             <a:avLst/>
@@ -5375,35 +2984,41 @@
         <p:txBody>
           <a:bodyPr vert="horz" lIns="91440" tIns="45720" rIns="91440" bIns="45720" rtlCol="0" anchor="ctr"/>
           <a:lstStyle>
-            <a:lvl1pPr algn="l">
-              <a:defRPr sz="1000" b="0" i="0">
+            <a:lvl1pPr algn="r">
+              <a:defRPr sz="1200" b="1">
                 <a:solidFill>
-                  <a:schemeClr val="tx1"/>
+                  <a:schemeClr val="tx2">
+                    <a:lumMod val="90000"/>
+                    <a:lumOff val="10000"/>
+                  </a:schemeClr>
                 </a:solidFill>
-                <a:effectLst/>
                 <a:latin typeface="+mn-lt"/>
               </a:defRPr>
             </a:lvl1pPr>
           </a:lstStyle>
           <a:p>
+            <a:fld id="{81C75E76-9F89-4757-915C-0C704E49CD7E}" type="datetimeFigureOut">
+              <a:rPr lang="en-US" smtClean="0"/>
+              <a:t>11/05/17</a:t>
+            </a:fld>
             <a:endParaRPr lang="en-US"/>
           </a:p>
         </p:txBody>
       </p:sp>
       <p:sp>
         <p:nvSpPr>
-          <p:cNvPr id="6" name="Slide Number Placeholder 5"/>
+          <p:cNvPr id="5" name="Footer Placeholder 4"/>
           <p:cNvSpPr>
             <a:spLocks noGrp="1"/>
           </p:cNvSpPr>
           <p:nvPr>
-            <p:ph type="sldNum" sz="quarter" idx="4"/>
+            <p:ph type="ftr" sz="quarter" idx="3"/>
           </p:nvPr>
         </p:nvSpPr>
         <p:spPr>
           <a:xfrm>
-            <a:off x="10353901" y="5969000"/>
-            <a:ext cx="542697" cy="279400"/>
+            <a:off x="1015999" y="6208777"/>
+            <a:ext cx="6498492" cy="365125"/>
           </a:xfrm>
           <a:prstGeom prst="rect">
             <a:avLst/>
@@ -5412,70 +3027,181 @@
         <p:txBody>
           <a:bodyPr vert="horz" lIns="91440" tIns="45720" rIns="91440" bIns="45720" rtlCol="0" anchor="ctr"/>
           <a:lstStyle>
-            <a:lvl1pPr algn="r">
-              <a:defRPr sz="1000" b="0" i="0">
+            <a:lvl1pPr algn="l">
+              <a:defRPr sz="1200" b="1">
                 <a:solidFill>
-                  <a:schemeClr val="tx1"/>
+                  <a:schemeClr val="tx2">
+                    <a:lumMod val="90000"/>
+                    <a:lumOff val="10000"/>
+                  </a:schemeClr>
                 </a:solidFill>
-                <a:effectLst/>
-                <a:latin typeface="+mn-lt"/>
               </a:defRPr>
             </a:lvl1pPr>
           </a:lstStyle>
           <a:p>
+            <a:endParaRPr lang="en-US"/>
+          </a:p>
+        </p:txBody>
+      </p:sp>
+      <p:sp>
+        <p:nvSpPr>
+          <p:cNvPr id="6" name="Slide Number Placeholder 5"/>
+          <p:cNvSpPr>
+            <a:spLocks noGrp="1"/>
+          </p:cNvSpPr>
+          <p:nvPr>
+            <p:ph type="sldNum" sz="quarter" idx="4"/>
+          </p:nvPr>
+        </p:nvSpPr>
+        <p:spPr>
+          <a:xfrm>
+            <a:off x="10160000" y="5687569"/>
+            <a:ext cx="1016000" cy="365125"/>
+          </a:xfrm>
+          <a:prstGeom prst="rect">
+            <a:avLst/>
+          </a:prstGeom>
+        </p:spPr>
+        <p:txBody>
+          <a:bodyPr vert="horz" lIns="91440" tIns="45720" rIns="91440" bIns="45720" rtlCol="0" anchor="ctr"/>
+          <a:lstStyle>
+            <a:lvl1pPr algn="r">
+              <a:defRPr sz="2400">
+                <a:solidFill>
+                  <a:schemeClr val="tx1">
+                    <a:lumMod val="85000"/>
+                    <a:lumOff val="15000"/>
+                  </a:schemeClr>
+                </a:solidFill>
+                <a:latin typeface="+mj-lt"/>
+              </a:defRPr>
+            </a:lvl1pPr>
+          </a:lstStyle>
+          <a:p>
             <a:fld id="{DA1842C8-1095-4A6A-B921-31DFA631D9F9}" type="slidenum">
               <a:rPr lang="en-US" smtClean="0"/>
-              <a:t>‹Nº›</a:t>
+              <a:t>‹Nr.›</a:t>
             </a:fld>
             <a:endParaRPr lang="en-US"/>
           </a:p>
         </p:txBody>
       </p:sp>
+      <p:sp>
+        <p:nvSpPr>
+          <p:cNvPr id="8" name="Rectangle 7"/>
+          <p:cNvSpPr/>
+          <p:nvPr/>
+        </p:nvSpPr>
+        <p:spPr>
+          <a:xfrm>
+            <a:off x="1036320" y="0"/>
+            <a:ext cx="10058400" cy="381000"/>
+          </a:xfrm>
+          <a:prstGeom prst="rect">
+            <a:avLst/>
+          </a:prstGeom>
+          <a:ln>
+            <a:noFill/>
+          </a:ln>
+        </p:spPr>
+        <p:style>
+          <a:lnRef idx="2">
+            <a:schemeClr val="accent1">
+              <a:shade val="50000"/>
+            </a:schemeClr>
+          </a:lnRef>
+          <a:fillRef idx="1">
+            <a:schemeClr val="accent1"/>
+          </a:fillRef>
+          <a:effectRef idx="0">
+            <a:schemeClr val="accent1"/>
+          </a:effectRef>
+          <a:fontRef idx="minor">
+            <a:schemeClr val="lt1"/>
+          </a:fontRef>
+        </p:style>
+        <p:txBody>
+          <a:bodyPr rtlCol="0" anchor="ctr"/>
+          <a:lstStyle/>
+          <a:p>
+            <a:pPr algn="ctr"/>
+            <a:endParaRPr lang="en-US"/>
+          </a:p>
+        </p:txBody>
+      </p:sp>
+      <p:sp>
+        <p:nvSpPr>
+          <p:cNvPr id="9" name="Rectangle 8"/>
+          <p:cNvSpPr/>
+          <p:nvPr/>
+        </p:nvSpPr>
+        <p:spPr>
+          <a:xfrm>
+            <a:off x="1036320" y="6172200"/>
+            <a:ext cx="10058400" cy="27432"/>
+          </a:xfrm>
+          <a:prstGeom prst="rect">
+            <a:avLst/>
+          </a:prstGeom>
+          <a:ln>
+            <a:noFill/>
+          </a:ln>
+        </p:spPr>
+        <p:style>
+          <a:lnRef idx="2">
+            <a:schemeClr val="accent1">
+              <a:shade val="50000"/>
+            </a:schemeClr>
+          </a:lnRef>
+          <a:fillRef idx="1">
+            <a:schemeClr val="accent1"/>
+          </a:fillRef>
+          <a:effectRef idx="0">
+            <a:schemeClr val="accent1"/>
+          </a:effectRef>
+          <a:fontRef idx="minor">
+            <a:schemeClr val="lt1"/>
+          </a:fontRef>
+        </p:style>
+        <p:txBody>
+          <a:bodyPr rtlCol="0" anchor="ctr"/>
+          <a:lstStyle/>
+          <a:p>
+            <a:pPr algn="ctr"/>
+            <a:endParaRPr lang="en-US"/>
+          </a:p>
+        </p:txBody>
+      </p:sp>
     </p:spTree>
-    <p:extLst>
-      <p:ext uri="{BB962C8B-B14F-4D97-AF65-F5344CB8AC3E}">
-        <p14:creationId xmlns:p14="http://schemas.microsoft.com/office/powerpoint/2010/main" val="1734348971"/>
-      </p:ext>
-    </p:extLst>
   </p:cSld>
   <p:clrMap bg1="lt1" tx1="dk1" bg2="lt2" tx2="dk2" accent1="accent1" accent2="accent2" accent3="accent3" accent4="accent4" accent5="accent5" accent6="accent6" hlink="hlink" folHlink="folHlink"/>
   <p:sldLayoutIdLst>
-    <p:sldLayoutId id="2147483661" r:id="rId1"/>
-    <p:sldLayoutId id="2147483662" r:id="rId2"/>
-    <p:sldLayoutId id="2147483663" r:id="rId3"/>
-    <p:sldLayoutId id="2147483664" r:id="rId4"/>
-    <p:sldLayoutId id="2147483665" r:id="rId5"/>
-    <p:sldLayoutId id="2147483666" r:id="rId6"/>
-    <p:sldLayoutId id="2147483667" r:id="rId7"/>
-    <p:sldLayoutId id="2147483668" r:id="rId8"/>
-    <p:sldLayoutId id="2147483669" r:id="rId9"/>
-    <p:sldLayoutId id="2147483670" r:id="rId10"/>
-    <p:sldLayoutId id="2147483671" r:id="rId11"/>
-    <p:sldLayoutId id="2147483672" r:id="rId12"/>
-    <p:sldLayoutId id="2147483673" r:id="rId13"/>
-    <p:sldLayoutId id="2147483674" r:id="rId14"/>
-    <p:sldLayoutId id="2147483675" r:id="rId15"/>
-    <p:sldLayoutId id="2147483676" r:id="rId16"/>
-    <p:sldLayoutId id="2147483677" r:id="rId17"/>
+    <p:sldLayoutId id="2147483692" r:id="rId1"/>
+    <p:sldLayoutId id="2147483693" r:id="rId2"/>
+    <p:sldLayoutId id="2147483694" r:id="rId3"/>
+    <p:sldLayoutId id="2147483695" r:id="rId4"/>
+    <p:sldLayoutId id="2147483696" r:id="rId5"/>
+    <p:sldLayoutId id="2147483697" r:id="rId6"/>
+    <p:sldLayoutId id="2147483698" r:id="rId7"/>
+    <p:sldLayoutId id="2147483699" r:id="rId8"/>
+    <p:sldLayoutId id="2147483700" r:id="rId9"/>
+    <p:sldLayoutId id="2147483701" r:id="rId10"/>
+    <p:sldLayoutId id="2147483702" r:id="rId11"/>
   </p:sldLayoutIdLst>
   <p:txStyles>
     <p:titleStyle>
-      <a:lvl1pPr algn="ctr" defTabSz="457200" rtl="0" eaLnBrk="1" latinLnBrk="0" hangingPunct="1">
+      <a:lvl1pPr algn="l" defTabSz="914400" rtl="0" eaLnBrk="1" latinLnBrk="0" hangingPunct="1">
         <a:spcBef>
           <a:spcPct val="0"/>
         </a:spcBef>
         <a:buNone/>
-        <a:defRPr sz="4400" kern="1200" cap="none">
-          <a:ln w="3175" cmpd="sng">
-            <a:noFill/>
-          </a:ln>
+        <a:defRPr sz="5400" kern="1200">
           <a:solidFill>
             <a:schemeClr val="tx1">
               <a:lumMod val="85000"/>
               <a:lumOff val="15000"/>
             </a:schemeClr>
           </a:solidFill>
-          <a:effectLst/>
           <a:latin typeface="+mj-lt"/>
           <a:ea typeface="+mj-ea"/>
           <a:cs typeface="+mj-cs"/>
@@ -5539,235 +3265,163 @@
       </a:lvl9pPr>
     </p:titleStyle>
     <p:bodyStyle>
-      <a:lvl1pPr marL="285750" indent="-285750" algn="l" defTabSz="457200" rtl="0" eaLnBrk="1" latinLnBrk="0" hangingPunct="1">
+      <a:lvl1pPr marL="274320" indent="-274320" algn="l" defTabSz="914400" rtl="0" eaLnBrk="1" latinLnBrk="0" hangingPunct="1">
         <a:spcBef>
           <a:spcPct val="20000"/>
         </a:spcBef>
-        <a:spcAft>
-          <a:spcPts val="600"/>
-        </a:spcAft>
         <a:buClr>
           <a:schemeClr val="accent1"/>
         </a:buClr>
-        <a:buSzPct val="115000"/>
-        <a:buFont typeface="Arial"/>
+        <a:buFont typeface="Arial" pitchFamily="34" charset="0"/>
         <a:buChar char="•"/>
-        <a:defRPr sz="2400" kern="1200" cap="none">
+        <a:defRPr sz="2400" kern="1200">
           <a:solidFill>
-            <a:schemeClr val="tx1">
-              <a:lumMod val="85000"/>
-              <a:lumOff val="15000"/>
-            </a:schemeClr>
+            <a:schemeClr val="tx2"/>
           </a:solidFill>
-          <a:effectLst/>
           <a:latin typeface="+mn-lt"/>
           <a:ea typeface="+mn-ea"/>
           <a:cs typeface="+mn-cs"/>
         </a:defRPr>
       </a:lvl1pPr>
-      <a:lvl2pPr marL="742950" indent="-285750" algn="l" defTabSz="457200" rtl="0" eaLnBrk="1" latinLnBrk="0" hangingPunct="1">
+      <a:lvl2pPr marL="594360" indent="-274320" algn="l" defTabSz="914400" rtl="0" eaLnBrk="1" latinLnBrk="0" hangingPunct="1">
         <a:spcBef>
           <a:spcPct val="20000"/>
         </a:spcBef>
-        <a:spcAft>
-          <a:spcPts val="600"/>
-        </a:spcAft>
         <a:buClr>
           <a:schemeClr val="accent1"/>
         </a:buClr>
-        <a:buSzPct val="115000"/>
-        <a:buFont typeface="Arial"/>
+        <a:buFont typeface="Arial" pitchFamily="34" charset="0"/>
         <a:buChar char="•"/>
-        <a:defRPr sz="2000" kern="1200" cap="none">
+        <a:defRPr sz="2200" kern="1200">
           <a:solidFill>
-            <a:schemeClr val="tx1">
-              <a:lumMod val="85000"/>
-              <a:lumOff val="15000"/>
-            </a:schemeClr>
+            <a:schemeClr val="tx2"/>
           </a:solidFill>
-          <a:effectLst/>
           <a:latin typeface="+mn-lt"/>
           <a:ea typeface="+mn-ea"/>
           <a:cs typeface="+mn-cs"/>
         </a:defRPr>
       </a:lvl2pPr>
-      <a:lvl3pPr marL="1200150" indent="-285750" algn="l" defTabSz="457200" rtl="0" eaLnBrk="1" latinLnBrk="0" hangingPunct="1">
+      <a:lvl3pPr marL="868680" indent="-228600" algn="l" defTabSz="914400" rtl="0" eaLnBrk="1" latinLnBrk="0" hangingPunct="1">
         <a:spcBef>
           <a:spcPct val="20000"/>
         </a:spcBef>
-        <a:spcAft>
-          <a:spcPts val="600"/>
-        </a:spcAft>
         <a:buClr>
           <a:schemeClr val="accent1"/>
         </a:buClr>
-        <a:buSzPct val="115000"/>
-        <a:buFont typeface="Arial"/>
+        <a:buFont typeface="Arial" pitchFamily="34" charset="0"/>
         <a:buChar char="•"/>
-        <a:defRPr sz="1800" kern="1200" cap="none">
+        <a:defRPr sz="2000" kern="1200">
           <a:solidFill>
-            <a:schemeClr val="tx1">
-              <a:lumMod val="85000"/>
-              <a:lumOff val="15000"/>
-            </a:schemeClr>
+            <a:schemeClr val="tx2"/>
           </a:solidFill>
-          <a:effectLst/>
           <a:latin typeface="+mn-lt"/>
           <a:ea typeface="+mn-ea"/>
           <a:cs typeface="+mn-cs"/>
         </a:defRPr>
       </a:lvl3pPr>
-      <a:lvl4pPr marL="1543050" indent="-171450" algn="l" defTabSz="457200" rtl="0" eaLnBrk="1" latinLnBrk="0" hangingPunct="1">
+      <a:lvl4pPr marL="1143000" indent="-228600" algn="l" defTabSz="914400" rtl="0" eaLnBrk="1" latinLnBrk="0" hangingPunct="1">
         <a:spcBef>
           <a:spcPct val="20000"/>
         </a:spcBef>
-        <a:spcAft>
-          <a:spcPts val="600"/>
-        </a:spcAft>
         <a:buClr>
           <a:schemeClr val="accent1"/>
         </a:buClr>
-        <a:buSzPct val="115000"/>
-        <a:buFont typeface="Arial"/>
+        <a:buFont typeface="Arial" pitchFamily="34" charset="0"/>
         <a:buChar char="•"/>
-        <a:defRPr sz="1600" kern="1200" cap="none">
+        <a:defRPr sz="1800" kern="1200">
           <a:solidFill>
-            <a:schemeClr val="tx1">
-              <a:lumMod val="85000"/>
-              <a:lumOff val="15000"/>
-            </a:schemeClr>
+            <a:schemeClr val="tx2"/>
           </a:solidFill>
-          <a:effectLst/>
           <a:latin typeface="+mn-lt"/>
           <a:ea typeface="+mn-ea"/>
           <a:cs typeface="+mn-cs"/>
         </a:defRPr>
       </a:lvl4pPr>
-      <a:lvl5pPr marL="2000250" indent="-171450" algn="l" defTabSz="457200" rtl="0" eaLnBrk="1" latinLnBrk="0" hangingPunct="1">
+      <a:lvl5pPr marL="1371600" indent="-228600" algn="l" defTabSz="914400" rtl="0" eaLnBrk="1" latinLnBrk="0" hangingPunct="1">
         <a:spcBef>
           <a:spcPct val="20000"/>
         </a:spcBef>
-        <a:spcAft>
-          <a:spcPts val="600"/>
-        </a:spcAft>
         <a:buClr>
           <a:schemeClr val="accent1"/>
         </a:buClr>
-        <a:buSzPct val="115000"/>
-        <a:buFont typeface="Arial"/>
+        <a:buFont typeface="Arial" pitchFamily="34" charset="0"/>
         <a:buChar char="•"/>
-        <a:defRPr sz="1400" kern="1200" cap="none">
+        <a:defRPr sz="1800" kern="1200" baseline="0">
           <a:solidFill>
-            <a:schemeClr val="tx1">
-              <a:lumMod val="85000"/>
-              <a:lumOff val="15000"/>
-            </a:schemeClr>
+            <a:schemeClr val="tx2"/>
           </a:solidFill>
-          <a:effectLst/>
           <a:latin typeface="+mn-lt"/>
           <a:ea typeface="+mn-ea"/>
           <a:cs typeface="+mn-cs"/>
         </a:defRPr>
       </a:lvl5pPr>
-      <a:lvl6pPr marL="2514600" indent="-228600" algn="l" defTabSz="457200" rtl="0" eaLnBrk="1" latinLnBrk="0" hangingPunct="1">
+      <a:lvl6pPr marL="1645920" indent="-228600" algn="l" defTabSz="914400" rtl="0" eaLnBrk="1" latinLnBrk="0" hangingPunct="1">
         <a:spcBef>
           <a:spcPct val="20000"/>
         </a:spcBef>
-        <a:spcAft>
-          <a:spcPts val="600"/>
-        </a:spcAft>
         <a:buClr>
           <a:schemeClr val="accent1"/>
         </a:buClr>
-        <a:buSzPct val="115000"/>
-        <a:buFont typeface="Arial"/>
+        <a:buFont typeface="Arial" pitchFamily="34" charset="0"/>
         <a:buChar char="•"/>
-        <a:defRPr sz="1400" kern="1200" cap="none">
+        <a:defRPr sz="1600" kern="1200">
           <a:solidFill>
-            <a:schemeClr val="tx1">
-              <a:lumMod val="85000"/>
-              <a:lumOff val="15000"/>
-            </a:schemeClr>
+            <a:schemeClr val="tx2"/>
           </a:solidFill>
-          <a:effectLst/>
           <a:latin typeface="+mn-lt"/>
           <a:ea typeface="+mn-ea"/>
           <a:cs typeface="+mn-cs"/>
         </a:defRPr>
       </a:lvl6pPr>
-      <a:lvl7pPr marL="2971800" indent="-228600" algn="l" defTabSz="457200" rtl="0" eaLnBrk="1" latinLnBrk="0" hangingPunct="1">
+      <a:lvl7pPr marL="1901952" indent="-228600" algn="l" defTabSz="914400" rtl="0" eaLnBrk="1" latinLnBrk="0" hangingPunct="1">
         <a:spcBef>
           <a:spcPct val="20000"/>
         </a:spcBef>
-        <a:spcAft>
-          <a:spcPts val="600"/>
-        </a:spcAft>
         <a:buClr>
           <a:schemeClr val="accent1"/>
         </a:buClr>
-        <a:buSzPct val="115000"/>
-        <a:buFont typeface="Arial"/>
+        <a:buFont typeface="Arial" pitchFamily="34" charset="0"/>
         <a:buChar char="•"/>
-        <a:defRPr sz="1400" kern="1200" cap="none">
+        <a:defRPr sz="1600" kern="1200">
           <a:solidFill>
-            <a:schemeClr val="tx1">
-              <a:lumMod val="85000"/>
-              <a:lumOff val="15000"/>
-            </a:schemeClr>
+            <a:schemeClr val="tx2"/>
           </a:solidFill>
-          <a:effectLst/>
           <a:latin typeface="+mn-lt"/>
           <a:ea typeface="+mn-ea"/>
           <a:cs typeface="+mn-cs"/>
         </a:defRPr>
       </a:lvl7pPr>
-      <a:lvl8pPr marL="3429000" indent="-228600" algn="l" defTabSz="457200" rtl="0" eaLnBrk="1" latinLnBrk="0" hangingPunct="1">
+      <a:lvl8pPr marL="2194560" indent="-228600" algn="l" defTabSz="914400" rtl="0" eaLnBrk="1" latinLnBrk="0" hangingPunct="1">
         <a:spcBef>
           <a:spcPct val="20000"/>
         </a:spcBef>
-        <a:spcAft>
-          <a:spcPts val="600"/>
-        </a:spcAft>
         <a:buClr>
           <a:schemeClr val="accent1"/>
         </a:buClr>
-        <a:buSzPct val="115000"/>
-        <a:buFont typeface="Arial"/>
+        <a:buFont typeface="Arial" pitchFamily="34" charset="0"/>
         <a:buChar char="•"/>
-        <a:defRPr sz="1400" kern="1200" cap="none">
+        <a:defRPr sz="1600" kern="1200">
           <a:solidFill>
-            <a:schemeClr val="tx1">
-              <a:lumMod val="85000"/>
-              <a:lumOff val="15000"/>
-            </a:schemeClr>
+            <a:schemeClr val="tx2"/>
           </a:solidFill>
-          <a:effectLst/>
           <a:latin typeface="+mn-lt"/>
           <a:ea typeface="+mn-ea"/>
           <a:cs typeface="+mn-cs"/>
         </a:defRPr>
       </a:lvl8pPr>
-      <a:lvl9pPr marL="3886200" indent="-228600" algn="l" defTabSz="457200" rtl="0" eaLnBrk="1" latinLnBrk="0" hangingPunct="1">
+      <a:lvl9pPr marL="2468880" indent="-228600" algn="l" defTabSz="914400" rtl="0" eaLnBrk="1" latinLnBrk="0" hangingPunct="1">
         <a:spcBef>
           <a:spcPct val="20000"/>
         </a:spcBef>
-        <a:spcAft>
-          <a:spcPts val="600"/>
-        </a:spcAft>
         <a:buClr>
           <a:schemeClr val="accent1"/>
         </a:buClr>
-        <a:buSzPct val="115000"/>
-        <a:buFont typeface="Arial"/>
+        <a:buFont typeface="Arial" pitchFamily="34" charset="0"/>
         <a:buChar char="•"/>
-        <a:defRPr sz="1400" kern="1200" cap="none">
+        <a:defRPr sz="1600" kern="1200">
           <a:solidFill>
-            <a:schemeClr val="tx1">
-              <a:lumMod val="85000"/>
-              <a:lumOff val="15000"/>
-            </a:schemeClr>
+            <a:schemeClr val="tx2"/>
           </a:solidFill>
-          <a:effectLst/>
           <a:latin typeface="+mn-lt"/>
           <a:ea typeface="+mn-ea"/>
           <a:cs typeface="+mn-cs"/>
@@ -5778,7 +3432,7 @@
       <a:defPPr>
         <a:defRPr lang="en-US"/>
       </a:defPPr>
-      <a:lvl1pPr marL="0" algn="l" defTabSz="457200" rtl="0" eaLnBrk="1" latinLnBrk="0" hangingPunct="1">
+      <a:lvl1pPr marL="0" algn="l" defTabSz="914400" rtl="0" eaLnBrk="1" latinLnBrk="0" hangingPunct="1">
         <a:defRPr sz="1800" kern="1200">
           <a:solidFill>
             <a:schemeClr val="tx1"/>
@@ -5788,7 +3442,7 @@
           <a:cs typeface="+mn-cs"/>
         </a:defRPr>
       </a:lvl1pPr>
-      <a:lvl2pPr marL="457200" algn="l" defTabSz="457200" rtl="0" eaLnBrk="1" latinLnBrk="0" hangingPunct="1">
+      <a:lvl2pPr marL="457200" algn="l" defTabSz="914400" rtl="0" eaLnBrk="1" latinLnBrk="0" hangingPunct="1">
         <a:defRPr sz="1800" kern="1200">
           <a:solidFill>
             <a:schemeClr val="tx1"/>
@@ -5798,7 +3452,7 @@
           <a:cs typeface="+mn-cs"/>
         </a:defRPr>
       </a:lvl2pPr>
-      <a:lvl3pPr marL="914400" algn="l" defTabSz="457200" rtl="0" eaLnBrk="1" latinLnBrk="0" hangingPunct="1">
+      <a:lvl3pPr marL="914400" algn="l" defTabSz="914400" rtl="0" eaLnBrk="1" latinLnBrk="0" hangingPunct="1">
         <a:defRPr sz="1800" kern="1200">
           <a:solidFill>
             <a:schemeClr val="tx1"/>
@@ -5808,7 +3462,7 @@
           <a:cs typeface="+mn-cs"/>
         </a:defRPr>
       </a:lvl3pPr>
-      <a:lvl4pPr marL="1371600" algn="l" defTabSz="457200" rtl="0" eaLnBrk="1" latinLnBrk="0" hangingPunct="1">
+      <a:lvl4pPr marL="1371600" algn="l" defTabSz="914400" rtl="0" eaLnBrk="1" latinLnBrk="0" hangingPunct="1">
         <a:defRPr sz="1800" kern="1200">
           <a:solidFill>
             <a:schemeClr val="tx1"/>
@@ -5818,7 +3472,7 @@
           <a:cs typeface="+mn-cs"/>
         </a:defRPr>
       </a:lvl4pPr>
-      <a:lvl5pPr marL="1828800" algn="l" defTabSz="457200" rtl="0" eaLnBrk="1" latinLnBrk="0" hangingPunct="1">
+      <a:lvl5pPr marL="1828800" algn="l" defTabSz="914400" rtl="0" eaLnBrk="1" latinLnBrk="0" hangingPunct="1">
         <a:defRPr sz="1800" kern="1200">
           <a:solidFill>
             <a:schemeClr val="tx1"/>
@@ -5828,7 +3482,7 @@
           <a:cs typeface="+mn-cs"/>
         </a:defRPr>
       </a:lvl5pPr>
-      <a:lvl6pPr marL="2286000" algn="l" defTabSz="457200" rtl="0" eaLnBrk="1" latinLnBrk="0" hangingPunct="1">
+      <a:lvl6pPr marL="2286000" algn="l" defTabSz="914400" rtl="0" eaLnBrk="1" latinLnBrk="0" hangingPunct="1">
         <a:defRPr sz="1800" kern="1200">
           <a:solidFill>
             <a:schemeClr val="tx1"/>
@@ -5838,7 +3492,7 @@
           <a:cs typeface="+mn-cs"/>
         </a:defRPr>
       </a:lvl6pPr>
-      <a:lvl7pPr marL="2743200" algn="l" defTabSz="457200" rtl="0" eaLnBrk="1" latinLnBrk="0" hangingPunct="1">
+      <a:lvl7pPr marL="2743200" algn="l" defTabSz="914400" rtl="0" eaLnBrk="1" latinLnBrk="0" hangingPunct="1">
         <a:defRPr sz="1800" kern="1200">
           <a:solidFill>
             <a:schemeClr val="tx1"/>
@@ -5848,7 +3502,7 @@
           <a:cs typeface="+mn-cs"/>
         </a:defRPr>
       </a:lvl7pPr>
-      <a:lvl8pPr marL="3200400" algn="l" defTabSz="457200" rtl="0" eaLnBrk="1" latinLnBrk="0" hangingPunct="1">
+      <a:lvl8pPr marL="3200400" algn="l" defTabSz="914400" rtl="0" eaLnBrk="1" latinLnBrk="0" hangingPunct="1">
         <a:defRPr sz="1800" kern="1200">
           <a:solidFill>
             <a:schemeClr val="tx1"/>
@@ -5858,7 +3512,7 @@
           <a:cs typeface="+mn-cs"/>
         </a:defRPr>
       </a:lvl8pPr>
-      <a:lvl9pPr marL="3657600" algn="l" defTabSz="457200" rtl="0" eaLnBrk="1" latinLnBrk="0" hangingPunct="1">
+      <a:lvl9pPr marL="3657600" algn="l" defTabSz="914400" rtl="0" eaLnBrk="1" latinLnBrk="0" hangingPunct="1">
         <a:defRPr sz="1800" kern="1200">
           <a:solidFill>
             <a:schemeClr val="tx1"/>
@@ -5907,11 +3561,7 @@
           <a:p>
             <a:r>
               <a:rPr lang="en-US" dirty="0" smtClean="0"/>
-              <a:t>APR </a:t>
-            </a:r>
-            <a:r>
-              <a:rPr lang="en-US" dirty="0" err="1" smtClean="0"/>
-              <a:t>Solutionss</a:t>
+              <a:t>APR Solutionss</a:t>
             </a:r>
             <a:endParaRPr lang="en-US" dirty="0"/>
           </a:p>
@@ -5930,7 +3580,7 @@
         <p:spPr/>
         <p:txBody>
           <a:bodyPr>
-            <a:normAutofit lnSpcReduction="10000"/>
+            <a:normAutofit fontScale="70000" lnSpcReduction="20000"/>
           </a:bodyPr>
           <a:lstStyle/>
           <a:p>
@@ -5939,30 +3589,124 @@
               <a:t>Alejandro </a:t>
             </a:r>
             <a:r>
-              <a:rPr lang="en-US" dirty="0" err="1" smtClean="0"/>
-              <a:t>Villarraga</a:t>
+              <a:rPr lang="en-US" dirty="0" smtClean="0"/>
+              <a:t>Villarraga						AREM 2017-1</a:t>
             </a:r>
             <a:endParaRPr lang="en-US" dirty="0" smtClean="0"/>
           </a:p>
           <a:p>
             <a:r>
               <a:rPr lang="en-US" dirty="0" smtClean="0"/>
-              <a:t>Manuel </a:t>
-            </a:r>
+              <a:t>Manuel Sanchez</a:t>
+            </a:r>
+          </a:p>
+          <a:p>
             <a:r>
               <a:rPr lang="en-US" dirty="0" smtClean="0"/>
-              <a:t>Sanchez</a:t>
-            </a:r>
-          </a:p>
-          <a:p>
+              <a:t>Gabriel </a:t>
+            </a:r>
+            <a:r>
+              <a:rPr lang="en-US" dirty="0"/>
+              <a:t>P</a:t>
+            </a:r>
             <a:r>
               <a:rPr lang="en-US" dirty="0" smtClean="0"/>
-              <a:t>Gabriel peña</a:t>
+              <a:t>eña</a:t>
             </a:r>
             <a:endParaRPr lang="en-US" dirty="0"/>
           </a:p>
         </p:txBody>
       </p:sp>
+      <p:pic>
+        <p:nvPicPr>
+          <p:cNvPr id="7" name="Imagen 6" descr="1.png"/>
+          <p:cNvPicPr>
+            <a:picLocks noChangeAspect="1"/>
+          </p:cNvPicPr>
+          <p:nvPr/>
+        </p:nvPicPr>
+        <p:blipFill>
+          <a:blip r:embed="rId2">
+            <a:extLst>
+              <a:ext uri="{28A0092B-C50C-407E-A947-70E740481C1C}">
+                <a14:useLocalDpi xmlns:a14="http://schemas.microsoft.com/office/drawing/2010/main" val="0"/>
+              </a:ext>
+            </a:extLst>
+          </a:blip>
+          <a:stretch>
+            <a:fillRect/>
+          </a:stretch>
+        </p:blipFill>
+        <p:spPr>
+          <a:xfrm>
+            <a:off x="1594574" y="450597"/>
+            <a:ext cx="1837786" cy="1837786"/>
+          </a:xfrm>
+          <a:prstGeom prst="rect">
+            <a:avLst/>
+          </a:prstGeom>
+        </p:spPr>
+      </p:pic>
+      <p:pic>
+        <p:nvPicPr>
+          <p:cNvPr id="8" name="Imagen 7" descr="descarga (1).jpeg"/>
+          <p:cNvPicPr>
+            <a:picLocks noChangeAspect="1"/>
+          </p:cNvPicPr>
+          <p:nvPr/>
+        </p:nvPicPr>
+        <p:blipFill>
+          <a:blip r:embed="rId3">
+            <a:extLst>
+              <a:ext uri="{28A0092B-C50C-407E-A947-70E740481C1C}">
+                <a14:useLocalDpi xmlns:a14="http://schemas.microsoft.com/office/drawing/2010/main" val="0"/>
+              </a:ext>
+            </a:extLst>
+          </a:blip>
+          <a:stretch>
+            <a:fillRect/>
+          </a:stretch>
+        </p:blipFill>
+        <p:spPr>
+          <a:xfrm>
+            <a:off x="4918528" y="445149"/>
+            <a:ext cx="1820351" cy="1820351"/>
+          </a:xfrm>
+          <a:prstGeom prst="rect">
+            <a:avLst/>
+          </a:prstGeom>
+        </p:spPr>
+      </p:pic>
+      <p:pic>
+        <p:nvPicPr>
+          <p:cNvPr id="10" name="Imagen 9" descr="3-1.png"/>
+          <p:cNvPicPr>
+            <a:picLocks noChangeAspect="1"/>
+          </p:cNvPicPr>
+          <p:nvPr/>
+        </p:nvPicPr>
+        <p:blipFill>
+          <a:blip r:embed="rId4">
+            <a:extLst>
+              <a:ext uri="{28A0092B-C50C-407E-A947-70E740481C1C}">
+                <a14:useLocalDpi xmlns:a14="http://schemas.microsoft.com/office/drawing/2010/main" val="0"/>
+              </a:ext>
+            </a:extLst>
+          </a:blip>
+          <a:stretch>
+            <a:fillRect/>
+          </a:stretch>
+        </p:blipFill>
+        <p:spPr>
+          <a:xfrm>
+            <a:off x="8161805" y="446234"/>
+            <a:ext cx="1842149" cy="1842149"/>
+          </a:xfrm>
+          <a:prstGeom prst="rect">
+            <a:avLst/>
+          </a:prstGeom>
+        </p:spPr>
+      </p:pic>
     </p:spTree>
     <p:extLst>
       <p:ext uri="{BB962C8B-B14F-4D97-AF65-F5344CB8AC3E}">
@@ -5976,7 +3720,7 @@
   <p:timing>
     <p:tnLst>
       <p:par>
-        <p:cTn id="1" dur="indefinite" restart="never" nodeType="tmRoot"/>
+        <p:cTn xmlns:p14="http://schemas.microsoft.com/office/powerpoint/2010/main" id="1" dur="indefinite" restart="never" nodeType="tmRoot"/>
       </p:par>
     </p:tnLst>
   </p:timing>
@@ -6000,9 +3744,89 @@
           <a:chExt cx="0" cy="0"/>
         </a:xfrm>
       </p:grpSpPr>
+      <p:sp>
+        <p:nvSpPr>
+          <p:cNvPr id="2" name="Title 1"/>
+          <p:cNvSpPr>
+            <a:spLocks noGrp="1"/>
+          </p:cNvSpPr>
+          <p:nvPr>
+            <p:ph type="title"/>
+          </p:nvPr>
+        </p:nvSpPr>
+        <p:spPr/>
+        <p:txBody>
+          <a:bodyPr/>
+          <a:lstStyle/>
+          <a:p>
+            <a:r>
+              <a:rPr lang="en-US" dirty="0" err="1" smtClean="0"/>
+              <a:t>StakeHolders</a:t>
+            </a:r>
+            <a:endParaRPr lang="en-US" dirty="0"/>
+          </a:p>
+        </p:txBody>
+      </p:sp>
+      <p:sp>
+        <p:nvSpPr>
+          <p:cNvPr id="3" name="Content Placeholder 2"/>
+          <p:cNvSpPr>
+            <a:spLocks noGrp="1"/>
+          </p:cNvSpPr>
+          <p:nvPr>
+            <p:ph idx="1"/>
+          </p:nvPr>
+        </p:nvSpPr>
+        <p:spPr/>
+        <p:txBody>
+          <a:bodyPr>
+            <a:normAutofit lnSpcReduction="10000"/>
+          </a:bodyPr>
+          <a:lstStyle/>
+          <a:p>
+            <a:pPr fontAlgn="base"/>
+            <a:r>
+              <a:rPr lang="es-CO" dirty="0"/>
+              <a:t>Javier Ricardo Granados López (CEO): siendo CEO de la compañía, es uno de los más interesados en estudios que se realicen para implementar tecnologías nuevas y beneficiosas para la organización, ya que es quien vela por el crecimiento continuo, la innovación en todas las áreas y el mejoramiento de los procesos.</a:t>
+            </a:r>
+          </a:p>
+          <a:p>
+            <a:pPr fontAlgn="base"/>
+            <a:r>
+              <a:rPr lang="es-CO" dirty="0"/>
+              <a:t>Dentro del marco de la implementación del proceso de desarrollo del prototipo, también se verá involucrado un cliente asignado para el prototipo para este caso una casa de desarrollo aliada </a:t>
+            </a:r>
+            <a:r>
+              <a:rPr lang="es-CO" dirty="0" err="1"/>
+              <a:t>TurriSystem</a:t>
+            </a:r>
+            <a:r>
+              <a:rPr lang="es-CO" dirty="0"/>
+              <a:t> LTDA.</a:t>
+            </a:r>
+          </a:p>
+          <a:p>
+            <a:pPr fontAlgn="base"/>
+            <a:r>
+              <a:rPr lang="es-CO" dirty="0"/>
+              <a:t>Empleados</a:t>
+            </a:r>
+          </a:p>
+          <a:p>
+            <a:pPr fontAlgn="base"/>
+            <a:r>
+              <a:rPr lang="es-CO" dirty="0"/>
+              <a:t>Proveedores</a:t>
+            </a:r>
+          </a:p>
+          <a:p>
+            <a:endParaRPr lang="en-US" dirty="0"/>
+          </a:p>
+        </p:txBody>
+      </p:sp>
       <p:pic>
         <p:nvPicPr>
-          <p:cNvPr id="3" name="Imagen 2"/>
+          <p:cNvPr id="4" name="Picture 4"/>
           <p:cNvPicPr>
             <a:picLocks noChangeAspect="1"/>
           </p:cNvPicPr>
@@ -6016,8 +3840,8 @@
         </p:blipFill>
         <p:spPr>
           <a:xfrm>
-            <a:off x="983632" y="2909886"/>
-            <a:ext cx="10229946" cy="1224000"/>
+            <a:off x="10132543" y="5834628"/>
+            <a:ext cx="1792712" cy="675824"/>
           </a:xfrm>
           <a:prstGeom prst="rect">
             <a:avLst/>
@@ -6027,7 +3851,7 @@
     </p:spTree>
     <p:extLst>
       <p:ext uri="{BB962C8B-B14F-4D97-AF65-F5344CB8AC3E}">
-        <p14:creationId xmlns:p14="http://schemas.microsoft.com/office/powerpoint/2010/main" val="3333363607"/>
+        <p14:creationId xmlns:p14="http://schemas.microsoft.com/office/powerpoint/2010/main" val="26534353"/>
       </p:ext>
     </p:extLst>
   </p:cSld>
@@ -6037,7 +3861,7 @@
   <p:timing>
     <p:tnLst>
       <p:par>
-        <p:cTn id="1" dur="indefinite" restart="never" nodeType="tmRoot"/>
+        <p:cTn xmlns:p14="http://schemas.microsoft.com/office/powerpoint/2010/main" id="1" dur="indefinite" restart="never" nodeType="tmRoot"/>
       </p:par>
     </p:tnLst>
   </p:timing>
@@ -6068,83 +3892,62 @@
             <a:spLocks noGrp="1"/>
           </p:cNvSpPr>
           <p:nvPr>
-            <p:ph type="title"/>
-          </p:nvPr>
-        </p:nvSpPr>
-        <p:spPr/>
+            <p:ph type="ctrTitle"/>
+          </p:nvPr>
+        </p:nvSpPr>
+        <p:spPr>
+          <a:xfrm>
+            <a:off x="2711448" y="1528231"/>
+            <a:ext cx="6815669" cy="2891369"/>
+          </a:xfrm>
+        </p:spPr>
         <p:txBody>
           <a:bodyPr/>
           <a:lstStyle/>
           <a:p>
             <a:r>
-              <a:rPr lang="en-US" dirty="0" err="1" smtClean="0"/>
-              <a:t>StakeHolders</a:t>
+              <a:rPr lang="en-US" dirty="0" smtClean="0"/>
+              <a:t>MODELO OPERACIONAL</a:t>
+            </a:r>
+            <a:br>
+              <a:rPr lang="en-US" dirty="0" smtClean="0"/>
+            </a:br>
+            <a:r>
+              <a:rPr lang="en-US" dirty="0" smtClean="0"/>
+              <a:t>Base</a:t>
             </a:r>
             <a:endParaRPr lang="en-US" dirty="0"/>
           </a:p>
         </p:txBody>
       </p:sp>
-      <p:sp>
-        <p:nvSpPr>
-          <p:cNvPr id="3" name="Content Placeholder 2"/>
-          <p:cNvSpPr>
-            <a:spLocks noGrp="1"/>
-          </p:cNvSpPr>
-          <p:nvPr>
-            <p:ph idx="1"/>
-          </p:nvPr>
-        </p:nvSpPr>
-        <p:spPr/>
-        <p:txBody>
-          <a:bodyPr>
-            <a:normAutofit fontScale="92500" lnSpcReduction="10000"/>
-          </a:bodyPr>
-          <a:lstStyle/>
-          <a:p>
-            <a:pPr fontAlgn="base"/>
-            <a:r>
-              <a:rPr lang="es-CO" dirty="0"/>
-              <a:t>Javier Ricardo Granados López (CEO): siendo CEO de la compañía, es uno de los más interesados en estudios que se realicen para implementar tecnologías nuevas y beneficiosas para la organización, ya que es quien vela por el crecimiento continuo, la innovación en todas las áreas y el mejoramiento de los procesos.</a:t>
-            </a:r>
-          </a:p>
-          <a:p>
-            <a:pPr fontAlgn="base"/>
-            <a:r>
-              <a:rPr lang="es-CO" dirty="0"/>
-              <a:t>Dentro del marco de la implementación del proceso de desarrollo del prototipo, también se verá involucrado un cliente asignado para el prototipo para este caso una casa de desarrollo aliada </a:t>
-            </a:r>
-            <a:r>
-              <a:rPr lang="es-CO" dirty="0" err="1"/>
-              <a:t>TurriSystem</a:t>
-            </a:r>
-            <a:r>
-              <a:rPr lang="es-CO" dirty="0"/>
-              <a:t> LTDA.</a:t>
-            </a:r>
-          </a:p>
-          <a:p>
-            <a:pPr fontAlgn="base"/>
-            <a:r>
-              <a:rPr lang="es-CO" dirty="0"/>
-              <a:t>Empleados</a:t>
-            </a:r>
-          </a:p>
-          <a:p>
-            <a:pPr fontAlgn="base"/>
-            <a:r>
-              <a:rPr lang="es-CO" dirty="0"/>
-              <a:t>Proveedores</a:t>
-            </a:r>
-          </a:p>
-          <a:p>
-            <a:endParaRPr lang="en-US" dirty="0"/>
-          </a:p>
-        </p:txBody>
-      </p:sp>
+      <p:pic>
+        <p:nvPicPr>
+          <p:cNvPr id="3" name="Picture 4"/>
+          <p:cNvPicPr>
+            <a:picLocks noChangeAspect="1"/>
+          </p:cNvPicPr>
+          <p:nvPr/>
+        </p:nvPicPr>
+        <p:blipFill>
+          <a:blip r:embed="rId2"/>
+          <a:stretch>
+            <a:fillRect/>
+          </a:stretch>
+        </p:blipFill>
+        <p:spPr>
+          <a:xfrm>
+            <a:off x="10132543" y="5834628"/>
+            <a:ext cx="1792712" cy="675824"/>
+          </a:xfrm>
+          <a:prstGeom prst="rect">
+            <a:avLst/>
+          </a:prstGeom>
+        </p:spPr>
+      </p:pic>
     </p:spTree>
     <p:extLst>
       <p:ext uri="{BB962C8B-B14F-4D97-AF65-F5344CB8AC3E}">
-        <p14:creationId xmlns:p14="http://schemas.microsoft.com/office/powerpoint/2010/main" val="26534353"/>
+        <p14:creationId xmlns:p14="http://schemas.microsoft.com/office/powerpoint/2010/main" val="3002417542"/>
       </p:ext>
     </p:extLst>
   </p:cSld>
@@ -6154,7 +3957,7 @@
   <p:timing>
     <p:tnLst>
       <p:par>
-        <p:cTn id="1" dur="indefinite" restart="never" nodeType="tmRoot"/>
+        <p:cTn xmlns:p14="http://schemas.microsoft.com/office/powerpoint/2010/main" id="1" dur="indefinite" restart="never" nodeType="tmRoot"/>
       </p:par>
     </p:tnLst>
   </p:timing>
@@ -6178,45 +3981,67 @@
           <a:chExt cx="0" cy="0"/>
         </a:xfrm>
       </p:grpSpPr>
-      <p:sp>
-        <p:nvSpPr>
-          <p:cNvPr id="2" name="Title 1"/>
-          <p:cNvSpPr>
-            <a:spLocks noGrp="1"/>
-          </p:cNvSpPr>
-          <p:nvPr>
-            <p:ph type="ctrTitle"/>
-          </p:nvPr>
-        </p:nvSpPr>
+      <p:pic>
+        <p:nvPicPr>
+          <p:cNvPr id="3" name="Picture 4"/>
+          <p:cNvPicPr>
+            <a:picLocks noChangeAspect="1"/>
+          </p:cNvPicPr>
+          <p:nvPr/>
+        </p:nvPicPr>
+        <p:blipFill>
+          <a:blip r:embed="rId2"/>
+          <a:stretch>
+            <a:fillRect/>
+          </a:stretch>
+        </p:blipFill>
         <p:spPr>
           <a:xfrm>
-            <a:off x="2711448" y="1528231"/>
-            <a:ext cx="6815669" cy="2891369"/>
+            <a:off x="10132543" y="5834628"/>
+            <a:ext cx="1792712" cy="675824"/>
           </a:xfrm>
+          <a:prstGeom prst="rect">
+            <a:avLst/>
+          </a:prstGeom>
         </p:spPr>
-        <p:txBody>
-          <a:bodyPr/>
-          <a:lstStyle/>
-          <a:p>
-            <a:r>
-              <a:rPr lang="en-US" dirty="0" smtClean="0"/>
-              <a:t>MODELO OPERACIONAL</a:t>
-            </a:r>
-            <a:br>
-              <a:rPr lang="en-US" dirty="0" smtClean="0"/>
-            </a:br>
-            <a:r>
-              <a:rPr lang="en-US" dirty="0" smtClean="0"/>
-              <a:t>Base</a:t>
-            </a:r>
-            <a:endParaRPr lang="en-US" dirty="0"/>
-          </a:p>
-        </p:txBody>
-      </p:sp>
+      </p:pic>
+      <p:pic>
+        <p:nvPicPr>
+          <p:cNvPr id="4" name="Imagen 3"/>
+          <p:cNvPicPr/>
+          <p:nvPr/>
+        </p:nvPicPr>
+        <p:blipFill>
+          <a:blip r:embed="rId3">
+            <a:extLst>
+              <a:ext uri="{28A0092B-C50C-407E-A947-70E740481C1C}">
+                <a14:useLocalDpi xmlns:a14="http://schemas.microsoft.com/office/drawing/2010/main" val="0"/>
+              </a:ext>
+            </a:extLst>
+          </a:blip>
+          <a:srcRect/>
+          <a:stretch>
+            <a:fillRect/>
+          </a:stretch>
+        </p:blipFill>
+        <p:spPr bwMode="auto">
+          <a:xfrm>
+            <a:off x="1350057" y="722259"/>
+            <a:ext cx="9507615" cy="5033026"/>
+          </a:xfrm>
+          <a:prstGeom prst="rect">
+            <a:avLst/>
+          </a:prstGeom>
+          <a:noFill/>
+          <a:ln>
+            <a:noFill/>
+          </a:ln>
+        </p:spPr>
+      </p:pic>
     </p:spTree>
     <p:extLst>
       <p:ext uri="{BB962C8B-B14F-4D97-AF65-F5344CB8AC3E}">
-        <p14:creationId xmlns:p14="http://schemas.microsoft.com/office/powerpoint/2010/main" val="3002417542"/>
+        <p14:creationId xmlns:p14="http://schemas.microsoft.com/office/powerpoint/2010/main" val="1190675431"/>
       </p:ext>
     </p:extLst>
   </p:cSld>
@@ -6226,7 +4051,7 @@
   <p:timing>
     <p:tnLst>
       <p:par>
-        <p:cTn id="1" dur="indefinite" restart="never" nodeType="tmRoot"/>
+        <p:cTn xmlns:p14="http://schemas.microsoft.com/office/powerpoint/2010/main" id="1" dur="indefinite" restart="never" nodeType="tmRoot"/>
       </p:par>
     </p:tnLst>
   </p:timing>
@@ -6250,30 +4075,59 @@
           <a:chExt cx="0" cy="0"/>
         </a:xfrm>
       </p:grpSpPr>
+      <p:sp>
+        <p:nvSpPr>
+          <p:cNvPr id="2" name="Title 1"/>
+          <p:cNvSpPr>
+            <a:spLocks noGrp="1"/>
+          </p:cNvSpPr>
+          <p:nvPr>
+            <p:ph type="ctrTitle"/>
+          </p:nvPr>
+        </p:nvSpPr>
+        <p:spPr>
+          <a:xfrm>
+            <a:off x="2711448" y="1528231"/>
+            <a:ext cx="6815669" cy="2891369"/>
+          </a:xfrm>
+        </p:spPr>
+        <p:txBody>
+          <a:bodyPr/>
+          <a:lstStyle/>
+          <a:p>
+            <a:r>
+              <a:rPr lang="en-US" dirty="0" smtClean="0"/>
+              <a:t>MODELO OPERACIONAL</a:t>
+            </a:r>
+            <a:br>
+              <a:rPr lang="en-US" dirty="0" smtClean="0"/>
+            </a:br>
+            <a:r>
+              <a:rPr lang="en-US" dirty="0" err="1" smtClean="0"/>
+              <a:t>Futuro</a:t>
+            </a:r>
+            <a:endParaRPr lang="en-US" dirty="0"/>
+          </a:p>
+        </p:txBody>
+      </p:sp>
       <p:pic>
         <p:nvPicPr>
-          <p:cNvPr id="2" name="Picture 1"/>
+          <p:cNvPr id="3" name="Picture 4"/>
           <p:cNvPicPr>
             <a:picLocks noChangeAspect="1"/>
           </p:cNvPicPr>
           <p:nvPr/>
         </p:nvPicPr>
         <p:blipFill>
-          <a:blip r:embed="rId2">
-            <a:extLst>
-              <a:ext uri="{28A0092B-C50C-407E-A947-70E740481C1C}">
-                <a14:useLocalDpi xmlns:a14="http://schemas.microsoft.com/office/drawing/2010/main" val="0"/>
-              </a:ext>
-            </a:extLst>
-          </a:blip>
+          <a:blip r:embed="rId2"/>
           <a:stretch>
             <a:fillRect/>
           </a:stretch>
         </p:blipFill>
         <p:spPr>
           <a:xfrm>
-            <a:off x="723900" y="740492"/>
-            <a:ext cx="10477500" cy="5513362"/>
+            <a:off x="10132543" y="5834628"/>
+            <a:ext cx="1792712" cy="675824"/>
           </a:xfrm>
           <a:prstGeom prst="rect">
             <a:avLst/>
@@ -6283,7 +4137,7 @@
     </p:spTree>
     <p:extLst>
       <p:ext uri="{BB962C8B-B14F-4D97-AF65-F5344CB8AC3E}">
-        <p14:creationId xmlns:p14="http://schemas.microsoft.com/office/powerpoint/2010/main" val="1190675431"/>
+        <p14:creationId xmlns:p14="http://schemas.microsoft.com/office/powerpoint/2010/main" val="624812235"/>
       </p:ext>
     </p:extLst>
   </p:cSld>
@@ -6293,7 +4147,7 @@
   <p:timing>
     <p:tnLst>
       <p:par>
-        <p:cTn id="1" dur="indefinite" restart="never" nodeType="tmRoot"/>
+        <p:cTn xmlns:p14="http://schemas.microsoft.com/office/powerpoint/2010/main" id="1" dur="indefinite" restart="never" nodeType="tmRoot"/>
       </p:par>
     </p:tnLst>
   </p:timing>
@@ -6317,45 +4171,67 @@
           <a:chExt cx="0" cy="0"/>
         </a:xfrm>
       </p:grpSpPr>
-      <p:sp>
-        <p:nvSpPr>
-          <p:cNvPr id="2" name="Title 1"/>
-          <p:cNvSpPr>
-            <a:spLocks noGrp="1"/>
-          </p:cNvSpPr>
-          <p:nvPr>
-            <p:ph type="ctrTitle"/>
-          </p:nvPr>
-        </p:nvSpPr>
+      <p:pic>
+        <p:nvPicPr>
+          <p:cNvPr id="3" name="Picture 4"/>
+          <p:cNvPicPr>
+            <a:picLocks noChangeAspect="1"/>
+          </p:cNvPicPr>
+          <p:nvPr/>
+        </p:nvPicPr>
+        <p:blipFill>
+          <a:blip r:embed="rId2"/>
+          <a:stretch>
+            <a:fillRect/>
+          </a:stretch>
+        </p:blipFill>
         <p:spPr>
           <a:xfrm>
-            <a:off x="2711448" y="1528231"/>
-            <a:ext cx="6815669" cy="2891369"/>
+            <a:off x="10132543" y="5834628"/>
+            <a:ext cx="1792712" cy="675824"/>
           </a:xfrm>
+          <a:prstGeom prst="rect">
+            <a:avLst/>
+          </a:prstGeom>
         </p:spPr>
-        <p:txBody>
-          <a:bodyPr/>
-          <a:lstStyle/>
-          <a:p>
-            <a:r>
-              <a:rPr lang="en-US" dirty="0" smtClean="0"/>
-              <a:t>MODELO OPERACIONAL</a:t>
-            </a:r>
-            <a:br>
-              <a:rPr lang="en-US" dirty="0" smtClean="0"/>
-            </a:br>
-            <a:r>
-              <a:rPr lang="en-US" dirty="0" err="1" smtClean="0"/>
-              <a:t>Futuro</a:t>
-            </a:r>
-            <a:endParaRPr lang="en-US" dirty="0"/>
-          </a:p>
-        </p:txBody>
-      </p:sp>
+      </p:pic>
+      <p:pic>
+        <p:nvPicPr>
+          <p:cNvPr id="4" name="Imagen 3"/>
+          <p:cNvPicPr/>
+          <p:nvPr/>
+        </p:nvPicPr>
+        <p:blipFill>
+          <a:blip r:embed="rId3">
+            <a:extLst>
+              <a:ext uri="{28A0092B-C50C-407E-A947-70E740481C1C}">
+                <a14:useLocalDpi xmlns:a14="http://schemas.microsoft.com/office/drawing/2010/main" val="0"/>
+              </a:ext>
+            </a:extLst>
+          </a:blip>
+          <a:srcRect/>
+          <a:stretch>
+            <a:fillRect/>
+          </a:stretch>
+        </p:blipFill>
+        <p:spPr bwMode="auto">
+          <a:xfrm>
+            <a:off x="1155558" y="686515"/>
+            <a:ext cx="9736439" cy="5045886"/>
+          </a:xfrm>
+          <a:prstGeom prst="rect">
+            <a:avLst/>
+          </a:prstGeom>
+          <a:noFill/>
+          <a:ln>
+            <a:noFill/>
+          </a:ln>
+        </p:spPr>
+      </p:pic>
     </p:spTree>
     <p:extLst>
       <p:ext uri="{BB962C8B-B14F-4D97-AF65-F5344CB8AC3E}">
-        <p14:creationId xmlns:p14="http://schemas.microsoft.com/office/powerpoint/2010/main" val="624812235"/>
+        <p14:creationId xmlns:p14="http://schemas.microsoft.com/office/powerpoint/2010/main" val="3439440737"/>
       </p:ext>
     </p:extLst>
   </p:cSld>
@@ -6365,7 +4241,7 @@
   <p:timing>
     <p:tnLst>
       <p:par>
-        <p:cTn id="1" dur="indefinite" restart="never" nodeType="tmRoot"/>
+        <p:cTn xmlns:p14="http://schemas.microsoft.com/office/powerpoint/2010/main" id="1" dur="indefinite" restart="never" nodeType="tmRoot"/>
       </p:par>
     </p:tnLst>
   </p:timing>
@@ -6389,51 +4265,87 @@
           <a:chExt cx="0" cy="0"/>
         </a:xfrm>
       </p:grpSpPr>
+      <p:sp>
+        <p:nvSpPr>
+          <p:cNvPr id="2" name="Title 1"/>
+          <p:cNvSpPr>
+            <a:spLocks noGrp="1"/>
+          </p:cNvSpPr>
+          <p:nvPr>
+            <p:ph type="ctrTitle"/>
+          </p:nvPr>
+        </p:nvSpPr>
+        <p:spPr/>
+        <p:txBody>
+          <a:bodyPr/>
+          <a:lstStyle/>
+          <a:p>
+            <a:r>
+              <a:rPr lang="en-US" dirty="0" smtClean="0"/>
+              <a:t/>
+            </a:r>
+            <a:br>
+              <a:rPr lang="en-US" dirty="0" smtClean="0"/>
+            </a:br>
+            <a:r>
+              <a:rPr lang="en-US" dirty="0" smtClean="0"/>
+              <a:t>PORTAFOLIO </a:t>
+            </a:r>
+            <a:r>
+              <a:rPr lang="en-US" dirty="0" smtClean="0"/>
+              <a:t>DE PROYECTOS</a:t>
+            </a:r>
+            <a:endParaRPr lang="en-US" dirty="0"/>
+          </a:p>
+        </p:txBody>
+      </p:sp>
+      <p:sp>
+        <p:nvSpPr>
+          <p:cNvPr id="3" name="Subtitle 2"/>
+          <p:cNvSpPr>
+            <a:spLocks noGrp="1"/>
+          </p:cNvSpPr>
+          <p:nvPr>
+            <p:ph type="subTitle" idx="1"/>
+          </p:nvPr>
+        </p:nvSpPr>
+        <p:spPr/>
+        <p:txBody>
+          <a:bodyPr/>
+          <a:lstStyle/>
+          <a:p>
+            <a:endParaRPr lang="en-US" dirty="0"/>
+          </a:p>
+        </p:txBody>
+      </p:sp>
       <p:pic>
         <p:nvPicPr>
-          <p:cNvPr id="4098" name="Picture 2" descr="APRSolutionssFuture.jpg"/>
+          <p:cNvPr id="4" name="Picture 4"/>
           <p:cNvPicPr>
-            <a:picLocks noChangeAspect="1" noChangeArrowheads="1"/>
+            <a:picLocks noChangeAspect="1"/>
           </p:cNvPicPr>
           <p:nvPr/>
         </p:nvPicPr>
         <p:blipFill>
-          <a:blip r:embed="rId2">
-            <a:extLst>
-              <a:ext uri="{28A0092B-C50C-407E-A947-70E740481C1C}">
-                <a14:useLocalDpi xmlns:a14="http://schemas.microsoft.com/office/drawing/2010/main" val="0"/>
-              </a:ext>
-            </a:extLst>
-          </a:blip>
-          <a:srcRect/>
+          <a:blip r:embed="rId2"/>
           <a:stretch>
             <a:fillRect/>
           </a:stretch>
         </p:blipFill>
-        <p:spPr bwMode="auto">
+        <p:spPr>
           <a:xfrm>
-            <a:off x="858838" y="677862"/>
-            <a:ext cx="10883520" cy="5284788"/>
+            <a:off x="10132543" y="5834628"/>
+            <a:ext cx="1792712" cy="675824"/>
           </a:xfrm>
           <a:prstGeom prst="rect">
             <a:avLst/>
           </a:prstGeom>
-          <a:noFill/>
-          <a:extLst>
-            <a:ext uri="{909E8E84-426E-40DD-AFC4-6F175D3DCCD1}">
-              <a14:hiddenFill xmlns:a14="http://schemas.microsoft.com/office/drawing/2010/main">
-                <a:solidFill>
-                  <a:srgbClr val="FFFFFF"/>
-                </a:solidFill>
-              </a14:hiddenFill>
-            </a:ext>
-          </a:extLst>
         </p:spPr>
       </p:pic>
     </p:spTree>
     <p:extLst>
       <p:ext uri="{BB962C8B-B14F-4D97-AF65-F5344CB8AC3E}">
-        <p14:creationId xmlns:p14="http://schemas.microsoft.com/office/powerpoint/2010/main" val="3439440737"/>
+        <p14:creationId xmlns:p14="http://schemas.microsoft.com/office/powerpoint/2010/main" val="953830579"/>
       </p:ext>
     </p:extLst>
   </p:cSld>
@@ -6443,7 +4355,7 @@
   <p:timing>
     <p:tnLst>
       <p:par>
-        <p:cTn id="1" dur="indefinite" restart="never" nodeType="tmRoot"/>
+        <p:cTn xmlns:p14="http://schemas.microsoft.com/office/powerpoint/2010/main" id="1" dur="indefinite" restart="never" nodeType="tmRoot"/>
       </p:par>
     </p:tnLst>
   </p:timing>
@@ -6467,85 +4379,6 @@
           <a:chExt cx="0" cy="0"/>
         </a:xfrm>
       </p:grpSpPr>
-      <p:sp>
-        <p:nvSpPr>
-          <p:cNvPr id="2" name="Title 1"/>
-          <p:cNvSpPr>
-            <a:spLocks noGrp="1"/>
-          </p:cNvSpPr>
-          <p:nvPr>
-            <p:ph type="ctrTitle"/>
-          </p:nvPr>
-        </p:nvSpPr>
-        <p:spPr/>
-        <p:txBody>
-          <a:bodyPr/>
-          <a:lstStyle/>
-          <a:p>
-            <a:r>
-              <a:rPr lang="en-US" dirty="0" smtClean="0"/>
-              <a:t>PORTAFOLIO DE PROYECTOS</a:t>
-            </a:r>
-            <a:endParaRPr lang="en-US" dirty="0"/>
-          </a:p>
-        </p:txBody>
-      </p:sp>
-      <p:sp>
-        <p:nvSpPr>
-          <p:cNvPr id="3" name="Subtitle 2"/>
-          <p:cNvSpPr>
-            <a:spLocks noGrp="1"/>
-          </p:cNvSpPr>
-          <p:nvPr>
-            <p:ph type="subTitle" idx="1"/>
-          </p:nvPr>
-        </p:nvSpPr>
-        <p:spPr/>
-        <p:txBody>
-          <a:bodyPr/>
-          <a:lstStyle/>
-          <a:p>
-            <a:endParaRPr lang="en-US"/>
-          </a:p>
-        </p:txBody>
-      </p:sp>
-    </p:spTree>
-    <p:extLst>
-      <p:ext uri="{BB962C8B-B14F-4D97-AF65-F5344CB8AC3E}">
-        <p14:creationId xmlns:p14="http://schemas.microsoft.com/office/powerpoint/2010/main" val="953830579"/>
-      </p:ext>
-    </p:extLst>
-  </p:cSld>
-  <p:clrMapOvr>
-    <a:masterClrMapping/>
-  </p:clrMapOvr>
-  <p:timing>
-    <p:tnLst>
-      <p:par>
-        <p:cTn id="1" dur="indefinite" restart="never" nodeType="tmRoot"/>
-      </p:par>
-    </p:tnLst>
-  </p:timing>
-</p:sld>
-</file>
-
-<file path=ppt/slides/slide17.xml><?xml version="1.0" encoding="utf-8"?>
-<p:sld xmlns:a="http://schemas.openxmlformats.org/drawingml/2006/main" xmlns:r="http://schemas.openxmlformats.org/officeDocument/2006/relationships" xmlns:p="http://schemas.openxmlformats.org/presentationml/2006/main">
-  <p:cSld>
-    <p:spTree>
-      <p:nvGrpSpPr>
-        <p:cNvPr id="1" name=""/>
-        <p:cNvGrpSpPr/>
-        <p:nvPr/>
-      </p:nvGrpSpPr>
-      <p:grpSpPr>
-        <a:xfrm>
-          <a:off x="0" y="0"/>
-          <a:ext cx="0" cy="0"/>
-          <a:chOff x="0" y="0"/>
-          <a:chExt cx="0" cy="0"/>
-        </a:xfrm>
-      </p:grpSpPr>
       <p:graphicFrame>
         <p:nvGraphicFramePr>
           <p:cNvPr id="2" name="Table 1"/>
@@ -6572,7 +4405,7 @@
                 <a:gridCol w="10090714">
                   <a:extLst>
                     <a:ext uri="{9D8B030D-6E8A-4147-A177-3AD203B41FA5}">
-                      <a16:colId xmlns:a16="http://schemas.microsoft.com/office/drawing/2014/main" val="2893481789"/>
+                      <a16:colId xmlns:a16="http://schemas.microsoft.com/office/drawing/2014/main" xmlns="" val="2893481789"/>
                     </a:ext>
                   </a:extLst>
                 </a:gridCol>
@@ -6592,7 +4425,7 @@
                         </a:spcAft>
                       </a:pPr>
                       <a:r>
-                        <a:rPr lang="en-US" sz="1600" b="1" i="0" u="none" strike="noStrike">
+                        <a:rPr lang="en-US" sz="1600" b="1" i="0" u="none" strike="noStrike" dirty="0" err="1" smtClean="0">
                           <a:solidFill>
                             <a:srgbClr val="FFFFFF"/>
                           </a:solidFill>
@@ -6601,7 +4434,7 @@
                         </a:rPr>
                         <a:t>Nombre</a:t>
                       </a:r>
-                      <a:endParaRPr lang="en-US" sz="2400">
+                      <a:endParaRPr lang="en-US" sz="2400" dirty="0">
                         <a:effectLst/>
                       </a:endParaRPr>
                     </a:p>
@@ -6650,7 +4483,7 @@
                 </a:tc>
                 <a:extLst>
                   <a:ext uri="{0D108BD9-81ED-4DB2-BD59-A6C34878D82A}">
-                    <a16:rowId xmlns:a16="http://schemas.microsoft.com/office/drawing/2014/main" val="3556421374"/>
+                    <a16:rowId xmlns:a16="http://schemas.microsoft.com/office/drawing/2014/main" xmlns="" val="3556421374"/>
                   </a:ext>
                 </a:extLst>
               </a:tr>
@@ -6724,7 +4557,7 @@
                 </a:tc>
                 <a:extLst>
                   <a:ext uri="{0D108BD9-81ED-4DB2-BD59-A6C34878D82A}">
-                    <a16:rowId xmlns:a16="http://schemas.microsoft.com/office/drawing/2014/main" val="1360826072"/>
+                    <a16:rowId xmlns:a16="http://schemas.microsoft.com/office/drawing/2014/main" xmlns="" val="1360826072"/>
                   </a:ext>
                 </a:extLst>
               </a:tr>
@@ -6801,7 +4634,7 @@
                 </a:tc>
                 <a:extLst>
                   <a:ext uri="{0D108BD9-81ED-4DB2-BD59-A6C34878D82A}">
-                    <a16:rowId xmlns:a16="http://schemas.microsoft.com/office/drawing/2014/main" val="3671395017"/>
+                    <a16:rowId xmlns:a16="http://schemas.microsoft.com/office/drawing/2014/main" xmlns="" val="3671395017"/>
                   </a:ext>
                 </a:extLst>
               </a:tr>
@@ -6820,14 +4653,19 @@
                         </a:spcAft>
                       </a:pPr>
                       <a:r>
-                        <a:rPr lang="es-CO" sz="1600" b="0" i="0" u="none" strike="noStrike" dirty="0">
-                          <a:solidFill>
-                            <a:srgbClr val="000000"/>
-                          </a:solidFill>
+                        <a:rPr lang="es-CO" sz="1600" dirty="0" smtClean="0">
                           <a:effectLst/>
-                          <a:latin typeface="Arial" panose="020B0604020202020204" pitchFamily="34" charset="0"/>
+                          <a:latin typeface="Arial"/>
+                          <a:ea typeface="Arial"/>
+                          <a:cs typeface="Arial"/>
                         </a:rPr>
                         <a:t>Se buscará desarrollar un asistente inteligente generalizado para todo tipo de empresas, que cumpla con las especificaciones básicas que necesitan todas las empresas para su funcionamiento y además funcionalidades específicas según el sector al que pertenezca la empresa.</a:t>
+                      </a:r>
+                      <a:r>
+                        <a:rPr lang="es-ES_tradnl" sz="1600" dirty="0" smtClean="0">
+                          <a:effectLst/>
+                        </a:rPr>
+                        <a:t> </a:t>
                       </a:r>
                       <a:endParaRPr lang="es-CO" sz="2400" dirty="0">
                         <a:effectLst/>
@@ -6875,7 +4713,7 @@
                 </a:tc>
                 <a:extLst>
                   <a:ext uri="{0D108BD9-81ED-4DB2-BD59-A6C34878D82A}">
-                    <a16:rowId xmlns:a16="http://schemas.microsoft.com/office/drawing/2014/main" val="2746740704"/>
+                    <a16:rowId xmlns:a16="http://schemas.microsoft.com/office/drawing/2014/main" xmlns="" val="2746740704"/>
                   </a:ext>
                 </a:extLst>
               </a:tr>
@@ -6894,7 +4732,7 @@
                         </a:spcAft>
                       </a:pPr>
                       <a:r>
-                        <a:rPr lang="en-US" sz="1600" b="1" i="0" u="none" strike="noStrike">
+                        <a:rPr lang="en-US" sz="1600" b="1" i="0" u="none" strike="noStrike" dirty="0" err="1">
                           <a:solidFill>
                             <a:srgbClr val="FFFFFF"/>
                           </a:solidFill>
@@ -6903,7 +4741,7 @@
                         </a:rPr>
                         <a:t>Objetivo</a:t>
                       </a:r>
-                      <a:endParaRPr lang="en-US" sz="2400">
+                      <a:endParaRPr lang="en-US" sz="2400" dirty="0">
                         <a:effectLst/>
                       </a:endParaRPr>
                     </a:p>
@@ -6952,7 +4790,7 @@
                 </a:tc>
                 <a:extLst>
                   <a:ext uri="{0D108BD9-81ED-4DB2-BD59-A6C34878D82A}">
-                    <a16:rowId xmlns:a16="http://schemas.microsoft.com/office/drawing/2014/main" val="1829271253"/>
+                    <a16:rowId xmlns:a16="http://schemas.microsoft.com/office/drawing/2014/main" xmlns="" val="1829271253"/>
                   </a:ext>
                 </a:extLst>
               </a:tr>
@@ -7026,7 +4864,7 @@
                 </a:tc>
                 <a:extLst>
                   <a:ext uri="{0D108BD9-81ED-4DB2-BD59-A6C34878D82A}">
-                    <a16:rowId xmlns:a16="http://schemas.microsoft.com/office/drawing/2014/main" val="777610497"/>
+                    <a16:rowId xmlns:a16="http://schemas.microsoft.com/office/drawing/2014/main" xmlns="" val="777610497"/>
                   </a:ext>
                 </a:extLst>
               </a:tr>
@@ -7103,7 +4941,7 @@
                 </a:tc>
                 <a:extLst>
                   <a:ext uri="{0D108BD9-81ED-4DB2-BD59-A6C34878D82A}">
-                    <a16:rowId xmlns:a16="http://schemas.microsoft.com/office/drawing/2014/main" val="2144125273"/>
+                    <a16:rowId xmlns:a16="http://schemas.microsoft.com/office/drawing/2014/main" xmlns="" val="2144125273"/>
                   </a:ext>
                 </a:extLst>
               </a:tr>
@@ -7197,7 +5035,7 @@
                 </a:tc>
                 <a:extLst>
                   <a:ext uri="{0D108BD9-81ED-4DB2-BD59-A6C34878D82A}">
-                    <a16:rowId xmlns:a16="http://schemas.microsoft.com/office/drawing/2014/main" val="2169493646"/>
+                    <a16:rowId xmlns:a16="http://schemas.microsoft.com/office/drawing/2014/main" xmlns="" val="2169493646"/>
                   </a:ext>
                 </a:extLst>
               </a:tr>
@@ -7227,14 +5065,14 @@
           </a:ln>
           <a:effectLst/>
           <a:extLst>
-            <a:ext uri="{909E8E84-426E-40DD-AFC4-6F175D3DCCD1}">
+            <a:ext uri="{909E8E84-426E-40dd-AFC4-6F175D3DCCD1}">
               <a14:hiddenFill xmlns:a14="http://schemas.microsoft.com/office/drawing/2010/main">
                 <a:solidFill>
                   <a:schemeClr val="accent1"/>
                 </a:solidFill>
               </a14:hiddenFill>
             </a:ext>
-            <a:ext uri="{91240B29-F687-4F45-9708-019B960494DF}">
+            <a:ext uri="{91240B29-F687-4f45-9708-019B960494DF}">
               <a14:hiddenLine xmlns:a14="http://schemas.microsoft.com/office/drawing/2010/main" w="9525">
                 <a:solidFill>
                   <a:schemeClr val="tx1"/>
@@ -7244,7 +5082,7 @@
                 <a:tailEnd/>
               </a14:hiddenLine>
             </a:ext>
-            <a:ext uri="{AF507438-7753-43E0-B8FC-AC1667EBCBE1}">
+            <a:ext uri="{AF507438-7753-43e0-B8FC-AC1667EBCBE1}">
               <a14:hiddenEffects xmlns:a14="http://schemas.microsoft.com/office/drawing/2010/main">
                 <a:effectLst>
                   <a:outerShdw dist="35921" dir="2700000" algn="ctr" rotWithShape="0">
@@ -7371,6 +5209,30 @@
           </a:p>
         </p:txBody>
       </p:sp>
+      <p:pic>
+        <p:nvPicPr>
+          <p:cNvPr id="4" name="Picture 4"/>
+          <p:cNvPicPr>
+            <a:picLocks noChangeAspect="1"/>
+          </p:cNvPicPr>
+          <p:nvPr/>
+        </p:nvPicPr>
+        <p:blipFill>
+          <a:blip r:embed="rId2"/>
+          <a:stretch>
+            <a:fillRect/>
+          </a:stretch>
+        </p:blipFill>
+        <p:spPr>
+          <a:xfrm>
+            <a:off x="10132543" y="5834628"/>
+            <a:ext cx="1792712" cy="675824"/>
+          </a:xfrm>
+          <a:prstGeom prst="rect">
+            <a:avLst/>
+          </a:prstGeom>
+        </p:spPr>
+      </p:pic>
     </p:spTree>
     <p:extLst>
       <p:ext uri="{BB962C8B-B14F-4D97-AF65-F5344CB8AC3E}">
@@ -7384,14 +5246,14 @@
   <p:timing>
     <p:tnLst>
       <p:par>
-        <p:cTn id="1" dur="indefinite" restart="never" nodeType="tmRoot"/>
+        <p:cTn xmlns:p14="http://schemas.microsoft.com/office/powerpoint/2010/main" id="1" dur="indefinite" restart="never" nodeType="tmRoot"/>
       </p:par>
     </p:tnLst>
   </p:timing>
 </p:sld>
 </file>
 
-<file path=ppt/slides/slide18.xml><?xml version="1.0" encoding="utf-8"?>
+<file path=ppt/slides/slide17.xml><?xml version="1.0" encoding="utf-8"?>
 <p:sld xmlns:a="http://schemas.openxmlformats.org/drawingml/2006/main" xmlns:r="http://schemas.openxmlformats.org/officeDocument/2006/relationships" xmlns:p="http://schemas.openxmlformats.org/presentationml/2006/main">
   <p:cSld>
     <p:spTree>
@@ -7424,7 +5286,7 @@
         </p:nvGraphicFramePr>
         <p:xfrm>
           <a:off x="801073" y="805766"/>
-          <a:ext cx="10133627" cy="5156883"/>
+          <a:ext cx="10133627" cy="5183122"/>
         </p:xfrm>
         <a:graphic>
           <a:graphicData uri="http://schemas.openxmlformats.org/drawingml/2006/table">
@@ -7434,7 +5296,7 @@
                 <a:gridCol w="10133627">
                   <a:extLst>
                     <a:ext uri="{9D8B030D-6E8A-4147-A177-3AD203B41FA5}">
-                      <a16:colId xmlns:a16="http://schemas.microsoft.com/office/drawing/2014/main" val="475431895"/>
+                      <a16:colId xmlns:a16="http://schemas.microsoft.com/office/drawing/2014/main" xmlns="" val="475431895"/>
                     </a:ext>
                   </a:extLst>
                 </a:gridCol>
@@ -7454,7 +5316,7 @@
                         </a:spcAft>
                       </a:pPr>
                       <a:r>
-                        <a:rPr lang="en-US" sz="1600" b="1" i="0" u="none" strike="noStrike">
+                        <a:rPr lang="en-US" sz="1600" b="1" i="0" u="none" strike="noStrike" dirty="0" err="1" smtClean="0">
                           <a:solidFill>
                             <a:srgbClr val="FFFFFF"/>
                           </a:solidFill>
@@ -7463,7 +5325,7 @@
                         </a:rPr>
                         <a:t>Nombre</a:t>
                       </a:r>
-                      <a:endParaRPr lang="en-US" sz="2400">
+                      <a:endParaRPr lang="en-US" sz="2400" dirty="0">
                         <a:effectLst/>
                       </a:endParaRPr>
                     </a:p>
@@ -7512,7 +5374,7 @@
                 </a:tc>
                 <a:extLst>
                   <a:ext uri="{0D108BD9-81ED-4DB2-BD59-A6C34878D82A}">
-                    <a16:rowId xmlns:a16="http://schemas.microsoft.com/office/drawing/2014/main" val="242998774"/>
+                    <a16:rowId xmlns:a16="http://schemas.microsoft.com/office/drawing/2014/main" xmlns="" val="242998774"/>
                   </a:ext>
                 </a:extLst>
               </a:tr>
@@ -7586,7 +5448,7 @@
                 </a:tc>
                 <a:extLst>
                   <a:ext uri="{0D108BD9-81ED-4DB2-BD59-A6C34878D82A}">
-                    <a16:rowId xmlns:a16="http://schemas.microsoft.com/office/drawing/2014/main" val="4022796397"/>
+                    <a16:rowId xmlns:a16="http://schemas.microsoft.com/office/drawing/2014/main" xmlns="" val="4022796397"/>
                   </a:ext>
                 </a:extLst>
               </a:tr>
@@ -7663,7 +5525,7 @@
                 </a:tc>
                 <a:extLst>
                   <a:ext uri="{0D108BD9-81ED-4DB2-BD59-A6C34878D82A}">
-                    <a16:rowId xmlns:a16="http://schemas.microsoft.com/office/drawing/2014/main" val="22463983"/>
+                    <a16:rowId xmlns:a16="http://schemas.microsoft.com/office/drawing/2014/main" xmlns="" val="22463983"/>
                   </a:ext>
                 </a:extLst>
               </a:tr>
@@ -7682,16 +5544,24 @@
                         </a:spcAft>
                       </a:pPr>
                       <a:r>
-                        <a:rPr lang="es-CO" sz="1600" b="0" i="0" u="none" strike="noStrike">
+                        <a:rPr lang="es-CO" sz="1800" kern="1200" dirty="0" smtClean="0">
                           <a:solidFill>
-                            <a:srgbClr val="000000"/>
+                            <a:schemeClr val="tx1"/>
                           </a:solidFill>
                           <a:effectLst/>
-                          <a:latin typeface="Arial" panose="020B0604020202020204" pitchFamily="34" charset="0"/>
+                          <a:latin typeface="+mn-lt"/>
+                          <a:ea typeface="+mn-ea"/>
+                          <a:cs typeface="+mn-cs"/>
                         </a:rPr>
-                        <a:t>Se desarrollaran aplicaciones móviles con una base en software inteligente, bajo la idea de la empresa de brindar un asistente inteligente, pero en este caso en dispositivos móviles, para así ampliar el nicho de mercado y llegar a más personas.</a:t>
+                        <a:t>Se desarrollaran aplicaciones móviles con una base en software inteligente, bajo la idea de la empresa de brindar un asistente inteligente, pero en este caso en dispositivos móviles, para así ampliar el nicho de mercado y llegar a más personas.Esto permitira una  expansion de la compañía a otros segmentos de mercado que actualmente no estan contemplados y que pueden traer una amplia fuente de ingresos.</a:t>
                       </a:r>
-                      <a:endParaRPr lang="es-CO" sz="2400">
+                      <a:r>
+                        <a:rPr lang="es-ES_tradnl" sz="1600" dirty="0" smtClean="0">
+                          <a:effectLst/>
+                        </a:rPr>
+                        <a:t> </a:t>
+                      </a:r>
+                      <a:endParaRPr lang="es-CO" sz="2400" dirty="0">
                         <a:effectLst/>
                       </a:endParaRPr>
                     </a:p>
@@ -7737,7 +5607,7 @@
                 </a:tc>
                 <a:extLst>
                   <a:ext uri="{0D108BD9-81ED-4DB2-BD59-A6C34878D82A}">
-                    <a16:rowId xmlns:a16="http://schemas.microsoft.com/office/drawing/2014/main" val="3195110725"/>
+                    <a16:rowId xmlns:a16="http://schemas.microsoft.com/office/drawing/2014/main" xmlns="" val="3195110725"/>
                   </a:ext>
                 </a:extLst>
               </a:tr>
@@ -7814,7 +5684,7 @@
                 </a:tc>
                 <a:extLst>
                   <a:ext uri="{0D108BD9-81ED-4DB2-BD59-A6C34878D82A}">
-                    <a16:rowId xmlns:a16="http://schemas.microsoft.com/office/drawing/2014/main" val="277496932"/>
+                    <a16:rowId xmlns:a16="http://schemas.microsoft.com/office/drawing/2014/main" xmlns="" val="277496932"/>
                   </a:ext>
                 </a:extLst>
               </a:tr>
@@ -7833,16 +5703,18 @@
                         </a:spcAft>
                       </a:pPr>
                       <a:r>
-                        <a:rPr lang="es-CO" sz="1600" b="0" i="0" u="none" strike="noStrike">
+                        <a:rPr lang="es-CO" sz="1800" kern="1200" dirty="0" smtClean="0">
                           <a:solidFill>
-                            <a:srgbClr val="000000"/>
+                            <a:schemeClr val="tx1"/>
                           </a:solidFill>
                           <a:effectLst/>
-                          <a:latin typeface="Arial" panose="020B0604020202020204" pitchFamily="34" charset="0"/>
+                          <a:latin typeface="+mn-lt"/>
+                          <a:ea typeface="+mn-ea"/>
+                          <a:cs typeface="+mn-cs"/>
                         </a:rPr>
-                        <a:t>Dar a conocer los servicios que ofrece APRsolutionss a través de otras plataformas como lo son android y IOS.</a:t>
+                        <a:t>Dar a conocer los servicios que ofrece APRsolutionss a través de otras plataformas como lo son Android y IOS y lograr expandir la compañía obteniendo nuevas fuentes de ingresos. </a:t>
                       </a:r>
-                      <a:endParaRPr lang="es-CO" sz="2400">
+                      <a:endParaRPr lang="es-CO" sz="2400" dirty="0">
                         <a:effectLst/>
                       </a:endParaRPr>
                     </a:p>
@@ -7888,7 +5760,7 @@
                 </a:tc>
                 <a:extLst>
                   <a:ext uri="{0D108BD9-81ED-4DB2-BD59-A6C34878D82A}">
-                    <a16:rowId xmlns:a16="http://schemas.microsoft.com/office/drawing/2014/main" val="4095319325"/>
+                    <a16:rowId xmlns:a16="http://schemas.microsoft.com/office/drawing/2014/main" xmlns="" val="4095319325"/>
                   </a:ext>
                 </a:extLst>
               </a:tr>
@@ -7965,7 +5837,7 @@
                 </a:tc>
                 <a:extLst>
                   <a:ext uri="{0D108BD9-81ED-4DB2-BD59-A6C34878D82A}">
-                    <a16:rowId xmlns:a16="http://schemas.microsoft.com/office/drawing/2014/main" val="58610005"/>
+                    <a16:rowId xmlns:a16="http://schemas.microsoft.com/office/drawing/2014/main" xmlns="" val="58610005"/>
                   </a:ext>
                 </a:extLst>
               </a:tr>
@@ -7984,14 +5856,22 @@
                         </a:spcAft>
                       </a:pPr>
                       <a:r>
-                        <a:rPr lang="es-CO" sz="1600" b="0" i="0" u="none" strike="noStrike" dirty="0">
+                        <a:rPr lang="es-CO" sz="1800" kern="1200" dirty="0" smtClean="0">
                           <a:solidFill>
-                            <a:srgbClr val="000000"/>
+                            <a:schemeClr val="tx1"/>
                           </a:solidFill>
                           <a:effectLst/>
-                          <a:latin typeface="Arial" panose="020B0604020202020204" pitchFamily="34" charset="0"/>
+                          <a:latin typeface="+mn-lt"/>
+                          <a:ea typeface="+mn-ea"/>
+                          <a:cs typeface="+mn-cs"/>
                         </a:rPr>
                         <a:t>Enlazado con el objetivo de llevar nuestro servicio a ser útil para todo tipo de empresas, surge la necesidad de implementarlo en dispositivos móviles, siendo estos los más utilizados en el mundo podemos asegurar un mayor éxito con un asistente inteligente.</a:t>
+                      </a:r>
+                      <a:r>
+                        <a:rPr lang="es-ES_tradnl" sz="1600" dirty="0" smtClean="0">
+                          <a:effectLst/>
+                        </a:rPr>
+                        <a:t> </a:t>
                       </a:r>
                       <a:endParaRPr lang="es-CO" sz="2400" dirty="0">
                         <a:effectLst/>
@@ -8039,7 +5919,7 @@
                 </a:tc>
                 <a:extLst>
                   <a:ext uri="{0D108BD9-81ED-4DB2-BD59-A6C34878D82A}">
-                    <a16:rowId xmlns:a16="http://schemas.microsoft.com/office/drawing/2014/main" val="1412997470"/>
+                    <a16:rowId xmlns:a16="http://schemas.microsoft.com/office/drawing/2014/main" xmlns="" val="1412997470"/>
                   </a:ext>
                 </a:extLst>
               </a:tr>
@@ -8069,14 +5949,14 @@
           </a:ln>
           <a:effectLst/>
           <a:extLst>
-            <a:ext uri="{909E8E84-426E-40DD-AFC4-6F175D3DCCD1}">
+            <a:ext uri="{909E8E84-426E-40dd-AFC4-6F175D3DCCD1}">
               <a14:hiddenFill xmlns:a14="http://schemas.microsoft.com/office/drawing/2010/main">
                 <a:solidFill>
                   <a:schemeClr val="accent1"/>
                 </a:solidFill>
               </a14:hiddenFill>
             </a:ext>
-            <a:ext uri="{91240B29-F687-4F45-9708-019B960494DF}">
+            <a:ext uri="{91240B29-F687-4f45-9708-019B960494DF}">
               <a14:hiddenLine xmlns:a14="http://schemas.microsoft.com/office/drawing/2010/main" w="9525">
                 <a:solidFill>
                   <a:schemeClr val="tx1"/>
@@ -8086,7 +5966,7 @@
                 <a:tailEnd/>
               </a14:hiddenLine>
             </a:ext>
-            <a:ext uri="{AF507438-7753-43E0-B8FC-AC1667EBCBE1}">
+            <a:ext uri="{AF507438-7753-43e0-B8FC-AC1667EBCBE1}">
               <a14:hiddenEffects xmlns:a14="http://schemas.microsoft.com/office/drawing/2010/main">
                 <a:effectLst>
                   <a:outerShdw dist="35921" dir="2700000" algn="ctr" rotWithShape="0">
@@ -8188,6 +6068,30 @@
           </a:p>
         </p:txBody>
       </p:sp>
+      <p:pic>
+        <p:nvPicPr>
+          <p:cNvPr id="4" name="Picture 4"/>
+          <p:cNvPicPr>
+            <a:picLocks noChangeAspect="1"/>
+          </p:cNvPicPr>
+          <p:nvPr/>
+        </p:nvPicPr>
+        <p:blipFill>
+          <a:blip r:embed="rId2"/>
+          <a:stretch>
+            <a:fillRect/>
+          </a:stretch>
+        </p:blipFill>
+        <p:spPr>
+          <a:xfrm>
+            <a:off x="10132543" y="5834628"/>
+            <a:ext cx="1792712" cy="675824"/>
+          </a:xfrm>
+          <a:prstGeom prst="rect">
+            <a:avLst/>
+          </a:prstGeom>
+        </p:spPr>
+      </p:pic>
     </p:spTree>
     <p:extLst>
       <p:ext uri="{BB962C8B-B14F-4D97-AF65-F5344CB8AC3E}">
@@ -8201,14 +6105,14 @@
   <p:timing>
     <p:tnLst>
       <p:par>
-        <p:cTn id="1" dur="indefinite" restart="never" nodeType="tmRoot"/>
+        <p:cTn xmlns:p14="http://schemas.microsoft.com/office/powerpoint/2010/main" id="1" dur="indefinite" restart="never" nodeType="tmRoot"/>
       </p:par>
     </p:tnLst>
   </p:timing>
 </p:sld>
 </file>
 
-<file path=ppt/slides/slide19.xml><?xml version="1.0" encoding="utf-8"?>
+<file path=ppt/slides/slide18.xml><?xml version="1.0" encoding="utf-8"?>
 <p:sld xmlns:a="http://schemas.openxmlformats.org/drawingml/2006/main" xmlns:r="http://schemas.openxmlformats.org/officeDocument/2006/relationships" xmlns:p="http://schemas.openxmlformats.org/presentationml/2006/main">
   <p:cSld>
     <p:spTree>
@@ -8234,14 +6138,14 @@
           <p:nvPr>
             <p:extLst>
               <p:ext uri="{D42A27DB-BD31-4B8C-83A1-F6EECF244321}">
-                <p14:modId xmlns:p14="http://schemas.microsoft.com/office/powerpoint/2010/main" val="1084381058"/>
+                <p14:modId xmlns:p14="http://schemas.microsoft.com/office/powerpoint/2010/main" val="2955203450"/>
               </p:ext>
             </p:extLst>
           </p:nvPr>
         </p:nvGraphicFramePr>
         <p:xfrm>
-          <a:off x="858223" y="866408"/>
-          <a:ext cx="10438427" cy="5267694"/>
+          <a:off x="858224" y="264618"/>
+          <a:ext cx="10438427" cy="6177927"/>
         </p:xfrm>
         <a:graphic>
           <a:graphicData uri="http://schemas.openxmlformats.org/drawingml/2006/table">
@@ -8251,7 +6155,7 @@
                 <a:gridCol w="10438427">
                   <a:extLst>
                     <a:ext uri="{9D8B030D-6E8A-4147-A177-3AD203B41FA5}">
-                      <a16:colId xmlns:a16="http://schemas.microsoft.com/office/drawing/2014/main" val="3532478365"/>
+                      <a16:colId xmlns:a16="http://schemas.microsoft.com/office/drawing/2014/main" xmlns="" val="3532478365"/>
                     </a:ext>
                   </a:extLst>
                 </a:gridCol>
@@ -8271,7 +6175,7 @@
                         </a:spcAft>
                       </a:pPr>
                       <a:r>
-                        <a:rPr lang="en-US" sz="1800" b="1" i="0" u="none" strike="noStrike">
+                        <a:rPr lang="en-US" sz="1800" b="1" i="0" u="none" strike="noStrike" dirty="0" err="1">
                           <a:solidFill>
                             <a:srgbClr val="FFFFFF"/>
                           </a:solidFill>
@@ -8280,7 +6184,7 @@
                         </a:rPr>
                         <a:t>Nombre</a:t>
                       </a:r>
-                      <a:endParaRPr lang="en-US" sz="2800" strike="noStrike">
+                      <a:endParaRPr lang="en-US" sz="2800" strike="noStrike" dirty="0">
                         <a:effectLst/>
                       </a:endParaRPr>
                     </a:p>
@@ -8329,7 +6233,7 @@
                 </a:tc>
                 <a:extLst>
                   <a:ext uri="{0D108BD9-81ED-4DB2-BD59-A6C34878D82A}">
-                    <a16:rowId xmlns:a16="http://schemas.microsoft.com/office/drawing/2014/main" val="1409421522"/>
+                    <a16:rowId xmlns:a16="http://schemas.microsoft.com/office/drawing/2014/main" xmlns="" val="1409421522"/>
                   </a:ext>
                 </a:extLst>
               </a:tr>
@@ -8403,7 +6307,7 @@
                 </a:tc>
                 <a:extLst>
                   <a:ext uri="{0D108BD9-81ED-4DB2-BD59-A6C34878D82A}">
-                    <a16:rowId xmlns:a16="http://schemas.microsoft.com/office/drawing/2014/main" val="2000346219"/>
+                    <a16:rowId xmlns:a16="http://schemas.microsoft.com/office/drawing/2014/main" xmlns="" val="2000346219"/>
                   </a:ext>
                 </a:extLst>
               </a:tr>
@@ -8480,7 +6384,7 @@
                 </a:tc>
                 <a:extLst>
                   <a:ext uri="{0D108BD9-81ED-4DB2-BD59-A6C34878D82A}">
-                    <a16:rowId xmlns:a16="http://schemas.microsoft.com/office/drawing/2014/main" val="1259835014"/>
+                    <a16:rowId xmlns:a16="http://schemas.microsoft.com/office/drawing/2014/main" xmlns="" val="1259835014"/>
                   </a:ext>
                 </a:extLst>
               </a:tr>
@@ -8499,16 +6403,21 @@
                         </a:spcAft>
                       </a:pPr>
                       <a:r>
-                        <a:rPr lang="es-CO" sz="1800" b="0" i="0" u="none" strike="noStrike">
-                          <a:solidFill>
-                            <a:srgbClr val="000000"/>
-                          </a:solidFill>
+                        <a:rPr lang="es-CO" sz="1800" dirty="0" smtClean="0">
                           <a:effectLst/>
-                          <a:latin typeface="Arial" panose="020B0604020202020204" pitchFamily="34" charset="0"/>
+                          <a:latin typeface="Arial"/>
+                          <a:ea typeface="Arial"/>
+                          <a:cs typeface="Arial"/>
                         </a:rPr>
-                        <a:t>con este proyecto se quieren atacar dos objetivos planteados anteriormente, inicialmente a través de alianzas importantes con empresas de software se tendrán más herramientas para el desarrollo de apps en todo tipo de plataformas o dispositivos, con esto se busca potenciar el ingreso por desarrollo web.</a:t>
+                        <a:t>Con este proyecto se pretende lograr un crecimiento y reconocimiento en el mercado de Software en Colombia, asi como generar una nueva linea de productos dedicados al desarrollo web, inicialmente a través de alianzas importantes con empresas de software se tendrán más herramientas para el desarrollo de aplicaciones multiplataforma  e incluso orientadas al desarrollo movil, del mismo modo esta alianza podra traer beneficios economicos para las empresas involucradas.</a:t>
                       </a:r>
-                      <a:endParaRPr lang="es-CO" sz="2800" strike="noStrike">
+                      <a:r>
+                        <a:rPr lang="es-ES_tradnl" dirty="0" smtClean="0">
+                          <a:effectLst/>
+                        </a:rPr>
+                        <a:t> </a:t>
+                      </a:r>
+                      <a:endParaRPr lang="es-CO" sz="2800" strike="noStrike" dirty="0">
                         <a:effectLst/>
                       </a:endParaRPr>
                     </a:p>
@@ -8554,7 +6463,7 @@
                 </a:tc>
                 <a:extLst>
                   <a:ext uri="{0D108BD9-81ED-4DB2-BD59-A6C34878D82A}">
-                    <a16:rowId xmlns:a16="http://schemas.microsoft.com/office/drawing/2014/main" val="1296301426"/>
+                    <a16:rowId xmlns:a16="http://schemas.microsoft.com/office/drawing/2014/main" xmlns="" val="1296301426"/>
                   </a:ext>
                 </a:extLst>
               </a:tr>
@@ -8573,7 +6482,7 @@
                         </a:spcAft>
                       </a:pPr>
                       <a:r>
-                        <a:rPr lang="en-US" sz="1800" b="1" i="0" u="none" strike="noStrike">
+                        <a:rPr lang="en-US" sz="1800" b="1" i="0" u="none" strike="noStrike" dirty="0" err="1">
                           <a:solidFill>
                             <a:srgbClr val="FFFFFF"/>
                           </a:solidFill>
@@ -8582,7 +6491,7 @@
                         </a:rPr>
                         <a:t>Objetivo</a:t>
                       </a:r>
-                      <a:endParaRPr lang="en-US" sz="2800" strike="noStrike">
+                      <a:endParaRPr lang="en-US" sz="2800" strike="noStrike" dirty="0">
                         <a:effectLst/>
                       </a:endParaRPr>
                     </a:p>
@@ -8631,7 +6540,7 @@
                 </a:tc>
                 <a:extLst>
                   <a:ext uri="{0D108BD9-81ED-4DB2-BD59-A6C34878D82A}">
-                    <a16:rowId xmlns:a16="http://schemas.microsoft.com/office/drawing/2014/main" val="3021451588"/>
+                    <a16:rowId xmlns:a16="http://schemas.microsoft.com/office/drawing/2014/main" xmlns="" val="3021451588"/>
                   </a:ext>
                 </a:extLst>
               </a:tr>
@@ -8641,25 +6550,53 @@
                     <a:bodyPr/>
                     <a:lstStyle/>
                     <a:p>
-                      <a:pPr marL="101600" algn="just" rtl="0" fontAlgn="t">
-                        <a:spcBef>
-                          <a:spcPts val="0"/>
-                        </a:spcBef>
+                      <a:pPr marL="101600" algn="just">
+                        <a:lnSpc>
+                          <a:spcPct val="150000"/>
+                        </a:lnSpc>
                         <a:spcAft>
                           <a:spcPts val="0"/>
                         </a:spcAft>
                       </a:pPr>
                       <a:r>
-                        <a:rPr lang="es-CO" sz="1800" b="0" i="0" u="none" strike="noStrike">
+                        <a:rPr lang="es-CO" sz="1800" dirty="0" smtClean="0">
                           <a:solidFill>
                             <a:srgbClr val="000000"/>
                           </a:solidFill>
                           <a:effectLst/>
-                          <a:latin typeface="Arial" panose="020B0604020202020204" pitchFamily="34" charset="0"/>
+                          <a:latin typeface="Arial"/>
+                          <a:ea typeface="Arial"/>
+                          <a:cs typeface="Arial"/>
                         </a:rPr>
-                        <a:t>Lograr alianzas clave para tener más herramientas a la hora de desarrollar software.</a:t>
+                        <a:t>Lograr alianzas clave para tener más herramientas y beneficios economicos a la hora de desarrollar software.</a:t>
                       </a:r>
-                      <a:endParaRPr lang="es-CO" sz="2800" strike="noStrike">
+                      <a:endParaRPr lang="es-ES_tradnl" sz="1600" dirty="0" smtClean="0">
+                        <a:solidFill>
+                          <a:srgbClr val="000000"/>
+                        </a:solidFill>
+                        <a:effectLst/>
+                        <a:latin typeface="Calibri"/>
+                        <a:ea typeface="Calibri"/>
+                        <a:cs typeface="Calibri"/>
+                      </a:endParaRPr>
+                    </a:p>
+                    <a:p>
+                      <a:r>
+                        <a:rPr lang="es-CO" sz="1800" dirty="0" smtClean="0">
+                          <a:effectLst/>
+                          <a:latin typeface="Arial"/>
+                          <a:ea typeface="Arial"/>
+                          <a:cs typeface="Arial"/>
+                        </a:rPr>
+                        <a:t>Incrementar el reconocimiento de APRSOLUTIONSS como una marca de productos de software en Colombia.</a:t>
+                      </a:r>
+                      <a:r>
+                        <a:rPr lang="es-ES_tradnl" dirty="0" smtClean="0">
+                          <a:effectLst/>
+                        </a:rPr>
+                        <a:t> </a:t>
+                      </a:r>
+                      <a:endParaRPr lang="es-CO" sz="2800" strike="noStrike" dirty="0">
                         <a:effectLst/>
                       </a:endParaRPr>
                     </a:p>
@@ -8705,7 +6642,7 @@
                 </a:tc>
                 <a:extLst>
                   <a:ext uri="{0D108BD9-81ED-4DB2-BD59-A6C34878D82A}">
-                    <a16:rowId xmlns:a16="http://schemas.microsoft.com/office/drawing/2014/main" val="2210988487"/>
+                    <a16:rowId xmlns:a16="http://schemas.microsoft.com/office/drawing/2014/main" xmlns="" val="2210988487"/>
                   </a:ext>
                 </a:extLst>
               </a:tr>
@@ -8782,7 +6719,7 @@
                 </a:tc>
                 <a:extLst>
                   <a:ext uri="{0D108BD9-81ED-4DB2-BD59-A6C34878D82A}">
-                    <a16:rowId xmlns:a16="http://schemas.microsoft.com/office/drawing/2014/main" val="1338885914"/>
+                    <a16:rowId xmlns:a16="http://schemas.microsoft.com/office/drawing/2014/main" xmlns="" val="1338885914"/>
                   </a:ext>
                 </a:extLst>
               </a:tr>
@@ -8801,14 +6738,19 @@
                         </a:spcAft>
                       </a:pPr>
                       <a:r>
-                        <a:rPr lang="es-CO" sz="1800" b="0" i="0" u="none" strike="noStrike" dirty="0">
-                          <a:solidFill>
-                            <a:srgbClr val="000000"/>
-                          </a:solidFill>
+                        <a:rPr lang="es-CO" sz="1800" dirty="0" smtClean="0">
                           <a:effectLst/>
-                          <a:latin typeface="Arial" panose="020B0604020202020204" pitchFamily="34" charset="0"/>
+                          <a:latin typeface="Arial"/>
+                          <a:ea typeface="Arial"/>
+                          <a:cs typeface="Arial"/>
                         </a:rPr>
-                        <a:t>Como resultado de la ampliación en las herramienta tecnológicas se lograran implementar asistentes tecnológicos genéricos para cualquier tipo de empresa y en cualquier tipo de plataforma o dispositivo, llegando a más gente con mayor número de servicios.</a:t>
+                        <a:t>Como resultado se generara una linea de productos dedicados al desarrollo web en alianza con las mejores empresas de desarrollo de software en Colombia, apalancando el reconocimiento de la compañía no solo en  todo el pais.</a:t>
+                      </a:r>
+                      <a:r>
+                        <a:rPr lang="es-ES_tradnl" dirty="0" smtClean="0">
+                          <a:effectLst/>
+                        </a:rPr>
+                        <a:t> </a:t>
                       </a:r>
                       <a:endParaRPr lang="es-CO" sz="2800" strike="noStrike" dirty="0">
                         <a:effectLst/>
@@ -8856,7 +6798,7 @@
                 </a:tc>
                 <a:extLst>
                   <a:ext uri="{0D108BD9-81ED-4DB2-BD59-A6C34878D82A}">
-                    <a16:rowId xmlns:a16="http://schemas.microsoft.com/office/drawing/2014/main" val="1005504041"/>
+                    <a16:rowId xmlns:a16="http://schemas.microsoft.com/office/drawing/2014/main" xmlns="" val="1005504041"/>
                   </a:ext>
                 </a:extLst>
               </a:tr>
@@ -8886,14 +6828,14 @@
           </a:ln>
           <a:effectLst/>
           <a:extLst>
-            <a:ext uri="{909E8E84-426E-40DD-AFC4-6F175D3DCCD1}">
+            <a:ext uri="{909E8E84-426E-40dd-AFC4-6F175D3DCCD1}">
               <a14:hiddenFill xmlns:a14="http://schemas.microsoft.com/office/drawing/2010/main">
                 <a:solidFill>
                   <a:schemeClr val="accent1"/>
                 </a:solidFill>
               </a14:hiddenFill>
             </a:ext>
-            <a:ext uri="{91240B29-F687-4F45-9708-019B960494DF}">
+            <a:ext uri="{91240B29-F687-4f45-9708-019B960494DF}">
               <a14:hiddenLine xmlns:a14="http://schemas.microsoft.com/office/drawing/2010/main" w="9525">
                 <a:solidFill>
                   <a:schemeClr val="tx1"/>
@@ -8903,7 +6845,7 @@
                 <a:tailEnd/>
               </a14:hiddenLine>
             </a:ext>
-            <a:ext uri="{AF507438-7753-43E0-B8FC-AC1667EBCBE1}">
+            <a:ext uri="{AF507438-7753-43e0-B8FC-AC1667EBCBE1}">
               <a14:hiddenEffects xmlns:a14="http://schemas.microsoft.com/office/drawing/2010/main">
                 <a:effectLst>
                   <a:outerShdw dist="35921" dir="2700000" algn="ctr" rotWithShape="0">
@@ -9005,6 +6947,30 @@
           </a:p>
         </p:txBody>
       </p:sp>
+      <p:pic>
+        <p:nvPicPr>
+          <p:cNvPr id="6" name="Picture 4"/>
+          <p:cNvPicPr>
+            <a:picLocks noChangeAspect="1"/>
+          </p:cNvPicPr>
+          <p:nvPr/>
+        </p:nvPicPr>
+        <p:blipFill>
+          <a:blip r:embed="rId2"/>
+          <a:stretch>
+            <a:fillRect/>
+          </a:stretch>
+        </p:blipFill>
+        <p:spPr>
+          <a:xfrm>
+            <a:off x="10132543" y="5834628"/>
+            <a:ext cx="1792712" cy="675824"/>
+          </a:xfrm>
+          <a:prstGeom prst="rect">
+            <a:avLst/>
+          </a:prstGeom>
+        </p:spPr>
+      </p:pic>
     </p:spTree>
     <p:extLst>
       <p:ext uri="{BB962C8B-B14F-4D97-AF65-F5344CB8AC3E}">
@@ -9018,7 +6984,7 @@
   <p:timing>
     <p:tnLst>
       <p:par>
-        <p:cTn id="1" dur="indefinite" restart="never" nodeType="tmRoot"/>
+        <p:cTn xmlns:p14="http://schemas.microsoft.com/office/powerpoint/2010/main" id="1" dur="indefinite" restart="never" nodeType="tmRoot"/>
       </p:par>
     </p:tnLst>
   </p:timing>
@@ -9058,7 +7024,7 @@
           <a:lstStyle/>
           <a:p>
             <a:r>
-              <a:rPr lang="en-US" dirty="0" err="1" smtClean="0"/>
+              <a:rPr lang="en-US" dirty="0" smtClean="0"/>
               <a:t>Historia</a:t>
             </a:r>
             <a:endParaRPr lang="en-US" dirty="0"/>
@@ -9078,7 +7044,7 @@
         <p:spPr/>
         <p:txBody>
           <a:bodyPr>
-            <a:normAutofit lnSpcReduction="10000"/>
+            <a:normAutofit/>
           </a:bodyPr>
           <a:lstStyle/>
           <a:p>
@@ -9088,7 +7054,11 @@
             </a:r>
             <a:r>
               <a:rPr lang="es-CO" dirty="0" smtClean="0"/>
-              <a:t>auto atención, </a:t>
+              <a:t>auto-atención</a:t>
+            </a:r>
+            <a:r>
+              <a:rPr lang="es-CO" dirty="0" smtClean="0"/>
+              <a:t>, </a:t>
             </a:r>
             <a:r>
               <a:rPr lang="es-CO" dirty="0"/>
@@ -9114,8 +7084,8 @@
         </p:blipFill>
         <p:spPr>
           <a:xfrm>
-            <a:off x="670691" y="674323"/>
-            <a:ext cx="4275183" cy="1611676"/>
+            <a:off x="10132543" y="5834628"/>
+            <a:ext cx="1792712" cy="675824"/>
           </a:xfrm>
           <a:prstGeom prst="rect">
             <a:avLst/>
@@ -9135,7 +7105,7 @@
   <p:timing>
     <p:tnLst>
       <p:par>
-        <p:cTn id="1" dur="indefinite" restart="never" nodeType="tmRoot"/>
+        <p:cTn xmlns:p14="http://schemas.microsoft.com/office/powerpoint/2010/main" id="1" dur="indefinite" restart="never" nodeType="tmRoot"/>
       </p:par>
     </p:tnLst>
   </p:timing>
@@ -9205,6 +7175,30 @@
           </a:p>
         </p:txBody>
       </p:sp>
+      <p:pic>
+        <p:nvPicPr>
+          <p:cNvPr id="4" name="Picture 4"/>
+          <p:cNvPicPr>
+            <a:picLocks noChangeAspect="1"/>
+          </p:cNvPicPr>
+          <p:nvPr/>
+        </p:nvPicPr>
+        <p:blipFill>
+          <a:blip r:embed="rId2"/>
+          <a:stretch>
+            <a:fillRect/>
+          </a:stretch>
+        </p:blipFill>
+        <p:spPr>
+          <a:xfrm>
+            <a:off x="10132543" y="5834628"/>
+            <a:ext cx="1792712" cy="675824"/>
+          </a:xfrm>
+          <a:prstGeom prst="rect">
+            <a:avLst/>
+          </a:prstGeom>
+        </p:spPr>
+      </p:pic>
     </p:spTree>
     <p:extLst>
       <p:ext uri="{BB962C8B-B14F-4D97-AF65-F5344CB8AC3E}">
@@ -9218,7 +7212,7 @@
   <p:timing>
     <p:tnLst>
       <p:par>
-        <p:cTn id="1" dur="indefinite" restart="never" nodeType="tmRoot"/>
+        <p:cTn xmlns:p14="http://schemas.microsoft.com/office/powerpoint/2010/main" id="1" dur="indefinite" restart="never" nodeType="tmRoot"/>
       </p:par>
     </p:tnLst>
   </p:timing>
@@ -9288,6 +7282,30 @@
           </a:p>
         </p:txBody>
       </p:sp>
+      <p:pic>
+        <p:nvPicPr>
+          <p:cNvPr id="4" name="Picture 4"/>
+          <p:cNvPicPr>
+            <a:picLocks noChangeAspect="1"/>
+          </p:cNvPicPr>
+          <p:nvPr/>
+        </p:nvPicPr>
+        <p:blipFill>
+          <a:blip r:embed="rId2"/>
+          <a:stretch>
+            <a:fillRect/>
+          </a:stretch>
+        </p:blipFill>
+        <p:spPr>
+          <a:xfrm>
+            <a:off x="10132543" y="5834628"/>
+            <a:ext cx="1792712" cy="675824"/>
+          </a:xfrm>
+          <a:prstGeom prst="rect">
+            <a:avLst/>
+          </a:prstGeom>
+        </p:spPr>
+      </p:pic>
     </p:spTree>
     <p:extLst>
       <p:ext uri="{BB962C8B-B14F-4D97-AF65-F5344CB8AC3E}">
@@ -9301,7 +7319,7 @@
   <p:timing>
     <p:tnLst>
       <p:par>
-        <p:cTn id="1" dur="indefinite" restart="never" nodeType="tmRoot"/>
+        <p:cTn xmlns:p14="http://schemas.microsoft.com/office/powerpoint/2010/main" id="1" dur="indefinite" restart="never" nodeType="tmRoot"/>
       </p:par>
     </p:tnLst>
   </p:timing>
@@ -9382,6 +7400,30 @@
           </a:p>
         </p:txBody>
       </p:sp>
+      <p:pic>
+        <p:nvPicPr>
+          <p:cNvPr id="4" name="Picture 4"/>
+          <p:cNvPicPr>
+            <a:picLocks noChangeAspect="1"/>
+          </p:cNvPicPr>
+          <p:nvPr/>
+        </p:nvPicPr>
+        <p:blipFill>
+          <a:blip r:embed="rId2"/>
+          <a:stretch>
+            <a:fillRect/>
+          </a:stretch>
+        </p:blipFill>
+        <p:spPr>
+          <a:xfrm>
+            <a:off x="10132543" y="5834628"/>
+            <a:ext cx="1792712" cy="675824"/>
+          </a:xfrm>
+          <a:prstGeom prst="rect">
+            <a:avLst/>
+          </a:prstGeom>
+        </p:spPr>
+      </p:pic>
     </p:spTree>
     <p:extLst>
       <p:ext uri="{BB962C8B-B14F-4D97-AF65-F5344CB8AC3E}">
@@ -9395,7 +7437,7 @@
   <p:timing>
     <p:tnLst>
       <p:par>
-        <p:cTn id="1" dur="indefinite" restart="never" nodeType="tmRoot"/>
+        <p:cTn xmlns:p14="http://schemas.microsoft.com/office/powerpoint/2010/main" id="1" dur="indefinite" restart="never" nodeType="tmRoot"/>
       </p:par>
     </p:tnLst>
   </p:timing>
@@ -9461,6 +7503,30 @@
           </a:p>
         </p:txBody>
       </p:sp>
+      <p:pic>
+        <p:nvPicPr>
+          <p:cNvPr id="4" name="Picture 4"/>
+          <p:cNvPicPr>
+            <a:picLocks noChangeAspect="1"/>
+          </p:cNvPicPr>
+          <p:nvPr/>
+        </p:nvPicPr>
+        <p:blipFill>
+          <a:blip r:embed="rId2"/>
+          <a:stretch>
+            <a:fillRect/>
+          </a:stretch>
+        </p:blipFill>
+        <p:spPr>
+          <a:xfrm>
+            <a:off x="10132543" y="5834628"/>
+            <a:ext cx="1792712" cy="675824"/>
+          </a:xfrm>
+          <a:prstGeom prst="rect">
+            <a:avLst/>
+          </a:prstGeom>
+        </p:spPr>
+      </p:pic>
     </p:spTree>
     <p:extLst>
       <p:ext uri="{BB962C8B-B14F-4D97-AF65-F5344CB8AC3E}">
@@ -9474,7 +7540,7 @@
   <p:timing>
     <p:tnLst>
       <p:par>
-        <p:cTn id="1" dur="indefinite" restart="never" nodeType="tmRoot"/>
+        <p:cTn xmlns:p14="http://schemas.microsoft.com/office/powerpoint/2010/main" id="1" dur="indefinite" restart="never" nodeType="tmRoot"/>
       </p:par>
     </p:tnLst>
   </p:timing>
@@ -9482,59 +7548,6 @@
 </file>
 
 <file path=ppt/slides/slide7.xml><?xml version="1.0" encoding="utf-8"?>
-<p:sld xmlns:a="http://schemas.openxmlformats.org/drawingml/2006/main" xmlns:r="http://schemas.openxmlformats.org/officeDocument/2006/relationships" xmlns:p="http://schemas.openxmlformats.org/presentationml/2006/main">
-  <p:cSld>
-    <p:spTree>
-      <p:nvGrpSpPr>
-        <p:cNvPr id="1" name=""/>
-        <p:cNvGrpSpPr/>
-        <p:nvPr/>
-      </p:nvGrpSpPr>
-      <p:grpSpPr>
-        <a:xfrm>
-          <a:off x="0" y="0"/>
-          <a:ext cx="0" cy="0"/>
-          <a:chOff x="0" y="0"/>
-          <a:chExt cx="0" cy="0"/>
-        </a:xfrm>
-      </p:grpSpPr>
-      <p:pic>
-        <p:nvPicPr>
-          <p:cNvPr id="8" name="Imagen 7"/>
-          <p:cNvPicPr>
-            <a:picLocks noChangeAspect="1"/>
-          </p:cNvPicPr>
-          <p:nvPr/>
-        </p:nvPicPr>
-        <p:blipFill rotWithShape="1">
-          <a:blip r:embed="rId2"/>
-          <a:srcRect b="7738"/>
-          <a:stretch/>
-        </p:blipFill>
-        <p:spPr>
-          <a:xfrm>
-            <a:off x="2289742" y="757837"/>
-            <a:ext cx="8118269" cy="5400000"/>
-          </a:xfrm>
-          <a:prstGeom prst="rect">
-            <a:avLst/>
-          </a:prstGeom>
-        </p:spPr>
-      </p:pic>
-    </p:spTree>
-    <p:extLst>
-      <p:ext uri="{BB962C8B-B14F-4D97-AF65-F5344CB8AC3E}">
-        <p14:creationId xmlns:p14="http://schemas.microsoft.com/office/powerpoint/2010/main" val="3400469823"/>
-      </p:ext>
-    </p:extLst>
-  </p:cSld>
-  <p:clrMapOvr>
-    <a:masterClrMapping/>
-  </p:clrMapOvr>
-</p:sld>
-</file>
-
-<file path=ppt/slides/slide8.xml><?xml version="1.0" encoding="utf-8"?>
 <p:sld xmlns:a="http://schemas.openxmlformats.org/drawingml/2006/main" xmlns:r="http://schemas.openxmlformats.org/officeDocument/2006/relationships" xmlns:p="http://schemas.openxmlformats.org/presentationml/2006/main">
   <p:cSld>
     <p:spTree>
@@ -9575,6 +7588,30 @@
           </a:prstGeom>
         </p:spPr>
       </p:pic>
+      <p:pic>
+        <p:nvPicPr>
+          <p:cNvPr id="3" name="Picture 4"/>
+          <p:cNvPicPr>
+            <a:picLocks noChangeAspect="1"/>
+          </p:cNvPicPr>
+          <p:nvPr/>
+        </p:nvPicPr>
+        <p:blipFill>
+          <a:blip r:embed="rId3"/>
+          <a:stretch>
+            <a:fillRect/>
+          </a:stretch>
+        </p:blipFill>
+        <p:spPr>
+          <a:xfrm>
+            <a:off x="10132543" y="5834628"/>
+            <a:ext cx="1792712" cy="675824"/>
+          </a:xfrm>
+          <a:prstGeom prst="rect">
+            <a:avLst/>
+          </a:prstGeom>
+        </p:spPr>
+      </p:pic>
     </p:spTree>
     <p:extLst>
       <p:ext uri="{BB962C8B-B14F-4D97-AF65-F5344CB8AC3E}">
@@ -9588,14 +7625,14 @@
   <p:timing>
     <p:tnLst>
       <p:par>
-        <p:cTn id="1" dur="indefinite" restart="never" nodeType="tmRoot"/>
+        <p:cTn xmlns:p14="http://schemas.microsoft.com/office/powerpoint/2010/main" id="1" dur="indefinite" restart="never" nodeType="tmRoot"/>
       </p:par>
     </p:tnLst>
   </p:timing>
 </p:sld>
 </file>
 
-<file path=ppt/slides/slide9.xml><?xml version="1.0" encoding="utf-8"?>
+<file path=ppt/slides/slide8.xml><?xml version="1.0" encoding="utf-8"?>
 <p:sld xmlns:a="http://schemas.openxmlformats.org/drawingml/2006/main" xmlns:r="http://schemas.openxmlformats.org/officeDocument/2006/relationships" xmlns:p="http://schemas.openxmlformats.org/presentationml/2006/main">
   <p:cSld>
     <p:spTree>
@@ -9636,6 +7673,30 @@
           </a:prstGeom>
         </p:spPr>
       </p:pic>
+      <p:pic>
+        <p:nvPicPr>
+          <p:cNvPr id="4" name="Picture 4"/>
+          <p:cNvPicPr>
+            <a:picLocks noChangeAspect="1"/>
+          </p:cNvPicPr>
+          <p:nvPr/>
+        </p:nvPicPr>
+        <p:blipFill>
+          <a:blip r:embed="rId3"/>
+          <a:stretch>
+            <a:fillRect/>
+          </a:stretch>
+        </p:blipFill>
+        <p:spPr>
+          <a:xfrm>
+            <a:off x="10132543" y="5834628"/>
+            <a:ext cx="1792712" cy="675824"/>
+          </a:xfrm>
+          <a:prstGeom prst="rect">
+            <a:avLst/>
+          </a:prstGeom>
+        </p:spPr>
+      </p:pic>
     </p:spTree>
     <p:extLst>
       <p:ext uri="{BB962C8B-B14F-4D97-AF65-F5344CB8AC3E}">
@@ -9649,7 +7710,92 @@
   <p:timing>
     <p:tnLst>
       <p:par>
-        <p:cTn id="1" dur="indefinite" restart="never" nodeType="tmRoot"/>
+        <p:cTn xmlns:p14="http://schemas.microsoft.com/office/powerpoint/2010/main" id="1" dur="indefinite" restart="never" nodeType="tmRoot"/>
+      </p:par>
+    </p:tnLst>
+  </p:timing>
+</p:sld>
+</file>
+
+<file path=ppt/slides/slide9.xml><?xml version="1.0" encoding="utf-8"?>
+<p:sld xmlns:a="http://schemas.openxmlformats.org/drawingml/2006/main" xmlns:r="http://schemas.openxmlformats.org/officeDocument/2006/relationships" xmlns:p="http://schemas.openxmlformats.org/presentationml/2006/main">
+  <p:cSld>
+    <p:spTree>
+      <p:nvGrpSpPr>
+        <p:cNvPr id="1" name=""/>
+        <p:cNvGrpSpPr/>
+        <p:nvPr/>
+      </p:nvGrpSpPr>
+      <p:grpSpPr>
+        <a:xfrm>
+          <a:off x="0" y="0"/>
+          <a:ext cx="0" cy="0"/>
+          <a:chOff x="0" y="0"/>
+          <a:chExt cx="0" cy="0"/>
+        </a:xfrm>
+      </p:grpSpPr>
+      <p:pic>
+        <p:nvPicPr>
+          <p:cNvPr id="3" name="Imagen 2"/>
+          <p:cNvPicPr>
+            <a:picLocks noChangeAspect="1"/>
+          </p:cNvPicPr>
+          <p:nvPr/>
+        </p:nvPicPr>
+        <p:blipFill>
+          <a:blip r:embed="rId2"/>
+          <a:stretch>
+            <a:fillRect/>
+          </a:stretch>
+        </p:blipFill>
+        <p:spPr>
+          <a:xfrm>
+            <a:off x="983632" y="2909886"/>
+            <a:ext cx="10229946" cy="1224000"/>
+          </a:xfrm>
+          <a:prstGeom prst="rect">
+            <a:avLst/>
+          </a:prstGeom>
+        </p:spPr>
+      </p:pic>
+      <p:pic>
+        <p:nvPicPr>
+          <p:cNvPr id="4" name="Picture 4"/>
+          <p:cNvPicPr>
+            <a:picLocks noChangeAspect="1"/>
+          </p:cNvPicPr>
+          <p:nvPr/>
+        </p:nvPicPr>
+        <p:blipFill>
+          <a:blip r:embed="rId3"/>
+          <a:stretch>
+            <a:fillRect/>
+          </a:stretch>
+        </p:blipFill>
+        <p:spPr>
+          <a:xfrm>
+            <a:off x="10132543" y="5834628"/>
+            <a:ext cx="1792712" cy="675824"/>
+          </a:xfrm>
+          <a:prstGeom prst="rect">
+            <a:avLst/>
+          </a:prstGeom>
+        </p:spPr>
+      </p:pic>
+    </p:spTree>
+    <p:extLst>
+      <p:ext uri="{BB962C8B-B14F-4D97-AF65-F5344CB8AC3E}">
+        <p14:creationId xmlns:p14="http://schemas.microsoft.com/office/powerpoint/2010/main" val="3333363607"/>
+      </p:ext>
+    </p:extLst>
+  </p:cSld>
+  <p:clrMapOvr>
+    <a:masterClrMapping/>
+  </p:clrMapOvr>
+  <p:timing>
+    <p:tnLst>
+      <p:par>
+        <p:cTn xmlns:p14="http://schemas.microsoft.com/office/powerpoint/2010/main" id="1" dur="indefinite" restart="never" nodeType="tmRoot"/>
       </p:par>
     </p:tnLst>
   </p:timing>
@@ -9657,9 +7803,9 @@
 </file>
 
 <file path=ppt/theme/theme1.xml><?xml version="1.0" encoding="utf-8"?>
-<a:theme xmlns:a="http://schemas.openxmlformats.org/drawingml/2006/main" name="Organic">
+<a:theme xmlns:a="http://schemas.openxmlformats.org/drawingml/2006/main" name="NewsPrint">
   <a:themeElements>
-    <a:clrScheme name="Organic">
+    <a:clrScheme name="NewsPrint">
       <a:dk1>
         <a:sysClr val="windowText" lastClr="000000"/>
       </a:dk1>
@@ -9667,52 +7813,52 @@
         <a:sysClr val="window" lastClr="FFFFFF"/>
       </a:lt1>
       <a:dk2>
-        <a:srgbClr val="212121"/>
+        <a:srgbClr val="303030"/>
       </a:dk2>
       <a:lt2>
-        <a:srgbClr val="DADADA"/>
+        <a:srgbClr val="DEDEE0"/>
       </a:lt2>
       <a:accent1>
-        <a:srgbClr val="83992A"/>
+        <a:srgbClr val="AD0101"/>
       </a:accent1>
       <a:accent2>
-        <a:srgbClr val="3C9770"/>
+        <a:srgbClr val="726056"/>
       </a:accent2>
       <a:accent3>
-        <a:srgbClr val="44709D"/>
+        <a:srgbClr val="AC956E"/>
       </a:accent3>
       <a:accent4>
-        <a:srgbClr val="A23C33"/>
+        <a:srgbClr val="808DA9"/>
       </a:accent4>
       <a:accent5>
-        <a:srgbClr val="D97828"/>
+        <a:srgbClr val="424E5B"/>
       </a:accent5>
       <a:accent6>
-        <a:srgbClr val="DEB340"/>
+        <a:srgbClr val="730E00"/>
       </a:accent6>
       <a:hlink>
-        <a:srgbClr val="A8BF4D"/>
+        <a:srgbClr val="D26900"/>
       </a:hlink>
       <a:folHlink>
-        <a:srgbClr val="B4CA80"/>
+        <a:srgbClr val="D89243"/>
       </a:folHlink>
     </a:clrScheme>
-    <a:fontScheme name="Organic">
+    <a:fontScheme name="NewsPrint">
       <a:majorFont>
-        <a:latin typeface="Garamond" panose="02020404030301010803"/>
+        <a:latin typeface="Impact"/>
         <a:ea typeface=""/>
         <a:cs typeface=""/>
-        <a:font script="Jpan" typeface="ＭＳ Ｐゴシック"/>
-        <a:font script="Hang" typeface="돋움"/>
-        <a:font script="Hans" typeface="方正舒体"/>
+        <a:font script="Jpan" typeface="HGP創英角ｺﾞｼｯｸUB"/>
+        <a:font script="Hang" typeface="HY견고딕"/>
+        <a:font script="Hans" typeface="微软雅黑"/>
         <a:font script="Hant" typeface="微軟正黑體"/>
-        <a:font script="Arab" typeface="Arial"/>
-        <a:font script="Hebr" typeface="Arial"/>
-        <a:font script="Thai" typeface="Cordia New"/>
+        <a:font script="Arab" typeface="Tahoma"/>
+        <a:font script="Hebr" typeface="Tohoma"/>
+        <a:font script="Thai" typeface="Tahoma"/>
         <a:font script="Ethi" typeface="Nyala"/>
         <a:font script="Beng" typeface="Vrinda"/>
         <a:font script="Gujr" typeface="Shruti"/>
-        <a:font script="Khmr" typeface="DaunPenh"/>
+        <a:font script="Khmr" typeface="MoolBoran"/>
         <a:font script="Knda" typeface="Tunga"/>
         <a:font script="Guru" typeface="Raavi"/>
         <a:font script="Cans" typeface="Euphemia"/>
@@ -9729,17 +7875,17 @@
         <a:font script="Laoo" typeface="DokChampa"/>
         <a:font script="Sinh" typeface="Iskoola Pota"/>
         <a:font script="Mong" typeface="Mongolian Baiti"/>
-        <a:font script="Viet" typeface="Arial"/>
+        <a:font script="Viet" typeface="Times New Roman"/>
         <a:font script="Uigh" typeface="Microsoft Uighur"/>
         <a:font script="Geor" typeface="Sylfaen"/>
       </a:majorFont>
       <a:minorFont>
-        <a:latin typeface="Garamond" panose="02020404030301010803"/>
+        <a:latin typeface="Times New Roman"/>
         <a:ea typeface=""/>
         <a:cs typeface=""/>
         <a:font script="Jpan" typeface="ＭＳ Ｐ明朝"/>
         <a:font script="Hang" typeface="바탕"/>
-        <a:font script="Hans" typeface="方正舒体"/>
+        <a:font script="Hans" typeface="宋体"/>
         <a:font script="Hant" typeface="新細明體"/>
         <a:font script="Arab" typeface="Times New Roman"/>
         <a:font script="Hebr" typeface="Times New Roman"/>
@@ -9769,7 +7915,7 @@
         <a:font script="Geor" typeface="Sylfaen"/>
       </a:minorFont>
     </a:fontScheme>
-    <a:fmtScheme name="Organic">
+    <a:fmtScheme name="NewsPrint">
       <a:fillStyleLst>
         <a:solidFill>
           <a:schemeClr val="phClr"/>
@@ -9778,50 +7924,69 @@
           <a:gsLst>
             <a:gs pos="0">
               <a:schemeClr val="phClr">
-                <a:tint val="60000"/>
-                <a:lumMod val="110000"/>
+                <a:tint val="37000"/>
+                <a:hueMod val="100000"/>
+                <a:satMod val="200000"/>
+                <a:lumMod val="88000"/>
               </a:schemeClr>
             </a:gs>
             <a:gs pos="100000">
               <a:schemeClr val="phClr">
-                <a:tint val="82000"/>
+                <a:tint val="53000"/>
+                <a:shade val="100000"/>
+                <a:hueMod val="100000"/>
+                <a:satMod val="350000"/>
+                <a:lumMod val="79000"/>
               </a:schemeClr>
             </a:gs>
           </a:gsLst>
-          <a:lin ang="5400000" scaled="0"/>
+          <a:lin ang="5400000" scaled="1"/>
         </a:gradFill>
-        <a:blipFill>
-          <a:blip xmlns:r="http://schemas.openxmlformats.org/officeDocument/2006/relationships" r:embed="rId1">
-            <a:duotone>
+        <a:gradFill rotWithShape="1">
+          <a:gsLst>
+            <a:gs pos="0">
               <a:schemeClr val="phClr">
-                <a:shade val="74000"/>
-                <a:satMod val="130000"/>
+                <a:tint val="83000"/>
+                <a:shade val="100000"/>
+                <a:alpha val="100000"/>
+                <a:hueMod val="100000"/>
+                <a:satMod val="220000"/>
                 <a:lumMod val="90000"/>
               </a:schemeClr>
+            </a:gs>
+            <a:gs pos="76000">
               <a:schemeClr val="phClr">
-                <a:tint val="94000"/>
-                <a:satMod val="120000"/>
-                <a:lumMod val="104000"/>
+                <a:shade val="100000"/>
               </a:schemeClr>
-            </a:duotone>
-          </a:blip>
-          <a:tile tx="0" ty="0" sx="100000" sy="100000" flip="none" algn="tl"/>
-        </a:blipFill>
+            </a:gs>
+            <a:gs pos="100000">
+              <a:schemeClr val="phClr">
+                <a:shade val="93000"/>
+                <a:alpha val="100000"/>
+                <a:satMod val="100000"/>
+                <a:lumMod val="93000"/>
+              </a:schemeClr>
+            </a:gs>
+          </a:gsLst>
+          <a:path path="circle">
+            <a:fillToRect l="15000" t="15000" r="100000" b="100000"/>
+          </a:path>
+        </a:gradFill>
       </a:fillStyleLst>
       <a:lnStyleLst>
-        <a:ln w="9525" cap="flat" cmpd="sng" algn="ctr">
-          <a:solidFill>
-            <a:schemeClr val="phClr"/>
-          </a:solidFill>
-          <a:prstDash val="solid"/>
-        </a:ln>
         <a:ln w="15875" cap="flat" cmpd="sng" algn="ctr">
           <a:solidFill>
             <a:schemeClr val="phClr"/>
           </a:solidFill>
           <a:prstDash val="solid"/>
         </a:ln>
-        <a:ln w="25400" cap="flat" cmpd="sng" algn="ctr">
+        <a:ln w="22225" cap="flat" cmpd="sng" algn="ctr">
+          <a:solidFill>
+            <a:schemeClr val="phClr"/>
+          </a:solidFill>
+          <a:prstDash val="solid"/>
+        </a:ln>
+        <a:ln w="34925" cap="flat" cmpd="sng" algn="ctr">
           <a:solidFill>
             <a:schemeClr val="phClr"/>
           </a:solidFill>
@@ -9830,25 +7995,43 @@
       </a:lnStyleLst>
       <a:effectStyleLst>
         <a:effectStyle>
-          <a:effectLst/>
-        </a:effectStyle>
-        <a:effectStyle>
           <a:effectLst>
-            <a:innerShdw blurRad="25400" dist="12700" dir="13500000">
+            <a:outerShdw blurRad="50800" dist="12700" dir="5280000" rotWithShape="0">
               <a:srgbClr val="000000">
-                <a:alpha val="45000"/>
+                <a:alpha val="40000"/>
               </a:srgbClr>
-            </a:innerShdw>
+            </a:outerShdw>
           </a:effectLst>
         </a:effectStyle>
         <a:effectStyle>
           <a:effectLst>
-            <a:outerShdw blurRad="38100" dist="25400" dir="5400000" rotWithShape="0">
+            <a:outerShdw blurRad="38100" dist="38100" dir="5400000" rotWithShape="0">
               <a:srgbClr val="000000">
-                <a:alpha val="60000"/>
+                <a:alpha val="35000"/>
               </a:srgbClr>
             </a:outerShdw>
           </a:effectLst>
+        </a:effectStyle>
+        <a:effectStyle>
+          <a:effectLst>
+            <a:outerShdw blurRad="38100" dist="38100" dir="5400000" rotWithShape="0">
+              <a:srgbClr val="000000">
+                <a:alpha val="35000"/>
+              </a:srgbClr>
+            </a:outerShdw>
+          </a:effectLst>
+          <a:scene3d>
+            <a:camera prst="orthographicFront">
+              <a:rot lat="0" lon="0" rev="0"/>
+            </a:camera>
+            <a:lightRig rig="brightRoom" dir="tl"/>
+          </a:scene3d>
+          <a:sp3d contourW="12700">
+            <a:bevelT w="31750" h="12700"/>
+            <a:contourClr>
+              <a:schemeClr val="phClr"/>
+            </a:contourClr>
+          </a:sp3d>
         </a:effectStyle>
       </a:effectStyleLst>
       <a:bgFillStyleLst>
@@ -9859,21 +8042,31 @@
           <a:gsLst>
             <a:gs pos="0">
               <a:schemeClr val="phClr">
-                <a:tint val="90000"/>
-                <a:lumMod val="110000"/>
+                <a:tint val="93000"/>
               </a:schemeClr>
             </a:gs>
             <a:gs pos="100000">
               <a:schemeClr val="phClr">
-                <a:shade val="88000"/>
-                <a:lumMod val="98000"/>
+                <a:shade val="55000"/>
               </a:schemeClr>
             </a:gs>
           </a:gsLst>
-          <a:lin ang="5400000" scaled="0"/>
+          <a:lin ang="5400000" scaled="1"/>
         </a:gradFill>
-        <a:blipFill>
-          <a:blip xmlns:r="http://schemas.openxmlformats.org/officeDocument/2006/relationships" r:embed="rId2"/>
+        <a:blipFill rotWithShape="1">
+          <a:blip xmlns:r="http://schemas.openxmlformats.org/officeDocument/2006/relationships" r:embed="rId1">
+            <a:duotone>
+              <a:schemeClr val="phClr">
+                <a:shade val="20000"/>
+                <a:satMod val="350000"/>
+                <a:lumMod val="125000"/>
+              </a:schemeClr>
+              <a:schemeClr val="phClr">
+                <a:tint val="90000"/>
+                <a:satMod val="250000"/>
+              </a:schemeClr>
+            </a:duotone>
+          </a:blip>
           <a:stretch/>
         </a:blipFill>
       </a:bgFillStyleLst>
@@ -9881,10 +8074,5 @@
   </a:themeElements>
   <a:objectDefaults/>
   <a:extraClrSchemeLst/>
-  <a:extLst>
-    <a:ext uri="{05A4C25C-085E-4340-85A3-A5531E510DB2}">
-      <thm15:themeFamily xmlns:thm15="http://schemas.microsoft.com/office/thememl/2012/main" name="Organic" id="{28CDC826-8792-45C0-861B-85EB3ADEDA33}" vid="{7DAC20F1-423D-49E2-BD0B-50532748BAD0}"/>
-    </a:ext>
-  </a:extLst>
 </a:theme>
 </file>
--- a/co.AE_APRSOLUTIONSS/Presentation/APR Solutionss presentacion.pptx
+++ b/co.AE_APRSOLUTIONSS/Presentation/APR Solutionss presentacion.pptx
@@ -4,25 +4,30 @@
   <p:sldMasterIdLst>
     <p:sldMasterId id="2147483691" r:id="rId1"/>
   </p:sldMasterIdLst>
+  <p:notesMasterIdLst>
+    <p:notesMasterId r:id="rId22"/>
+  </p:notesMasterIdLst>
   <p:sldIdLst>
     <p:sldId id="256" r:id="rId2"/>
-    <p:sldId id="257" r:id="rId3"/>
-    <p:sldId id="258" r:id="rId4"/>
-    <p:sldId id="259" r:id="rId5"/>
-    <p:sldId id="260" r:id="rId6"/>
-    <p:sldId id="261" r:id="rId7"/>
-    <p:sldId id="262" r:id="rId8"/>
-    <p:sldId id="264" r:id="rId9"/>
-    <p:sldId id="265" r:id="rId10"/>
-    <p:sldId id="263" r:id="rId11"/>
-    <p:sldId id="267" r:id="rId12"/>
-    <p:sldId id="266" r:id="rId13"/>
-    <p:sldId id="272" r:id="rId14"/>
-    <p:sldId id="273" r:id="rId15"/>
-    <p:sldId id="268" r:id="rId16"/>
-    <p:sldId id="269" r:id="rId17"/>
-    <p:sldId id="270" r:id="rId18"/>
-    <p:sldId id="271" r:id="rId19"/>
+    <p:sldId id="258" r:id="rId3"/>
+    <p:sldId id="274" r:id="rId4"/>
+    <p:sldId id="261" r:id="rId5"/>
+    <p:sldId id="262" r:id="rId6"/>
+    <p:sldId id="264" r:id="rId7"/>
+    <p:sldId id="265" r:id="rId8"/>
+    <p:sldId id="263" r:id="rId9"/>
+    <p:sldId id="267" r:id="rId10"/>
+    <p:sldId id="266" r:id="rId11"/>
+    <p:sldId id="272" r:id="rId12"/>
+    <p:sldId id="273" r:id="rId13"/>
+    <p:sldId id="268" r:id="rId14"/>
+    <p:sldId id="269" r:id="rId15"/>
+    <p:sldId id="270" r:id="rId16"/>
+    <p:sldId id="271" r:id="rId17"/>
+    <p:sldId id="275" r:id="rId18"/>
+    <p:sldId id="278" r:id="rId19"/>
+    <p:sldId id="276" r:id="rId20"/>
+    <p:sldId id="277" r:id="rId21"/>
   </p:sldIdLst>
   <p:sldSz cx="12192000" cy="6858000"/>
   <p:notesSz cx="6858000" cy="9144000"/>
@@ -123,10 +128,371 @@
   </p:defaultTextStyle>
   <p:extLst>
     <p:ext uri="{EFAFB233-063F-42B5-8137-9DF3F51BA10A}">
-      <p15:sldGuideLst xmlns:p15="http://schemas.microsoft.com/office/powerpoint/2012/main" xmlns=""/>
+      <p15:sldGuideLst xmlns:p15="http://schemas.microsoft.com/office/powerpoint/2012/main">
+        <p15:guide id="1" orient="horz" pos="2160">
+          <p15:clr>
+            <a:srgbClr val="A4A3A4"/>
+          </p15:clr>
+        </p15:guide>
+        <p15:guide id="2" pos="3840">
+          <p15:clr>
+            <a:srgbClr val="A4A3A4"/>
+          </p15:clr>
+        </p15:guide>
+      </p15:sldGuideLst>
     </p:ext>
   </p:extLst>
 </p:presentation>
+</file>
+
+<file path=ppt/notesMasters/notesMaster1.xml><?xml version="1.0" encoding="utf-8"?>
+<p:notesMaster xmlns:a="http://schemas.openxmlformats.org/drawingml/2006/main" xmlns:r="http://schemas.openxmlformats.org/officeDocument/2006/relationships" xmlns:p="http://schemas.openxmlformats.org/presentationml/2006/main">
+  <p:cSld>
+    <p:bg>
+      <p:bgRef idx="1001">
+        <a:schemeClr val="bg1"/>
+      </p:bgRef>
+    </p:bg>
+    <p:spTree>
+      <p:nvGrpSpPr>
+        <p:cNvPr id="1" name=""/>
+        <p:cNvGrpSpPr/>
+        <p:nvPr/>
+      </p:nvGrpSpPr>
+      <p:grpSpPr>
+        <a:xfrm>
+          <a:off x="0" y="0"/>
+          <a:ext cx="0" cy="0"/>
+          <a:chOff x="0" y="0"/>
+          <a:chExt cx="0" cy="0"/>
+        </a:xfrm>
+      </p:grpSpPr>
+      <p:sp>
+        <p:nvSpPr>
+          <p:cNvPr id="2" name="Header Placeholder 1"/>
+          <p:cNvSpPr>
+            <a:spLocks noGrp="1"/>
+          </p:cNvSpPr>
+          <p:nvPr>
+            <p:ph type="hdr" sz="quarter"/>
+          </p:nvPr>
+        </p:nvSpPr>
+        <p:spPr>
+          <a:xfrm>
+            <a:off x="0" y="0"/>
+            <a:ext cx="2971800" cy="458788"/>
+          </a:xfrm>
+          <a:prstGeom prst="rect">
+            <a:avLst/>
+          </a:prstGeom>
+        </p:spPr>
+        <p:txBody>
+          <a:bodyPr vert="horz" lIns="91440" tIns="45720" rIns="91440" bIns="45720" rtlCol="0"/>
+          <a:lstStyle>
+            <a:lvl1pPr algn="l">
+              <a:defRPr sz="1200"/>
+            </a:lvl1pPr>
+          </a:lstStyle>
+          <a:p>
+            <a:endParaRPr lang="es-CO"/>
+          </a:p>
+        </p:txBody>
+      </p:sp>
+      <p:sp>
+        <p:nvSpPr>
+          <p:cNvPr id="3" name="Date Placeholder 2"/>
+          <p:cNvSpPr>
+            <a:spLocks noGrp="1"/>
+          </p:cNvSpPr>
+          <p:nvPr>
+            <p:ph type="dt" idx="1"/>
+          </p:nvPr>
+        </p:nvSpPr>
+        <p:spPr>
+          <a:xfrm>
+            <a:off x="3884613" y="0"/>
+            <a:ext cx="2971800" cy="458788"/>
+          </a:xfrm>
+          <a:prstGeom prst="rect">
+            <a:avLst/>
+          </a:prstGeom>
+        </p:spPr>
+        <p:txBody>
+          <a:bodyPr vert="horz" lIns="91440" tIns="45720" rIns="91440" bIns="45720" rtlCol="0"/>
+          <a:lstStyle>
+            <a:lvl1pPr algn="r">
+              <a:defRPr sz="1200"/>
+            </a:lvl1pPr>
+          </a:lstStyle>
+          <a:p>
+            <a:fld id="{14650A7D-9F6E-4791-AB7D-3D605EF01BB4}" type="datetimeFigureOut">
+              <a:rPr lang="es-CO" smtClean="0"/>
+              <a:t>12/05/2017</a:t>
+            </a:fld>
+            <a:endParaRPr lang="es-CO"/>
+          </a:p>
+        </p:txBody>
+      </p:sp>
+      <p:sp>
+        <p:nvSpPr>
+          <p:cNvPr id="4" name="Slide Image Placeholder 3"/>
+          <p:cNvSpPr>
+            <a:spLocks noGrp="1" noRot="1" noChangeAspect="1"/>
+          </p:cNvSpPr>
+          <p:nvPr>
+            <p:ph type="sldImg" idx="2"/>
+          </p:nvPr>
+        </p:nvSpPr>
+        <p:spPr>
+          <a:xfrm>
+            <a:off x="685800" y="1143000"/>
+            <a:ext cx="5486400" cy="3086100"/>
+          </a:xfrm>
+          <a:prstGeom prst="rect">
+            <a:avLst/>
+          </a:prstGeom>
+          <a:noFill/>
+          <a:ln w="12700">
+            <a:solidFill>
+              <a:prstClr val="black"/>
+            </a:solidFill>
+          </a:ln>
+        </p:spPr>
+        <p:txBody>
+          <a:bodyPr vert="horz" lIns="91440" tIns="45720" rIns="91440" bIns="45720" rtlCol="0" anchor="ctr"/>
+          <a:lstStyle/>
+          <a:p>
+            <a:endParaRPr lang="es-CO"/>
+          </a:p>
+        </p:txBody>
+      </p:sp>
+      <p:sp>
+        <p:nvSpPr>
+          <p:cNvPr id="5" name="Notes Placeholder 4"/>
+          <p:cNvSpPr>
+            <a:spLocks noGrp="1"/>
+          </p:cNvSpPr>
+          <p:nvPr>
+            <p:ph type="body" sz="quarter" idx="3"/>
+          </p:nvPr>
+        </p:nvSpPr>
+        <p:spPr>
+          <a:xfrm>
+            <a:off x="685800" y="4400550"/>
+            <a:ext cx="5486400" cy="3600450"/>
+          </a:xfrm>
+          <a:prstGeom prst="rect">
+            <a:avLst/>
+          </a:prstGeom>
+        </p:spPr>
+        <p:txBody>
+          <a:bodyPr vert="horz" lIns="91440" tIns="45720" rIns="91440" bIns="45720" rtlCol="0"/>
+          <a:lstStyle/>
+          <a:p>
+            <a:pPr lvl="0"/>
+            <a:r>
+              <a:rPr lang="en-US" smtClean="0"/>
+              <a:t>Edit Master text styles</a:t>
+            </a:r>
+          </a:p>
+          <a:p>
+            <a:pPr lvl="1"/>
+            <a:r>
+              <a:rPr lang="en-US" smtClean="0"/>
+              <a:t>Second level</a:t>
+            </a:r>
+          </a:p>
+          <a:p>
+            <a:pPr lvl="2"/>
+            <a:r>
+              <a:rPr lang="en-US" smtClean="0"/>
+              <a:t>Third level</a:t>
+            </a:r>
+          </a:p>
+          <a:p>
+            <a:pPr lvl="3"/>
+            <a:r>
+              <a:rPr lang="en-US" smtClean="0"/>
+              <a:t>Fourth level</a:t>
+            </a:r>
+          </a:p>
+          <a:p>
+            <a:pPr lvl="4"/>
+            <a:r>
+              <a:rPr lang="en-US" smtClean="0"/>
+              <a:t>Fifth level</a:t>
+            </a:r>
+            <a:endParaRPr lang="es-CO"/>
+          </a:p>
+        </p:txBody>
+      </p:sp>
+      <p:sp>
+        <p:nvSpPr>
+          <p:cNvPr id="6" name="Footer Placeholder 5"/>
+          <p:cNvSpPr>
+            <a:spLocks noGrp="1"/>
+          </p:cNvSpPr>
+          <p:nvPr>
+            <p:ph type="ftr" sz="quarter" idx="4"/>
+          </p:nvPr>
+        </p:nvSpPr>
+        <p:spPr>
+          <a:xfrm>
+            <a:off x="0" y="8685213"/>
+            <a:ext cx="2971800" cy="458787"/>
+          </a:xfrm>
+          <a:prstGeom prst="rect">
+            <a:avLst/>
+          </a:prstGeom>
+        </p:spPr>
+        <p:txBody>
+          <a:bodyPr vert="horz" lIns="91440" tIns="45720" rIns="91440" bIns="45720" rtlCol="0" anchor="b"/>
+          <a:lstStyle>
+            <a:lvl1pPr algn="l">
+              <a:defRPr sz="1200"/>
+            </a:lvl1pPr>
+          </a:lstStyle>
+          <a:p>
+            <a:endParaRPr lang="es-CO"/>
+          </a:p>
+        </p:txBody>
+      </p:sp>
+      <p:sp>
+        <p:nvSpPr>
+          <p:cNvPr id="7" name="Slide Number Placeholder 6"/>
+          <p:cNvSpPr>
+            <a:spLocks noGrp="1"/>
+          </p:cNvSpPr>
+          <p:nvPr>
+            <p:ph type="sldNum" sz="quarter" idx="5"/>
+          </p:nvPr>
+        </p:nvSpPr>
+        <p:spPr>
+          <a:xfrm>
+            <a:off x="3884613" y="8685213"/>
+            <a:ext cx="2971800" cy="458787"/>
+          </a:xfrm>
+          <a:prstGeom prst="rect">
+            <a:avLst/>
+          </a:prstGeom>
+        </p:spPr>
+        <p:txBody>
+          <a:bodyPr vert="horz" lIns="91440" tIns="45720" rIns="91440" bIns="45720" rtlCol="0" anchor="b"/>
+          <a:lstStyle>
+            <a:lvl1pPr algn="r">
+              <a:defRPr sz="1200"/>
+            </a:lvl1pPr>
+          </a:lstStyle>
+          <a:p>
+            <a:fld id="{CF599C2A-7F9E-4FC5-A33B-783070D4B7AA}" type="slidenum">
+              <a:rPr lang="es-CO" smtClean="0"/>
+              <a:t>‹#›</a:t>
+            </a:fld>
+            <a:endParaRPr lang="es-CO"/>
+          </a:p>
+        </p:txBody>
+      </p:sp>
+    </p:spTree>
+    <p:extLst>
+      <p:ext uri="{BB962C8B-B14F-4D97-AF65-F5344CB8AC3E}">
+        <p14:creationId xmlns:p14="http://schemas.microsoft.com/office/powerpoint/2010/main" val="2300526071"/>
+      </p:ext>
+    </p:extLst>
+  </p:cSld>
+  <p:clrMap bg1="lt1" tx1="dk1" bg2="lt2" tx2="dk2" accent1="accent1" accent2="accent2" accent3="accent3" accent4="accent4" accent5="accent5" accent6="accent6" hlink="hlink" folHlink="folHlink"/>
+  <p:notesStyle>
+    <a:lvl1pPr marL="0" algn="l" defTabSz="914400" rtl="0" eaLnBrk="1" latinLnBrk="0" hangingPunct="1">
+      <a:defRPr sz="1200" kern="1200">
+        <a:solidFill>
+          <a:schemeClr val="tx1"/>
+        </a:solidFill>
+        <a:latin typeface="+mn-lt"/>
+        <a:ea typeface="+mn-ea"/>
+        <a:cs typeface="+mn-cs"/>
+      </a:defRPr>
+    </a:lvl1pPr>
+    <a:lvl2pPr marL="457200" algn="l" defTabSz="914400" rtl="0" eaLnBrk="1" latinLnBrk="0" hangingPunct="1">
+      <a:defRPr sz="1200" kern="1200">
+        <a:solidFill>
+          <a:schemeClr val="tx1"/>
+        </a:solidFill>
+        <a:latin typeface="+mn-lt"/>
+        <a:ea typeface="+mn-ea"/>
+        <a:cs typeface="+mn-cs"/>
+      </a:defRPr>
+    </a:lvl2pPr>
+    <a:lvl3pPr marL="914400" algn="l" defTabSz="914400" rtl="0" eaLnBrk="1" latinLnBrk="0" hangingPunct="1">
+      <a:defRPr sz="1200" kern="1200">
+        <a:solidFill>
+          <a:schemeClr val="tx1"/>
+        </a:solidFill>
+        <a:latin typeface="+mn-lt"/>
+        <a:ea typeface="+mn-ea"/>
+        <a:cs typeface="+mn-cs"/>
+      </a:defRPr>
+    </a:lvl3pPr>
+    <a:lvl4pPr marL="1371600" algn="l" defTabSz="914400" rtl="0" eaLnBrk="1" latinLnBrk="0" hangingPunct="1">
+      <a:defRPr sz="1200" kern="1200">
+        <a:solidFill>
+          <a:schemeClr val="tx1"/>
+        </a:solidFill>
+        <a:latin typeface="+mn-lt"/>
+        <a:ea typeface="+mn-ea"/>
+        <a:cs typeface="+mn-cs"/>
+      </a:defRPr>
+    </a:lvl4pPr>
+    <a:lvl5pPr marL="1828800" algn="l" defTabSz="914400" rtl="0" eaLnBrk="1" latinLnBrk="0" hangingPunct="1">
+      <a:defRPr sz="1200" kern="1200">
+        <a:solidFill>
+          <a:schemeClr val="tx1"/>
+        </a:solidFill>
+        <a:latin typeface="+mn-lt"/>
+        <a:ea typeface="+mn-ea"/>
+        <a:cs typeface="+mn-cs"/>
+      </a:defRPr>
+    </a:lvl5pPr>
+    <a:lvl6pPr marL="2286000" algn="l" defTabSz="914400" rtl="0" eaLnBrk="1" latinLnBrk="0" hangingPunct="1">
+      <a:defRPr sz="1200" kern="1200">
+        <a:solidFill>
+          <a:schemeClr val="tx1"/>
+        </a:solidFill>
+        <a:latin typeface="+mn-lt"/>
+        <a:ea typeface="+mn-ea"/>
+        <a:cs typeface="+mn-cs"/>
+      </a:defRPr>
+    </a:lvl6pPr>
+    <a:lvl7pPr marL="2743200" algn="l" defTabSz="914400" rtl="0" eaLnBrk="1" latinLnBrk="0" hangingPunct="1">
+      <a:defRPr sz="1200" kern="1200">
+        <a:solidFill>
+          <a:schemeClr val="tx1"/>
+        </a:solidFill>
+        <a:latin typeface="+mn-lt"/>
+        <a:ea typeface="+mn-ea"/>
+        <a:cs typeface="+mn-cs"/>
+      </a:defRPr>
+    </a:lvl7pPr>
+    <a:lvl8pPr marL="3200400" algn="l" defTabSz="914400" rtl="0" eaLnBrk="1" latinLnBrk="0" hangingPunct="1">
+      <a:defRPr sz="1200" kern="1200">
+        <a:solidFill>
+          <a:schemeClr val="tx1"/>
+        </a:solidFill>
+        <a:latin typeface="+mn-lt"/>
+        <a:ea typeface="+mn-ea"/>
+        <a:cs typeface="+mn-cs"/>
+      </a:defRPr>
+    </a:lvl8pPr>
+    <a:lvl9pPr marL="3657600" algn="l" defTabSz="914400" rtl="0" eaLnBrk="1" latinLnBrk="0" hangingPunct="1">
+      <a:defRPr sz="1200" kern="1200">
+        <a:solidFill>
+          <a:schemeClr val="tx1"/>
+        </a:solidFill>
+        <a:latin typeface="+mn-lt"/>
+        <a:ea typeface="+mn-ea"/>
+        <a:cs typeface="+mn-cs"/>
+      </a:defRPr>
+    </a:lvl9pPr>
+  </p:notesStyle>
+</p:notesMaster>
 </file>
 
 <file path=ppt/slideLayouts/slideLayout1.xml><?xml version="1.0" encoding="utf-8"?>
@@ -359,7 +725,7 @@
           <a:p>
             <a:fld id="{81C75E76-9F89-4757-915C-0C704E49CD7E}" type="datetimeFigureOut">
               <a:rPr lang="en-US" smtClean="0"/>
-              <a:t>11/05/17</a:t>
+              <a:t>5/12/2017</a:t>
             </a:fld>
             <a:endParaRPr lang="en-US"/>
           </a:p>
@@ -401,7 +767,7 @@
           <a:p>
             <a:fld id="{DA1842C8-1095-4A6A-B921-31DFA631D9F9}" type="slidenum">
               <a:rPr lang="en-US" smtClean="0"/>
-              <a:t>‹Nr.›</a:t>
+              <a:t>‹#›</a:t>
             </a:fld>
             <a:endParaRPr lang="en-US"/>
           </a:p>
@@ -572,7 +938,7 @@
           <a:p>
             <a:fld id="{81C75E76-9F89-4757-915C-0C704E49CD7E}" type="datetimeFigureOut">
               <a:rPr lang="en-US" smtClean="0"/>
-              <a:t>11/05/17</a:t>
+              <a:t>5/12/2017</a:t>
             </a:fld>
             <a:endParaRPr lang="en-US"/>
           </a:p>
@@ -614,7 +980,7 @@
           <a:p>
             <a:fld id="{DA1842C8-1095-4A6A-B921-31DFA631D9F9}" type="slidenum">
               <a:rPr lang="en-US" smtClean="0"/>
-              <a:t>‹Nr.›</a:t>
+              <a:t>‹#›</a:t>
             </a:fld>
             <a:endParaRPr lang="en-US"/>
           </a:p>
@@ -747,7 +1113,7 @@
           <a:p>
             <a:fld id="{81C75E76-9F89-4757-915C-0C704E49CD7E}" type="datetimeFigureOut">
               <a:rPr lang="en-US" smtClean="0"/>
-              <a:t>11/05/17</a:t>
+              <a:t>5/12/2017</a:t>
             </a:fld>
             <a:endParaRPr lang="en-US"/>
           </a:p>
@@ -789,7 +1155,7 @@
           <a:p>
             <a:fld id="{DA1842C8-1095-4A6A-B921-31DFA631D9F9}" type="slidenum">
               <a:rPr lang="en-US" smtClean="0"/>
-              <a:t>‹Nr.›</a:t>
+              <a:t>‹#›</a:t>
             </a:fld>
             <a:endParaRPr lang="en-US"/>
           </a:p>
@@ -912,7 +1278,7 @@
           <a:p>
             <a:fld id="{81C75E76-9F89-4757-915C-0C704E49CD7E}" type="datetimeFigureOut">
               <a:rPr lang="en-US" smtClean="0"/>
-              <a:t>11/05/17</a:t>
+              <a:t>5/12/2017</a:t>
             </a:fld>
             <a:endParaRPr lang="en-US"/>
           </a:p>
@@ -954,7 +1320,7 @@
           <a:p>
             <a:fld id="{DA1842C8-1095-4A6A-B921-31DFA631D9F9}" type="slidenum">
               <a:rPr lang="en-US" smtClean="0"/>
-              <a:t>‹Nr.›</a:t>
+              <a:t>‹#›</a:t>
             </a:fld>
             <a:endParaRPr lang="en-US"/>
           </a:p>
@@ -1196,7 +1562,7 @@
           <a:p>
             <a:fld id="{81C75E76-9F89-4757-915C-0C704E49CD7E}" type="datetimeFigureOut">
               <a:rPr lang="en-US" smtClean="0"/>
-              <a:t>11/05/17</a:t>
+              <a:t>5/12/2017</a:t>
             </a:fld>
             <a:endParaRPr lang="en-US"/>
           </a:p>
@@ -1238,7 +1604,7 @@
           <a:p>
             <a:fld id="{DA1842C8-1095-4A6A-B921-31DFA631D9F9}" type="slidenum">
               <a:rPr lang="en-US" smtClean="0"/>
-              <a:t>‹Nr.›</a:t>
+              <a:t>‹#›</a:t>
             </a:fld>
             <a:endParaRPr lang="en-US"/>
           </a:p>
@@ -1522,7 +1888,7 @@
           <a:p>
             <a:fld id="{81C75E76-9F89-4757-915C-0C704E49CD7E}" type="datetimeFigureOut">
               <a:rPr lang="en-US" smtClean="0"/>
-              <a:t>11/05/17</a:t>
+              <a:t>5/12/2017</a:t>
             </a:fld>
             <a:endParaRPr lang="en-US"/>
           </a:p>
@@ -1564,7 +1930,7 @@
           <a:p>
             <a:fld id="{DA1842C8-1095-4A6A-B921-31DFA631D9F9}" type="slidenum">
               <a:rPr lang="en-US" smtClean="0"/>
-              <a:t>‹Nr.›</a:t>
+              <a:t>‹#›</a:t>
             </a:fld>
             <a:endParaRPr lang="en-US"/>
           </a:p>
@@ -1947,7 +2313,7 @@
           <a:p>
             <a:fld id="{81C75E76-9F89-4757-915C-0C704E49CD7E}" type="datetimeFigureOut">
               <a:rPr lang="en-US" smtClean="0"/>
-              <a:t>11/05/17</a:t>
+              <a:t>5/12/2017</a:t>
             </a:fld>
             <a:endParaRPr lang="en-US"/>
           </a:p>
@@ -1989,7 +2355,7 @@
           <a:p>
             <a:fld id="{DA1842C8-1095-4A6A-B921-31DFA631D9F9}" type="slidenum">
               <a:rPr lang="en-US" smtClean="0"/>
-              <a:t>‹Nr.›</a:t>
+              <a:t>‹#›</a:t>
             </a:fld>
             <a:endParaRPr lang="en-US"/>
           </a:p>
@@ -2120,7 +2486,7 @@
           <a:p>
             <a:fld id="{81C75E76-9F89-4757-915C-0C704E49CD7E}" type="datetimeFigureOut">
               <a:rPr lang="en-US" smtClean="0"/>
-              <a:t>11/05/17</a:t>
+              <a:t>5/12/2017</a:t>
             </a:fld>
             <a:endParaRPr lang="en-US"/>
           </a:p>
@@ -2162,7 +2528,7 @@
           <a:p>
             <a:fld id="{DA1842C8-1095-4A6A-B921-31DFA631D9F9}" type="slidenum">
               <a:rPr lang="en-US" smtClean="0"/>
-              <a:t>‹Nr.›</a:t>
+              <a:t>‹#›</a:t>
             </a:fld>
             <a:endParaRPr lang="en-US"/>
           </a:p>
@@ -2210,7 +2576,7 @@
           <a:p>
             <a:fld id="{81C75E76-9F89-4757-915C-0C704E49CD7E}" type="datetimeFigureOut">
               <a:rPr lang="en-US" smtClean="0"/>
-              <a:t>11/05/17</a:t>
+              <a:t>5/12/2017</a:t>
             </a:fld>
             <a:endParaRPr lang="en-US"/>
           </a:p>
@@ -2252,7 +2618,7 @@
           <a:p>
             <a:fld id="{DA1842C8-1095-4A6A-B921-31DFA631D9F9}" type="slidenum">
               <a:rPr lang="en-US" smtClean="0"/>
-              <a:t>‹Nr.›</a:t>
+              <a:t>‹#›</a:t>
             </a:fld>
             <a:endParaRPr lang="en-US"/>
           </a:p>
@@ -2490,7 +2856,7 @@
           <a:p>
             <a:fld id="{81C75E76-9F89-4757-915C-0C704E49CD7E}" type="datetimeFigureOut">
               <a:rPr lang="en-US" smtClean="0"/>
-              <a:t>11/05/17</a:t>
+              <a:t>5/12/2017</a:t>
             </a:fld>
             <a:endParaRPr lang="en-US"/>
           </a:p>
@@ -2532,7 +2898,7 @@
           <a:p>
             <a:fld id="{DA1842C8-1095-4A6A-B921-31DFA631D9F9}" type="slidenum">
               <a:rPr lang="en-US" smtClean="0"/>
-              <a:t>‹Nr.›</a:t>
+              <a:t>‹#›</a:t>
             </a:fld>
             <a:endParaRPr lang="en-US"/>
           </a:p>
@@ -2789,7 +3155,7 @@
           <a:p>
             <a:fld id="{81C75E76-9F89-4757-915C-0C704E49CD7E}" type="datetimeFigureOut">
               <a:rPr lang="en-US" smtClean="0"/>
-              <a:t>11/05/17</a:t>
+              <a:t>5/12/2017</a:t>
             </a:fld>
             <a:endParaRPr lang="en-US"/>
           </a:p>
@@ -2831,7 +3197,7 @@
           <a:p>
             <a:fld id="{DA1842C8-1095-4A6A-B921-31DFA631D9F9}" type="slidenum">
               <a:rPr lang="en-US" smtClean="0"/>
-              <a:t>‹Nr.›</a:t>
+              <a:t>‹#›</a:t>
             </a:fld>
             <a:endParaRPr lang="en-US"/>
           </a:p>
@@ -2999,7 +3365,7 @@
           <a:p>
             <a:fld id="{81C75E76-9F89-4757-915C-0C704E49CD7E}" type="datetimeFigureOut">
               <a:rPr lang="en-US" smtClean="0"/>
-              <a:t>11/05/17</a:t>
+              <a:t>5/12/2017</a:t>
             </a:fld>
             <a:endParaRPr lang="en-US"/>
           </a:p>
@@ -3080,7 +3446,7 @@
           <a:p>
             <a:fld id="{DA1842C8-1095-4A6A-B921-31DFA631D9F9}" type="slidenum">
               <a:rPr lang="en-US" smtClean="0"/>
-              <a:t>‹Nr.›</a:t>
+              <a:t>‹#›</a:t>
             </a:fld>
             <a:endParaRPr lang="en-US"/>
           </a:p>
@@ -3586,13 +3952,8 @@
           <a:p>
             <a:r>
               <a:rPr lang="en-US" dirty="0" smtClean="0"/>
-              <a:t>Alejandro </a:t>
-            </a:r>
-            <a:r>
-              <a:rPr lang="en-US" dirty="0" smtClean="0"/>
-              <a:t>Villarraga						AREM 2017-1</a:t>
-            </a:r>
-            <a:endParaRPr lang="en-US" dirty="0" smtClean="0"/>
+              <a:t>Alejandro Villarraga						AREM 2017-1</a:t>
+            </a:r>
           </a:p>
           <a:p>
             <a:r>
@@ -3720,7 +4081,7 @@
   <p:timing>
     <p:tnLst>
       <p:par>
-        <p:cTn xmlns:p14="http://schemas.microsoft.com/office/powerpoint/2010/main" id="1" dur="indefinite" restart="never" nodeType="tmRoot"/>
+        <p:cTn id="1" dur="indefinite" restart="never" nodeType="tmRoot"/>
       </p:par>
     </p:tnLst>
   </p:timing>
@@ -3728,243 +4089,6 @@
 </file>
 
 <file path=ppt/slides/slide10.xml><?xml version="1.0" encoding="utf-8"?>
-<p:sld xmlns:a="http://schemas.openxmlformats.org/drawingml/2006/main" xmlns:r="http://schemas.openxmlformats.org/officeDocument/2006/relationships" xmlns:p="http://schemas.openxmlformats.org/presentationml/2006/main">
-  <p:cSld>
-    <p:spTree>
-      <p:nvGrpSpPr>
-        <p:cNvPr id="1" name=""/>
-        <p:cNvGrpSpPr/>
-        <p:nvPr/>
-      </p:nvGrpSpPr>
-      <p:grpSpPr>
-        <a:xfrm>
-          <a:off x="0" y="0"/>
-          <a:ext cx="0" cy="0"/>
-          <a:chOff x="0" y="0"/>
-          <a:chExt cx="0" cy="0"/>
-        </a:xfrm>
-      </p:grpSpPr>
-      <p:sp>
-        <p:nvSpPr>
-          <p:cNvPr id="2" name="Title 1"/>
-          <p:cNvSpPr>
-            <a:spLocks noGrp="1"/>
-          </p:cNvSpPr>
-          <p:nvPr>
-            <p:ph type="title"/>
-          </p:nvPr>
-        </p:nvSpPr>
-        <p:spPr/>
-        <p:txBody>
-          <a:bodyPr/>
-          <a:lstStyle/>
-          <a:p>
-            <a:r>
-              <a:rPr lang="en-US" dirty="0" err="1" smtClean="0"/>
-              <a:t>StakeHolders</a:t>
-            </a:r>
-            <a:endParaRPr lang="en-US" dirty="0"/>
-          </a:p>
-        </p:txBody>
-      </p:sp>
-      <p:sp>
-        <p:nvSpPr>
-          <p:cNvPr id="3" name="Content Placeholder 2"/>
-          <p:cNvSpPr>
-            <a:spLocks noGrp="1"/>
-          </p:cNvSpPr>
-          <p:nvPr>
-            <p:ph idx="1"/>
-          </p:nvPr>
-        </p:nvSpPr>
-        <p:spPr/>
-        <p:txBody>
-          <a:bodyPr>
-            <a:normAutofit lnSpcReduction="10000"/>
-          </a:bodyPr>
-          <a:lstStyle/>
-          <a:p>
-            <a:pPr fontAlgn="base"/>
-            <a:r>
-              <a:rPr lang="es-CO" dirty="0"/>
-              <a:t>Javier Ricardo Granados López (CEO): siendo CEO de la compañía, es uno de los más interesados en estudios que se realicen para implementar tecnologías nuevas y beneficiosas para la organización, ya que es quien vela por el crecimiento continuo, la innovación en todas las áreas y el mejoramiento de los procesos.</a:t>
-            </a:r>
-          </a:p>
-          <a:p>
-            <a:pPr fontAlgn="base"/>
-            <a:r>
-              <a:rPr lang="es-CO" dirty="0"/>
-              <a:t>Dentro del marco de la implementación del proceso de desarrollo del prototipo, también se verá involucrado un cliente asignado para el prototipo para este caso una casa de desarrollo aliada </a:t>
-            </a:r>
-            <a:r>
-              <a:rPr lang="es-CO" dirty="0" err="1"/>
-              <a:t>TurriSystem</a:t>
-            </a:r>
-            <a:r>
-              <a:rPr lang="es-CO" dirty="0"/>
-              <a:t> LTDA.</a:t>
-            </a:r>
-          </a:p>
-          <a:p>
-            <a:pPr fontAlgn="base"/>
-            <a:r>
-              <a:rPr lang="es-CO" dirty="0"/>
-              <a:t>Empleados</a:t>
-            </a:r>
-          </a:p>
-          <a:p>
-            <a:pPr fontAlgn="base"/>
-            <a:r>
-              <a:rPr lang="es-CO" dirty="0"/>
-              <a:t>Proveedores</a:t>
-            </a:r>
-          </a:p>
-          <a:p>
-            <a:endParaRPr lang="en-US" dirty="0"/>
-          </a:p>
-        </p:txBody>
-      </p:sp>
-      <p:pic>
-        <p:nvPicPr>
-          <p:cNvPr id="4" name="Picture 4"/>
-          <p:cNvPicPr>
-            <a:picLocks noChangeAspect="1"/>
-          </p:cNvPicPr>
-          <p:nvPr/>
-        </p:nvPicPr>
-        <p:blipFill>
-          <a:blip r:embed="rId2"/>
-          <a:stretch>
-            <a:fillRect/>
-          </a:stretch>
-        </p:blipFill>
-        <p:spPr>
-          <a:xfrm>
-            <a:off x="10132543" y="5834628"/>
-            <a:ext cx="1792712" cy="675824"/>
-          </a:xfrm>
-          <a:prstGeom prst="rect">
-            <a:avLst/>
-          </a:prstGeom>
-        </p:spPr>
-      </p:pic>
-    </p:spTree>
-    <p:extLst>
-      <p:ext uri="{BB962C8B-B14F-4D97-AF65-F5344CB8AC3E}">
-        <p14:creationId xmlns:p14="http://schemas.microsoft.com/office/powerpoint/2010/main" val="26534353"/>
-      </p:ext>
-    </p:extLst>
-  </p:cSld>
-  <p:clrMapOvr>
-    <a:masterClrMapping/>
-  </p:clrMapOvr>
-  <p:timing>
-    <p:tnLst>
-      <p:par>
-        <p:cTn xmlns:p14="http://schemas.microsoft.com/office/powerpoint/2010/main" id="1" dur="indefinite" restart="never" nodeType="tmRoot"/>
-      </p:par>
-    </p:tnLst>
-  </p:timing>
-</p:sld>
-</file>
-
-<file path=ppt/slides/slide11.xml><?xml version="1.0" encoding="utf-8"?>
-<p:sld xmlns:a="http://schemas.openxmlformats.org/drawingml/2006/main" xmlns:r="http://schemas.openxmlformats.org/officeDocument/2006/relationships" xmlns:p="http://schemas.openxmlformats.org/presentationml/2006/main">
-  <p:cSld>
-    <p:spTree>
-      <p:nvGrpSpPr>
-        <p:cNvPr id="1" name=""/>
-        <p:cNvGrpSpPr/>
-        <p:nvPr/>
-      </p:nvGrpSpPr>
-      <p:grpSpPr>
-        <a:xfrm>
-          <a:off x="0" y="0"/>
-          <a:ext cx="0" cy="0"/>
-          <a:chOff x="0" y="0"/>
-          <a:chExt cx="0" cy="0"/>
-        </a:xfrm>
-      </p:grpSpPr>
-      <p:sp>
-        <p:nvSpPr>
-          <p:cNvPr id="2" name="Title 1"/>
-          <p:cNvSpPr>
-            <a:spLocks noGrp="1"/>
-          </p:cNvSpPr>
-          <p:nvPr>
-            <p:ph type="ctrTitle"/>
-          </p:nvPr>
-        </p:nvSpPr>
-        <p:spPr>
-          <a:xfrm>
-            <a:off x="2711448" y="1528231"/>
-            <a:ext cx="6815669" cy="2891369"/>
-          </a:xfrm>
-        </p:spPr>
-        <p:txBody>
-          <a:bodyPr/>
-          <a:lstStyle/>
-          <a:p>
-            <a:r>
-              <a:rPr lang="en-US" dirty="0" smtClean="0"/>
-              <a:t>MODELO OPERACIONAL</a:t>
-            </a:r>
-            <a:br>
-              <a:rPr lang="en-US" dirty="0" smtClean="0"/>
-            </a:br>
-            <a:r>
-              <a:rPr lang="en-US" dirty="0" smtClean="0"/>
-              <a:t>Base</a:t>
-            </a:r>
-            <a:endParaRPr lang="en-US" dirty="0"/>
-          </a:p>
-        </p:txBody>
-      </p:sp>
-      <p:pic>
-        <p:nvPicPr>
-          <p:cNvPr id="3" name="Picture 4"/>
-          <p:cNvPicPr>
-            <a:picLocks noChangeAspect="1"/>
-          </p:cNvPicPr>
-          <p:nvPr/>
-        </p:nvPicPr>
-        <p:blipFill>
-          <a:blip r:embed="rId2"/>
-          <a:stretch>
-            <a:fillRect/>
-          </a:stretch>
-        </p:blipFill>
-        <p:spPr>
-          <a:xfrm>
-            <a:off x="10132543" y="5834628"/>
-            <a:ext cx="1792712" cy="675824"/>
-          </a:xfrm>
-          <a:prstGeom prst="rect">
-            <a:avLst/>
-          </a:prstGeom>
-        </p:spPr>
-      </p:pic>
-    </p:spTree>
-    <p:extLst>
-      <p:ext uri="{BB962C8B-B14F-4D97-AF65-F5344CB8AC3E}">
-        <p14:creationId xmlns:p14="http://schemas.microsoft.com/office/powerpoint/2010/main" val="3002417542"/>
-      </p:ext>
-    </p:extLst>
-  </p:cSld>
-  <p:clrMapOvr>
-    <a:masterClrMapping/>
-  </p:clrMapOvr>
-  <p:timing>
-    <p:tnLst>
-      <p:par>
-        <p:cTn xmlns:p14="http://schemas.microsoft.com/office/powerpoint/2010/main" id="1" dur="indefinite" restart="never" nodeType="tmRoot"/>
-      </p:par>
-    </p:tnLst>
-  </p:timing>
-</p:sld>
-</file>
-
-<file path=ppt/slides/slide12.xml><?xml version="1.0" encoding="utf-8"?>
 <p:sld xmlns:a="http://schemas.openxmlformats.org/drawingml/2006/main" xmlns:r="http://schemas.openxmlformats.org/officeDocument/2006/relationships" xmlns:p="http://schemas.openxmlformats.org/presentationml/2006/main">
   <p:cSld>
     <p:spTree>
@@ -4051,14 +4175,14 @@
   <p:timing>
     <p:tnLst>
       <p:par>
-        <p:cTn xmlns:p14="http://schemas.microsoft.com/office/powerpoint/2010/main" id="1" dur="indefinite" restart="never" nodeType="tmRoot"/>
+        <p:cTn id="1" dur="indefinite" restart="never" nodeType="tmRoot"/>
       </p:par>
     </p:tnLst>
   </p:timing>
 </p:sld>
 </file>
 
-<file path=ppt/slides/slide13.xml><?xml version="1.0" encoding="utf-8"?>
+<file path=ppt/slides/slide11.xml><?xml version="1.0" encoding="utf-8"?>
 <p:sld xmlns:a="http://schemas.openxmlformats.org/drawingml/2006/main" xmlns:r="http://schemas.openxmlformats.org/officeDocument/2006/relationships" xmlns:p="http://schemas.openxmlformats.org/presentationml/2006/main">
   <p:cSld>
     <p:spTree>
@@ -4147,14 +4271,14 @@
   <p:timing>
     <p:tnLst>
       <p:par>
-        <p:cTn xmlns:p14="http://schemas.microsoft.com/office/powerpoint/2010/main" id="1" dur="indefinite" restart="never" nodeType="tmRoot"/>
+        <p:cTn id="1" dur="indefinite" restart="never" nodeType="tmRoot"/>
       </p:par>
     </p:tnLst>
   </p:timing>
 </p:sld>
 </file>
 
-<file path=ppt/slides/slide14.xml><?xml version="1.0" encoding="utf-8"?>
+<file path=ppt/slides/slide12.xml><?xml version="1.0" encoding="utf-8"?>
 <p:sld xmlns:a="http://schemas.openxmlformats.org/drawingml/2006/main" xmlns:r="http://schemas.openxmlformats.org/officeDocument/2006/relationships" xmlns:p="http://schemas.openxmlformats.org/presentationml/2006/main">
   <p:cSld>
     <p:spTree>
@@ -4241,14 +4365,14 @@
   <p:timing>
     <p:tnLst>
       <p:par>
-        <p:cTn xmlns:p14="http://schemas.microsoft.com/office/powerpoint/2010/main" id="1" dur="indefinite" restart="never" nodeType="tmRoot"/>
+        <p:cTn id="1" dur="indefinite" restart="never" nodeType="tmRoot"/>
       </p:par>
     </p:tnLst>
   </p:timing>
 </p:sld>
 </file>
 
-<file path=ppt/slides/slide15.xml><?xml version="1.0" encoding="utf-8"?>
+<file path=ppt/slides/slide13.xml><?xml version="1.0" encoding="utf-8"?>
 <p:sld xmlns:a="http://schemas.openxmlformats.org/drawingml/2006/main" xmlns:r="http://schemas.openxmlformats.org/officeDocument/2006/relationships" xmlns:p="http://schemas.openxmlformats.org/presentationml/2006/main">
   <p:cSld>
     <p:spTree>
@@ -4289,11 +4413,7 @@
             </a:br>
             <a:r>
               <a:rPr lang="en-US" dirty="0" smtClean="0"/>
-              <a:t>PORTAFOLIO </a:t>
-            </a:r>
-            <a:r>
-              <a:rPr lang="en-US" dirty="0" smtClean="0"/>
-              <a:t>DE PROYECTOS</a:t>
+              <a:t>PORTAFOLIO DE PROYECTOS</a:t>
             </a:r>
             <a:endParaRPr lang="en-US" dirty="0"/>
           </a:p>
@@ -4355,14 +4475,14 @@
   <p:timing>
     <p:tnLst>
       <p:par>
-        <p:cTn xmlns:p14="http://schemas.microsoft.com/office/powerpoint/2010/main" id="1" dur="indefinite" restart="never" nodeType="tmRoot"/>
+        <p:cTn id="1" dur="indefinite" restart="never" nodeType="tmRoot"/>
       </p:par>
     </p:tnLst>
   </p:timing>
 </p:sld>
 </file>
 
-<file path=ppt/slides/slide16.xml><?xml version="1.0" encoding="utf-8"?>
+<file path=ppt/slides/slide14.xml><?xml version="1.0" encoding="utf-8"?>
 <p:sld xmlns:a="http://schemas.openxmlformats.org/drawingml/2006/main" xmlns:r="http://schemas.openxmlformats.org/officeDocument/2006/relationships" xmlns:p="http://schemas.openxmlformats.org/presentationml/2006/main">
   <p:cSld>
     <p:spTree>
@@ -4388,13 +4508,13 @@
           <p:nvPr>
             <p:extLst>
               <p:ext uri="{D42A27DB-BD31-4B8C-83A1-F6EECF244321}">
-                <p14:modId xmlns:p14="http://schemas.microsoft.com/office/powerpoint/2010/main" val="3130318883"/>
+                <p14:modId xmlns:p14="http://schemas.microsoft.com/office/powerpoint/2010/main" val="2216040144"/>
               </p:ext>
             </p:extLst>
           </p:nvPr>
         </p:nvGraphicFramePr>
         <p:xfrm>
-          <a:off x="958286" y="728664"/>
+          <a:off x="938408" y="728664"/>
           <a:ext cx="10090714" cy="5348288"/>
         </p:xfrm>
         <a:graphic>
@@ -4405,7 +4525,7 @@
                 <a:gridCol w="10090714">
                   <a:extLst>
                     <a:ext uri="{9D8B030D-6E8A-4147-A177-3AD203B41FA5}">
-                      <a16:colId xmlns:a16="http://schemas.microsoft.com/office/drawing/2014/main" xmlns="" val="2893481789"/>
+                      <a16:colId xmlns:a16="http://schemas.microsoft.com/office/drawing/2014/main" val="2893481789"/>
                     </a:ext>
                   </a:extLst>
                 </a:gridCol>
@@ -4483,7 +4603,7 @@
                 </a:tc>
                 <a:extLst>
                   <a:ext uri="{0D108BD9-81ED-4DB2-BD59-A6C34878D82A}">
-                    <a16:rowId xmlns:a16="http://schemas.microsoft.com/office/drawing/2014/main" xmlns="" val="3556421374"/>
+                    <a16:rowId xmlns:a16="http://schemas.microsoft.com/office/drawing/2014/main" val="3556421374"/>
                   </a:ext>
                 </a:extLst>
               </a:tr>
@@ -4502,16 +4622,46 @@
                         </a:spcAft>
                       </a:pPr>
                       <a:r>
-                        <a:rPr lang="en-US" sz="1600" b="0" i="0" u="none" strike="noStrike">
+                        <a:rPr lang="en-US" sz="1600" b="0" i="0" u="none" strike="noStrike" dirty="0" err="1" smtClean="0">
                           <a:solidFill>
                             <a:srgbClr val="000000"/>
                           </a:solidFill>
                           <a:effectLst/>
                           <a:latin typeface="Arial" panose="020B0604020202020204" pitchFamily="34" charset="0"/>
                         </a:rPr>
-                        <a:t>Diversificación de mercado</a:t>
+                        <a:t>Diversificación</a:t>
                       </a:r>
-                      <a:endParaRPr lang="en-US" sz="2400">
+                      <a:r>
+                        <a:rPr lang="en-US" sz="1600" b="0" i="0" u="none" strike="noStrike" dirty="0" smtClean="0">
+                          <a:solidFill>
+                            <a:srgbClr val="000000"/>
+                          </a:solidFill>
+                          <a:effectLst/>
+                          <a:latin typeface="Arial" panose="020B0604020202020204" pitchFamily="34" charset="0"/>
+                        </a:rPr>
+                        <a:t> </a:t>
+                      </a:r>
+                      <a:r>
+                        <a:rPr lang="en-US" sz="1600" b="0" i="0" u="none" strike="noStrike" dirty="0">
+                          <a:solidFill>
+                            <a:srgbClr val="000000"/>
+                          </a:solidFill>
+                          <a:effectLst/>
+                          <a:latin typeface="Arial" panose="020B0604020202020204" pitchFamily="34" charset="0"/>
+                        </a:rPr>
+                        <a:t>de </a:t>
+                      </a:r>
+                      <a:r>
+                        <a:rPr lang="en-US" sz="1600" b="0" i="0" u="none" strike="noStrike" dirty="0" err="1" smtClean="0">
+                          <a:solidFill>
+                            <a:srgbClr val="000000"/>
+                          </a:solidFill>
+                          <a:effectLst/>
+                          <a:latin typeface="Arial" panose="020B0604020202020204" pitchFamily="34" charset="0"/>
+                        </a:rPr>
+                        <a:t>mercado</a:t>
+                      </a:r>
+                      <a:endParaRPr lang="en-US" sz="2400" dirty="0">
                         <a:effectLst/>
                       </a:endParaRPr>
                     </a:p>
@@ -4557,7 +4707,7 @@
                 </a:tc>
                 <a:extLst>
                   <a:ext uri="{0D108BD9-81ED-4DB2-BD59-A6C34878D82A}">
-                    <a16:rowId xmlns:a16="http://schemas.microsoft.com/office/drawing/2014/main" xmlns="" val="1360826072"/>
+                    <a16:rowId xmlns:a16="http://schemas.microsoft.com/office/drawing/2014/main" val="1360826072"/>
                   </a:ext>
                 </a:extLst>
               </a:tr>
@@ -4634,7 +4784,7 @@
                 </a:tc>
                 <a:extLst>
                   <a:ext uri="{0D108BD9-81ED-4DB2-BD59-A6C34878D82A}">
-                    <a16:rowId xmlns:a16="http://schemas.microsoft.com/office/drawing/2014/main" xmlns="" val="3671395017"/>
+                    <a16:rowId xmlns:a16="http://schemas.microsoft.com/office/drawing/2014/main" val="3671395017"/>
                   </a:ext>
                 </a:extLst>
               </a:tr>
@@ -4659,7 +4809,43 @@
                           <a:ea typeface="Arial"/>
                           <a:cs typeface="Arial"/>
                         </a:rPr>
-                        <a:t>Se buscará desarrollar un asistente inteligente generalizado para todo tipo de empresas, que cumpla con las especificaciones básicas que necesitan todas las empresas para su funcionamiento y además funcionalidades específicas según el sector al que pertenezca la empresa.</a:t>
+                        <a:t>Se buscará desarrollar un asistente inteligente generalizado para todo tipo de empresas, que cumpla con las especificaciones básicas que </a:t>
+                      </a:r>
+                      <a:r>
+                        <a:rPr lang="es-CO" sz="1600" dirty="0" smtClean="0">
+                          <a:effectLst/>
+                          <a:latin typeface="Arial"/>
+                          <a:ea typeface="Arial"/>
+                          <a:cs typeface="Arial"/>
+                        </a:rPr>
+                        <a:t>necesita cualquier</a:t>
+                      </a:r>
+                      <a:r>
+                        <a:rPr lang="es-CO" sz="1600" baseline="0" dirty="0" smtClean="0">
+                          <a:effectLst/>
+                          <a:latin typeface="Arial"/>
+                          <a:ea typeface="Arial"/>
+                          <a:cs typeface="Arial"/>
+                        </a:rPr>
+                        <a:t> organización </a:t>
+                      </a:r>
+                      <a:r>
+                        <a:rPr lang="es-CO" sz="1600" dirty="0" smtClean="0">
+                          <a:effectLst/>
+                          <a:latin typeface="Arial"/>
+                          <a:ea typeface="Arial"/>
+                          <a:cs typeface="Arial"/>
+                        </a:rPr>
+                        <a:t>para </a:t>
+                      </a:r>
+                      <a:r>
+                        <a:rPr lang="es-CO" sz="1600" dirty="0" smtClean="0">
+                          <a:effectLst/>
+                          <a:latin typeface="Arial"/>
+                          <a:ea typeface="Arial"/>
+                          <a:cs typeface="Arial"/>
+                        </a:rPr>
+                        <a:t>su funcionamiento y además funcionalidades específicas según el sector al que pertenezca la empresa.</a:t>
                       </a:r>
                       <a:r>
                         <a:rPr lang="es-ES_tradnl" sz="1600" dirty="0" smtClean="0">
@@ -4713,7 +4899,7 @@
                 </a:tc>
                 <a:extLst>
                   <a:ext uri="{0D108BD9-81ED-4DB2-BD59-A6C34878D82A}">
-                    <a16:rowId xmlns:a16="http://schemas.microsoft.com/office/drawing/2014/main" xmlns="" val="2746740704"/>
+                    <a16:rowId xmlns:a16="http://schemas.microsoft.com/office/drawing/2014/main" val="2746740704"/>
                   </a:ext>
                 </a:extLst>
               </a:tr>
@@ -4790,7 +4976,7 @@
                 </a:tc>
                 <a:extLst>
                   <a:ext uri="{0D108BD9-81ED-4DB2-BD59-A6C34878D82A}">
-                    <a16:rowId xmlns:a16="http://schemas.microsoft.com/office/drawing/2014/main" xmlns="" val="1829271253"/>
+                    <a16:rowId xmlns:a16="http://schemas.microsoft.com/office/drawing/2014/main" val="1829271253"/>
                   </a:ext>
                 </a:extLst>
               </a:tr>
@@ -4864,7 +5050,7 @@
                 </a:tc>
                 <a:extLst>
                   <a:ext uri="{0D108BD9-81ED-4DB2-BD59-A6C34878D82A}">
-                    <a16:rowId xmlns:a16="http://schemas.microsoft.com/office/drawing/2014/main" xmlns="" val="777610497"/>
+                    <a16:rowId xmlns:a16="http://schemas.microsoft.com/office/drawing/2014/main" val="777610497"/>
                   </a:ext>
                 </a:extLst>
               </a:tr>
@@ -4941,7 +5127,7 @@
                 </a:tc>
                 <a:extLst>
                   <a:ext uri="{0D108BD9-81ED-4DB2-BD59-A6C34878D82A}">
-                    <a16:rowId xmlns:a16="http://schemas.microsoft.com/office/drawing/2014/main" xmlns="" val="2144125273"/>
+                    <a16:rowId xmlns:a16="http://schemas.microsoft.com/office/drawing/2014/main" val="2144125273"/>
                   </a:ext>
                 </a:extLst>
               </a:tr>
@@ -4987,7 +5173,67 @@
                           <a:effectLst/>
                           <a:latin typeface="Arial" panose="020B0604020202020204" pitchFamily="34" charset="0"/>
                         </a:rPr>
-                        <a:t> se consolide como una de las mejores empresas tecnológicas del país en desarrollo de software inteligente.</a:t>
+                        <a:t> se consolide como </a:t>
+                      </a:r>
+                      <a:r>
+                        <a:rPr lang="es-CO" sz="1600" b="0" i="0" u="none" strike="noStrike" dirty="0" smtClean="0">
+                          <a:solidFill>
+                            <a:srgbClr val="000000"/>
+                          </a:solidFill>
+                          <a:effectLst/>
+                          <a:latin typeface="Arial" panose="020B0604020202020204" pitchFamily="34" charset="0"/>
+                        </a:rPr>
+                        <a:t>la mejor empresa tecnológica </a:t>
+                      </a:r>
+                      <a:r>
+                        <a:rPr lang="es-CO" sz="1600" b="0" i="0" u="none" strike="noStrike" dirty="0">
+                          <a:solidFill>
+                            <a:srgbClr val="000000"/>
+                          </a:solidFill>
+                          <a:effectLst/>
+                          <a:latin typeface="Arial" panose="020B0604020202020204" pitchFamily="34" charset="0"/>
+                        </a:rPr>
+                        <a:t>del país en desarrollo de software inteligente</a:t>
+                      </a:r>
+                      <a:r>
+                        <a:rPr lang="es-CO" sz="1600" b="0" i="0" u="none" strike="noStrike" dirty="0" smtClean="0">
+                          <a:solidFill>
+                            <a:srgbClr val="000000"/>
+                          </a:solidFill>
+                          <a:effectLst/>
+                          <a:latin typeface="Arial" panose="020B0604020202020204" pitchFamily="34" charset="0"/>
+                        </a:rPr>
+                        <a:t>.</a:t>
+                      </a:r>
+                    </a:p>
+                    <a:p>
+                      <a:pPr marL="101600" algn="just" rtl="0" fontAlgn="t">
+                        <a:spcBef>
+                          <a:spcPts val="0"/>
+                        </a:spcBef>
+                        <a:spcAft>
+                          <a:spcPts val="0"/>
+                        </a:spcAft>
+                      </a:pPr>
+                      <a:r>
+                        <a:rPr lang="es-CO" sz="1600" b="0" i="0" u="none" strike="noStrike" dirty="0" smtClean="0">
+                          <a:solidFill>
+                            <a:srgbClr val="000000"/>
+                          </a:solidFill>
+                          <a:effectLst/>
+                          <a:latin typeface="Arial" panose="020B0604020202020204" pitchFamily="34" charset="0"/>
+                        </a:rPr>
+                        <a:t>Corto plazo</a:t>
+                      </a:r>
+                      <a:r>
+                        <a:rPr lang="es-CO" sz="1600" b="0" i="0" u="none" strike="noStrike" baseline="0" dirty="0" smtClean="0">
+                          <a:solidFill>
+                            <a:srgbClr val="000000"/>
+                          </a:solidFill>
+                          <a:effectLst/>
+                          <a:latin typeface="Arial" panose="020B0604020202020204" pitchFamily="34" charset="0"/>
+                        </a:rPr>
+                        <a:t> – 1 año</a:t>
                       </a:r>
                       <a:endParaRPr lang="es-CO" sz="2400" dirty="0">
                         <a:effectLst/>
@@ -5035,7 +5281,7 @@
                 </a:tc>
                 <a:extLst>
                   <a:ext uri="{0D108BD9-81ED-4DB2-BD59-A6C34878D82A}">
-                    <a16:rowId xmlns:a16="http://schemas.microsoft.com/office/drawing/2014/main" xmlns="" val="2169493646"/>
+                    <a16:rowId xmlns:a16="http://schemas.microsoft.com/office/drawing/2014/main" val="2169493646"/>
                   </a:ext>
                 </a:extLst>
               </a:tr>
@@ -5066,14 +5312,14 @@
           <a:effectLst/>
           <a:extLst>
             <a:ext uri="{909E8E84-426E-40dd-AFC4-6F175D3DCCD1}">
-              <a14:hiddenFill xmlns:a14="http://schemas.microsoft.com/office/drawing/2010/main">
+              <a14:hiddenFill xmlns:a14="http://schemas.microsoft.com/office/drawing/2010/main" xmlns="">
                 <a:solidFill>
                   <a:schemeClr val="accent1"/>
                 </a:solidFill>
               </a14:hiddenFill>
             </a:ext>
             <a:ext uri="{91240B29-F687-4f45-9708-019B960494DF}">
-              <a14:hiddenLine xmlns:a14="http://schemas.microsoft.com/office/drawing/2010/main" w="9525">
+              <a14:hiddenLine xmlns:a14="http://schemas.microsoft.com/office/drawing/2010/main" xmlns="" w="9525">
                 <a:solidFill>
                   <a:schemeClr val="tx1"/>
                 </a:solidFill>
@@ -5083,7 +5329,7 @@
               </a14:hiddenLine>
             </a:ext>
             <a:ext uri="{AF507438-7753-43e0-B8FC-AC1667EBCBE1}">
-              <a14:hiddenEffects xmlns:a14="http://schemas.microsoft.com/office/drawing/2010/main">
+              <a14:hiddenEffects xmlns:a14="http://schemas.microsoft.com/office/drawing/2010/main" xmlns="">
                 <a:effectLst>
                   <a:outerShdw dist="35921" dir="2700000" algn="ctr" rotWithShape="0">
                     <a:schemeClr val="bg2"/>
@@ -5246,14 +5492,14 @@
   <p:timing>
     <p:tnLst>
       <p:par>
-        <p:cTn xmlns:p14="http://schemas.microsoft.com/office/powerpoint/2010/main" id="1" dur="indefinite" restart="never" nodeType="tmRoot"/>
+        <p:cTn id="1" dur="indefinite" restart="never" nodeType="tmRoot"/>
       </p:par>
     </p:tnLst>
   </p:timing>
 </p:sld>
 </file>
 
-<file path=ppt/slides/slide17.xml><?xml version="1.0" encoding="utf-8"?>
+<file path=ppt/slides/slide15.xml><?xml version="1.0" encoding="utf-8"?>
 <p:sld xmlns:a="http://schemas.openxmlformats.org/drawingml/2006/main" xmlns:r="http://schemas.openxmlformats.org/officeDocument/2006/relationships" xmlns:p="http://schemas.openxmlformats.org/presentationml/2006/main">
   <p:cSld>
     <p:spTree>
@@ -5279,14 +5525,14 @@
           <p:nvPr>
             <p:extLst>
               <p:ext uri="{D42A27DB-BD31-4B8C-83A1-F6EECF244321}">
-                <p14:modId xmlns:p14="http://schemas.microsoft.com/office/powerpoint/2010/main" val="931231763"/>
+                <p14:modId xmlns:p14="http://schemas.microsoft.com/office/powerpoint/2010/main" val="625372536"/>
               </p:ext>
             </p:extLst>
           </p:nvPr>
         </p:nvGraphicFramePr>
         <p:xfrm>
-          <a:off x="801073" y="805766"/>
-          <a:ext cx="10133627" cy="5183122"/>
+          <a:off x="1113045" y="651505"/>
+          <a:ext cx="10133627" cy="5183123"/>
         </p:xfrm>
         <a:graphic>
           <a:graphicData uri="http://schemas.openxmlformats.org/drawingml/2006/table">
@@ -5296,7 +5542,7 @@
                 <a:gridCol w="10133627">
                   <a:extLst>
                     <a:ext uri="{9D8B030D-6E8A-4147-A177-3AD203B41FA5}">
-                      <a16:colId xmlns:a16="http://schemas.microsoft.com/office/drawing/2014/main" xmlns="" val="475431895"/>
+                      <a16:colId xmlns:a16="http://schemas.microsoft.com/office/drawing/2014/main" val="475431895"/>
                     </a:ext>
                   </a:extLst>
                 </a:gridCol>
@@ -5374,7 +5620,7 @@
                 </a:tc>
                 <a:extLst>
                   <a:ext uri="{0D108BD9-81ED-4DB2-BD59-A6C34878D82A}">
-                    <a16:rowId xmlns:a16="http://schemas.microsoft.com/office/drawing/2014/main" xmlns="" val="242998774"/>
+                    <a16:rowId xmlns:a16="http://schemas.microsoft.com/office/drawing/2014/main" val="242998774"/>
                   </a:ext>
                 </a:extLst>
               </a:tr>
@@ -5448,7 +5694,7 @@
                 </a:tc>
                 <a:extLst>
                   <a:ext uri="{0D108BD9-81ED-4DB2-BD59-A6C34878D82A}">
-                    <a16:rowId xmlns:a16="http://schemas.microsoft.com/office/drawing/2014/main" xmlns="" val="4022796397"/>
+                    <a16:rowId xmlns:a16="http://schemas.microsoft.com/office/drawing/2014/main" val="4022796397"/>
                   </a:ext>
                 </a:extLst>
               </a:tr>
@@ -5525,7 +5771,7 @@
                 </a:tc>
                 <a:extLst>
                   <a:ext uri="{0D108BD9-81ED-4DB2-BD59-A6C34878D82A}">
-                    <a16:rowId xmlns:a16="http://schemas.microsoft.com/office/drawing/2014/main" xmlns="" val="22463983"/>
+                    <a16:rowId xmlns:a16="http://schemas.microsoft.com/office/drawing/2014/main" val="22463983"/>
                   </a:ext>
                 </a:extLst>
               </a:tr>
@@ -5607,7 +5853,7 @@
                 </a:tc>
                 <a:extLst>
                   <a:ext uri="{0D108BD9-81ED-4DB2-BD59-A6C34878D82A}">
-                    <a16:rowId xmlns:a16="http://schemas.microsoft.com/office/drawing/2014/main" xmlns="" val="3195110725"/>
+                    <a16:rowId xmlns:a16="http://schemas.microsoft.com/office/drawing/2014/main" val="3195110725"/>
                   </a:ext>
                 </a:extLst>
               </a:tr>
@@ -5626,7 +5872,7 @@
                         </a:spcAft>
                       </a:pPr>
                       <a:r>
-                        <a:rPr lang="en-US" sz="1600" b="1" i="0" u="none" strike="noStrike">
+                        <a:rPr lang="en-US" sz="1600" b="1" i="0" u="none" strike="noStrike" dirty="0" err="1">
                           <a:solidFill>
                             <a:srgbClr val="FFFFFF"/>
                           </a:solidFill>
@@ -5635,7 +5881,7 @@
                         </a:rPr>
                         <a:t>Objetivo</a:t>
                       </a:r>
-                      <a:endParaRPr lang="en-US" sz="2400">
+                      <a:endParaRPr lang="en-US" sz="2400" dirty="0">
                         <a:effectLst/>
                       </a:endParaRPr>
                     </a:p>
@@ -5684,7 +5930,7 @@
                 </a:tc>
                 <a:extLst>
                   <a:ext uri="{0D108BD9-81ED-4DB2-BD59-A6C34878D82A}">
-                    <a16:rowId xmlns:a16="http://schemas.microsoft.com/office/drawing/2014/main" xmlns="" val="277496932"/>
+                    <a16:rowId xmlns:a16="http://schemas.microsoft.com/office/drawing/2014/main" val="277496932"/>
                   </a:ext>
                 </a:extLst>
               </a:tr>
@@ -5760,7 +6006,7 @@
                 </a:tc>
                 <a:extLst>
                   <a:ext uri="{0D108BD9-81ED-4DB2-BD59-A6C34878D82A}">
-                    <a16:rowId xmlns:a16="http://schemas.microsoft.com/office/drawing/2014/main" xmlns="" val="4095319325"/>
+                    <a16:rowId xmlns:a16="http://schemas.microsoft.com/office/drawing/2014/main" val="4095319325"/>
                   </a:ext>
                 </a:extLst>
               </a:tr>
@@ -5779,16 +6025,26 @@
                         </a:spcAft>
                       </a:pPr>
                       <a:r>
-                        <a:rPr lang="en-US" sz="1600" b="1" i="0" u="none" strike="noStrike">
+                        <a:rPr lang="en-US" sz="1600" b="1" i="0" u="none" strike="noStrike" dirty="0" err="1">
                           <a:solidFill>
                             <a:srgbClr val="FFFFFF"/>
                           </a:solidFill>
                           <a:effectLst/>
                           <a:latin typeface="Arial" panose="020B0604020202020204" pitchFamily="34" charset="0"/>
                         </a:rPr>
-                        <a:t>Resultados </a:t>
+                        <a:t>Resultados</a:t>
                       </a:r>
-                      <a:endParaRPr lang="en-US" sz="2400">
+                      <a:r>
+                        <a:rPr lang="en-US" sz="1600" b="1" i="0" u="none" strike="noStrike" dirty="0">
+                          <a:solidFill>
+                            <a:srgbClr val="FFFFFF"/>
+                          </a:solidFill>
+                          <a:effectLst/>
+                          <a:latin typeface="Arial" panose="020B0604020202020204" pitchFamily="34" charset="0"/>
+                        </a:rPr>
+                        <a:t> </a:t>
+                      </a:r>
+                      <a:endParaRPr lang="en-US" sz="2400" dirty="0">
                         <a:effectLst/>
                       </a:endParaRPr>
                     </a:p>
@@ -5837,7 +6093,7 @@
                 </a:tc>
                 <a:extLst>
                   <a:ext uri="{0D108BD9-81ED-4DB2-BD59-A6C34878D82A}">
-                    <a16:rowId xmlns:a16="http://schemas.microsoft.com/office/drawing/2014/main" xmlns="" val="58610005"/>
+                    <a16:rowId xmlns:a16="http://schemas.microsoft.com/office/drawing/2014/main" val="58610005"/>
                   </a:ext>
                 </a:extLst>
               </a:tr>
@@ -5919,7 +6175,7 @@
                 </a:tc>
                 <a:extLst>
                   <a:ext uri="{0D108BD9-81ED-4DB2-BD59-A6C34878D82A}">
-                    <a16:rowId xmlns:a16="http://schemas.microsoft.com/office/drawing/2014/main" xmlns="" val="1412997470"/>
+                    <a16:rowId xmlns:a16="http://schemas.microsoft.com/office/drawing/2014/main" val="1412997470"/>
                   </a:ext>
                 </a:extLst>
               </a:tr>
@@ -5950,14 +6206,14 @@
           <a:effectLst/>
           <a:extLst>
             <a:ext uri="{909E8E84-426E-40dd-AFC4-6F175D3DCCD1}">
-              <a14:hiddenFill xmlns:a14="http://schemas.microsoft.com/office/drawing/2010/main">
+              <a14:hiddenFill xmlns:a14="http://schemas.microsoft.com/office/drawing/2010/main" xmlns="">
                 <a:solidFill>
                   <a:schemeClr val="accent1"/>
                 </a:solidFill>
               </a14:hiddenFill>
             </a:ext>
             <a:ext uri="{91240B29-F687-4f45-9708-019B960494DF}">
-              <a14:hiddenLine xmlns:a14="http://schemas.microsoft.com/office/drawing/2010/main" w="9525">
+              <a14:hiddenLine xmlns:a14="http://schemas.microsoft.com/office/drawing/2010/main" xmlns="" w="9525">
                 <a:solidFill>
                   <a:schemeClr val="tx1"/>
                 </a:solidFill>
@@ -5967,7 +6223,7 @@
               </a14:hiddenLine>
             </a:ext>
             <a:ext uri="{AF507438-7753-43e0-B8FC-AC1667EBCBE1}">
-              <a14:hiddenEffects xmlns:a14="http://schemas.microsoft.com/office/drawing/2010/main">
+              <a14:hiddenEffects xmlns:a14="http://schemas.microsoft.com/office/drawing/2010/main" xmlns="">
                 <a:effectLst>
                   <a:outerShdw dist="35921" dir="2700000" algn="ctr" rotWithShape="0">
                     <a:schemeClr val="bg2"/>
@@ -6105,14 +6361,14 @@
   <p:timing>
     <p:tnLst>
       <p:par>
-        <p:cTn xmlns:p14="http://schemas.microsoft.com/office/powerpoint/2010/main" id="1" dur="indefinite" restart="never" nodeType="tmRoot"/>
+        <p:cTn id="1" dur="indefinite" restart="never" nodeType="tmRoot"/>
       </p:par>
     </p:tnLst>
   </p:timing>
 </p:sld>
 </file>
 
-<file path=ppt/slides/slide18.xml><?xml version="1.0" encoding="utf-8"?>
+<file path=ppt/slides/slide16.xml><?xml version="1.0" encoding="utf-8"?>
 <p:sld xmlns:a="http://schemas.openxmlformats.org/drawingml/2006/main" xmlns:r="http://schemas.openxmlformats.org/officeDocument/2006/relationships" xmlns:p="http://schemas.openxmlformats.org/presentationml/2006/main">
   <p:cSld>
     <p:spTree>
@@ -6138,14 +6394,14 @@
           <p:nvPr>
             <p:extLst>
               <p:ext uri="{D42A27DB-BD31-4B8C-83A1-F6EECF244321}">
-                <p14:modId xmlns:p14="http://schemas.microsoft.com/office/powerpoint/2010/main" val="2955203450"/>
+                <p14:modId xmlns:p14="http://schemas.microsoft.com/office/powerpoint/2010/main" val="3797197756"/>
               </p:ext>
             </p:extLst>
           </p:nvPr>
         </p:nvGraphicFramePr>
         <p:xfrm>
-          <a:off x="858224" y="264618"/>
-          <a:ext cx="10438427" cy="6177927"/>
+          <a:off x="933528" y="124769"/>
+          <a:ext cx="10438427" cy="6177928"/>
         </p:xfrm>
         <a:graphic>
           <a:graphicData uri="http://schemas.openxmlformats.org/drawingml/2006/table">
@@ -6155,7 +6411,7 @@
                 <a:gridCol w="10438427">
                   <a:extLst>
                     <a:ext uri="{9D8B030D-6E8A-4147-A177-3AD203B41FA5}">
-                      <a16:colId xmlns:a16="http://schemas.microsoft.com/office/drawing/2014/main" xmlns="" val="3532478365"/>
+                      <a16:colId xmlns:a16="http://schemas.microsoft.com/office/drawing/2014/main" val="3532478365"/>
                     </a:ext>
                   </a:extLst>
                 </a:gridCol>
@@ -6233,7 +6489,7 @@
                 </a:tc>
                 <a:extLst>
                   <a:ext uri="{0D108BD9-81ED-4DB2-BD59-A6C34878D82A}">
-                    <a16:rowId xmlns:a16="http://schemas.microsoft.com/office/drawing/2014/main" xmlns="" val="1409421522"/>
+                    <a16:rowId xmlns:a16="http://schemas.microsoft.com/office/drawing/2014/main" val="1409421522"/>
                   </a:ext>
                 </a:extLst>
               </a:tr>
@@ -6307,7 +6563,7 @@
                 </a:tc>
                 <a:extLst>
                   <a:ext uri="{0D108BD9-81ED-4DB2-BD59-A6C34878D82A}">
-                    <a16:rowId xmlns:a16="http://schemas.microsoft.com/office/drawing/2014/main" xmlns="" val="2000346219"/>
+                    <a16:rowId xmlns:a16="http://schemas.microsoft.com/office/drawing/2014/main" val="2000346219"/>
                   </a:ext>
                 </a:extLst>
               </a:tr>
@@ -6384,7 +6640,7 @@
                 </a:tc>
                 <a:extLst>
                   <a:ext uri="{0D108BD9-81ED-4DB2-BD59-A6C34878D82A}">
-                    <a16:rowId xmlns:a16="http://schemas.microsoft.com/office/drawing/2014/main" xmlns="" val="1259835014"/>
+                    <a16:rowId xmlns:a16="http://schemas.microsoft.com/office/drawing/2014/main" val="1259835014"/>
                   </a:ext>
                 </a:extLst>
               </a:tr>
@@ -6463,7 +6719,7 @@
                 </a:tc>
                 <a:extLst>
                   <a:ext uri="{0D108BD9-81ED-4DB2-BD59-A6C34878D82A}">
-                    <a16:rowId xmlns:a16="http://schemas.microsoft.com/office/drawing/2014/main" xmlns="" val="1296301426"/>
+                    <a16:rowId xmlns:a16="http://schemas.microsoft.com/office/drawing/2014/main" val="1296301426"/>
                   </a:ext>
                 </a:extLst>
               </a:tr>
@@ -6540,7 +6796,7 @@
                 </a:tc>
                 <a:extLst>
                   <a:ext uri="{0D108BD9-81ED-4DB2-BD59-A6C34878D82A}">
-                    <a16:rowId xmlns:a16="http://schemas.microsoft.com/office/drawing/2014/main" xmlns="" val="3021451588"/>
+                    <a16:rowId xmlns:a16="http://schemas.microsoft.com/office/drawing/2014/main" val="3021451588"/>
                   </a:ext>
                 </a:extLst>
               </a:tr>
@@ -6642,7 +6898,7 @@
                 </a:tc>
                 <a:extLst>
                   <a:ext uri="{0D108BD9-81ED-4DB2-BD59-A6C34878D82A}">
-                    <a16:rowId xmlns:a16="http://schemas.microsoft.com/office/drawing/2014/main" xmlns="" val="2210988487"/>
+                    <a16:rowId xmlns:a16="http://schemas.microsoft.com/office/drawing/2014/main" val="2210988487"/>
                   </a:ext>
                 </a:extLst>
               </a:tr>
@@ -6719,7 +6975,7 @@
                 </a:tc>
                 <a:extLst>
                   <a:ext uri="{0D108BD9-81ED-4DB2-BD59-A6C34878D82A}">
-                    <a16:rowId xmlns:a16="http://schemas.microsoft.com/office/drawing/2014/main" xmlns="" val="1338885914"/>
+                    <a16:rowId xmlns:a16="http://schemas.microsoft.com/office/drawing/2014/main" val="1338885914"/>
                   </a:ext>
                 </a:extLst>
               </a:tr>
@@ -6798,7 +7054,7 @@
                 </a:tc>
                 <a:extLst>
                   <a:ext uri="{0D108BD9-81ED-4DB2-BD59-A6C34878D82A}">
-                    <a16:rowId xmlns:a16="http://schemas.microsoft.com/office/drawing/2014/main" xmlns="" val="1005504041"/>
+                    <a16:rowId xmlns:a16="http://schemas.microsoft.com/office/drawing/2014/main" val="1005504041"/>
                   </a:ext>
                 </a:extLst>
               </a:tr>
@@ -6829,14 +7085,14 @@
           <a:effectLst/>
           <a:extLst>
             <a:ext uri="{909E8E84-426E-40dd-AFC4-6F175D3DCCD1}">
-              <a14:hiddenFill xmlns:a14="http://schemas.microsoft.com/office/drawing/2010/main">
+              <a14:hiddenFill xmlns:a14="http://schemas.microsoft.com/office/drawing/2010/main" xmlns="">
                 <a:solidFill>
                   <a:schemeClr val="accent1"/>
                 </a:solidFill>
               </a14:hiddenFill>
             </a:ext>
             <a:ext uri="{91240B29-F687-4f45-9708-019B960494DF}">
-              <a14:hiddenLine xmlns:a14="http://schemas.microsoft.com/office/drawing/2010/main" w="9525">
+              <a14:hiddenLine xmlns:a14="http://schemas.microsoft.com/office/drawing/2010/main" xmlns="" w="9525">
                 <a:solidFill>
                   <a:schemeClr val="tx1"/>
                 </a:solidFill>
@@ -6846,7 +7102,7 @@
               </a14:hiddenLine>
             </a:ext>
             <a:ext uri="{AF507438-7753-43e0-B8FC-AC1667EBCBE1}">
-              <a14:hiddenEffects xmlns:a14="http://schemas.microsoft.com/office/drawing/2010/main">
+              <a14:hiddenEffects xmlns:a14="http://schemas.microsoft.com/office/drawing/2010/main" xmlns="">
                 <a:effectLst>
                   <a:outerShdw dist="35921" dir="2700000" algn="ctr" rotWithShape="0">
                     <a:schemeClr val="bg2"/>
@@ -6984,7 +7240,731 @@
   <p:timing>
     <p:tnLst>
       <p:par>
-        <p:cTn xmlns:p14="http://schemas.microsoft.com/office/powerpoint/2010/main" id="1" dur="indefinite" restart="never" nodeType="tmRoot"/>
+        <p:cTn id="1" dur="indefinite" restart="never" nodeType="tmRoot"/>
+      </p:par>
+    </p:tnLst>
+  </p:timing>
+</p:sld>
+</file>
+
+<file path=ppt/slides/slide17.xml><?xml version="1.0" encoding="utf-8"?>
+<p:sld xmlns:a="http://schemas.openxmlformats.org/drawingml/2006/main" xmlns:r="http://schemas.openxmlformats.org/officeDocument/2006/relationships" xmlns:p="http://schemas.openxmlformats.org/presentationml/2006/main">
+  <p:cSld>
+    <p:spTree>
+      <p:nvGrpSpPr>
+        <p:cNvPr id="1" name=""/>
+        <p:cNvGrpSpPr/>
+        <p:nvPr/>
+      </p:nvGrpSpPr>
+      <p:grpSpPr>
+        <a:xfrm>
+          <a:off x="0" y="0"/>
+          <a:ext cx="0" cy="0"/>
+          <a:chOff x="0" y="0"/>
+          <a:chExt cx="0" cy="0"/>
+        </a:xfrm>
+      </p:grpSpPr>
+      <p:sp>
+        <p:nvSpPr>
+          <p:cNvPr id="2" name="Title 1"/>
+          <p:cNvSpPr>
+            <a:spLocks noGrp="1"/>
+          </p:cNvSpPr>
+          <p:nvPr>
+            <p:ph type="title"/>
+          </p:nvPr>
+        </p:nvSpPr>
+        <p:spPr/>
+        <p:txBody>
+          <a:bodyPr/>
+          <a:lstStyle/>
+          <a:p>
+            <a:r>
+              <a:rPr lang="es-CO" dirty="0" smtClean="0"/>
+              <a:t>Funcionalidad del prototipo</a:t>
+            </a:r>
+            <a:endParaRPr lang="es-CO" dirty="0"/>
+          </a:p>
+        </p:txBody>
+      </p:sp>
+      <p:sp>
+        <p:nvSpPr>
+          <p:cNvPr id="3" name="Content Placeholder 2"/>
+          <p:cNvSpPr>
+            <a:spLocks noGrp="1"/>
+          </p:cNvSpPr>
+          <p:nvPr>
+            <p:ph idx="1"/>
+          </p:nvPr>
+        </p:nvSpPr>
+        <p:spPr>
+          <a:xfrm>
+            <a:off x="1289269" y="365218"/>
+            <a:ext cx="10058400" cy="3886200"/>
+          </a:xfrm>
+        </p:spPr>
+        <p:txBody>
+          <a:bodyPr/>
+          <a:lstStyle/>
+          <a:p>
+            <a:r>
+              <a:rPr lang="es-CO" dirty="0" smtClean="0"/>
+              <a:t>Automatización para la solicitud de un proyecto con APR </a:t>
+            </a:r>
+            <a:r>
+              <a:rPr lang="es-CO" dirty="0" err="1" smtClean="0"/>
+              <a:t>Solutions</a:t>
+            </a:r>
+            <a:r>
+              <a:rPr lang="es-CO" dirty="0" smtClean="0"/>
+              <a:t>.</a:t>
+            </a:r>
+          </a:p>
+          <a:p>
+            <a:r>
+              <a:rPr lang="es-CO" dirty="0" smtClean="0"/>
+              <a:t>El prototipo permite evaluar las condiciones requeridas para implementar un proyecto incluyendo costos , hardware , talento humano.</a:t>
+            </a:r>
+          </a:p>
+          <a:p>
+            <a:pPr marL="0" indent="0">
+              <a:buNone/>
+            </a:pPr>
+            <a:endParaRPr lang="es-CO" dirty="0"/>
+          </a:p>
+          <a:p>
+            <a:pPr marL="0" indent="0">
+              <a:buNone/>
+            </a:pPr>
+            <a:endParaRPr lang="es-CO" dirty="0"/>
+          </a:p>
+        </p:txBody>
+      </p:sp>
+      <p:pic>
+        <p:nvPicPr>
+          <p:cNvPr id="9" name="Picture 4"/>
+          <p:cNvPicPr>
+            <a:picLocks noChangeAspect="1"/>
+          </p:cNvPicPr>
+          <p:nvPr/>
+        </p:nvPicPr>
+        <p:blipFill>
+          <a:blip r:embed="rId2"/>
+          <a:stretch>
+            <a:fillRect/>
+          </a:stretch>
+        </p:blipFill>
+        <p:spPr>
+          <a:xfrm>
+            <a:off x="10132543" y="5834628"/>
+            <a:ext cx="1792712" cy="675824"/>
+          </a:xfrm>
+          <a:prstGeom prst="rect">
+            <a:avLst/>
+          </a:prstGeom>
+        </p:spPr>
+      </p:pic>
+      <p:pic>
+        <p:nvPicPr>
+          <p:cNvPr id="10" name="Picture 8" descr="Resultado de imagen para bonita soft"/>
+          <p:cNvPicPr>
+            <a:picLocks noChangeAspect="1" noChangeArrowheads="1"/>
+          </p:cNvPicPr>
+          <p:nvPr/>
+        </p:nvPicPr>
+        <p:blipFill>
+          <a:blip r:embed="rId3">
+            <a:extLst>
+              <a:ext uri="{28A0092B-C50C-407E-A947-70E740481C1C}">
+                <a14:useLocalDpi xmlns:a14="http://schemas.microsoft.com/office/drawing/2010/main" val="0"/>
+              </a:ext>
+            </a:extLst>
+          </a:blip>
+          <a:srcRect/>
+          <a:stretch>
+            <a:fillRect/>
+          </a:stretch>
+        </p:blipFill>
+        <p:spPr bwMode="auto">
+          <a:xfrm>
+            <a:off x="6594886" y="3027926"/>
+            <a:ext cx="5132826" cy="1632816"/>
+          </a:xfrm>
+          <a:prstGeom prst="rect">
+            <a:avLst/>
+          </a:prstGeom>
+          <a:noFill/>
+          <a:extLst>
+            <a:ext uri="{909E8E84-426E-40DD-AFC4-6F175D3DCCD1}">
+              <a14:hiddenFill xmlns:a14="http://schemas.microsoft.com/office/drawing/2010/main">
+                <a:solidFill>
+                  <a:srgbClr val="FFFFFF"/>
+                </a:solidFill>
+              </a14:hiddenFill>
+            </a:ext>
+          </a:extLst>
+        </p:spPr>
+      </p:pic>
+      <p:pic>
+        <p:nvPicPr>
+          <p:cNvPr id="11" name="Picture 4" descr="Resultado de imagen para aws"/>
+          <p:cNvPicPr>
+            <a:picLocks noChangeAspect="1" noChangeArrowheads="1"/>
+          </p:cNvPicPr>
+          <p:nvPr/>
+        </p:nvPicPr>
+        <p:blipFill>
+          <a:blip r:embed="rId4" cstate="print">
+            <a:extLst>
+              <a:ext uri="{28A0092B-C50C-407E-A947-70E740481C1C}">
+                <a14:useLocalDpi xmlns:a14="http://schemas.microsoft.com/office/drawing/2010/main" val="0"/>
+              </a:ext>
+            </a:extLst>
+          </a:blip>
+          <a:srcRect/>
+          <a:stretch>
+            <a:fillRect/>
+          </a:stretch>
+        </p:blipFill>
+        <p:spPr bwMode="auto">
+          <a:xfrm>
+            <a:off x="1289269" y="3172184"/>
+            <a:ext cx="3722914" cy="1399816"/>
+          </a:xfrm>
+          <a:prstGeom prst="rect">
+            <a:avLst/>
+          </a:prstGeom>
+          <a:noFill/>
+          <a:extLst>
+            <a:ext uri="{909E8E84-426E-40DD-AFC4-6F175D3DCCD1}">
+              <a14:hiddenFill xmlns:a14="http://schemas.microsoft.com/office/drawing/2010/main">
+                <a:solidFill>
+                  <a:srgbClr val="FFFFFF"/>
+                </a:solidFill>
+              </a14:hiddenFill>
+            </a:ext>
+          </a:extLst>
+        </p:spPr>
+      </p:pic>
+    </p:spTree>
+    <p:extLst>
+      <p:ext uri="{BB962C8B-B14F-4D97-AF65-F5344CB8AC3E}">
+        <p14:creationId xmlns:p14="http://schemas.microsoft.com/office/powerpoint/2010/main" val="2091598609"/>
+      </p:ext>
+    </p:extLst>
+  </p:cSld>
+  <p:clrMapOvr>
+    <a:masterClrMapping/>
+  </p:clrMapOvr>
+  <p:timing>
+    <p:tnLst>
+      <p:par>
+        <p:cTn id="1" dur="indefinite" restart="never" nodeType="tmRoot"/>
+      </p:par>
+    </p:tnLst>
+  </p:timing>
+</p:sld>
+</file>
+
+<file path=ppt/slides/slide18.xml><?xml version="1.0" encoding="utf-8"?>
+<p:sld xmlns:a="http://schemas.openxmlformats.org/drawingml/2006/main" xmlns:r="http://schemas.openxmlformats.org/officeDocument/2006/relationships" xmlns:p="http://schemas.openxmlformats.org/presentationml/2006/main">
+  <p:cSld>
+    <p:spTree>
+      <p:nvGrpSpPr>
+        <p:cNvPr id="1" name=""/>
+        <p:cNvGrpSpPr/>
+        <p:nvPr/>
+      </p:nvGrpSpPr>
+      <p:grpSpPr>
+        <a:xfrm>
+          <a:off x="0" y="0"/>
+          <a:ext cx="0" cy="0"/>
+          <a:chOff x="0" y="0"/>
+          <a:chExt cx="0" cy="0"/>
+        </a:xfrm>
+      </p:grpSpPr>
+      <p:pic>
+        <p:nvPicPr>
+          <p:cNvPr id="6" name="Picture 5"/>
+          <p:cNvPicPr>
+            <a:picLocks noChangeAspect="1"/>
+          </p:cNvPicPr>
+          <p:nvPr/>
+        </p:nvPicPr>
+        <p:blipFill>
+          <a:blip r:embed="rId2">
+            <a:extLst>
+              <a:ext uri="{28A0092B-C50C-407E-A947-70E740481C1C}">
+                <a14:useLocalDpi xmlns:a14="http://schemas.microsoft.com/office/drawing/2010/main" val="0"/>
+              </a:ext>
+            </a:extLst>
+          </a:blip>
+          <a:stretch>
+            <a:fillRect/>
+          </a:stretch>
+        </p:blipFill>
+        <p:spPr>
+          <a:xfrm>
+            <a:off x="956930" y="172041"/>
+            <a:ext cx="10249786" cy="5760925"/>
+          </a:xfrm>
+          <a:prstGeom prst="rect">
+            <a:avLst/>
+          </a:prstGeom>
+        </p:spPr>
+      </p:pic>
+      <p:pic>
+        <p:nvPicPr>
+          <p:cNvPr id="5" name="Picture 4"/>
+          <p:cNvPicPr>
+            <a:picLocks noChangeAspect="1"/>
+          </p:cNvPicPr>
+          <p:nvPr/>
+        </p:nvPicPr>
+        <p:blipFill>
+          <a:blip r:embed="rId3"/>
+          <a:stretch>
+            <a:fillRect/>
+          </a:stretch>
+        </p:blipFill>
+        <p:spPr>
+          <a:xfrm>
+            <a:off x="10132543" y="5834628"/>
+            <a:ext cx="1792712" cy="675824"/>
+          </a:xfrm>
+          <a:prstGeom prst="rect">
+            <a:avLst/>
+          </a:prstGeom>
+        </p:spPr>
+      </p:pic>
+    </p:spTree>
+    <p:extLst>
+      <p:ext uri="{BB962C8B-B14F-4D97-AF65-F5344CB8AC3E}">
+        <p14:creationId xmlns:p14="http://schemas.microsoft.com/office/powerpoint/2010/main" val="1899267210"/>
+      </p:ext>
+    </p:extLst>
+  </p:cSld>
+  <p:clrMapOvr>
+    <a:masterClrMapping/>
+  </p:clrMapOvr>
+  <p:timing>
+    <p:tnLst>
+      <p:par>
+        <p:cTn id="1" dur="indefinite" restart="never" nodeType="tmRoot"/>
+      </p:par>
+    </p:tnLst>
+  </p:timing>
+</p:sld>
+</file>
+
+<file path=ppt/slides/slide19.xml><?xml version="1.0" encoding="utf-8"?>
+<p:sld xmlns:a="http://schemas.openxmlformats.org/drawingml/2006/main" xmlns:r="http://schemas.openxmlformats.org/officeDocument/2006/relationships" xmlns:p="http://schemas.openxmlformats.org/presentationml/2006/main">
+  <p:cSld>
+    <p:spTree>
+      <p:nvGrpSpPr>
+        <p:cNvPr id="1" name=""/>
+        <p:cNvGrpSpPr/>
+        <p:nvPr/>
+      </p:nvGrpSpPr>
+      <p:grpSpPr>
+        <a:xfrm>
+          <a:off x="0" y="0"/>
+          <a:ext cx="0" cy="0"/>
+          <a:chOff x="0" y="0"/>
+          <a:chExt cx="0" cy="0"/>
+        </a:xfrm>
+      </p:grpSpPr>
+      <p:sp>
+        <p:nvSpPr>
+          <p:cNvPr id="4" name="Title 1"/>
+          <p:cNvSpPr txBox="1">
+            <a:spLocks/>
+          </p:cNvSpPr>
+          <p:nvPr/>
+        </p:nvSpPr>
+        <p:spPr>
+          <a:xfrm>
+            <a:off x="937691" y="5343194"/>
+            <a:ext cx="9042400" cy="1600200"/>
+          </a:xfrm>
+          <a:prstGeom prst="rect">
+            <a:avLst/>
+          </a:prstGeom>
+        </p:spPr>
+        <p:txBody>
+          <a:bodyPr/>
+          <a:lstStyle>
+            <a:lvl1pPr algn="l" defTabSz="914400" rtl="0" eaLnBrk="1" latinLnBrk="0" hangingPunct="1">
+              <a:spcBef>
+                <a:spcPct val="0"/>
+              </a:spcBef>
+              <a:buNone/>
+              <a:defRPr sz="5400" kern="1200">
+                <a:solidFill>
+                  <a:schemeClr val="tx1">
+                    <a:lumMod val="85000"/>
+                    <a:lumOff val="15000"/>
+                  </a:schemeClr>
+                </a:solidFill>
+                <a:latin typeface="+mj-lt"/>
+                <a:ea typeface="+mj-ea"/>
+                <a:cs typeface="+mj-cs"/>
+              </a:defRPr>
+            </a:lvl1pPr>
+            <a:lvl2pPr eaLnBrk="1" hangingPunct="1">
+              <a:defRPr>
+                <a:solidFill>
+                  <a:schemeClr val="tx2"/>
+                </a:solidFill>
+              </a:defRPr>
+            </a:lvl2pPr>
+            <a:lvl3pPr eaLnBrk="1" hangingPunct="1">
+              <a:defRPr>
+                <a:solidFill>
+                  <a:schemeClr val="tx2"/>
+                </a:solidFill>
+              </a:defRPr>
+            </a:lvl3pPr>
+            <a:lvl4pPr eaLnBrk="1" hangingPunct="1">
+              <a:defRPr>
+                <a:solidFill>
+                  <a:schemeClr val="tx2"/>
+                </a:solidFill>
+              </a:defRPr>
+            </a:lvl4pPr>
+            <a:lvl5pPr eaLnBrk="1" hangingPunct="1">
+              <a:defRPr>
+                <a:solidFill>
+                  <a:schemeClr val="tx2"/>
+                </a:solidFill>
+              </a:defRPr>
+            </a:lvl5pPr>
+            <a:lvl6pPr eaLnBrk="1" hangingPunct="1">
+              <a:defRPr>
+                <a:solidFill>
+                  <a:schemeClr val="tx2"/>
+                </a:solidFill>
+              </a:defRPr>
+            </a:lvl6pPr>
+            <a:lvl7pPr eaLnBrk="1" hangingPunct="1">
+              <a:defRPr>
+                <a:solidFill>
+                  <a:schemeClr val="tx2"/>
+                </a:solidFill>
+              </a:defRPr>
+            </a:lvl7pPr>
+            <a:lvl8pPr eaLnBrk="1" hangingPunct="1">
+              <a:defRPr>
+                <a:solidFill>
+                  <a:schemeClr val="tx2"/>
+                </a:solidFill>
+              </a:defRPr>
+            </a:lvl8pPr>
+            <a:lvl9pPr eaLnBrk="1" hangingPunct="1">
+              <a:defRPr>
+                <a:solidFill>
+                  <a:schemeClr val="tx2"/>
+                </a:solidFill>
+              </a:defRPr>
+            </a:lvl9pPr>
+          </a:lstStyle>
+          <a:p>
+            <a:r>
+              <a:rPr lang="es-CO" dirty="0" smtClean="0"/>
+              <a:t>Arquitectura del prototipo</a:t>
+            </a:r>
+            <a:endParaRPr lang="es-CO" dirty="0"/>
+          </a:p>
+        </p:txBody>
+      </p:sp>
+      <p:sp>
+        <p:nvSpPr>
+          <p:cNvPr id="8" name="TextBox 7"/>
+          <p:cNvSpPr txBox="1"/>
+          <p:nvPr/>
+        </p:nvSpPr>
+        <p:spPr>
+          <a:xfrm>
+            <a:off x="1406406" y="3119039"/>
+            <a:ext cx="1382110" cy="707886"/>
+          </a:xfrm>
+          <a:prstGeom prst="rect">
+            <a:avLst/>
+          </a:prstGeom>
+          <a:noFill/>
+        </p:spPr>
+        <p:txBody>
+          <a:bodyPr wrap="none" rtlCol="0">
+            <a:spAutoFit/>
+          </a:bodyPr>
+          <a:lstStyle/>
+          <a:p>
+            <a:r>
+              <a:rPr lang="es-CO" sz="4000" dirty="0" smtClean="0">
+                <a:latin typeface="+mj-lt"/>
+              </a:rPr>
+              <a:t>Roles</a:t>
+            </a:r>
+            <a:endParaRPr lang="es-CO" sz="4000" dirty="0">
+              <a:latin typeface="+mj-lt"/>
+            </a:endParaRPr>
+          </a:p>
+        </p:txBody>
+      </p:sp>
+      <p:pic>
+        <p:nvPicPr>
+          <p:cNvPr id="10" name="Picture 9"/>
+          <p:cNvPicPr>
+            <a:picLocks noChangeAspect="1"/>
+          </p:cNvPicPr>
+          <p:nvPr/>
+        </p:nvPicPr>
+        <p:blipFill>
+          <a:blip r:embed="rId2">
+            <a:extLst>
+              <a:ext uri="{28A0092B-C50C-407E-A947-70E740481C1C}">
+                <a14:useLocalDpi xmlns:a14="http://schemas.microsoft.com/office/drawing/2010/main" val="0"/>
+              </a:ext>
+            </a:extLst>
+          </a:blip>
+          <a:stretch>
+            <a:fillRect/>
+          </a:stretch>
+        </p:blipFill>
+        <p:spPr>
+          <a:xfrm>
+            <a:off x="3278207" y="3369219"/>
+            <a:ext cx="1123382" cy="1123382"/>
+          </a:xfrm>
+          <a:prstGeom prst="rect">
+            <a:avLst/>
+          </a:prstGeom>
+        </p:spPr>
+      </p:pic>
+      <p:pic>
+        <p:nvPicPr>
+          <p:cNvPr id="16" name="Picture 15"/>
+          <p:cNvPicPr>
+            <a:picLocks noChangeAspect="1"/>
+          </p:cNvPicPr>
+          <p:nvPr/>
+        </p:nvPicPr>
+        <p:blipFill>
+          <a:blip r:embed="rId3">
+            <a:extLst>
+              <a:ext uri="{28A0092B-C50C-407E-A947-70E740481C1C}">
+                <a14:useLocalDpi xmlns:a14="http://schemas.microsoft.com/office/drawing/2010/main" val="0"/>
+              </a:ext>
+            </a:extLst>
+          </a:blip>
+          <a:stretch>
+            <a:fillRect/>
+          </a:stretch>
+        </p:blipFill>
+        <p:spPr>
+          <a:xfrm>
+            <a:off x="5826476" y="3296729"/>
+            <a:ext cx="1195872" cy="1195872"/>
+          </a:xfrm>
+          <a:prstGeom prst="rect">
+            <a:avLst/>
+          </a:prstGeom>
+        </p:spPr>
+      </p:pic>
+      <p:pic>
+        <p:nvPicPr>
+          <p:cNvPr id="17" name="Picture 16"/>
+          <p:cNvPicPr>
+            <a:picLocks noChangeAspect="1"/>
+          </p:cNvPicPr>
+          <p:nvPr/>
+        </p:nvPicPr>
+        <p:blipFill>
+          <a:blip r:embed="rId4">
+            <a:extLst>
+              <a:ext uri="{28A0092B-C50C-407E-A947-70E740481C1C}">
+                <a14:useLocalDpi xmlns:a14="http://schemas.microsoft.com/office/drawing/2010/main" val="0"/>
+              </a:ext>
+            </a:extLst>
+          </a:blip>
+          <a:stretch>
+            <a:fillRect/>
+          </a:stretch>
+        </p:blipFill>
+        <p:spPr>
+          <a:xfrm>
+            <a:off x="8447235" y="3296729"/>
+            <a:ext cx="1071590" cy="1071590"/>
+          </a:xfrm>
+          <a:prstGeom prst="rect">
+            <a:avLst/>
+          </a:prstGeom>
+        </p:spPr>
+      </p:pic>
+      <p:sp>
+        <p:nvSpPr>
+          <p:cNvPr id="19" name="TextBox 18"/>
+          <p:cNvSpPr txBox="1"/>
+          <p:nvPr/>
+        </p:nvSpPr>
+        <p:spPr>
+          <a:xfrm>
+            <a:off x="3405803" y="4530381"/>
+            <a:ext cx="788999" cy="338554"/>
+          </a:xfrm>
+          <a:prstGeom prst="rect">
+            <a:avLst/>
+          </a:prstGeom>
+          <a:noFill/>
+        </p:spPr>
+        <p:txBody>
+          <a:bodyPr wrap="none" rtlCol="0">
+            <a:spAutoFit/>
+          </a:bodyPr>
+          <a:lstStyle/>
+          <a:p>
+            <a:r>
+              <a:rPr lang="es-CO" sz="1600" dirty="0" smtClean="0">
+                <a:latin typeface="+mj-lt"/>
+              </a:rPr>
+              <a:t>Cliente</a:t>
+            </a:r>
+            <a:endParaRPr lang="es-CO" sz="1600" dirty="0">
+              <a:latin typeface="+mj-lt"/>
+            </a:endParaRPr>
+          </a:p>
+        </p:txBody>
+      </p:sp>
+      <p:sp>
+        <p:nvSpPr>
+          <p:cNvPr id="20" name="TextBox 19"/>
+          <p:cNvSpPr txBox="1"/>
+          <p:nvPr/>
+        </p:nvSpPr>
+        <p:spPr>
+          <a:xfrm>
+            <a:off x="5781067" y="4531292"/>
+            <a:ext cx="1356462" cy="338554"/>
+          </a:xfrm>
+          <a:prstGeom prst="rect">
+            <a:avLst/>
+          </a:prstGeom>
+          <a:noFill/>
+        </p:spPr>
+        <p:txBody>
+          <a:bodyPr wrap="none" rtlCol="0">
+            <a:spAutoFit/>
+          </a:bodyPr>
+          <a:lstStyle/>
+          <a:p>
+            <a:r>
+              <a:rPr lang="es-CO" sz="1600" dirty="0" smtClean="0">
+                <a:latin typeface="+mj-lt"/>
+              </a:rPr>
+              <a:t>Desarrollador</a:t>
+            </a:r>
+            <a:endParaRPr lang="es-CO" sz="1600" dirty="0">
+              <a:latin typeface="+mj-lt"/>
+            </a:endParaRPr>
+          </a:p>
+        </p:txBody>
+      </p:sp>
+      <p:sp>
+        <p:nvSpPr>
+          <p:cNvPr id="21" name="TextBox 20"/>
+          <p:cNvSpPr txBox="1"/>
+          <p:nvPr/>
+        </p:nvSpPr>
+        <p:spPr>
+          <a:xfrm>
+            <a:off x="8024004" y="4526500"/>
+            <a:ext cx="1875835" cy="338554"/>
+          </a:xfrm>
+          <a:prstGeom prst="rect">
+            <a:avLst/>
+          </a:prstGeom>
+          <a:noFill/>
+        </p:spPr>
+        <p:txBody>
+          <a:bodyPr wrap="none" rtlCol="0">
+            <a:spAutoFit/>
+          </a:bodyPr>
+          <a:lstStyle/>
+          <a:p>
+            <a:r>
+              <a:rPr lang="es-CO" sz="1600" dirty="0" smtClean="0">
+                <a:latin typeface="+mj-lt"/>
+              </a:rPr>
+              <a:t>Gerente De Finanzas</a:t>
+            </a:r>
+            <a:endParaRPr lang="es-CO" sz="1600" dirty="0">
+              <a:latin typeface="+mj-lt"/>
+            </a:endParaRPr>
+          </a:p>
+        </p:txBody>
+      </p:sp>
+      <p:pic>
+        <p:nvPicPr>
+          <p:cNvPr id="22" name="Picture 21"/>
+          <p:cNvPicPr>
+            <a:picLocks noChangeAspect="1"/>
+          </p:cNvPicPr>
+          <p:nvPr/>
+        </p:nvPicPr>
+        <p:blipFill>
+          <a:blip r:embed="rId5"/>
+          <a:stretch>
+            <a:fillRect/>
+          </a:stretch>
+        </p:blipFill>
+        <p:spPr>
+          <a:xfrm>
+            <a:off x="10132543" y="5834628"/>
+            <a:ext cx="1792712" cy="675824"/>
+          </a:xfrm>
+          <a:prstGeom prst="rect">
+            <a:avLst/>
+          </a:prstGeom>
+        </p:spPr>
+      </p:pic>
+      <p:pic>
+        <p:nvPicPr>
+          <p:cNvPr id="24" name="Picture 23"/>
+          <p:cNvPicPr>
+            <a:picLocks noChangeAspect="1"/>
+          </p:cNvPicPr>
+          <p:nvPr/>
+        </p:nvPicPr>
+        <p:blipFill>
+          <a:blip r:embed="rId6"/>
+          <a:stretch>
+            <a:fillRect/>
+          </a:stretch>
+        </p:blipFill>
+        <p:spPr>
+          <a:xfrm>
+            <a:off x="3064099" y="535244"/>
+            <a:ext cx="6025670" cy="2564472"/>
+          </a:xfrm>
+          <a:prstGeom prst="rect">
+            <a:avLst/>
+          </a:prstGeom>
+        </p:spPr>
+      </p:pic>
+    </p:spTree>
+    <p:extLst>
+      <p:ext uri="{BB962C8B-B14F-4D97-AF65-F5344CB8AC3E}">
+        <p14:creationId xmlns:p14="http://schemas.microsoft.com/office/powerpoint/2010/main" val="3429691152"/>
+      </p:ext>
+    </p:extLst>
+  </p:cSld>
+  <p:clrMapOvr>
+    <a:masterClrMapping/>
+  </p:clrMapOvr>
+  <p:timing>
+    <p:tnLst>
+      <p:par>
+        <p:cTn id="1" dur="indefinite" restart="never" nodeType="tmRoot"/>
       </p:par>
     </p:tnLst>
   </p:timing>
@@ -7024,129 +8004,16 @@
           <a:lstStyle/>
           <a:p>
             <a:r>
+              <a:rPr lang="en-US" dirty="0" err="1" smtClean="0"/>
+              <a:t>Descripción</a:t>
+            </a:r>
+            <a:r>
               <a:rPr lang="en-US" dirty="0" smtClean="0"/>
-              <a:t>Historia</a:t>
-            </a:r>
-            <a:endParaRPr lang="en-US" dirty="0"/>
-          </a:p>
-        </p:txBody>
-      </p:sp>
-      <p:sp>
-        <p:nvSpPr>
-          <p:cNvPr id="3" name="Content Placeholder 2"/>
-          <p:cNvSpPr>
-            <a:spLocks noGrp="1"/>
-          </p:cNvSpPr>
-          <p:nvPr>
-            <p:ph idx="1"/>
-          </p:nvPr>
-        </p:nvSpPr>
-        <p:spPr/>
-        <p:txBody>
-          <a:bodyPr>
-            <a:normAutofit/>
-          </a:bodyPr>
-          <a:lstStyle/>
-          <a:p>
-            <a:r>
-              <a:rPr lang="es-CO" dirty="0"/>
-              <a:t>APR SOLUTIONS se creó tras la iniciativa de Javier Granados, se creó la idea implementar servicios de tecnología enfocados al ámbito del desarrollo de procesos dentro de las organizaciones, con el fin de prestar un servicio innovador, donde una máquina con componentes de hardware y software además de inteligencia artificial cumpliera con las necesidades requeridas por el cliente estas máquinas se conocerán con el nombre de asistentes virtuales y tendrán la característica de </a:t>
-            </a:r>
-            <a:r>
-              <a:rPr lang="es-CO" dirty="0" smtClean="0"/>
-              <a:t>auto-atención</a:t>
-            </a:r>
-            <a:r>
-              <a:rPr lang="es-CO" dirty="0" smtClean="0"/>
-              <a:t>, </a:t>
-            </a:r>
-            <a:r>
-              <a:rPr lang="es-CO" dirty="0"/>
-              <a:t>además de que serán un recurso que representará a la marca (cliente). La empresa quiere brindar a otras organizaciones la mejor experiencia, rendimiento y economía posible.</a:t>
-            </a:r>
-            <a:endParaRPr lang="en-US" dirty="0"/>
-          </a:p>
-        </p:txBody>
-      </p:sp>
-      <p:pic>
-        <p:nvPicPr>
-          <p:cNvPr id="5" name="Picture 4"/>
-          <p:cNvPicPr>
-            <a:picLocks noChangeAspect="1"/>
-          </p:cNvPicPr>
-          <p:nvPr/>
-        </p:nvPicPr>
-        <p:blipFill>
-          <a:blip r:embed="rId2"/>
-          <a:stretch>
-            <a:fillRect/>
-          </a:stretch>
-        </p:blipFill>
-        <p:spPr>
-          <a:xfrm>
-            <a:off x="10132543" y="5834628"/>
-            <a:ext cx="1792712" cy="675824"/>
-          </a:xfrm>
-          <a:prstGeom prst="rect">
-            <a:avLst/>
-          </a:prstGeom>
-        </p:spPr>
-      </p:pic>
-    </p:spTree>
-    <p:extLst>
-      <p:ext uri="{BB962C8B-B14F-4D97-AF65-F5344CB8AC3E}">
-        <p14:creationId xmlns:p14="http://schemas.microsoft.com/office/powerpoint/2010/main" val="3355058506"/>
-      </p:ext>
-    </p:extLst>
-  </p:cSld>
-  <p:clrMapOvr>
-    <a:masterClrMapping/>
-  </p:clrMapOvr>
-  <p:timing>
-    <p:tnLst>
-      <p:par>
-        <p:cTn xmlns:p14="http://schemas.microsoft.com/office/powerpoint/2010/main" id="1" dur="indefinite" restart="never" nodeType="tmRoot"/>
-      </p:par>
-    </p:tnLst>
-  </p:timing>
-</p:sld>
-</file>
-
-<file path=ppt/slides/slide3.xml><?xml version="1.0" encoding="utf-8"?>
-<p:sld xmlns:a="http://schemas.openxmlformats.org/drawingml/2006/main" xmlns:r="http://schemas.openxmlformats.org/officeDocument/2006/relationships" xmlns:p="http://schemas.openxmlformats.org/presentationml/2006/main">
-  <p:cSld>
-    <p:spTree>
-      <p:nvGrpSpPr>
-        <p:cNvPr id="1" name=""/>
-        <p:cNvGrpSpPr/>
-        <p:nvPr/>
-      </p:nvGrpSpPr>
-      <p:grpSpPr>
-        <a:xfrm>
-          <a:off x="0" y="0"/>
-          <a:ext cx="0" cy="0"/>
-          <a:chOff x="0" y="0"/>
-          <a:chExt cx="0" cy="0"/>
-        </a:xfrm>
-      </p:grpSpPr>
-      <p:sp>
-        <p:nvSpPr>
-          <p:cNvPr id="2" name="Title 1"/>
-          <p:cNvSpPr>
-            <a:spLocks noGrp="1"/>
-          </p:cNvSpPr>
-          <p:nvPr>
-            <p:ph type="title"/>
-          </p:nvPr>
-        </p:nvSpPr>
-        <p:spPr/>
-        <p:txBody>
-          <a:bodyPr/>
-          <a:lstStyle/>
-          <a:p>
+              <a:t> de la </a:t>
+            </a:r>
             <a:r>
               <a:rPr lang="en-US" dirty="0" err="1" smtClean="0"/>
-              <a:t>Misión</a:t>
+              <a:t>empresa</a:t>
             </a:r>
             <a:endParaRPr lang="en-US" dirty="0"/>
           </a:p>
@@ -7212,14 +8079,14 @@
   <p:timing>
     <p:tnLst>
       <p:par>
-        <p:cTn xmlns:p14="http://schemas.microsoft.com/office/powerpoint/2010/main" id="1" dur="indefinite" restart="never" nodeType="tmRoot"/>
+        <p:cTn id="1" dur="indefinite" restart="never" nodeType="tmRoot"/>
       </p:par>
     </p:tnLst>
   </p:timing>
 </p:sld>
 </file>
 
-<file path=ppt/slides/slide4.xml><?xml version="1.0" encoding="utf-8"?>
+<file path=ppt/slides/slide20.xml><?xml version="1.0" encoding="utf-8"?>
 <p:sld xmlns:a="http://schemas.openxmlformats.org/drawingml/2006/main" xmlns:r="http://schemas.openxmlformats.org/officeDocument/2006/relationships" xmlns:p="http://schemas.openxmlformats.org/presentationml/2006/main">
   <p:cSld>
     <p:spTree>
@@ -7248,68 +8115,27 @@
         </p:nvSpPr>
         <p:spPr/>
         <p:txBody>
-          <a:bodyPr/>
+          <a:bodyPr>
+            <a:normAutofit fontScale="90000"/>
+          </a:bodyPr>
           <a:lstStyle/>
           <a:p>
             <a:r>
-              <a:rPr lang="en-US" dirty="0" err="1" smtClean="0"/>
-              <a:t>Visión</a:t>
-            </a:r>
-            <a:endParaRPr lang="en-US" dirty="0"/>
-          </a:p>
-        </p:txBody>
-      </p:sp>
-      <p:sp>
-        <p:nvSpPr>
-          <p:cNvPr id="3" name="Content Placeholder 2"/>
-          <p:cNvSpPr>
-            <a:spLocks noGrp="1"/>
-          </p:cNvSpPr>
-          <p:nvPr>
-            <p:ph idx="1"/>
-          </p:nvPr>
-        </p:nvSpPr>
-        <p:spPr/>
-        <p:txBody>
-          <a:bodyPr/>
-          <a:lstStyle/>
-          <a:p>
-            <a:r>
-              <a:rPr lang="es-CO" dirty="0"/>
-              <a:t>APR SOLUTIONS quiere ser una empresa innovadora, reconocida y próspera, la cual ayude en el desarrollo y la cultura de servicio al cliente en las empresas. Teniendo en cuenta la integración de información y desarrollo de estrategias de crecimiento y mantenimiento de clientes.</a:t>
-            </a:r>
-            <a:endParaRPr lang="en-US" dirty="0"/>
-          </a:p>
-        </p:txBody>
-      </p:sp>
-      <p:pic>
-        <p:nvPicPr>
-          <p:cNvPr id="4" name="Picture 4"/>
-          <p:cNvPicPr>
-            <a:picLocks noChangeAspect="1"/>
-          </p:cNvPicPr>
-          <p:nvPr/>
-        </p:nvPicPr>
-        <p:blipFill>
-          <a:blip r:embed="rId2"/>
-          <a:stretch>
-            <a:fillRect/>
-          </a:stretch>
-        </p:blipFill>
-        <p:spPr>
-          <a:xfrm>
-            <a:off x="10132543" y="5834628"/>
-            <a:ext cx="1792712" cy="675824"/>
-          </a:xfrm>
-          <a:prstGeom prst="rect">
-            <a:avLst/>
-          </a:prstGeom>
-        </p:spPr>
-      </p:pic>
+              <a:rPr lang="es-CO" dirty="0" smtClean="0"/>
+              <a:t>	</a:t>
+            </a:r>
+            <a:r>
+              <a:rPr lang="es-CO" sz="20000" dirty="0" smtClean="0"/>
+              <a:t>GRACIAS </a:t>
+            </a:r>
+            <a:endParaRPr lang="es-CO" dirty="0"/>
+          </a:p>
+        </p:txBody>
+      </p:sp>
     </p:spTree>
     <p:extLst>
       <p:ext uri="{BB962C8B-B14F-4D97-AF65-F5344CB8AC3E}">
-        <p14:creationId xmlns:p14="http://schemas.microsoft.com/office/powerpoint/2010/main" val="2902247955"/>
+        <p14:creationId xmlns:p14="http://schemas.microsoft.com/office/powerpoint/2010/main" val="1112367335"/>
       </p:ext>
     </p:extLst>
   </p:cSld>
@@ -7319,14 +8145,14 @@
   <p:timing>
     <p:tnLst>
       <p:par>
-        <p:cTn xmlns:p14="http://schemas.microsoft.com/office/powerpoint/2010/main" id="1" dur="indefinite" restart="never" nodeType="tmRoot"/>
+        <p:cTn id="1" dur="indefinite" restart="never" nodeType="tmRoot"/>
       </p:par>
     </p:tnLst>
   </p:timing>
 </p:sld>
 </file>
 
-<file path=ppt/slides/slide5.xml><?xml version="1.0" encoding="utf-8"?>
+<file path=ppt/slides/slide3.xml><?xml version="1.0" encoding="utf-8"?>
 <p:sld xmlns:a="http://schemas.openxmlformats.org/drawingml/2006/main" xmlns:r="http://schemas.openxmlformats.org/officeDocument/2006/relationships" xmlns:p="http://schemas.openxmlformats.org/presentationml/2006/main">
   <p:cSld>
     <p:spTree>
@@ -7359,14 +8185,10 @@
           <a:lstStyle/>
           <a:p>
             <a:r>
-              <a:rPr lang="en-US" dirty="0" err="1" smtClean="0"/>
-              <a:t>Objetivo</a:t>
-            </a:r>
-            <a:r>
-              <a:rPr lang="en-US" dirty="0" smtClean="0"/>
-              <a:t> general</a:t>
-            </a:r>
-            <a:endParaRPr lang="en-US" dirty="0"/>
+              <a:rPr lang="es-CO" dirty="0" smtClean="0"/>
+              <a:t>Objetivo de este proyecto.</a:t>
+            </a:r>
+            <a:endParaRPr lang="es-CO" dirty="0"/>
           </a:p>
         </p:txBody>
       </p:sp>
@@ -7385,66 +8207,28 @@
           <a:bodyPr/>
           <a:lstStyle/>
           <a:p>
-            <a:pPr marL="0" indent="0">
-              <a:buNone/>
-            </a:pPr>
-            <a:r>
-              <a:rPr lang="es-CO" dirty="0" smtClean="0"/>
-              <a:t>Ofrecer </a:t>
-            </a:r>
             <a:r>
               <a:rPr lang="es-CO" dirty="0"/>
-              <a:t>innovación mediante el desarrollo de nuestras máquinas inteligentes, utilizando inteligencia artificial y una red neuronal artificial, con el fin de incorporar a todo tipo de mercado una interacción más real persona-computadora; mediante la distribución y comercialización de nuestros productos a nuestros clientes.</a:t>
-            </a:r>
-            <a:endParaRPr lang="en-US" dirty="0"/>
-          </a:p>
-        </p:txBody>
-      </p:sp>
-      <p:pic>
-        <p:nvPicPr>
-          <p:cNvPr id="4" name="Picture 4"/>
-          <p:cNvPicPr>
-            <a:picLocks noChangeAspect="1"/>
-          </p:cNvPicPr>
-          <p:nvPr/>
-        </p:nvPicPr>
-        <p:blipFill>
-          <a:blip r:embed="rId2"/>
-          <a:stretch>
-            <a:fillRect/>
-          </a:stretch>
-        </p:blipFill>
-        <p:spPr>
-          <a:xfrm>
-            <a:off x="10132543" y="5834628"/>
-            <a:ext cx="1792712" cy="675824"/>
-          </a:xfrm>
-          <a:prstGeom prst="rect">
-            <a:avLst/>
-          </a:prstGeom>
-        </p:spPr>
-      </p:pic>
+              <a:t>APR SOLUTIONS será la empresa más innovadora, reconocida y próspera mundialmente, la cual ayude en el desarrollo y la cultura de servicio al cliente en las empresas. Teniendo en cuenta la integración de información y desarrollo de estrategias de crecimiento y mantenimiento de clientes.</a:t>
+            </a:r>
+            <a:endParaRPr lang="es-CO" dirty="0"/>
+          </a:p>
+        </p:txBody>
+      </p:sp>
     </p:spTree>
     <p:extLst>
       <p:ext uri="{BB962C8B-B14F-4D97-AF65-F5344CB8AC3E}">
-        <p14:creationId xmlns:p14="http://schemas.microsoft.com/office/powerpoint/2010/main" val="4271547994"/>
+        <p14:creationId xmlns:p14="http://schemas.microsoft.com/office/powerpoint/2010/main" val="3132380787"/>
       </p:ext>
     </p:extLst>
   </p:cSld>
   <p:clrMapOvr>
     <a:masterClrMapping/>
   </p:clrMapOvr>
-  <p:timing>
-    <p:tnLst>
-      <p:par>
-        <p:cTn xmlns:p14="http://schemas.microsoft.com/office/powerpoint/2010/main" id="1" dur="indefinite" restart="never" nodeType="tmRoot"/>
-      </p:par>
-    </p:tnLst>
-  </p:timing>
 </p:sld>
 </file>
 
-<file path=ppt/slides/slide6.xml><?xml version="1.0" encoding="utf-8"?>
+<file path=ppt/slides/slide4.xml><?xml version="1.0" encoding="utf-8"?>
 <p:sld xmlns:a="http://schemas.openxmlformats.org/drawingml/2006/main" xmlns:r="http://schemas.openxmlformats.org/officeDocument/2006/relationships" xmlns:p="http://schemas.openxmlformats.org/presentationml/2006/main">
   <p:cSld>
     <p:spTree>
@@ -7540,14 +8324,14 @@
   <p:timing>
     <p:tnLst>
       <p:par>
-        <p:cTn xmlns:p14="http://schemas.microsoft.com/office/powerpoint/2010/main" id="1" dur="indefinite" restart="never" nodeType="tmRoot"/>
+        <p:cTn id="1" dur="indefinite" restart="never" nodeType="tmRoot"/>
       </p:par>
     </p:tnLst>
   </p:timing>
 </p:sld>
 </file>
 
-<file path=ppt/slides/slide7.xml><?xml version="1.0" encoding="utf-8"?>
+<file path=ppt/slides/slide5.xml><?xml version="1.0" encoding="utf-8"?>
 <p:sld xmlns:a="http://schemas.openxmlformats.org/drawingml/2006/main" xmlns:r="http://schemas.openxmlformats.org/officeDocument/2006/relationships" xmlns:p="http://schemas.openxmlformats.org/presentationml/2006/main">
   <p:cSld>
     <p:spTree>
@@ -7625,14 +8409,14 @@
   <p:timing>
     <p:tnLst>
       <p:par>
-        <p:cTn xmlns:p14="http://schemas.microsoft.com/office/powerpoint/2010/main" id="1" dur="indefinite" restart="never" nodeType="tmRoot"/>
+        <p:cTn id="1" dur="indefinite" restart="never" nodeType="tmRoot"/>
       </p:par>
     </p:tnLst>
   </p:timing>
 </p:sld>
 </file>
 
-<file path=ppt/slides/slide8.xml><?xml version="1.0" encoding="utf-8"?>
+<file path=ppt/slides/slide6.xml><?xml version="1.0" encoding="utf-8"?>
 <p:sld xmlns:a="http://schemas.openxmlformats.org/drawingml/2006/main" xmlns:r="http://schemas.openxmlformats.org/officeDocument/2006/relationships" xmlns:p="http://schemas.openxmlformats.org/presentationml/2006/main">
   <p:cSld>
     <p:spTree>
@@ -7710,14 +8494,14 @@
   <p:timing>
     <p:tnLst>
       <p:par>
-        <p:cTn xmlns:p14="http://schemas.microsoft.com/office/powerpoint/2010/main" id="1" dur="indefinite" restart="never" nodeType="tmRoot"/>
+        <p:cTn id="1" dur="indefinite" restart="never" nodeType="tmRoot"/>
       </p:par>
     </p:tnLst>
   </p:timing>
 </p:sld>
 </file>
 
-<file path=ppt/slides/slide9.xml><?xml version="1.0" encoding="utf-8"?>
+<file path=ppt/slides/slide7.xml><?xml version="1.0" encoding="utf-8"?>
 <p:sld xmlns:a="http://schemas.openxmlformats.org/drawingml/2006/main" xmlns:r="http://schemas.openxmlformats.org/officeDocument/2006/relationships" xmlns:p="http://schemas.openxmlformats.org/presentationml/2006/main">
   <p:cSld>
     <p:spTree>
@@ -7795,7 +8579,244 @@
   <p:timing>
     <p:tnLst>
       <p:par>
-        <p:cTn xmlns:p14="http://schemas.microsoft.com/office/powerpoint/2010/main" id="1" dur="indefinite" restart="never" nodeType="tmRoot"/>
+        <p:cTn id="1" dur="indefinite" restart="never" nodeType="tmRoot"/>
+      </p:par>
+    </p:tnLst>
+  </p:timing>
+</p:sld>
+</file>
+
+<file path=ppt/slides/slide8.xml><?xml version="1.0" encoding="utf-8"?>
+<p:sld xmlns:a="http://schemas.openxmlformats.org/drawingml/2006/main" xmlns:r="http://schemas.openxmlformats.org/officeDocument/2006/relationships" xmlns:p="http://schemas.openxmlformats.org/presentationml/2006/main">
+  <p:cSld>
+    <p:spTree>
+      <p:nvGrpSpPr>
+        <p:cNvPr id="1" name=""/>
+        <p:cNvGrpSpPr/>
+        <p:nvPr/>
+      </p:nvGrpSpPr>
+      <p:grpSpPr>
+        <a:xfrm>
+          <a:off x="0" y="0"/>
+          <a:ext cx="0" cy="0"/>
+          <a:chOff x="0" y="0"/>
+          <a:chExt cx="0" cy="0"/>
+        </a:xfrm>
+      </p:grpSpPr>
+      <p:sp>
+        <p:nvSpPr>
+          <p:cNvPr id="2" name="Title 1"/>
+          <p:cNvSpPr>
+            <a:spLocks noGrp="1"/>
+          </p:cNvSpPr>
+          <p:nvPr>
+            <p:ph type="title"/>
+          </p:nvPr>
+        </p:nvSpPr>
+        <p:spPr/>
+        <p:txBody>
+          <a:bodyPr/>
+          <a:lstStyle/>
+          <a:p>
+            <a:r>
+              <a:rPr lang="en-US" dirty="0" err="1" smtClean="0"/>
+              <a:t>StakeHolders</a:t>
+            </a:r>
+            <a:endParaRPr lang="en-US" dirty="0"/>
+          </a:p>
+        </p:txBody>
+      </p:sp>
+      <p:sp>
+        <p:nvSpPr>
+          <p:cNvPr id="3" name="Content Placeholder 2"/>
+          <p:cNvSpPr>
+            <a:spLocks noGrp="1"/>
+          </p:cNvSpPr>
+          <p:nvPr>
+            <p:ph idx="1"/>
+          </p:nvPr>
+        </p:nvSpPr>
+        <p:spPr/>
+        <p:txBody>
+          <a:bodyPr>
+            <a:normAutofit lnSpcReduction="10000"/>
+          </a:bodyPr>
+          <a:lstStyle/>
+          <a:p>
+            <a:pPr fontAlgn="base"/>
+            <a:r>
+              <a:rPr lang="es-CO" dirty="0"/>
+              <a:t>Javier Ricardo Granados López (CEO): siendo CEO de la compañía, es uno de los más interesados en estudios que se realicen para implementar tecnologías nuevas y beneficiosas para la organización, ya que es quien vela por el crecimiento continuo, la innovación en todas las áreas y el mejoramiento de los procesos.</a:t>
+            </a:r>
+          </a:p>
+          <a:p>
+            <a:pPr fontAlgn="base"/>
+            <a:r>
+              <a:rPr lang="es-CO" dirty="0"/>
+              <a:t>Dentro del marco de la implementación del proceso de desarrollo del prototipo, también se verá involucrado un cliente asignado para el prototipo para este caso una casa de desarrollo aliada </a:t>
+            </a:r>
+            <a:r>
+              <a:rPr lang="es-CO" dirty="0" err="1"/>
+              <a:t>TurriSystem</a:t>
+            </a:r>
+            <a:r>
+              <a:rPr lang="es-CO" dirty="0"/>
+              <a:t> LTDA.</a:t>
+            </a:r>
+          </a:p>
+          <a:p>
+            <a:pPr fontAlgn="base"/>
+            <a:r>
+              <a:rPr lang="es-CO" dirty="0"/>
+              <a:t>Empleados</a:t>
+            </a:r>
+          </a:p>
+          <a:p>
+            <a:pPr fontAlgn="base"/>
+            <a:r>
+              <a:rPr lang="es-CO" dirty="0"/>
+              <a:t>Proveedores</a:t>
+            </a:r>
+          </a:p>
+          <a:p>
+            <a:endParaRPr lang="en-US" dirty="0"/>
+          </a:p>
+        </p:txBody>
+      </p:sp>
+      <p:pic>
+        <p:nvPicPr>
+          <p:cNvPr id="4" name="Picture 4"/>
+          <p:cNvPicPr>
+            <a:picLocks noChangeAspect="1"/>
+          </p:cNvPicPr>
+          <p:nvPr/>
+        </p:nvPicPr>
+        <p:blipFill>
+          <a:blip r:embed="rId2"/>
+          <a:stretch>
+            <a:fillRect/>
+          </a:stretch>
+        </p:blipFill>
+        <p:spPr>
+          <a:xfrm>
+            <a:off x="10132543" y="5834628"/>
+            <a:ext cx="1792712" cy="675824"/>
+          </a:xfrm>
+          <a:prstGeom prst="rect">
+            <a:avLst/>
+          </a:prstGeom>
+        </p:spPr>
+      </p:pic>
+    </p:spTree>
+    <p:extLst>
+      <p:ext uri="{BB962C8B-B14F-4D97-AF65-F5344CB8AC3E}">
+        <p14:creationId xmlns:p14="http://schemas.microsoft.com/office/powerpoint/2010/main" val="26534353"/>
+      </p:ext>
+    </p:extLst>
+  </p:cSld>
+  <p:clrMapOvr>
+    <a:masterClrMapping/>
+  </p:clrMapOvr>
+  <p:timing>
+    <p:tnLst>
+      <p:par>
+        <p:cTn id="1" dur="indefinite" restart="never" nodeType="tmRoot"/>
+      </p:par>
+    </p:tnLst>
+  </p:timing>
+</p:sld>
+</file>
+
+<file path=ppt/slides/slide9.xml><?xml version="1.0" encoding="utf-8"?>
+<p:sld xmlns:a="http://schemas.openxmlformats.org/drawingml/2006/main" xmlns:r="http://schemas.openxmlformats.org/officeDocument/2006/relationships" xmlns:p="http://schemas.openxmlformats.org/presentationml/2006/main">
+  <p:cSld>
+    <p:spTree>
+      <p:nvGrpSpPr>
+        <p:cNvPr id="1" name=""/>
+        <p:cNvGrpSpPr/>
+        <p:nvPr/>
+      </p:nvGrpSpPr>
+      <p:grpSpPr>
+        <a:xfrm>
+          <a:off x="0" y="0"/>
+          <a:ext cx="0" cy="0"/>
+          <a:chOff x="0" y="0"/>
+          <a:chExt cx="0" cy="0"/>
+        </a:xfrm>
+      </p:grpSpPr>
+      <p:sp>
+        <p:nvSpPr>
+          <p:cNvPr id="2" name="Title 1"/>
+          <p:cNvSpPr>
+            <a:spLocks noGrp="1"/>
+          </p:cNvSpPr>
+          <p:nvPr>
+            <p:ph type="ctrTitle"/>
+          </p:nvPr>
+        </p:nvSpPr>
+        <p:spPr>
+          <a:xfrm>
+            <a:off x="2711448" y="1528231"/>
+            <a:ext cx="6815669" cy="2891369"/>
+          </a:xfrm>
+        </p:spPr>
+        <p:txBody>
+          <a:bodyPr/>
+          <a:lstStyle/>
+          <a:p>
+            <a:r>
+              <a:rPr lang="en-US" dirty="0" smtClean="0"/>
+              <a:t>MODELO OPERACIONAL</a:t>
+            </a:r>
+            <a:br>
+              <a:rPr lang="en-US" dirty="0" smtClean="0"/>
+            </a:br>
+            <a:r>
+              <a:rPr lang="en-US" dirty="0" smtClean="0"/>
+              <a:t>Base</a:t>
+            </a:r>
+            <a:endParaRPr lang="en-US" dirty="0"/>
+          </a:p>
+        </p:txBody>
+      </p:sp>
+      <p:pic>
+        <p:nvPicPr>
+          <p:cNvPr id="3" name="Picture 4"/>
+          <p:cNvPicPr>
+            <a:picLocks noChangeAspect="1"/>
+          </p:cNvPicPr>
+          <p:nvPr/>
+        </p:nvPicPr>
+        <p:blipFill>
+          <a:blip r:embed="rId2"/>
+          <a:stretch>
+            <a:fillRect/>
+          </a:stretch>
+        </p:blipFill>
+        <p:spPr>
+          <a:xfrm>
+            <a:off x="10132543" y="5834628"/>
+            <a:ext cx="1792712" cy="675824"/>
+          </a:xfrm>
+          <a:prstGeom prst="rect">
+            <a:avLst/>
+          </a:prstGeom>
+        </p:spPr>
+      </p:pic>
+    </p:spTree>
+    <p:extLst>
+      <p:ext uri="{BB962C8B-B14F-4D97-AF65-F5344CB8AC3E}">
+        <p14:creationId xmlns:p14="http://schemas.microsoft.com/office/powerpoint/2010/main" val="3002417542"/>
+      </p:ext>
+    </p:extLst>
+  </p:cSld>
+  <p:clrMapOvr>
+    <a:masterClrMapping/>
+  </p:clrMapOvr>
+  <p:timing>
+    <p:tnLst>
+      <p:par>
+        <p:cTn id="1" dur="indefinite" restart="never" nodeType="tmRoot"/>
       </p:par>
     </p:tnLst>
   </p:timing>
@@ -8075,4 +9096,265 @@
   <a:objectDefaults/>
   <a:extraClrSchemeLst/>
 </a:theme>
+</file>
+
+<file path=ppt/theme/theme2.xml><?xml version="1.0" encoding="utf-8"?>
+<a:theme xmlns:a="http://schemas.openxmlformats.org/drawingml/2006/main" name="Office Theme">
+  <a:themeElements>
+    <a:clrScheme name="Office">
+      <a:dk1>
+        <a:sysClr val="windowText" lastClr="000000"/>
+      </a:dk1>
+      <a:lt1>
+        <a:sysClr val="window" lastClr="FFFFFF"/>
+      </a:lt1>
+      <a:dk2>
+        <a:srgbClr val="44546A"/>
+      </a:dk2>
+      <a:lt2>
+        <a:srgbClr val="E7E6E6"/>
+      </a:lt2>
+      <a:accent1>
+        <a:srgbClr val="5B9BD5"/>
+      </a:accent1>
+      <a:accent2>
+        <a:srgbClr val="ED7D31"/>
+      </a:accent2>
+      <a:accent3>
+        <a:srgbClr val="A5A5A5"/>
+      </a:accent3>
+      <a:accent4>
+        <a:srgbClr val="FFC000"/>
+      </a:accent4>
+      <a:accent5>
+        <a:srgbClr val="4472C4"/>
+      </a:accent5>
+      <a:accent6>
+        <a:srgbClr val="70AD47"/>
+      </a:accent6>
+      <a:hlink>
+        <a:srgbClr val="0563C1"/>
+      </a:hlink>
+      <a:folHlink>
+        <a:srgbClr val="954F72"/>
+      </a:folHlink>
+    </a:clrScheme>
+    <a:fontScheme name="Office">
+      <a:majorFont>
+        <a:latin typeface="Calibri Light" panose="020F0302020204030204"/>
+        <a:ea typeface=""/>
+        <a:cs typeface=""/>
+        <a:font script="Jpan" typeface="游ゴシック Light"/>
+        <a:font script="Hang" typeface="맑은 고딕"/>
+        <a:font script="Hans" typeface="等线 Light"/>
+        <a:font script="Hant" typeface="新細明體"/>
+        <a:font script="Arab" typeface="Times New Roman"/>
+        <a:font script="Hebr" typeface="Times New Roman"/>
+        <a:font script="Thai" typeface="Angsana New"/>
+        <a:font script="Ethi" typeface="Nyala"/>
+        <a:font script="Beng" typeface="Vrinda"/>
+        <a:font script="Gujr" typeface="Shruti"/>
+        <a:font script="Khmr" typeface="MoolBoran"/>
+        <a:font script="Knda" typeface="Tunga"/>
+        <a:font script="Guru" typeface="Raavi"/>
+        <a:font script="Cans" typeface="Euphemia"/>
+        <a:font script="Cher" typeface="Plantagenet Cherokee"/>
+        <a:font script="Yiii" typeface="Microsoft Yi Baiti"/>
+        <a:font script="Tibt" typeface="Microsoft Himalaya"/>
+        <a:font script="Thaa" typeface="MV Boli"/>
+        <a:font script="Deva" typeface="Mangal"/>
+        <a:font script="Telu" typeface="Gautami"/>
+        <a:font script="Taml" typeface="Latha"/>
+        <a:font script="Syrc" typeface="Estrangelo Edessa"/>
+        <a:font script="Orya" typeface="Kalinga"/>
+        <a:font script="Mlym" typeface="Kartika"/>
+        <a:font script="Laoo" typeface="DokChampa"/>
+        <a:font script="Sinh" typeface="Iskoola Pota"/>
+        <a:font script="Mong" typeface="Mongolian Baiti"/>
+        <a:font script="Viet" typeface="Times New Roman"/>
+        <a:font script="Uigh" typeface="Microsoft Uighur"/>
+        <a:font script="Geor" typeface="Sylfaen"/>
+      </a:majorFont>
+      <a:minorFont>
+        <a:latin typeface="Calibri" panose="020F0502020204030204"/>
+        <a:ea typeface=""/>
+        <a:cs typeface=""/>
+        <a:font script="Jpan" typeface="游ゴシック"/>
+        <a:font script="Hang" typeface="맑은 고딕"/>
+        <a:font script="Hans" typeface="等线"/>
+        <a:font script="Hant" typeface="新細明體"/>
+        <a:font script="Arab" typeface="Arial"/>
+        <a:font script="Hebr" typeface="Arial"/>
+        <a:font script="Thai" typeface="Cordia New"/>
+        <a:font script="Ethi" typeface="Nyala"/>
+        <a:font script="Beng" typeface="Vrinda"/>
+        <a:font script="Gujr" typeface="Shruti"/>
+        <a:font script="Khmr" typeface="DaunPenh"/>
+        <a:font script="Knda" typeface="Tunga"/>
+        <a:font script="Guru" typeface="Raavi"/>
+        <a:font script="Cans" typeface="Euphemia"/>
+        <a:font script="Cher" typeface="Plantagenet Cherokee"/>
+        <a:font script="Yiii" typeface="Microsoft Yi Baiti"/>
+        <a:font script="Tibt" typeface="Microsoft Himalaya"/>
+        <a:font script="Thaa" typeface="MV Boli"/>
+        <a:font script="Deva" typeface="Mangal"/>
+        <a:font script="Telu" typeface="Gautami"/>
+        <a:font script="Taml" typeface="Latha"/>
+        <a:font script="Syrc" typeface="Estrangelo Edessa"/>
+        <a:font script="Orya" typeface="Kalinga"/>
+        <a:font script="Mlym" typeface="Kartika"/>
+        <a:font script="Laoo" typeface="DokChampa"/>
+        <a:font script="Sinh" typeface="Iskoola Pota"/>
+        <a:font script="Mong" typeface="Mongolian Baiti"/>
+        <a:font script="Viet" typeface="Arial"/>
+        <a:font script="Uigh" typeface="Microsoft Uighur"/>
+        <a:font script="Geor" typeface="Sylfaen"/>
+      </a:minorFont>
+    </a:fontScheme>
+    <a:fmtScheme name="Office">
+      <a:fillStyleLst>
+        <a:solidFill>
+          <a:schemeClr val="phClr"/>
+        </a:solidFill>
+        <a:gradFill rotWithShape="1">
+          <a:gsLst>
+            <a:gs pos="0">
+              <a:schemeClr val="phClr">
+                <a:lumMod val="110000"/>
+                <a:satMod val="105000"/>
+                <a:tint val="67000"/>
+              </a:schemeClr>
+            </a:gs>
+            <a:gs pos="50000">
+              <a:schemeClr val="phClr">
+                <a:lumMod val="105000"/>
+                <a:satMod val="103000"/>
+                <a:tint val="73000"/>
+              </a:schemeClr>
+            </a:gs>
+            <a:gs pos="100000">
+              <a:schemeClr val="phClr">
+                <a:lumMod val="105000"/>
+                <a:satMod val="109000"/>
+                <a:tint val="81000"/>
+              </a:schemeClr>
+            </a:gs>
+          </a:gsLst>
+          <a:lin ang="5400000" scaled="0"/>
+        </a:gradFill>
+        <a:gradFill rotWithShape="1">
+          <a:gsLst>
+            <a:gs pos="0">
+              <a:schemeClr val="phClr">
+                <a:satMod val="103000"/>
+                <a:lumMod val="102000"/>
+                <a:tint val="94000"/>
+              </a:schemeClr>
+            </a:gs>
+            <a:gs pos="50000">
+              <a:schemeClr val="phClr">
+                <a:satMod val="110000"/>
+                <a:lumMod val="100000"/>
+                <a:shade val="100000"/>
+              </a:schemeClr>
+            </a:gs>
+            <a:gs pos="100000">
+              <a:schemeClr val="phClr">
+                <a:lumMod val="99000"/>
+                <a:satMod val="120000"/>
+                <a:shade val="78000"/>
+              </a:schemeClr>
+            </a:gs>
+          </a:gsLst>
+          <a:lin ang="5400000" scaled="0"/>
+        </a:gradFill>
+      </a:fillStyleLst>
+      <a:lnStyleLst>
+        <a:ln w="6350" cap="flat" cmpd="sng" algn="ctr">
+          <a:solidFill>
+            <a:schemeClr val="phClr"/>
+          </a:solidFill>
+          <a:prstDash val="solid"/>
+          <a:miter lim="800000"/>
+        </a:ln>
+        <a:ln w="12700" cap="flat" cmpd="sng" algn="ctr">
+          <a:solidFill>
+            <a:schemeClr val="phClr"/>
+          </a:solidFill>
+          <a:prstDash val="solid"/>
+          <a:miter lim="800000"/>
+        </a:ln>
+        <a:ln w="19050" cap="flat" cmpd="sng" algn="ctr">
+          <a:solidFill>
+            <a:schemeClr val="phClr"/>
+          </a:solidFill>
+          <a:prstDash val="solid"/>
+          <a:miter lim="800000"/>
+        </a:ln>
+      </a:lnStyleLst>
+      <a:effectStyleLst>
+        <a:effectStyle>
+          <a:effectLst/>
+        </a:effectStyle>
+        <a:effectStyle>
+          <a:effectLst/>
+        </a:effectStyle>
+        <a:effectStyle>
+          <a:effectLst>
+            <a:outerShdw blurRad="57150" dist="19050" dir="5400000" algn="ctr" rotWithShape="0">
+              <a:srgbClr val="000000">
+                <a:alpha val="63000"/>
+              </a:srgbClr>
+            </a:outerShdw>
+          </a:effectLst>
+        </a:effectStyle>
+      </a:effectStyleLst>
+      <a:bgFillStyleLst>
+        <a:solidFill>
+          <a:schemeClr val="phClr"/>
+        </a:solidFill>
+        <a:solidFill>
+          <a:schemeClr val="phClr">
+            <a:tint val="95000"/>
+            <a:satMod val="170000"/>
+          </a:schemeClr>
+        </a:solidFill>
+        <a:gradFill rotWithShape="1">
+          <a:gsLst>
+            <a:gs pos="0">
+              <a:schemeClr val="phClr">
+                <a:tint val="93000"/>
+                <a:satMod val="150000"/>
+                <a:shade val="98000"/>
+                <a:lumMod val="102000"/>
+              </a:schemeClr>
+            </a:gs>
+            <a:gs pos="50000">
+              <a:schemeClr val="phClr">
+                <a:tint val="98000"/>
+                <a:satMod val="130000"/>
+                <a:shade val="90000"/>
+                <a:lumMod val="103000"/>
+              </a:schemeClr>
+            </a:gs>
+            <a:gs pos="100000">
+              <a:schemeClr val="phClr">
+                <a:shade val="63000"/>
+                <a:satMod val="120000"/>
+              </a:schemeClr>
+            </a:gs>
+          </a:gsLst>
+          <a:lin ang="5400000" scaled="0"/>
+        </a:gradFill>
+      </a:bgFillStyleLst>
+    </a:fmtScheme>
+  </a:themeElements>
+  <a:objectDefaults/>
+  <a:extraClrSchemeLst/>
+  <a:extLst>
+    <a:ext uri="{05A4C25C-085E-4340-85A3-A5531E510DB2}">
+      <thm15:themeFamily xmlns:thm15="http://schemas.microsoft.com/office/thememl/2012/main" name="Office Theme" id="{62F939B6-93AF-4DB8-9C6B-D6C7DFDC589F}" vid="{4A3C46E8-61CC-4603-A589-7422A47A8E4A}"/>
+    </a:ext>
+  </a:extLst>
+</a:theme>
 </file>